--- a/Concevoir/06_ConceptionsDiverses/TD_09_GrueHydraulique/images/Figures.pptx
+++ b/Concevoir/06_ConceptionsDiverses/TD_09_GrueHydraulique/images/Figures.pptx
@@ -7,6 +7,8 @@
   <p:sldIdLst>
     <p:sldId id="256" r:id="rId2"/>
     <p:sldId id="257" r:id="rId3"/>
+    <p:sldId id="258" r:id="rId4"/>
+    <p:sldId id="259" r:id="rId5"/>
   </p:sldIdLst>
   <p:sldSz cx="9144000" cy="6858000" type="screen4x3"/>
   <p:notesSz cx="6858000" cy="9144000"/>
@@ -289,7 +291,7 @@
           <a:p>
             <a:fld id="{AA309A6D-C09C-4548-B29A-6CF363A7E532}" type="datetimeFigureOut">
               <a:rPr lang="fr-FR" smtClean="0"/>
-              <a:t>16/04/2015</a:t>
+              <a:t>17/04/2015</a:t>
             </a:fld>
             <a:endParaRPr lang="fr-BE"/>
           </a:p>
@@ -454,7 +456,7 @@
           <a:p>
             <a:fld id="{AA309A6D-C09C-4548-B29A-6CF363A7E532}" type="datetimeFigureOut">
               <a:rPr lang="fr-FR" smtClean="0"/>
-              <a:t>16/04/2015</a:t>
+              <a:t>17/04/2015</a:t>
             </a:fld>
             <a:endParaRPr lang="fr-BE"/>
           </a:p>
@@ -629,7 +631,7 @@
           <a:p>
             <a:fld id="{AA309A6D-C09C-4548-B29A-6CF363A7E532}" type="datetimeFigureOut">
               <a:rPr lang="fr-FR" smtClean="0"/>
-              <a:t>16/04/2015</a:t>
+              <a:t>17/04/2015</a:t>
             </a:fld>
             <a:endParaRPr lang="fr-BE"/>
           </a:p>
@@ -794,7 +796,7 @@
           <a:p>
             <a:fld id="{AA309A6D-C09C-4548-B29A-6CF363A7E532}" type="datetimeFigureOut">
               <a:rPr lang="fr-FR" smtClean="0"/>
-              <a:t>16/04/2015</a:t>
+              <a:t>17/04/2015</a:t>
             </a:fld>
             <a:endParaRPr lang="fr-BE"/>
           </a:p>
@@ -1035,7 +1037,7 @@
           <a:p>
             <a:fld id="{AA309A6D-C09C-4548-B29A-6CF363A7E532}" type="datetimeFigureOut">
               <a:rPr lang="fr-FR" smtClean="0"/>
-              <a:t>16/04/2015</a:t>
+              <a:t>17/04/2015</a:t>
             </a:fld>
             <a:endParaRPr lang="fr-BE"/>
           </a:p>
@@ -1318,7 +1320,7 @@
           <a:p>
             <a:fld id="{AA309A6D-C09C-4548-B29A-6CF363A7E532}" type="datetimeFigureOut">
               <a:rPr lang="fr-FR" smtClean="0"/>
-              <a:t>16/04/2015</a:t>
+              <a:t>17/04/2015</a:t>
             </a:fld>
             <a:endParaRPr lang="fr-BE"/>
           </a:p>
@@ -1735,7 +1737,7 @@
           <a:p>
             <a:fld id="{AA309A6D-C09C-4548-B29A-6CF363A7E532}" type="datetimeFigureOut">
               <a:rPr lang="fr-FR" smtClean="0"/>
-              <a:t>16/04/2015</a:t>
+              <a:t>17/04/2015</a:t>
             </a:fld>
             <a:endParaRPr lang="fr-BE"/>
           </a:p>
@@ -1848,7 +1850,7 @@
           <a:p>
             <a:fld id="{AA309A6D-C09C-4548-B29A-6CF363A7E532}" type="datetimeFigureOut">
               <a:rPr lang="fr-FR" smtClean="0"/>
-              <a:t>16/04/2015</a:t>
+              <a:t>17/04/2015</a:t>
             </a:fld>
             <a:endParaRPr lang="fr-BE"/>
           </a:p>
@@ -1938,7 +1940,7 @@
           <a:p>
             <a:fld id="{AA309A6D-C09C-4548-B29A-6CF363A7E532}" type="datetimeFigureOut">
               <a:rPr lang="fr-FR" smtClean="0"/>
-              <a:t>16/04/2015</a:t>
+              <a:t>17/04/2015</a:t>
             </a:fld>
             <a:endParaRPr lang="fr-BE"/>
           </a:p>
@@ -2210,7 +2212,7 @@
           <a:p>
             <a:fld id="{AA309A6D-C09C-4548-B29A-6CF363A7E532}" type="datetimeFigureOut">
               <a:rPr lang="fr-FR" smtClean="0"/>
-              <a:t>16/04/2015</a:t>
+              <a:t>17/04/2015</a:t>
             </a:fld>
             <a:endParaRPr lang="fr-BE"/>
           </a:p>
@@ -2458,7 +2460,7 @@
           <a:p>
             <a:fld id="{AA309A6D-C09C-4548-B29A-6CF363A7E532}" type="datetimeFigureOut">
               <a:rPr lang="fr-FR" smtClean="0"/>
-              <a:t>16/04/2015</a:t>
+              <a:t>17/04/2015</a:t>
             </a:fld>
             <a:endParaRPr lang="fr-BE"/>
           </a:p>
@@ -2666,7 +2668,7 @@
           <a:p>
             <a:fld id="{AA309A6D-C09C-4548-B29A-6CF363A7E532}" type="datetimeFigureOut">
               <a:rPr lang="fr-FR" smtClean="0"/>
-              <a:t>16/04/2015</a:t>
+              <a:t>17/04/2015</a:t>
             </a:fld>
             <a:endParaRPr lang="fr-BE"/>
           </a:p>
@@ -9813,10 +9815,6790 @@
           </a:fontRef>
         </p:style>
       </p:cxnSp>
+      <p:cxnSp>
+        <p:nvCxnSpPr>
+          <p:cNvPr id="3" name="Connecteur droit avec flèche 2"/>
+          <p:cNvCxnSpPr>
+            <a:endCxn id="5" idx="3"/>
+          </p:cNvCxnSpPr>
+          <p:nvPr/>
+        </p:nvCxnSpPr>
+        <p:spPr>
+          <a:xfrm flipV="1">
+            <a:off x="1547664" y="1982270"/>
+            <a:ext cx="149643" cy="183305"/>
+          </a:xfrm>
+          <a:prstGeom prst="straightConnector1">
+            <a:avLst/>
+          </a:prstGeom>
+          <a:ln w="12700">
+            <a:solidFill>
+              <a:srgbClr val="002060"/>
+            </a:solidFill>
+            <a:tailEnd type="stealth" w="med" len="lg"/>
+          </a:ln>
+        </p:spPr>
+        <p:style>
+          <a:lnRef idx="1">
+            <a:schemeClr val="accent1"/>
+          </a:lnRef>
+          <a:fillRef idx="0">
+            <a:schemeClr val="accent1"/>
+          </a:fillRef>
+          <a:effectRef idx="0">
+            <a:schemeClr val="accent1"/>
+          </a:effectRef>
+          <a:fontRef idx="minor">
+            <a:schemeClr val="tx1"/>
+          </a:fontRef>
+        </p:style>
+      </p:cxnSp>
+      <p:cxnSp>
+        <p:nvCxnSpPr>
+          <p:cNvPr id="77" name="Connecteur droit avec flèche 76"/>
+          <p:cNvCxnSpPr/>
+          <p:nvPr/>
+        </p:nvCxnSpPr>
+        <p:spPr>
+          <a:xfrm flipH="1">
+            <a:off x="1439652" y="2165575"/>
+            <a:ext cx="108012" cy="0"/>
+          </a:xfrm>
+          <a:prstGeom prst="straightConnector1">
+            <a:avLst/>
+          </a:prstGeom>
+          <a:ln w="12700">
+            <a:solidFill>
+              <a:srgbClr val="002060"/>
+            </a:solidFill>
+            <a:headEnd type="none" w="med" len="med"/>
+            <a:tailEnd type="none" w="med" len="med"/>
+          </a:ln>
+        </p:spPr>
+        <p:style>
+          <a:lnRef idx="1">
+            <a:schemeClr val="accent1"/>
+          </a:lnRef>
+          <a:fillRef idx="0">
+            <a:schemeClr val="accent1"/>
+          </a:fillRef>
+          <a:effectRef idx="0">
+            <a:schemeClr val="accent1"/>
+          </a:effectRef>
+          <a:fontRef idx="minor">
+            <a:schemeClr val="tx1"/>
+          </a:fontRef>
+        </p:style>
+      </p:cxnSp>
+      <p:cxnSp>
+        <p:nvCxnSpPr>
+          <p:cNvPr id="81" name="Connecteur droit avec flèche 80"/>
+          <p:cNvCxnSpPr>
+            <a:endCxn id="145" idx="3"/>
+          </p:cNvCxnSpPr>
+          <p:nvPr/>
+        </p:nvCxnSpPr>
+        <p:spPr>
+          <a:xfrm flipH="1">
+            <a:off x="4374434" y="1563993"/>
+            <a:ext cx="126260" cy="119717"/>
+          </a:xfrm>
+          <a:prstGeom prst="straightConnector1">
+            <a:avLst/>
+          </a:prstGeom>
+          <a:ln w="12700">
+            <a:solidFill>
+              <a:srgbClr val="002060"/>
+            </a:solidFill>
+            <a:tailEnd type="stealth" w="med" len="lg"/>
+          </a:ln>
+        </p:spPr>
+        <p:style>
+          <a:lnRef idx="1">
+            <a:schemeClr val="accent1"/>
+          </a:lnRef>
+          <a:fillRef idx="0">
+            <a:schemeClr val="accent1"/>
+          </a:fillRef>
+          <a:effectRef idx="0">
+            <a:schemeClr val="accent1"/>
+          </a:effectRef>
+          <a:fontRef idx="minor">
+            <a:schemeClr val="tx1"/>
+          </a:fontRef>
+        </p:style>
+      </p:cxnSp>
+      <p:cxnSp>
+        <p:nvCxnSpPr>
+          <p:cNvPr id="82" name="Connecteur droit avec flèche 81"/>
+          <p:cNvCxnSpPr/>
+          <p:nvPr/>
+        </p:nvCxnSpPr>
+        <p:spPr>
+          <a:xfrm flipH="1">
+            <a:off x="4500694" y="1563993"/>
+            <a:ext cx="108012" cy="0"/>
+          </a:xfrm>
+          <a:prstGeom prst="straightConnector1">
+            <a:avLst/>
+          </a:prstGeom>
+          <a:ln w="12700">
+            <a:solidFill>
+              <a:srgbClr val="002060"/>
+            </a:solidFill>
+            <a:headEnd type="none" w="med" len="med"/>
+            <a:tailEnd type="none" w="med" len="med"/>
+          </a:ln>
+        </p:spPr>
+        <p:style>
+          <a:lnRef idx="1">
+            <a:schemeClr val="accent1"/>
+          </a:lnRef>
+          <a:fillRef idx="0">
+            <a:schemeClr val="accent1"/>
+          </a:fillRef>
+          <a:effectRef idx="0">
+            <a:schemeClr val="accent1"/>
+          </a:effectRef>
+          <a:fontRef idx="minor">
+            <a:schemeClr val="tx1"/>
+          </a:fontRef>
+        </p:style>
+      </p:cxnSp>
+      <p:sp>
+        <p:nvSpPr>
+          <p:cNvPr id="17" name="ZoneTexte 16"/>
+          <p:cNvSpPr txBox="1"/>
+          <p:nvPr/>
+        </p:nvSpPr>
+        <p:spPr>
+          <a:xfrm>
+            <a:off x="1014187" y="1998308"/>
+            <a:ext cx="582466" cy="246221"/>
+          </a:xfrm>
+          <a:prstGeom prst="rect">
+            <a:avLst/>
+          </a:prstGeom>
+          <a:noFill/>
+        </p:spPr>
+        <p:txBody>
+          <a:bodyPr wrap="square" rtlCol="0">
+            <a:spAutoFit/>
+          </a:bodyPr>
+          <a:lstStyle/>
+          <a:p>
+            <a:r>
+              <a:rPr lang="fr-FR" sz="1000" dirty="0" smtClean="0"/>
+              <a:t>R 37,5</a:t>
+            </a:r>
+            <a:endParaRPr lang="fr-FR" sz="1000" dirty="0"/>
+          </a:p>
+        </p:txBody>
+      </p:sp>
+      <p:sp>
+        <p:nvSpPr>
+          <p:cNvPr id="86" name="ZoneTexte 85"/>
+          <p:cNvSpPr txBox="1"/>
+          <p:nvPr/>
+        </p:nvSpPr>
+        <p:spPr>
+          <a:xfrm>
+            <a:off x="4609323" y="1440882"/>
+            <a:ext cx="582466" cy="246221"/>
+          </a:xfrm>
+          <a:prstGeom prst="rect">
+            <a:avLst/>
+          </a:prstGeom>
+          <a:noFill/>
+        </p:spPr>
+        <p:txBody>
+          <a:bodyPr wrap="square" rtlCol="0">
+            <a:spAutoFit/>
+          </a:bodyPr>
+          <a:lstStyle/>
+          <a:p>
+            <a:r>
+              <a:rPr lang="fr-FR" sz="1000" dirty="0" smtClean="0"/>
+              <a:t>R 25</a:t>
+            </a:r>
+            <a:endParaRPr lang="fr-FR" sz="1000" dirty="0"/>
+          </a:p>
+        </p:txBody>
+      </p:sp>
     </p:spTree>
     <p:extLst>
       <p:ext uri="{BB962C8B-B14F-4D97-AF65-F5344CB8AC3E}">
         <p14:creationId xmlns:p14="http://schemas.microsoft.com/office/powerpoint/2010/main" val="3106850854"/>
+      </p:ext>
+    </p:extLst>
+  </p:cSld>
+  <p:clrMapOvr>
+    <a:masterClrMapping/>
+  </p:clrMapOvr>
+</p:sld>
+</file>
+
+<file path=ppt/slides/slide3.xml><?xml version="1.0" encoding="utf-8"?>
+<p:sld xmlns:a="http://schemas.openxmlformats.org/drawingml/2006/main" xmlns:r="http://schemas.openxmlformats.org/officeDocument/2006/relationships" xmlns:p="http://schemas.openxmlformats.org/presentationml/2006/main">
+  <p:cSld>
+    <p:spTree>
+      <p:nvGrpSpPr>
+        <p:cNvPr id="1" name=""/>
+        <p:cNvGrpSpPr/>
+        <p:nvPr/>
+      </p:nvGrpSpPr>
+      <p:grpSpPr>
+        <a:xfrm>
+          <a:off x="0" y="0"/>
+          <a:ext cx="0" cy="0"/>
+          <a:chOff x="0" y="0"/>
+          <a:chExt cx="0" cy="0"/>
+        </a:xfrm>
+      </p:grpSpPr>
+      <p:sp>
+        <p:nvSpPr>
+          <p:cNvPr id="5" name="Rectangle 4"/>
+          <p:cNvSpPr/>
+          <p:nvPr/>
+        </p:nvSpPr>
+        <p:spPr>
+          <a:xfrm>
+            <a:off x="3131840" y="2708920"/>
+            <a:ext cx="1440160" cy="720080"/>
+          </a:xfrm>
+          <a:prstGeom prst="rect">
+            <a:avLst/>
+          </a:prstGeom>
+          <a:noFill/>
+          <a:ln w="38100">
+            <a:solidFill>
+              <a:srgbClr val="002060"/>
+            </a:solidFill>
+          </a:ln>
+        </p:spPr>
+        <p:style>
+          <a:lnRef idx="1">
+            <a:schemeClr val="accent1"/>
+          </a:lnRef>
+          <a:fillRef idx="0">
+            <a:schemeClr val="accent1"/>
+          </a:fillRef>
+          <a:effectRef idx="0">
+            <a:schemeClr val="accent1"/>
+          </a:effectRef>
+          <a:fontRef idx="minor">
+            <a:schemeClr val="tx1"/>
+          </a:fontRef>
+        </p:style>
+        <p:txBody>
+          <a:bodyPr rtlCol="0" anchor="ctr"/>
+          <a:lstStyle/>
+          <a:p>
+            <a:pPr algn="ctr"/>
+            <a:endParaRPr lang="fr-FR"/>
+          </a:p>
+        </p:txBody>
+      </p:sp>
+      <p:sp>
+        <p:nvSpPr>
+          <p:cNvPr id="6" name="Rectangle 5"/>
+          <p:cNvSpPr/>
+          <p:nvPr/>
+        </p:nvSpPr>
+        <p:spPr>
+          <a:xfrm>
+            <a:off x="3131840" y="2852936"/>
+            <a:ext cx="1440160" cy="432048"/>
+          </a:xfrm>
+          <a:prstGeom prst="rect">
+            <a:avLst/>
+          </a:prstGeom>
+          <a:noFill/>
+          <a:ln w="38100">
+            <a:solidFill>
+              <a:srgbClr val="002060"/>
+            </a:solidFill>
+          </a:ln>
+        </p:spPr>
+        <p:style>
+          <a:lnRef idx="1">
+            <a:schemeClr val="accent1"/>
+          </a:lnRef>
+          <a:fillRef idx="0">
+            <a:schemeClr val="accent1"/>
+          </a:fillRef>
+          <a:effectRef idx="0">
+            <a:schemeClr val="accent1"/>
+          </a:effectRef>
+          <a:fontRef idx="minor">
+            <a:schemeClr val="tx1"/>
+          </a:fontRef>
+        </p:style>
+        <p:txBody>
+          <a:bodyPr rtlCol="0" anchor="ctr"/>
+          <a:lstStyle/>
+          <a:p>
+            <a:pPr algn="ctr"/>
+            <a:r>
+              <a:rPr lang="fr-FR" sz="1200" dirty="0" smtClean="0"/>
+              <a:t>Arbre primaire</a:t>
+            </a:r>
+            <a:endParaRPr lang="fr-FR" sz="1200" dirty="0"/>
+          </a:p>
+        </p:txBody>
+      </p:sp>
+      <p:sp>
+        <p:nvSpPr>
+          <p:cNvPr id="7" name="Rectangle 6"/>
+          <p:cNvSpPr/>
+          <p:nvPr/>
+        </p:nvSpPr>
+        <p:spPr>
+          <a:xfrm>
+            <a:off x="4572000" y="2924944"/>
+            <a:ext cx="1440160" cy="288032"/>
+          </a:xfrm>
+          <a:prstGeom prst="rect">
+            <a:avLst/>
+          </a:prstGeom>
+          <a:noFill/>
+          <a:ln w="38100">
+            <a:solidFill>
+              <a:srgbClr val="002060"/>
+            </a:solidFill>
+          </a:ln>
+        </p:spPr>
+        <p:style>
+          <a:lnRef idx="1">
+            <a:schemeClr val="accent1"/>
+          </a:lnRef>
+          <a:fillRef idx="0">
+            <a:schemeClr val="accent1"/>
+          </a:fillRef>
+          <a:effectRef idx="0">
+            <a:schemeClr val="accent1"/>
+          </a:effectRef>
+          <a:fontRef idx="minor">
+            <a:schemeClr val="tx1"/>
+          </a:fontRef>
+        </p:style>
+        <p:txBody>
+          <a:bodyPr rtlCol="0" anchor="ctr"/>
+          <a:lstStyle/>
+          <a:p>
+            <a:pPr algn="ctr"/>
+            <a:endParaRPr lang="fr-FR"/>
+          </a:p>
+        </p:txBody>
+      </p:sp>
+      <p:cxnSp>
+        <p:nvCxnSpPr>
+          <p:cNvPr id="9" name="Connecteur droit 8"/>
+          <p:cNvCxnSpPr/>
+          <p:nvPr/>
+        </p:nvCxnSpPr>
+        <p:spPr>
+          <a:xfrm flipV="1">
+            <a:off x="3203848" y="3356992"/>
+            <a:ext cx="0" cy="538484"/>
+          </a:xfrm>
+          <a:prstGeom prst="line">
+            <a:avLst/>
+          </a:prstGeom>
+          <a:ln w="38100">
+            <a:solidFill>
+              <a:srgbClr val="002060"/>
+            </a:solidFill>
+          </a:ln>
+        </p:spPr>
+        <p:style>
+          <a:lnRef idx="1">
+            <a:schemeClr val="accent1"/>
+          </a:lnRef>
+          <a:fillRef idx="0">
+            <a:schemeClr val="accent1"/>
+          </a:fillRef>
+          <a:effectRef idx="0">
+            <a:schemeClr val="accent1"/>
+          </a:effectRef>
+          <a:fontRef idx="minor">
+            <a:schemeClr val="tx1"/>
+          </a:fontRef>
+        </p:style>
+      </p:cxnSp>
+      <p:cxnSp>
+        <p:nvCxnSpPr>
+          <p:cNvPr id="12" name="Connecteur droit 11"/>
+          <p:cNvCxnSpPr/>
+          <p:nvPr/>
+        </p:nvCxnSpPr>
+        <p:spPr>
+          <a:xfrm flipV="1">
+            <a:off x="3340646" y="3452626"/>
+            <a:ext cx="0" cy="538484"/>
+          </a:xfrm>
+          <a:prstGeom prst="line">
+            <a:avLst/>
+          </a:prstGeom>
+          <a:ln w="38100">
+            <a:solidFill>
+              <a:srgbClr val="002060"/>
+            </a:solidFill>
+          </a:ln>
+        </p:spPr>
+        <p:style>
+          <a:lnRef idx="1">
+            <a:schemeClr val="accent1"/>
+          </a:lnRef>
+          <a:fillRef idx="0">
+            <a:schemeClr val="accent1"/>
+          </a:fillRef>
+          <a:effectRef idx="0">
+            <a:schemeClr val="accent1"/>
+          </a:effectRef>
+          <a:fontRef idx="minor">
+            <a:schemeClr val="tx1"/>
+          </a:fontRef>
+        </p:style>
+      </p:cxnSp>
+      <p:cxnSp>
+        <p:nvCxnSpPr>
+          <p:cNvPr id="13" name="Connecteur droit 12"/>
+          <p:cNvCxnSpPr/>
+          <p:nvPr/>
+        </p:nvCxnSpPr>
+        <p:spPr>
+          <a:xfrm flipV="1">
+            <a:off x="3491880" y="3356992"/>
+            <a:ext cx="0" cy="538484"/>
+          </a:xfrm>
+          <a:prstGeom prst="line">
+            <a:avLst/>
+          </a:prstGeom>
+          <a:ln w="38100">
+            <a:solidFill>
+              <a:srgbClr val="002060"/>
+            </a:solidFill>
+          </a:ln>
+        </p:spPr>
+        <p:style>
+          <a:lnRef idx="1">
+            <a:schemeClr val="accent1"/>
+          </a:lnRef>
+          <a:fillRef idx="0">
+            <a:schemeClr val="accent1"/>
+          </a:fillRef>
+          <a:effectRef idx="0">
+            <a:schemeClr val="accent1"/>
+          </a:effectRef>
+          <a:fontRef idx="minor">
+            <a:schemeClr val="tx1"/>
+          </a:fontRef>
+        </p:style>
+      </p:cxnSp>
+      <p:cxnSp>
+        <p:nvCxnSpPr>
+          <p:cNvPr id="14" name="Connecteur droit 13"/>
+          <p:cNvCxnSpPr/>
+          <p:nvPr/>
+        </p:nvCxnSpPr>
+        <p:spPr>
+          <a:xfrm flipV="1">
+            <a:off x="3631969" y="3452626"/>
+            <a:ext cx="0" cy="538484"/>
+          </a:xfrm>
+          <a:prstGeom prst="line">
+            <a:avLst/>
+          </a:prstGeom>
+          <a:ln w="38100">
+            <a:solidFill>
+              <a:srgbClr val="002060"/>
+            </a:solidFill>
+          </a:ln>
+        </p:spPr>
+        <p:style>
+          <a:lnRef idx="1">
+            <a:schemeClr val="accent1"/>
+          </a:lnRef>
+          <a:fillRef idx="0">
+            <a:schemeClr val="accent1"/>
+          </a:fillRef>
+          <a:effectRef idx="0">
+            <a:schemeClr val="accent1"/>
+          </a:effectRef>
+          <a:fontRef idx="minor">
+            <a:schemeClr val="tx1"/>
+          </a:fontRef>
+        </p:style>
+      </p:cxnSp>
+      <p:cxnSp>
+        <p:nvCxnSpPr>
+          <p:cNvPr id="15" name="Connecteur droit 14"/>
+          <p:cNvCxnSpPr/>
+          <p:nvPr/>
+        </p:nvCxnSpPr>
+        <p:spPr>
+          <a:xfrm flipV="1">
+            <a:off x="3779912" y="3356992"/>
+            <a:ext cx="0" cy="538484"/>
+          </a:xfrm>
+          <a:prstGeom prst="line">
+            <a:avLst/>
+          </a:prstGeom>
+          <a:ln w="38100">
+            <a:solidFill>
+              <a:srgbClr val="002060"/>
+            </a:solidFill>
+          </a:ln>
+        </p:spPr>
+        <p:style>
+          <a:lnRef idx="1">
+            <a:schemeClr val="accent1"/>
+          </a:lnRef>
+          <a:fillRef idx="0">
+            <a:schemeClr val="accent1"/>
+          </a:fillRef>
+          <a:effectRef idx="0">
+            <a:schemeClr val="accent1"/>
+          </a:effectRef>
+          <a:fontRef idx="minor">
+            <a:schemeClr val="tx1"/>
+          </a:fontRef>
+        </p:style>
+      </p:cxnSp>
+      <p:cxnSp>
+        <p:nvCxnSpPr>
+          <p:cNvPr id="16" name="Connecteur droit 15"/>
+          <p:cNvCxnSpPr/>
+          <p:nvPr/>
+        </p:nvCxnSpPr>
+        <p:spPr>
+          <a:xfrm flipV="1">
+            <a:off x="4067944" y="3356992"/>
+            <a:ext cx="0" cy="538484"/>
+          </a:xfrm>
+          <a:prstGeom prst="line">
+            <a:avLst/>
+          </a:prstGeom>
+          <a:ln w="38100">
+            <a:solidFill>
+              <a:srgbClr val="002060"/>
+            </a:solidFill>
+          </a:ln>
+        </p:spPr>
+        <p:style>
+          <a:lnRef idx="1">
+            <a:schemeClr val="accent1"/>
+          </a:lnRef>
+          <a:fillRef idx="0">
+            <a:schemeClr val="accent1"/>
+          </a:fillRef>
+          <a:effectRef idx="0">
+            <a:schemeClr val="accent1"/>
+          </a:effectRef>
+          <a:fontRef idx="minor">
+            <a:schemeClr val="tx1"/>
+          </a:fontRef>
+        </p:style>
+      </p:cxnSp>
+      <p:cxnSp>
+        <p:nvCxnSpPr>
+          <p:cNvPr id="17" name="Connecteur droit 16"/>
+          <p:cNvCxnSpPr/>
+          <p:nvPr/>
+        </p:nvCxnSpPr>
+        <p:spPr>
+          <a:xfrm flipV="1">
+            <a:off x="4355976" y="3356992"/>
+            <a:ext cx="0" cy="538484"/>
+          </a:xfrm>
+          <a:prstGeom prst="line">
+            <a:avLst/>
+          </a:prstGeom>
+          <a:ln w="38100">
+            <a:solidFill>
+              <a:srgbClr val="002060"/>
+            </a:solidFill>
+          </a:ln>
+        </p:spPr>
+        <p:style>
+          <a:lnRef idx="1">
+            <a:schemeClr val="accent1"/>
+          </a:lnRef>
+          <a:fillRef idx="0">
+            <a:schemeClr val="accent1"/>
+          </a:fillRef>
+          <a:effectRef idx="0">
+            <a:schemeClr val="accent1"/>
+          </a:effectRef>
+          <a:fontRef idx="minor">
+            <a:schemeClr val="tx1"/>
+          </a:fontRef>
+        </p:style>
+      </p:cxnSp>
+      <p:cxnSp>
+        <p:nvCxnSpPr>
+          <p:cNvPr id="18" name="Connecteur droit 17"/>
+          <p:cNvCxnSpPr/>
+          <p:nvPr/>
+        </p:nvCxnSpPr>
+        <p:spPr>
+          <a:xfrm flipV="1">
+            <a:off x="3923292" y="3452626"/>
+            <a:ext cx="0" cy="538484"/>
+          </a:xfrm>
+          <a:prstGeom prst="line">
+            <a:avLst/>
+          </a:prstGeom>
+          <a:ln w="38100">
+            <a:solidFill>
+              <a:srgbClr val="002060"/>
+            </a:solidFill>
+          </a:ln>
+        </p:spPr>
+        <p:style>
+          <a:lnRef idx="1">
+            <a:schemeClr val="accent1"/>
+          </a:lnRef>
+          <a:fillRef idx="0">
+            <a:schemeClr val="accent1"/>
+          </a:fillRef>
+          <a:effectRef idx="0">
+            <a:schemeClr val="accent1"/>
+          </a:effectRef>
+          <a:fontRef idx="minor">
+            <a:schemeClr val="tx1"/>
+          </a:fontRef>
+        </p:style>
+      </p:cxnSp>
+      <p:cxnSp>
+        <p:nvCxnSpPr>
+          <p:cNvPr id="19" name="Connecteur droit 18"/>
+          <p:cNvCxnSpPr/>
+          <p:nvPr/>
+        </p:nvCxnSpPr>
+        <p:spPr>
+          <a:xfrm flipV="1">
+            <a:off x="4214614" y="3452626"/>
+            <a:ext cx="0" cy="538484"/>
+          </a:xfrm>
+          <a:prstGeom prst="line">
+            <a:avLst/>
+          </a:prstGeom>
+          <a:ln w="38100">
+            <a:solidFill>
+              <a:srgbClr val="002060"/>
+            </a:solidFill>
+          </a:ln>
+        </p:spPr>
+        <p:style>
+          <a:lnRef idx="1">
+            <a:schemeClr val="accent1"/>
+          </a:lnRef>
+          <a:fillRef idx="0">
+            <a:schemeClr val="accent1"/>
+          </a:fillRef>
+          <a:effectRef idx="0">
+            <a:schemeClr val="accent1"/>
+          </a:effectRef>
+          <a:fontRef idx="minor">
+            <a:schemeClr val="tx1"/>
+          </a:fontRef>
+        </p:style>
+      </p:cxnSp>
+      <p:grpSp>
+        <p:nvGrpSpPr>
+          <p:cNvPr id="29" name="Groupe 28"/>
+          <p:cNvGrpSpPr/>
+          <p:nvPr/>
+        </p:nvGrpSpPr>
+        <p:grpSpPr>
+          <a:xfrm flipV="1">
+            <a:off x="3214886" y="2132856"/>
+            <a:ext cx="1152128" cy="634118"/>
+            <a:chOff x="3356248" y="3509392"/>
+            <a:chExt cx="1152128" cy="634118"/>
+          </a:xfrm>
+        </p:grpSpPr>
+        <p:cxnSp>
+          <p:nvCxnSpPr>
+            <p:cNvPr id="20" name="Connecteur droit 19"/>
+            <p:cNvCxnSpPr/>
+            <p:nvPr/>
+          </p:nvCxnSpPr>
+          <p:spPr>
+            <a:xfrm flipV="1">
+              <a:off x="3356248" y="3509392"/>
+              <a:ext cx="0" cy="538484"/>
+            </a:xfrm>
+            <a:prstGeom prst="line">
+              <a:avLst/>
+            </a:prstGeom>
+            <a:ln w="38100">
+              <a:solidFill>
+                <a:srgbClr val="002060"/>
+              </a:solidFill>
+            </a:ln>
+          </p:spPr>
+          <p:style>
+            <a:lnRef idx="1">
+              <a:schemeClr val="accent1"/>
+            </a:lnRef>
+            <a:fillRef idx="0">
+              <a:schemeClr val="accent1"/>
+            </a:fillRef>
+            <a:effectRef idx="0">
+              <a:schemeClr val="accent1"/>
+            </a:effectRef>
+            <a:fontRef idx="minor">
+              <a:schemeClr val="tx1"/>
+            </a:fontRef>
+          </p:style>
+        </p:cxnSp>
+        <p:cxnSp>
+          <p:nvCxnSpPr>
+            <p:cNvPr id="21" name="Connecteur droit 20"/>
+            <p:cNvCxnSpPr/>
+            <p:nvPr/>
+          </p:nvCxnSpPr>
+          <p:spPr>
+            <a:xfrm flipV="1">
+              <a:off x="3493046" y="3605026"/>
+              <a:ext cx="0" cy="538484"/>
+            </a:xfrm>
+            <a:prstGeom prst="line">
+              <a:avLst/>
+            </a:prstGeom>
+            <a:ln w="38100">
+              <a:solidFill>
+                <a:srgbClr val="002060"/>
+              </a:solidFill>
+            </a:ln>
+          </p:spPr>
+          <p:style>
+            <a:lnRef idx="1">
+              <a:schemeClr val="accent1"/>
+            </a:lnRef>
+            <a:fillRef idx="0">
+              <a:schemeClr val="accent1"/>
+            </a:fillRef>
+            <a:effectRef idx="0">
+              <a:schemeClr val="accent1"/>
+            </a:effectRef>
+            <a:fontRef idx="minor">
+              <a:schemeClr val="tx1"/>
+            </a:fontRef>
+          </p:style>
+        </p:cxnSp>
+        <p:cxnSp>
+          <p:nvCxnSpPr>
+            <p:cNvPr id="22" name="Connecteur droit 21"/>
+            <p:cNvCxnSpPr/>
+            <p:nvPr/>
+          </p:nvCxnSpPr>
+          <p:spPr>
+            <a:xfrm flipV="1">
+              <a:off x="3644280" y="3509392"/>
+              <a:ext cx="0" cy="538484"/>
+            </a:xfrm>
+            <a:prstGeom prst="line">
+              <a:avLst/>
+            </a:prstGeom>
+            <a:ln w="38100">
+              <a:solidFill>
+                <a:srgbClr val="002060"/>
+              </a:solidFill>
+            </a:ln>
+          </p:spPr>
+          <p:style>
+            <a:lnRef idx="1">
+              <a:schemeClr val="accent1"/>
+            </a:lnRef>
+            <a:fillRef idx="0">
+              <a:schemeClr val="accent1"/>
+            </a:fillRef>
+            <a:effectRef idx="0">
+              <a:schemeClr val="accent1"/>
+            </a:effectRef>
+            <a:fontRef idx="minor">
+              <a:schemeClr val="tx1"/>
+            </a:fontRef>
+          </p:style>
+        </p:cxnSp>
+        <p:cxnSp>
+          <p:nvCxnSpPr>
+            <p:cNvPr id="23" name="Connecteur droit 22"/>
+            <p:cNvCxnSpPr/>
+            <p:nvPr/>
+          </p:nvCxnSpPr>
+          <p:spPr>
+            <a:xfrm flipV="1">
+              <a:off x="3784369" y="3605026"/>
+              <a:ext cx="0" cy="538484"/>
+            </a:xfrm>
+            <a:prstGeom prst="line">
+              <a:avLst/>
+            </a:prstGeom>
+            <a:ln w="38100">
+              <a:solidFill>
+                <a:srgbClr val="002060"/>
+              </a:solidFill>
+            </a:ln>
+          </p:spPr>
+          <p:style>
+            <a:lnRef idx="1">
+              <a:schemeClr val="accent1"/>
+            </a:lnRef>
+            <a:fillRef idx="0">
+              <a:schemeClr val="accent1"/>
+            </a:fillRef>
+            <a:effectRef idx="0">
+              <a:schemeClr val="accent1"/>
+            </a:effectRef>
+            <a:fontRef idx="minor">
+              <a:schemeClr val="tx1"/>
+            </a:fontRef>
+          </p:style>
+        </p:cxnSp>
+        <p:cxnSp>
+          <p:nvCxnSpPr>
+            <p:cNvPr id="24" name="Connecteur droit 23"/>
+            <p:cNvCxnSpPr/>
+            <p:nvPr/>
+          </p:nvCxnSpPr>
+          <p:spPr>
+            <a:xfrm flipV="1">
+              <a:off x="3932312" y="3509392"/>
+              <a:ext cx="0" cy="538484"/>
+            </a:xfrm>
+            <a:prstGeom prst="line">
+              <a:avLst/>
+            </a:prstGeom>
+            <a:ln w="38100">
+              <a:solidFill>
+                <a:srgbClr val="002060"/>
+              </a:solidFill>
+            </a:ln>
+          </p:spPr>
+          <p:style>
+            <a:lnRef idx="1">
+              <a:schemeClr val="accent1"/>
+            </a:lnRef>
+            <a:fillRef idx="0">
+              <a:schemeClr val="accent1"/>
+            </a:fillRef>
+            <a:effectRef idx="0">
+              <a:schemeClr val="accent1"/>
+            </a:effectRef>
+            <a:fontRef idx="minor">
+              <a:schemeClr val="tx1"/>
+            </a:fontRef>
+          </p:style>
+        </p:cxnSp>
+        <p:cxnSp>
+          <p:nvCxnSpPr>
+            <p:cNvPr id="25" name="Connecteur droit 24"/>
+            <p:cNvCxnSpPr/>
+            <p:nvPr/>
+          </p:nvCxnSpPr>
+          <p:spPr>
+            <a:xfrm flipV="1">
+              <a:off x="4220344" y="3509392"/>
+              <a:ext cx="0" cy="538484"/>
+            </a:xfrm>
+            <a:prstGeom prst="line">
+              <a:avLst/>
+            </a:prstGeom>
+            <a:ln w="38100">
+              <a:solidFill>
+                <a:srgbClr val="002060"/>
+              </a:solidFill>
+            </a:ln>
+          </p:spPr>
+          <p:style>
+            <a:lnRef idx="1">
+              <a:schemeClr val="accent1"/>
+            </a:lnRef>
+            <a:fillRef idx="0">
+              <a:schemeClr val="accent1"/>
+            </a:fillRef>
+            <a:effectRef idx="0">
+              <a:schemeClr val="accent1"/>
+            </a:effectRef>
+            <a:fontRef idx="minor">
+              <a:schemeClr val="tx1"/>
+            </a:fontRef>
+          </p:style>
+        </p:cxnSp>
+        <p:cxnSp>
+          <p:nvCxnSpPr>
+            <p:cNvPr id="26" name="Connecteur droit 25"/>
+            <p:cNvCxnSpPr/>
+            <p:nvPr/>
+          </p:nvCxnSpPr>
+          <p:spPr>
+            <a:xfrm flipV="1">
+              <a:off x="4508376" y="3509392"/>
+              <a:ext cx="0" cy="538484"/>
+            </a:xfrm>
+            <a:prstGeom prst="line">
+              <a:avLst/>
+            </a:prstGeom>
+            <a:ln w="38100">
+              <a:solidFill>
+                <a:srgbClr val="002060"/>
+              </a:solidFill>
+            </a:ln>
+          </p:spPr>
+          <p:style>
+            <a:lnRef idx="1">
+              <a:schemeClr val="accent1"/>
+            </a:lnRef>
+            <a:fillRef idx="0">
+              <a:schemeClr val="accent1"/>
+            </a:fillRef>
+            <a:effectRef idx="0">
+              <a:schemeClr val="accent1"/>
+            </a:effectRef>
+            <a:fontRef idx="minor">
+              <a:schemeClr val="tx1"/>
+            </a:fontRef>
+          </p:style>
+        </p:cxnSp>
+        <p:cxnSp>
+          <p:nvCxnSpPr>
+            <p:cNvPr id="27" name="Connecteur droit 26"/>
+            <p:cNvCxnSpPr/>
+            <p:nvPr/>
+          </p:nvCxnSpPr>
+          <p:spPr>
+            <a:xfrm flipV="1">
+              <a:off x="4075692" y="3605026"/>
+              <a:ext cx="0" cy="538484"/>
+            </a:xfrm>
+            <a:prstGeom prst="line">
+              <a:avLst/>
+            </a:prstGeom>
+            <a:ln w="38100">
+              <a:solidFill>
+                <a:srgbClr val="002060"/>
+              </a:solidFill>
+            </a:ln>
+          </p:spPr>
+          <p:style>
+            <a:lnRef idx="1">
+              <a:schemeClr val="accent1"/>
+            </a:lnRef>
+            <a:fillRef idx="0">
+              <a:schemeClr val="accent1"/>
+            </a:fillRef>
+            <a:effectRef idx="0">
+              <a:schemeClr val="accent1"/>
+            </a:effectRef>
+            <a:fontRef idx="minor">
+              <a:schemeClr val="tx1"/>
+            </a:fontRef>
+          </p:style>
+        </p:cxnSp>
+        <p:cxnSp>
+          <p:nvCxnSpPr>
+            <p:cNvPr id="28" name="Connecteur droit 27"/>
+            <p:cNvCxnSpPr/>
+            <p:nvPr/>
+          </p:nvCxnSpPr>
+          <p:spPr>
+            <a:xfrm flipV="1">
+              <a:off x="4367014" y="3605026"/>
+              <a:ext cx="0" cy="538484"/>
+            </a:xfrm>
+            <a:prstGeom prst="line">
+              <a:avLst/>
+            </a:prstGeom>
+            <a:ln w="38100">
+              <a:solidFill>
+                <a:srgbClr val="002060"/>
+              </a:solidFill>
+            </a:ln>
+          </p:spPr>
+          <p:style>
+            <a:lnRef idx="1">
+              <a:schemeClr val="accent1"/>
+            </a:lnRef>
+            <a:fillRef idx="0">
+              <a:schemeClr val="accent1"/>
+            </a:fillRef>
+            <a:effectRef idx="0">
+              <a:schemeClr val="accent1"/>
+            </a:effectRef>
+            <a:fontRef idx="minor">
+              <a:schemeClr val="tx1"/>
+            </a:fontRef>
+          </p:style>
+        </p:cxnSp>
+      </p:grpSp>
+      <p:grpSp>
+        <p:nvGrpSpPr>
+          <p:cNvPr id="48" name="Groupe 47"/>
+          <p:cNvGrpSpPr/>
+          <p:nvPr/>
+        </p:nvGrpSpPr>
+        <p:grpSpPr>
+          <a:xfrm>
+            <a:off x="2699792" y="3721868"/>
+            <a:ext cx="2376263" cy="715244"/>
+            <a:chOff x="2411760" y="3721868"/>
+            <a:chExt cx="2664296" cy="715244"/>
+          </a:xfrm>
+        </p:grpSpPr>
+        <p:sp>
+          <p:nvSpPr>
+            <p:cNvPr id="8" name="Rectangle 7"/>
+            <p:cNvSpPr/>
+            <p:nvPr/>
+          </p:nvSpPr>
+          <p:spPr>
+            <a:xfrm>
+              <a:off x="2411760" y="3933056"/>
+              <a:ext cx="2376264" cy="108012"/>
+            </a:xfrm>
+            <a:prstGeom prst="rect">
+              <a:avLst/>
+            </a:prstGeom>
+            <a:noFill/>
+            <a:ln w="38100">
+              <a:solidFill>
+                <a:srgbClr val="002060"/>
+              </a:solidFill>
+            </a:ln>
+          </p:spPr>
+          <p:style>
+            <a:lnRef idx="1">
+              <a:schemeClr val="accent1"/>
+            </a:lnRef>
+            <a:fillRef idx="0">
+              <a:schemeClr val="accent1"/>
+            </a:fillRef>
+            <a:effectRef idx="0">
+              <a:schemeClr val="accent1"/>
+            </a:effectRef>
+            <a:fontRef idx="minor">
+              <a:schemeClr val="tx1"/>
+            </a:fontRef>
+          </p:style>
+          <p:txBody>
+            <a:bodyPr rtlCol="0" anchor="ctr"/>
+            <a:lstStyle/>
+            <a:p>
+              <a:pPr algn="ctr"/>
+              <a:endParaRPr lang="fr-FR"/>
+            </a:p>
+          </p:txBody>
+        </p:sp>
+        <p:sp>
+          <p:nvSpPr>
+            <p:cNvPr id="11" name="Rectangle 10"/>
+            <p:cNvSpPr/>
+            <p:nvPr/>
+          </p:nvSpPr>
+          <p:spPr>
+            <a:xfrm>
+              <a:off x="2411760" y="4041068"/>
+              <a:ext cx="2376264" cy="396044"/>
+            </a:xfrm>
+            <a:prstGeom prst="rect">
+              <a:avLst/>
+            </a:prstGeom>
+            <a:noFill/>
+            <a:ln w="38100">
+              <a:solidFill>
+                <a:srgbClr val="002060"/>
+              </a:solidFill>
+            </a:ln>
+          </p:spPr>
+          <p:style>
+            <a:lnRef idx="1">
+              <a:schemeClr val="accent1"/>
+            </a:lnRef>
+            <a:fillRef idx="0">
+              <a:schemeClr val="accent1"/>
+            </a:fillRef>
+            <a:effectRef idx="0">
+              <a:schemeClr val="accent1"/>
+            </a:effectRef>
+            <a:fontRef idx="minor">
+              <a:schemeClr val="tx1"/>
+            </a:fontRef>
+          </p:style>
+          <p:txBody>
+            <a:bodyPr rtlCol="0" anchor="ctr"/>
+            <a:lstStyle/>
+            <a:p>
+              <a:pPr algn="ctr"/>
+              <a:endParaRPr lang="fr-FR"/>
+            </a:p>
+          </p:txBody>
+        </p:sp>
+        <p:sp>
+          <p:nvSpPr>
+            <p:cNvPr id="30" name="Rectangle 29"/>
+            <p:cNvSpPr/>
+            <p:nvPr/>
+          </p:nvSpPr>
+          <p:spPr>
+            <a:xfrm>
+              <a:off x="4788024" y="3721868"/>
+              <a:ext cx="288032" cy="715244"/>
+            </a:xfrm>
+            <a:prstGeom prst="rect">
+              <a:avLst/>
+            </a:prstGeom>
+            <a:noFill/>
+            <a:ln w="38100">
+              <a:solidFill>
+                <a:srgbClr val="002060"/>
+              </a:solidFill>
+            </a:ln>
+          </p:spPr>
+          <p:style>
+            <a:lnRef idx="1">
+              <a:schemeClr val="accent1"/>
+            </a:lnRef>
+            <a:fillRef idx="0">
+              <a:schemeClr val="accent1"/>
+            </a:fillRef>
+            <a:effectRef idx="0">
+              <a:schemeClr val="accent1"/>
+            </a:effectRef>
+            <a:fontRef idx="minor">
+              <a:schemeClr val="tx1"/>
+            </a:fontRef>
+          </p:style>
+          <p:txBody>
+            <a:bodyPr rtlCol="0" anchor="ctr"/>
+            <a:lstStyle/>
+            <a:p>
+              <a:pPr algn="ctr"/>
+              <a:endParaRPr lang="fr-FR"/>
+            </a:p>
+          </p:txBody>
+        </p:sp>
+      </p:grpSp>
+      <p:cxnSp>
+        <p:nvCxnSpPr>
+          <p:cNvPr id="31" name="Connecteur droit 30"/>
+          <p:cNvCxnSpPr/>
+          <p:nvPr/>
+        </p:nvCxnSpPr>
+        <p:spPr>
+          <a:xfrm flipV="1">
+            <a:off x="3059832" y="3501008"/>
+            <a:ext cx="0" cy="370842"/>
+          </a:xfrm>
+          <a:prstGeom prst="line">
+            <a:avLst/>
+          </a:prstGeom>
+          <a:ln w="38100">
+            <a:solidFill>
+              <a:srgbClr val="002060"/>
+            </a:solidFill>
+          </a:ln>
+        </p:spPr>
+        <p:style>
+          <a:lnRef idx="1">
+            <a:schemeClr val="accent1"/>
+          </a:lnRef>
+          <a:fillRef idx="0">
+            <a:schemeClr val="accent1"/>
+          </a:fillRef>
+          <a:effectRef idx="0">
+            <a:schemeClr val="accent1"/>
+          </a:effectRef>
+          <a:fontRef idx="minor">
+            <a:schemeClr val="tx1"/>
+          </a:fontRef>
+        </p:style>
+      </p:cxnSp>
+      <p:cxnSp>
+        <p:nvCxnSpPr>
+          <p:cNvPr id="33" name="Connecteur droit 32"/>
+          <p:cNvCxnSpPr/>
+          <p:nvPr/>
+        </p:nvCxnSpPr>
+        <p:spPr>
+          <a:xfrm>
+            <a:off x="2915816" y="3861048"/>
+            <a:ext cx="144016" cy="1"/>
+          </a:xfrm>
+          <a:prstGeom prst="line">
+            <a:avLst/>
+          </a:prstGeom>
+          <a:ln w="38100">
+            <a:solidFill>
+              <a:srgbClr val="002060"/>
+            </a:solidFill>
+          </a:ln>
+        </p:spPr>
+        <p:style>
+          <a:lnRef idx="1">
+            <a:schemeClr val="accent1"/>
+          </a:lnRef>
+          <a:fillRef idx="0">
+            <a:schemeClr val="accent1"/>
+          </a:fillRef>
+          <a:effectRef idx="0">
+            <a:schemeClr val="accent1"/>
+          </a:effectRef>
+          <a:fontRef idx="minor">
+            <a:schemeClr val="tx1"/>
+          </a:fontRef>
+        </p:style>
+      </p:cxnSp>
+      <p:cxnSp>
+        <p:nvCxnSpPr>
+          <p:cNvPr id="37" name="Connecteur droit 36"/>
+          <p:cNvCxnSpPr/>
+          <p:nvPr/>
+        </p:nvCxnSpPr>
+        <p:spPr>
+          <a:xfrm>
+            <a:off x="2425924" y="3501009"/>
+            <a:ext cx="647898" cy="0"/>
+          </a:xfrm>
+          <a:prstGeom prst="line">
+            <a:avLst/>
+          </a:prstGeom>
+          <a:ln w="38100">
+            <a:solidFill>
+              <a:srgbClr val="002060"/>
+            </a:solidFill>
+          </a:ln>
+        </p:spPr>
+        <p:style>
+          <a:lnRef idx="1">
+            <a:schemeClr val="accent1"/>
+          </a:lnRef>
+          <a:fillRef idx="0">
+            <a:schemeClr val="accent1"/>
+          </a:fillRef>
+          <a:effectRef idx="0">
+            <a:schemeClr val="accent1"/>
+          </a:effectRef>
+          <a:fontRef idx="minor">
+            <a:schemeClr val="tx1"/>
+          </a:fontRef>
+        </p:style>
+      </p:cxnSp>
+      <p:cxnSp>
+        <p:nvCxnSpPr>
+          <p:cNvPr id="42" name="Connecteur droit 41"/>
+          <p:cNvCxnSpPr/>
+          <p:nvPr/>
+        </p:nvCxnSpPr>
+        <p:spPr>
+          <a:xfrm>
+            <a:off x="2425924" y="2636911"/>
+            <a:ext cx="0" cy="864097"/>
+          </a:xfrm>
+          <a:prstGeom prst="line">
+            <a:avLst/>
+          </a:prstGeom>
+          <a:ln w="38100">
+            <a:solidFill>
+              <a:srgbClr val="002060"/>
+            </a:solidFill>
+          </a:ln>
+        </p:spPr>
+        <p:style>
+          <a:lnRef idx="1">
+            <a:schemeClr val="accent1"/>
+          </a:lnRef>
+          <a:fillRef idx="0">
+            <a:schemeClr val="accent1"/>
+          </a:fillRef>
+          <a:effectRef idx="0">
+            <a:schemeClr val="accent1"/>
+          </a:effectRef>
+          <a:fontRef idx="minor">
+            <a:schemeClr val="tx1"/>
+          </a:fontRef>
+        </p:style>
+      </p:cxnSp>
+      <p:cxnSp>
+        <p:nvCxnSpPr>
+          <p:cNvPr id="45" name="Connecteur droit 44"/>
+          <p:cNvCxnSpPr/>
+          <p:nvPr/>
+        </p:nvCxnSpPr>
+        <p:spPr>
+          <a:xfrm flipV="1">
+            <a:off x="3080991" y="2266070"/>
+            <a:ext cx="0" cy="370842"/>
+          </a:xfrm>
+          <a:prstGeom prst="line">
+            <a:avLst/>
+          </a:prstGeom>
+          <a:ln w="38100">
+            <a:solidFill>
+              <a:srgbClr val="002060"/>
+            </a:solidFill>
+          </a:ln>
+        </p:spPr>
+        <p:style>
+          <a:lnRef idx="1">
+            <a:schemeClr val="accent1"/>
+          </a:lnRef>
+          <a:fillRef idx="0">
+            <a:schemeClr val="accent1"/>
+          </a:fillRef>
+          <a:effectRef idx="0">
+            <a:schemeClr val="accent1"/>
+          </a:effectRef>
+          <a:fontRef idx="minor">
+            <a:schemeClr val="tx1"/>
+          </a:fontRef>
+        </p:style>
+      </p:cxnSp>
+      <p:cxnSp>
+        <p:nvCxnSpPr>
+          <p:cNvPr id="46" name="Connecteur droit 45"/>
+          <p:cNvCxnSpPr/>
+          <p:nvPr/>
+        </p:nvCxnSpPr>
+        <p:spPr>
+          <a:xfrm>
+            <a:off x="2936975" y="2266069"/>
+            <a:ext cx="144016" cy="1"/>
+          </a:xfrm>
+          <a:prstGeom prst="line">
+            <a:avLst/>
+          </a:prstGeom>
+          <a:ln w="38100">
+            <a:solidFill>
+              <a:srgbClr val="002060"/>
+            </a:solidFill>
+          </a:ln>
+        </p:spPr>
+        <p:style>
+          <a:lnRef idx="1">
+            <a:schemeClr val="accent1"/>
+          </a:lnRef>
+          <a:fillRef idx="0">
+            <a:schemeClr val="accent1"/>
+          </a:fillRef>
+          <a:effectRef idx="0">
+            <a:schemeClr val="accent1"/>
+          </a:effectRef>
+          <a:fontRef idx="minor">
+            <a:schemeClr val="tx1"/>
+          </a:fontRef>
+        </p:style>
+      </p:cxnSp>
+      <p:cxnSp>
+        <p:nvCxnSpPr>
+          <p:cNvPr id="47" name="Connecteur droit 46"/>
+          <p:cNvCxnSpPr/>
+          <p:nvPr/>
+        </p:nvCxnSpPr>
+        <p:spPr>
+          <a:xfrm>
+            <a:off x="2425924" y="2636912"/>
+            <a:ext cx="655067" cy="0"/>
+          </a:xfrm>
+          <a:prstGeom prst="line">
+            <a:avLst/>
+          </a:prstGeom>
+          <a:ln w="38100">
+            <a:solidFill>
+              <a:srgbClr val="002060"/>
+            </a:solidFill>
+          </a:ln>
+        </p:spPr>
+        <p:style>
+          <a:lnRef idx="1">
+            <a:schemeClr val="accent1"/>
+          </a:lnRef>
+          <a:fillRef idx="0">
+            <a:schemeClr val="accent1"/>
+          </a:fillRef>
+          <a:effectRef idx="0">
+            <a:schemeClr val="accent1"/>
+          </a:effectRef>
+          <a:fontRef idx="minor">
+            <a:schemeClr val="tx1"/>
+          </a:fontRef>
+        </p:style>
+      </p:cxnSp>
+      <p:grpSp>
+        <p:nvGrpSpPr>
+          <p:cNvPr id="49" name="Groupe 48"/>
+          <p:cNvGrpSpPr/>
+          <p:nvPr/>
+        </p:nvGrpSpPr>
+        <p:grpSpPr>
+          <a:xfrm flipV="1">
+            <a:off x="2699792" y="1686854"/>
+            <a:ext cx="2376264" cy="715244"/>
+            <a:chOff x="2411760" y="3721868"/>
+            <a:chExt cx="2664296" cy="715244"/>
+          </a:xfrm>
+        </p:grpSpPr>
+        <p:sp>
+          <p:nvSpPr>
+            <p:cNvPr id="50" name="Rectangle 49"/>
+            <p:cNvSpPr/>
+            <p:nvPr/>
+          </p:nvSpPr>
+          <p:spPr>
+            <a:xfrm>
+              <a:off x="2411760" y="3933056"/>
+              <a:ext cx="2376264" cy="108012"/>
+            </a:xfrm>
+            <a:prstGeom prst="rect">
+              <a:avLst/>
+            </a:prstGeom>
+            <a:noFill/>
+            <a:ln w="38100">
+              <a:solidFill>
+                <a:srgbClr val="002060"/>
+              </a:solidFill>
+            </a:ln>
+          </p:spPr>
+          <p:style>
+            <a:lnRef idx="1">
+              <a:schemeClr val="accent1"/>
+            </a:lnRef>
+            <a:fillRef idx="0">
+              <a:schemeClr val="accent1"/>
+            </a:fillRef>
+            <a:effectRef idx="0">
+              <a:schemeClr val="accent1"/>
+            </a:effectRef>
+            <a:fontRef idx="minor">
+              <a:schemeClr val="tx1"/>
+            </a:fontRef>
+          </p:style>
+          <p:txBody>
+            <a:bodyPr rtlCol="0" anchor="ctr"/>
+            <a:lstStyle/>
+            <a:p>
+              <a:pPr algn="ctr"/>
+              <a:endParaRPr lang="fr-FR"/>
+            </a:p>
+          </p:txBody>
+        </p:sp>
+        <p:sp>
+          <p:nvSpPr>
+            <p:cNvPr id="51" name="Rectangle 50"/>
+            <p:cNvSpPr/>
+            <p:nvPr/>
+          </p:nvSpPr>
+          <p:spPr>
+            <a:xfrm>
+              <a:off x="2411760" y="4041068"/>
+              <a:ext cx="2376264" cy="396044"/>
+            </a:xfrm>
+            <a:prstGeom prst="rect">
+              <a:avLst/>
+            </a:prstGeom>
+            <a:noFill/>
+            <a:ln w="38100">
+              <a:solidFill>
+                <a:srgbClr val="002060"/>
+              </a:solidFill>
+            </a:ln>
+          </p:spPr>
+          <p:style>
+            <a:lnRef idx="1">
+              <a:schemeClr val="accent1"/>
+            </a:lnRef>
+            <a:fillRef idx="0">
+              <a:schemeClr val="accent1"/>
+            </a:fillRef>
+            <a:effectRef idx="0">
+              <a:schemeClr val="accent1"/>
+            </a:effectRef>
+            <a:fontRef idx="minor">
+              <a:schemeClr val="tx1"/>
+            </a:fontRef>
+          </p:style>
+          <p:txBody>
+            <a:bodyPr rtlCol="0" anchor="ctr"/>
+            <a:lstStyle/>
+            <a:p>
+              <a:pPr algn="ctr"/>
+              <a:endParaRPr lang="fr-FR"/>
+            </a:p>
+          </p:txBody>
+        </p:sp>
+        <p:sp>
+          <p:nvSpPr>
+            <p:cNvPr id="52" name="Rectangle 51"/>
+            <p:cNvSpPr/>
+            <p:nvPr/>
+          </p:nvSpPr>
+          <p:spPr>
+            <a:xfrm>
+              <a:off x="4788024" y="3721868"/>
+              <a:ext cx="288032" cy="715244"/>
+            </a:xfrm>
+            <a:prstGeom prst="rect">
+              <a:avLst/>
+            </a:prstGeom>
+            <a:noFill/>
+            <a:ln w="38100">
+              <a:solidFill>
+                <a:srgbClr val="002060"/>
+              </a:solidFill>
+            </a:ln>
+          </p:spPr>
+          <p:style>
+            <a:lnRef idx="1">
+              <a:schemeClr val="accent1"/>
+            </a:lnRef>
+            <a:fillRef idx="0">
+              <a:schemeClr val="accent1"/>
+            </a:fillRef>
+            <a:effectRef idx="0">
+              <a:schemeClr val="accent1"/>
+            </a:effectRef>
+            <a:fontRef idx="minor">
+              <a:schemeClr val="tx1"/>
+            </a:fontRef>
+          </p:style>
+          <p:txBody>
+            <a:bodyPr rtlCol="0" anchor="ctr"/>
+            <a:lstStyle/>
+            <a:p>
+              <a:pPr algn="ctr"/>
+              <a:endParaRPr lang="fr-FR"/>
+            </a:p>
+          </p:txBody>
+        </p:sp>
+      </p:grpSp>
+      <p:cxnSp>
+        <p:nvCxnSpPr>
+          <p:cNvPr id="54" name="Connecteur droit 53"/>
+          <p:cNvCxnSpPr/>
+          <p:nvPr/>
+        </p:nvCxnSpPr>
+        <p:spPr>
+          <a:xfrm>
+            <a:off x="1482043" y="3068960"/>
+            <a:ext cx="943273" cy="0"/>
+          </a:xfrm>
+          <a:prstGeom prst="line">
+            <a:avLst/>
+          </a:prstGeom>
+          <a:ln w="38100">
+            <a:solidFill>
+              <a:srgbClr val="002060"/>
+            </a:solidFill>
+          </a:ln>
+        </p:spPr>
+        <p:style>
+          <a:lnRef idx="1">
+            <a:schemeClr val="accent1"/>
+          </a:lnRef>
+          <a:fillRef idx="0">
+            <a:schemeClr val="accent1"/>
+          </a:fillRef>
+          <a:effectRef idx="0">
+            <a:schemeClr val="accent1"/>
+          </a:effectRef>
+          <a:fontRef idx="minor">
+            <a:schemeClr val="tx1"/>
+          </a:fontRef>
+        </p:style>
+      </p:cxnSp>
+      <p:cxnSp>
+        <p:nvCxnSpPr>
+          <p:cNvPr id="56" name="Connecteur droit 55"/>
+          <p:cNvCxnSpPr/>
+          <p:nvPr/>
+        </p:nvCxnSpPr>
+        <p:spPr>
+          <a:xfrm>
+            <a:off x="1480927" y="2708920"/>
+            <a:ext cx="1116" cy="720080"/>
+          </a:xfrm>
+          <a:prstGeom prst="line">
+            <a:avLst/>
+          </a:prstGeom>
+          <a:ln w="38100">
+            <a:solidFill>
+              <a:srgbClr val="002060"/>
+            </a:solidFill>
+          </a:ln>
+        </p:spPr>
+        <p:style>
+          <a:lnRef idx="1">
+            <a:schemeClr val="accent1"/>
+          </a:lnRef>
+          <a:fillRef idx="0">
+            <a:schemeClr val="accent1"/>
+          </a:fillRef>
+          <a:effectRef idx="0">
+            <a:schemeClr val="accent1"/>
+          </a:effectRef>
+          <a:fontRef idx="minor">
+            <a:schemeClr val="tx1"/>
+          </a:fontRef>
+        </p:style>
+      </p:cxnSp>
+      <p:cxnSp>
+        <p:nvCxnSpPr>
+          <p:cNvPr id="58" name="Connecteur droit 57"/>
+          <p:cNvCxnSpPr/>
+          <p:nvPr/>
+        </p:nvCxnSpPr>
+        <p:spPr>
+          <a:xfrm>
+            <a:off x="1410035" y="2708920"/>
+            <a:ext cx="144016" cy="1"/>
+          </a:xfrm>
+          <a:prstGeom prst="line">
+            <a:avLst/>
+          </a:prstGeom>
+          <a:ln w="38100">
+            <a:solidFill>
+              <a:srgbClr val="002060"/>
+            </a:solidFill>
+          </a:ln>
+        </p:spPr>
+        <p:style>
+          <a:lnRef idx="1">
+            <a:schemeClr val="accent1"/>
+          </a:lnRef>
+          <a:fillRef idx="0">
+            <a:schemeClr val="accent1"/>
+          </a:fillRef>
+          <a:effectRef idx="0">
+            <a:schemeClr val="accent1"/>
+          </a:effectRef>
+          <a:fontRef idx="minor">
+            <a:schemeClr val="tx1"/>
+          </a:fontRef>
+        </p:style>
+      </p:cxnSp>
+      <p:cxnSp>
+        <p:nvCxnSpPr>
+          <p:cNvPr id="59" name="Connecteur droit 58"/>
+          <p:cNvCxnSpPr/>
+          <p:nvPr/>
+        </p:nvCxnSpPr>
+        <p:spPr>
+          <a:xfrm>
+            <a:off x="1408919" y="3428999"/>
+            <a:ext cx="144016" cy="1"/>
+          </a:xfrm>
+          <a:prstGeom prst="line">
+            <a:avLst/>
+          </a:prstGeom>
+          <a:ln w="38100">
+            <a:solidFill>
+              <a:srgbClr val="002060"/>
+            </a:solidFill>
+          </a:ln>
+        </p:spPr>
+        <p:style>
+          <a:lnRef idx="1">
+            <a:schemeClr val="accent1"/>
+          </a:lnRef>
+          <a:fillRef idx="0">
+            <a:schemeClr val="accent1"/>
+          </a:fillRef>
+          <a:effectRef idx="0">
+            <a:schemeClr val="accent1"/>
+          </a:effectRef>
+          <a:fontRef idx="minor">
+            <a:schemeClr val="tx1"/>
+          </a:fontRef>
+        </p:style>
+      </p:cxnSp>
+      <p:cxnSp>
+        <p:nvCxnSpPr>
+          <p:cNvPr id="60" name="Connecteur droit 59"/>
+          <p:cNvCxnSpPr/>
+          <p:nvPr/>
+        </p:nvCxnSpPr>
+        <p:spPr>
+          <a:xfrm>
+            <a:off x="2163316" y="4440386"/>
+            <a:ext cx="524000" cy="0"/>
+          </a:xfrm>
+          <a:prstGeom prst="line">
+            <a:avLst/>
+          </a:prstGeom>
+          <a:ln w="38100">
+            <a:solidFill>
+              <a:srgbClr val="002060"/>
+            </a:solidFill>
+          </a:ln>
+        </p:spPr>
+        <p:style>
+          <a:lnRef idx="1">
+            <a:schemeClr val="accent1"/>
+          </a:lnRef>
+          <a:fillRef idx="0">
+            <a:schemeClr val="accent1"/>
+          </a:fillRef>
+          <a:effectRef idx="0">
+            <a:schemeClr val="accent1"/>
+          </a:effectRef>
+          <a:fontRef idx="minor">
+            <a:schemeClr val="tx1"/>
+          </a:fontRef>
+        </p:style>
+      </p:cxnSp>
+      <p:cxnSp>
+        <p:nvCxnSpPr>
+          <p:cNvPr id="63" name="Connecteur droit 62"/>
+          <p:cNvCxnSpPr/>
+          <p:nvPr/>
+        </p:nvCxnSpPr>
+        <p:spPr>
+          <a:xfrm>
+            <a:off x="2405386" y="4043858"/>
+            <a:ext cx="314336" cy="0"/>
+          </a:xfrm>
+          <a:prstGeom prst="line">
+            <a:avLst/>
+          </a:prstGeom>
+          <a:ln w="38100">
+            <a:solidFill>
+              <a:srgbClr val="002060"/>
+            </a:solidFill>
+          </a:ln>
+        </p:spPr>
+        <p:style>
+          <a:lnRef idx="1">
+            <a:schemeClr val="accent1"/>
+          </a:lnRef>
+          <a:fillRef idx="0">
+            <a:schemeClr val="accent1"/>
+          </a:fillRef>
+          <a:effectRef idx="0">
+            <a:schemeClr val="accent1"/>
+          </a:effectRef>
+          <a:fontRef idx="minor">
+            <a:schemeClr val="tx1"/>
+          </a:fontRef>
+        </p:style>
+      </p:cxnSp>
+      <p:cxnSp>
+        <p:nvCxnSpPr>
+          <p:cNvPr id="66" name="Connecteur droit 65"/>
+          <p:cNvCxnSpPr/>
+          <p:nvPr/>
+        </p:nvCxnSpPr>
+        <p:spPr>
+          <a:xfrm>
+            <a:off x="2405386" y="3645024"/>
+            <a:ext cx="0" cy="398834"/>
+          </a:xfrm>
+          <a:prstGeom prst="line">
+            <a:avLst/>
+          </a:prstGeom>
+          <a:ln w="38100">
+            <a:solidFill>
+              <a:srgbClr val="002060"/>
+            </a:solidFill>
+          </a:ln>
+        </p:spPr>
+        <p:style>
+          <a:lnRef idx="1">
+            <a:schemeClr val="accent1"/>
+          </a:lnRef>
+          <a:fillRef idx="0">
+            <a:schemeClr val="accent1"/>
+          </a:fillRef>
+          <a:effectRef idx="0">
+            <a:schemeClr val="accent1"/>
+          </a:effectRef>
+          <a:fontRef idx="minor">
+            <a:schemeClr val="tx1"/>
+          </a:fontRef>
+        </p:style>
+      </p:cxnSp>
+      <p:cxnSp>
+        <p:nvCxnSpPr>
+          <p:cNvPr id="76" name="Connecteur droit 75"/>
+          <p:cNvCxnSpPr/>
+          <p:nvPr/>
+        </p:nvCxnSpPr>
+        <p:spPr>
+          <a:xfrm>
+            <a:off x="2163316" y="3871850"/>
+            <a:ext cx="0" cy="568536"/>
+          </a:xfrm>
+          <a:prstGeom prst="line">
+            <a:avLst/>
+          </a:prstGeom>
+          <a:ln w="38100">
+            <a:solidFill>
+              <a:srgbClr val="002060"/>
+            </a:solidFill>
+          </a:ln>
+        </p:spPr>
+        <p:style>
+          <a:lnRef idx="1">
+            <a:schemeClr val="accent1"/>
+          </a:lnRef>
+          <a:fillRef idx="0">
+            <a:schemeClr val="accent1"/>
+          </a:fillRef>
+          <a:effectRef idx="0">
+            <a:schemeClr val="accent1"/>
+          </a:effectRef>
+          <a:fontRef idx="minor">
+            <a:schemeClr val="tx1"/>
+          </a:fontRef>
+        </p:style>
+      </p:cxnSp>
+      <p:cxnSp>
+        <p:nvCxnSpPr>
+          <p:cNvPr id="78" name="Connecteur droit 77"/>
+          <p:cNvCxnSpPr/>
+          <p:nvPr/>
+        </p:nvCxnSpPr>
+        <p:spPr>
+          <a:xfrm>
+            <a:off x="1868910" y="3874776"/>
+            <a:ext cx="294406" cy="0"/>
+          </a:xfrm>
+          <a:prstGeom prst="line">
+            <a:avLst/>
+          </a:prstGeom>
+          <a:ln w="38100">
+            <a:solidFill>
+              <a:srgbClr val="002060"/>
+            </a:solidFill>
+          </a:ln>
+        </p:spPr>
+        <p:style>
+          <a:lnRef idx="1">
+            <a:schemeClr val="accent1"/>
+          </a:lnRef>
+          <a:fillRef idx="0">
+            <a:schemeClr val="accent1"/>
+          </a:fillRef>
+          <a:effectRef idx="0">
+            <a:schemeClr val="accent1"/>
+          </a:effectRef>
+          <a:fontRef idx="minor">
+            <a:schemeClr val="tx1"/>
+          </a:fontRef>
+        </p:style>
+      </p:cxnSp>
+      <p:cxnSp>
+        <p:nvCxnSpPr>
+          <p:cNvPr id="79" name="Connecteur droit 78"/>
+          <p:cNvCxnSpPr/>
+          <p:nvPr/>
+        </p:nvCxnSpPr>
+        <p:spPr>
+          <a:xfrm>
+            <a:off x="2110980" y="3657124"/>
+            <a:ext cx="294406" cy="0"/>
+          </a:xfrm>
+          <a:prstGeom prst="line">
+            <a:avLst/>
+          </a:prstGeom>
+          <a:ln w="38100">
+            <a:solidFill>
+              <a:srgbClr val="002060"/>
+            </a:solidFill>
+          </a:ln>
+        </p:spPr>
+        <p:style>
+          <a:lnRef idx="1">
+            <a:schemeClr val="accent1"/>
+          </a:lnRef>
+          <a:fillRef idx="0">
+            <a:schemeClr val="accent1"/>
+          </a:fillRef>
+          <a:effectRef idx="0">
+            <a:schemeClr val="accent1"/>
+          </a:effectRef>
+          <a:fontRef idx="minor">
+            <a:schemeClr val="tx1"/>
+          </a:fontRef>
+        </p:style>
+      </p:cxnSp>
+      <p:cxnSp>
+        <p:nvCxnSpPr>
+          <p:cNvPr id="80" name="Connecteur droit 79"/>
+          <p:cNvCxnSpPr/>
+          <p:nvPr/>
+        </p:nvCxnSpPr>
+        <p:spPr>
+          <a:xfrm>
+            <a:off x="755576" y="3711834"/>
+            <a:ext cx="1113334" cy="0"/>
+          </a:xfrm>
+          <a:prstGeom prst="line">
+            <a:avLst/>
+          </a:prstGeom>
+          <a:ln w="38100">
+            <a:solidFill>
+              <a:srgbClr val="002060"/>
+            </a:solidFill>
+          </a:ln>
+        </p:spPr>
+        <p:style>
+          <a:lnRef idx="1">
+            <a:schemeClr val="accent1"/>
+          </a:lnRef>
+          <a:fillRef idx="0">
+            <a:schemeClr val="accent1"/>
+          </a:fillRef>
+          <a:effectRef idx="0">
+            <a:schemeClr val="accent1"/>
+          </a:effectRef>
+          <a:fontRef idx="minor">
+            <a:schemeClr val="tx1"/>
+          </a:fontRef>
+        </p:style>
+      </p:cxnSp>
+      <p:cxnSp>
+        <p:nvCxnSpPr>
+          <p:cNvPr id="81" name="Connecteur droit 80"/>
+          <p:cNvCxnSpPr/>
+          <p:nvPr/>
+        </p:nvCxnSpPr>
+        <p:spPr>
+          <a:xfrm>
+            <a:off x="971600" y="3494182"/>
+            <a:ext cx="1139380" cy="0"/>
+          </a:xfrm>
+          <a:prstGeom prst="line">
+            <a:avLst/>
+          </a:prstGeom>
+          <a:ln w="38100">
+            <a:solidFill>
+              <a:srgbClr val="002060"/>
+            </a:solidFill>
+          </a:ln>
+        </p:spPr>
+        <p:style>
+          <a:lnRef idx="1">
+            <a:schemeClr val="accent1"/>
+          </a:lnRef>
+          <a:fillRef idx="0">
+            <a:schemeClr val="accent1"/>
+          </a:fillRef>
+          <a:effectRef idx="0">
+            <a:schemeClr val="accent1"/>
+          </a:effectRef>
+          <a:fontRef idx="minor">
+            <a:schemeClr val="tx1"/>
+          </a:fontRef>
+        </p:style>
+      </p:cxnSp>
+      <p:cxnSp>
+        <p:nvCxnSpPr>
+          <p:cNvPr id="82" name="Connecteur droit 81"/>
+          <p:cNvCxnSpPr/>
+          <p:nvPr/>
+        </p:nvCxnSpPr>
+        <p:spPr>
+          <a:xfrm>
+            <a:off x="2110980" y="3494182"/>
+            <a:ext cx="0" cy="162942"/>
+          </a:xfrm>
+          <a:prstGeom prst="line">
+            <a:avLst/>
+          </a:prstGeom>
+          <a:ln w="38100">
+            <a:solidFill>
+              <a:srgbClr val="002060"/>
+            </a:solidFill>
+          </a:ln>
+        </p:spPr>
+        <p:style>
+          <a:lnRef idx="1">
+            <a:schemeClr val="accent1"/>
+          </a:lnRef>
+          <a:fillRef idx="0">
+            <a:schemeClr val="accent1"/>
+          </a:fillRef>
+          <a:effectRef idx="0">
+            <a:schemeClr val="accent1"/>
+          </a:effectRef>
+          <a:fontRef idx="minor">
+            <a:schemeClr val="tx1"/>
+          </a:fontRef>
+        </p:style>
+      </p:cxnSp>
+      <p:cxnSp>
+        <p:nvCxnSpPr>
+          <p:cNvPr id="86" name="Connecteur droit 85"/>
+          <p:cNvCxnSpPr/>
+          <p:nvPr/>
+        </p:nvCxnSpPr>
+        <p:spPr>
+          <a:xfrm>
+            <a:off x="971600" y="2636911"/>
+            <a:ext cx="0" cy="857271"/>
+          </a:xfrm>
+          <a:prstGeom prst="line">
+            <a:avLst/>
+          </a:prstGeom>
+          <a:ln w="38100">
+            <a:solidFill>
+              <a:srgbClr val="002060"/>
+            </a:solidFill>
+          </a:ln>
+        </p:spPr>
+        <p:style>
+          <a:lnRef idx="1">
+            <a:schemeClr val="accent1"/>
+          </a:lnRef>
+          <a:fillRef idx="0">
+            <a:schemeClr val="accent1"/>
+          </a:fillRef>
+          <a:effectRef idx="0">
+            <a:schemeClr val="accent1"/>
+          </a:effectRef>
+          <a:fontRef idx="minor">
+            <a:schemeClr val="tx1"/>
+          </a:fontRef>
+        </p:style>
+      </p:cxnSp>
+      <p:cxnSp>
+        <p:nvCxnSpPr>
+          <p:cNvPr id="88" name="Connecteur droit 87"/>
+          <p:cNvCxnSpPr/>
+          <p:nvPr/>
+        </p:nvCxnSpPr>
+        <p:spPr>
+          <a:xfrm>
+            <a:off x="971600" y="2636912"/>
+            <a:ext cx="720080" cy="0"/>
+          </a:xfrm>
+          <a:prstGeom prst="line">
+            <a:avLst/>
+          </a:prstGeom>
+          <a:ln w="38100">
+            <a:solidFill>
+              <a:srgbClr val="002060"/>
+            </a:solidFill>
+          </a:ln>
+        </p:spPr>
+        <p:style>
+          <a:lnRef idx="1">
+            <a:schemeClr val="accent1"/>
+          </a:lnRef>
+          <a:fillRef idx="0">
+            <a:schemeClr val="accent1"/>
+          </a:fillRef>
+          <a:effectRef idx="0">
+            <a:schemeClr val="accent1"/>
+          </a:effectRef>
+          <a:fontRef idx="minor">
+            <a:schemeClr val="tx1"/>
+          </a:fontRef>
+        </p:style>
+      </p:cxnSp>
+      <p:cxnSp>
+        <p:nvCxnSpPr>
+          <p:cNvPr id="89" name="Connecteur droit 88"/>
+          <p:cNvCxnSpPr/>
+          <p:nvPr/>
+        </p:nvCxnSpPr>
+        <p:spPr>
+          <a:xfrm>
+            <a:off x="2101060" y="2473970"/>
+            <a:ext cx="0" cy="162942"/>
+          </a:xfrm>
+          <a:prstGeom prst="line">
+            <a:avLst/>
+          </a:prstGeom>
+          <a:ln w="38100">
+            <a:solidFill>
+              <a:srgbClr val="002060"/>
+            </a:solidFill>
+          </a:ln>
+        </p:spPr>
+        <p:style>
+          <a:lnRef idx="1">
+            <a:schemeClr val="accent1"/>
+          </a:lnRef>
+          <a:fillRef idx="0">
+            <a:schemeClr val="accent1"/>
+          </a:fillRef>
+          <a:effectRef idx="0">
+            <a:schemeClr val="accent1"/>
+          </a:effectRef>
+          <a:fontRef idx="minor">
+            <a:schemeClr val="tx1"/>
+          </a:fontRef>
+        </p:style>
+      </p:cxnSp>
+      <p:cxnSp>
+        <p:nvCxnSpPr>
+          <p:cNvPr id="90" name="Connecteur droit 89"/>
+          <p:cNvCxnSpPr/>
+          <p:nvPr/>
+        </p:nvCxnSpPr>
+        <p:spPr>
+          <a:xfrm>
+            <a:off x="2101060" y="2478206"/>
+            <a:ext cx="294406" cy="0"/>
+          </a:xfrm>
+          <a:prstGeom prst="line">
+            <a:avLst/>
+          </a:prstGeom>
+          <a:ln w="38100">
+            <a:solidFill>
+              <a:srgbClr val="002060"/>
+            </a:solidFill>
+          </a:ln>
+        </p:spPr>
+        <p:style>
+          <a:lnRef idx="1">
+            <a:schemeClr val="accent1"/>
+          </a:lnRef>
+          <a:fillRef idx="0">
+            <a:schemeClr val="accent1"/>
+          </a:fillRef>
+          <a:effectRef idx="0">
+            <a:schemeClr val="accent1"/>
+          </a:effectRef>
+          <a:fontRef idx="minor">
+            <a:schemeClr val="tx1"/>
+          </a:fontRef>
+        </p:style>
+      </p:cxnSp>
+      <p:cxnSp>
+        <p:nvCxnSpPr>
+          <p:cNvPr id="91" name="Connecteur droit 90"/>
+          <p:cNvCxnSpPr/>
+          <p:nvPr/>
+        </p:nvCxnSpPr>
+        <p:spPr>
+          <a:xfrm>
+            <a:off x="2392910" y="2082898"/>
+            <a:ext cx="0" cy="389298"/>
+          </a:xfrm>
+          <a:prstGeom prst="line">
+            <a:avLst/>
+          </a:prstGeom>
+          <a:ln w="38100">
+            <a:solidFill>
+              <a:srgbClr val="002060"/>
+            </a:solidFill>
+          </a:ln>
+        </p:spPr>
+        <p:style>
+          <a:lnRef idx="1">
+            <a:schemeClr val="accent1"/>
+          </a:lnRef>
+          <a:fillRef idx="0">
+            <a:schemeClr val="accent1"/>
+          </a:fillRef>
+          <a:effectRef idx="0">
+            <a:schemeClr val="accent1"/>
+          </a:effectRef>
+          <a:fontRef idx="minor">
+            <a:schemeClr val="tx1"/>
+          </a:fontRef>
+        </p:style>
+      </p:cxnSp>
+      <p:cxnSp>
+        <p:nvCxnSpPr>
+          <p:cNvPr id="92" name="Connecteur droit 91"/>
+          <p:cNvCxnSpPr/>
+          <p:nvPr/>
+        </p:nvCxnSpPr>
+        <p:spPr>
+          <a:xfrm>
+            <a:off x="2392910" y="2082898"/>
+            <a:ext cx="294406" cy="0"/>
+          </a:xfrm>
+          <a:prstGeom prst="line">
+            <a:avLst/>
+          </a:prstGeom>
+          <a:ln w="38100">
+            <a:solidFill>
+              <a:srgbClr val="002060"/>
+            </a:solidFill>
+          </a:ln>
+        </p:spPr>
+        <p:style>
+          <a:lnRef idx="1">
+            <a:schemeClr val="accent1"/>
+          </a:lnRef>
+          <a:fillRef idx="0">
+            <a:schemeClr val="accent1"/>
+          </a:fillRef>
+          <a:effectRef idx="0">
+            <a:schemeClr val="accent1"/>
+          </a:effectRef>
+          <a:fontRef idx="minor">
+            <a:schemeClr val="tx1"/>
+          </a:fontRef>
+        </p:style>
+      </p:cxnSp>
+      <p:cxnSp>
+        <p:nvCxnSpPr>
+          <p:cNvPr id="95" name="Connecteur droit 94"/>
+          <p:cNvCxnSpPr/>
+          <p:nvPr/>
+        </p:nvCxnSpPr>
+        <p:spPr>
+          <a:xfrm>
+            <a:off x="1868910" y="3708908"/>
+            <a:ext cx="0" cy="162942"/>
+          </a:xfrm>
+          <a:prstGeom prst="line">
+            <a:avLst/>
+          </a:prstGeom>
+          <a:ln w="38100">
+            <a:solidFill>
+              <a:srgbClr val="002060"/>
+            </a:solidFill>
+          </a:ln>
+        </p:spPr>
+        <p:style>
+          <a:lnRef idx="1">
+            <a:schemeClr val="accent1"/>
+          </a:lnRef>
+          <a:fillRef idx="0">
+            <a:schemeClr val="accent1"/>
+          </a:fillRef>
+          <a:effectRef idx="0">
+            <a:schemeClr val="accent1"/>
+          </a:effectRef>
+          <a:fontRef idx="minor">
+            <a:schemeClr val="tx1"/>
+          </a:fontRef>
+        </p:style>
+      </p:cxnSp>
+      <p:cxnSp>
+        <p:nvCxnSpPr>
+          <p:cNvPr id="97" name="Connecteur droit 96"/>
+          <p:cNvCxnSpPr/>
+          <p:nvPr/>
+        </p:nvCxnSpPr>
+        <p:spPr>
+          <a:xfrm>
+            <a:off x="768326" y="2402098"/>
+            <a:ext cx="0" cy="1319770"/>
+          </a:xfrm>
+          <a:prstGeom prst="line">
+            <a:avLst/>
+          </a:prstGeom>
+          <a:ln w="38100">
+            <a:solidFill>
+              <a:srgbClr val="002060"/>
+            </a:solidFill>
+          </a:ln>
+        </p:spPr>
+        <p:style>
+          <a:lnRef idx="1">
+            <a:schemeClr val="accent1"/>
+          </a:lnRef>
+          <a:fillRef idx="0">
+            <a:schemeClr val="accent1"/>
+          </a:fillRef>
+          <a:effectRef idx="0">
+            <a:schemeClr val="accent1"/>
+          </a:effectRef>
+          <a:fontRef idx="minor">
+            <a:schemeClr val="tx1"/>
+          </a:fontRef>
+        </p:style>
+      </p:cxnSp>
+      <p:cxnSp>
+        <p:nvCxnSpPr>
+          <p:cNvPr id="99" name="Connecteur droit 98"/>
+          <p:cNvCxnSpPr/>
+          <p:nvPr/>
+        </p:nvCxnSpPr>
+        <p:spPr>
+          <a:xfrm>
+            <a:off x="2163924" y="1686854"/>
+            <a:ext cx="524000" cy="0"/>
+          </a:xfrm>
+          <a:prstGeom prst="line">
+            <a:avLst/>
+          </a:prstGeom>
+          <a:ln w="38100">
+            <a:solidFill>
+              <a:srgbClr val="002060"/>
+            </a:solidFill>
+          </a:ln>
+        </p:spPr>
+        <p:style>
+          <a:lnRef idx="1">
+            <a:schemeClr val="accent1"/>
+          </a:lnRef>
+          <a:fillRef idx="0">
+            <a:schemeClr val="accent1"/>
+          </a:fillRef>
+          <a:effectRef idx="0">
+            <a:schemeClr val="accent1"/>
+          </a:effectRef>
+          <a:fontRef idx="minor">
+            <a:schemeClr val="tx1"/>
+          </a:fontRef>
+        </p:style>
+      </p:cxnSp>
+      <p:cxnSp>
+        <p:nvCxnSpPr>
+          <p:cNvPr id="100" name="Connecteur droit 99"/>
+          <p:cNvCxnSpPr/>
+          <p:nvPr/>
+        </p:nvCxnSpPr>
+        <p:spPr>
+          <a:xfrm>
+            <a:off x="2163924" y="1686854"/>
+            <a:ext cx="0" cy="568536"/>
+          </a:xfrm>
+          <a:prstGeom prst="line">
+            <a:avLst/>
+          </a:prstGeom>
+          <a:ln w="38100">
+            <a:solidFill>
+              <a:srgbClr val="002060"/>
+            </a:solidFill>
+          </a:ln>
+        </p:spPr>
+        <p:style>
+          <a:lnRef idx="1">
+            <a:schemeClr val="accent1"/>
+          </a:lnRef>
+          <a:fillRef idx="0">
+            <a:schemeClr val="accent1"/>
+          </a:fillRef>
+          <a:effectRef idx="0">
+            <a:schemeClr val="accent1"/>
+          </a:effectRef>
+          <a:fontRef idx="minor">
+            <a:schemeClr val="tx1"/>
+          </a:fontRef>
+        </p:style>
+      </p:cxnSp>
+      <p:cxnSp>
+        <p:nvCxnSpPr>
+          <p:cNvPr id="101" name="Connecteur droit 100"/>
+          <p:cNvCxnSpPr/>
+          <p:nvPr/>
+        </p:nvCxnSpPr>
+        <p:spPr>
+          <a:xfrm>
+            <a:off x="1874107" y="2269366"/>
+            <a:ext cx="294406" cy="0"/>
+          </a:xfrm>
+          <a:prstGeom prst="line">
+            <a:avLst/>
+          </a:prstGeom>
+          <a:ln w="38100">
+            <a:solidFill>
+              <a:srgbClr val="002060"/>
+            </a:solidFill>
+          </a:ln>
+        </p:spPr>
+        <p:style>
+          <a:lnRef idx="1">
+            <a:schemeClr val="accent1"/>
+          </a:lnRef>
+          <a:fillRef idx="0">
+            <a:schemeClr val="accent1"/>
+          </a:fillRef>
+          <a:effectRef idx="0">
+            <a:schemeClr val="accent1"/>
+          </a:effectRef>
+          <a:fontRef idx="minor">
+            <a:schemeClr val="tx1"/>
+          </a:fontRef>
+        </p:style>
+      </p:cxnSp>
+      <p:cxnSp>
+        <p:nvCxnSpPr>
+          <p:cNvPr id="102" name="Connecteur droit 101"/>
+          <p:cNvCxnSpPr/>
+          <p:nvPr/>
+        </p:nvCxnSpPr>
+        <p:spPr>
+          <a:xfrm>
+            <a:off x="1868910" y="2255390"/>
+            <a:ext cx="0" cy="162942"/>
+          </a:xfrm>
+          <a:prstGeom prst="line">
+            <a:avLst/>
+          </a:prstGeom>
+          <a:ln w="38100">
+            <a:solidFill>
+              <a:srgbClr val="002060"/>
+            </a:solidFill>
+          </a:ln>
+        </p:spPr>
+        <p:style>
+          <a:lnRef idx="1">
+            <a:schemeClr val="accent1"/>
+          </a:lnRef>
+          <a:fillRef idx="0">
+            <a:schemeClr val="accent1"/>
+          </a:fillRef>
+          <a:effectRef idx="0">
+            <a:schemeClr val="accent1"/>
+          </a:effectRef>
+          <a:fontRef idx="minor">
+            <a:schemeClr val="tx1"/>
+          </a:fontRef>
+        </p:style>
+      </p:cxnSp>
+      <p:cxnSp>
+        <p:nvCxnSpPr>
+          <p:cNvPr id="103" name="Connecteur droit 102"/>
+          <p:cNvCxnSpPr/>
+          <p:nvPr/>
+        </p:nvCxnSpPr>
+        <p:spPr>
+          <a:xfrm>
+            <a:off x="768326" y="2418332"/>
+            <a:ext cx="923354" cy="0"/>
+          </a:xfrm>
+          <a:prstGeom prst="line">
+            <a:avLst/>
+          </a:prstGeom>
+          <a:ln w="38100">
+            <a:solidFill>
+              <a:srgbClr val="002060"/>
+            </a:solidFill>
+          </a:ln>
+        </p:spPr>
+        <p:style>
+          <a:lnRef idx="1">
+            <a:schemeClr val="accent1"/>
+          </a:lnRef>
+          <a:fillRef idx="0">
+            <a:schemeClr val="accent1"/>
+          </a:fillRef>
+          <a:effectRef idx="0">
+            <a:schemeClr val="accent1"/>
+          </a:effectRef>
+          <a:fontRef idx="minor">
+            <a:schemeClr val="tx1"/>
+          </a:fontRef>
+        </p:style>
+      </p:cxnSp>
+      <p:cxnSp>
+        <p:nvCxnSpPr>
+          <p:cNvPr id="107" name="Connecteur droit 106"/>
+          <p:cNvCxnSpPr/>
+          <p:nvPr/>
+        </p:nvCxnSpPr>
+        <p:spPr>
+          <a:xfrm>
+            <a:off x="1691680" y="2415846"/>
+            <a:ext cx="0" cy="221065"/>
+          </a:xfrm>
+          <a:prstGeom prst="line">
+            <a:avLst/>
+          </a:prstGeom>
+          <a:ln w="38100">
+            <a:solidFill>
+              <a:srgbClr val="002060"/>
+            </a:solidFill>
+          </a:ln>
+        </p:spPr>
+        <p:style>
+          <a:lnRef idx="1">
+            <a:schemeClr val="accent1"/>
+          </a:lnRef>
+          <a:fillRef idx="0">
+            <a:schemeClr val="accent1"/>
+          </a:fillRef>
+          <a:effectRef idx="0">
+            <a:schemeClr val="accent1"/>
+          </a:effectRef>
+          <a:fontRef idx="minor">
+            <a:schemeClr val="tx1"/>
+          </a:fontRef>
+        </p:style>
+      </p:cxnSp>
+      <p:cxnSp>
+        <p:nvCxnSpPr>
+          <p:cNvPr id="109" name="Connecteur droit 108"/>
+          <p:cNvCxnSpPr/>
+          <p:nvPr/>
+        </p:nvCxnSpPr>
+        <p:spPr>
+          <a:xfrm flipV="1">
+            <a:off x="1803400" y="2418332"/>
+            <a:ext cx="65510" cy="0"/>
+          </a:xfrm>
+          <a:prstGeom prst="line">
+            <a:avLst/>
+          </a:prstGeom>
+          <a:ln w="38100">
+            <a:solidFill>
+              <a:srgbClr val="002060"/>
+            </a:solidFill>
+          </a:ln>
+        </p:spPr>
+        <p:style>
+          <a:lnRef idx="1">
+            <a:schemeClr val="accent1"/>
+          </a:lnRef>
+          <a:fillRef idx="0">
+            <a:schemeClr val="accent1"/>
+          </a:fillRef>
+          <a:effectRef idx="0">
+            <a:schemeClr val="accent1"/>
+          </a:effectRef>
+          <a:fontRef idx="minor">
+            <a:schemeClr val="tx1"/>
+          </a:fontRef>
+        </p:style>
+      </p:cxnSp>
+      <p:cxnSp>
+        <p:nvCxnSpPr>
+          <p:cNvPr id="113" name="Connecteur droit 112"/>
+          <p:cNvCxnSpPr/>
+          <p:nvPr/>
+        </p:nvCxnSpPr>
+        <p:spPr>
+          <a:xfrm>
+            <a:off x="1803400" y="2415845"/>
+            <a:ext cx="0" cy="221065"/>
+          </a:xfrm>
+          <a:prstGeom prst="line">
+            <a:avLst/>
+          </a:prstGeom>
+          <a:ln w="38100">
+            <a:solidFill>
+              <a:srgbClr val="002060"/>
+            </a:solidFill>
+          </a:ln>
+        </p:spPr>
+        <p:style>
+          <a:lnRef idx="1">
+            <a:schemeClr val="accent1"/>
+          </a:lnRef>
+          <a:fillRef idx="0">
+            <a:schemeClr val="accent1"/>
+          </a:fillRef>
+          <a:effectRef idx="0">
+            <a:schemeClr val="accent1"/>
+          </a:effectRef>
+          <a:fontRef idx="minor">
+            <a:schemeClr val="tx1"/>
+          </a:fontRef>
+        </p:style>
+      </p:cxnSp>
+      <p:cxnSp>
+        <p:nvCxnSpPr>
+          <p:cNvPr id="115" name="Connecteur droit 114"/>
+          <p:cNvCxnSpPr/>
+          <p:nvPr/>
+        </p:nvCxnSpPr>
+        <p:spPr>
+          <a:xfrm>
+            <a:off x="1806654" y="2636910"/>
+            <a:ext cx="294406" cy="0"/>
+          </a:xfrm>
+          <a:prstGeom prst="line">
+            <a:avLst/>
+          </a:prstGeom>
+          <a:ln w="38100">
+            <a:solidFill>
+              <a:srgbClr val="002060"/>
+            </a:solidFill>
+          </a:ln>
+        </p:spPr>
+        <p:style>
+          <a:lnRef idx="1">
+            <a:schemeClr val="accent1"/>
+          </a:lnRef>
+          <a:fillRef idx="0">
+            <a:schemeClr val="accent1"/>
+          </a:fillRef>
+          <a:effectRef idx="0">
+            <a:schemeClr val="accent1"/>
+          </a:effectRef>
+          <a:fontRef idx="minor">
+            <a:schemeClr val="tx1"/>
+          </a:fontRef>
+        </p:style>
+      </p:cxnSp>
+      <p:grpSp>
+        <p:nvGrpSpPr>
+          <p:cNvPr id="142" name="Groupe 141"/>
+          <p:cNvGrpSpPr/>
+          <p:nvPr/>
+        </p:nvGrpSpPr>
+        <p:grpSpPr>
+          <a:xfrm>
+            <a:off x="2459286" y="2310618"/>
+            <a:ext cx="549697" cy="265314"/>
+            <a:chOff x="2459286" y="2310618"/>
+            <a:chExt cx="549697" cy="265314"/>
+          </a:xfrm>
+        </p:grpSpPr>
+        <p:cxnSp>
+          <p:nvCxnSpPr>
+            <p:cNvPr id="117" name="Connecteur droit 116"/>
+            <p:cNvCxnSpPr/>
+            <p:nvPr/>
+          </p:nvCxnSpPr>
+          <p:spPr>
+            <a:xfrm flipV="1">
+              <a:off x="3008983" y="2310618"/>
+              <a:ext cx="0" cy="252193"/>
+            </a:xfrm>
+            <a:prstGeom prst="line">
+              <a:avLst/>
+            </a:prstGeom>
+            <a:ln w="28575">
+              <a:solidFill>
+                <a:srgbClr val="002060"/>
+              </a:solidFill>
+            </a:ln>
+          </p:spPr>
+          <p:style>
+            <a:lnRef idx="1">
+              <a:schemeClr val="accent1"/>
+            </a:lnRef>
+            <a:fillRef idx="0">
+              <a:schemeClr val="accent1"/>
+            </a:fillRef>
+            <a:effectRef idx="0">
+              <a:schemeClr val="accent1"/>
+            </a:effectRef>
+            <a:fontRef idx="minor">
+              <a:schemeClr val="tx1"/>
+            </a:fontRef>
+          </p:style>
+        </p:cxnSp>
+        <p:cxnSp>
+          <p:nvCxnSpPr>
+            <p:cNvPr id="120" name="Connecteur droit 119"/>
+            <p:cNvCxnSpPr/>
+            <p:nvPr/>
+          </p:nvCxnSpPr>
+          <p:spPr>
+            <a:xfrm flipV="1">
+              <a:off x="2459286" y="2323739"/>
+              <a:ext cx="0" cy="252193"/>
+            </a:xfrm>
+            <a:prstGeom prst="line">
+              <a:avLst/>
+            </a:prstGeom>
+            <a:ln w="28575">
+              <a:solidFill>
+                <a:srgbClr val="002060"/>
+              </a:solidFill>
+            </a:ln>
+          </p:spPr>
+          <p:style>
+            <a:lnRef idx="1">
+              <a:schemeClr val="accent1"/>
+            </a:lnRef>
+            <a:fillRef idx="0">
+              <a:schemeClr val="accent1"/>
+            </a:fillRef>
+            <a:effectRef idx="0">
+              <a:schemeClr val="accent1"/>
+            </a:effectRef>
+            <a:fontRef idx="minor">
+              <a:schemeClr val="tx1"/>
+            </a:fontRef>
+          </p:style>
+        </p:cxnSp>
+        <p:cxnSp>
+          <p:nvCxnSpPr>
+            <p:cNvPr id="127" name="Connecteur droit 126"/>
+            <p:cNvCxnSpPr/>
+            <p:nvPr/>
+          </p:nvCxnSpPr>
+          <p:spPr>
+            <a:xfrm flipH="1" flipV="1">
+              <a:off x="2459288" y="2336862"/>
+              <a:ext cx="80825" cy="225949"/>
+            </a:xfrm>
+            <a:prstGeom prst="line">
+              <a:avLst/>
+            </a:prstGeom>
+            <a:ln w="28575">
+              <a:solidFill>
+                <a:srgbClr val="002060"/>
+              </a:solidFill>
+            </a:ln>
+          </p:spPr>
+          <p:style>
+            <a:lnRef idx="1">
+              <a:schemeClr val="accent1"/>
+            </a:lnRef>
+            <a:fillRef idx="0">
+              <a:schemeClr val="accent1"/>
+            </a:fillRef>
+            <a:effectRef idx="0">
+              <a:schemeClr val="accent1"/>
+            </a:effectRef>
+            <a:fontRef idx="minor">
+              <a:schemeClr val="tx1"/>
+            </a:fontRef>
+          </p:style>
+        </p:cxnSp>
+        <p:cxnSp>
+          <p:nvCxnSpPr>
+            <p:cNvPr id="130" name="Connecteur droit 129"/>
+            <p:cNvCxnSpPr/>
+            <p:nvPr/>
+          </p:nvCxnSpPr>
+          <p:spPr>
+            <a:xfrm flipV="1">
+              <a:off x="2540113" y="2336861"/>
+              <a:ext cx="87671" cy="225950"/>
+            </a:xfrm>
+            <a:prstGeom prst="line">
+              <a:avLst/>
+            </a:prstGeom>
+            <a:ln w="28575">
+              <a:solidFill>
+                <a:srgbClr val="002060"/>
+              </a:solidFill>
+            </a:ln>
+          </p:spPr>
+          <p:style>
+            <a:lnRef idx="1">
+              <a:schemeClr val="accent1"/>
+            </a:lnRef>
+            <a:fillRef idx="0">
+              <a:schemeClr val="accent1"/>
+            </a:fillRef>
+            <a:effectRef idx="0">
+              <a:schemeClr val="accent1"/>
+            </a:effectRef>
+            <a:fontRef idx="minor">
+              <a:schemeClr val="tx1"/>
+            </a:fontRef>
+          </p:style>
+        </p:cxnSp>
+        <p:cxnSp>
+          <p:nvCxnSpPr>
+            <p:cNvPr id="134" name="Connecteur droit 133"/>
+            <p:cNvCxnSpPr/>
+            <p:nvPr/>
+          </p:nvCxnSpPr>
+          <p:spPr>
+            <a:xfrm flipH="1" flipV="1">
+              <a:off x="2620938" y="2336860"/>
+              <a:ext cx="87671" cy="225950"/>
+            </a:xfrm>
+            <a:prstGeom prst="line">
+              <a:avLst/>
+            </a:prstGeom>
+            <a:ln w="28575">
+              <a:solidFill>
+                <a:srgbClr val="002060"/>
+              </a:solidFill>
+            </a:ln>
+          </p:spPr>
+          <p:style>
+            <a:lnRef idx="1">
+              <a:schemeClr val="accent1"/>
+            </a:lnRef>
+            <a:fillRef idx="0">
+              <a:schemeClr val="accent1"/>
+            </a:fillRef>
+            <a:effectRef idx="0">
+              <a:schemeClr val="accent1"/>
+            </a:effectRef>
+            <a:fontRef idx="minor">
+              <a:schemeClr val="tx1"/>
+            </a:fontRef>
+          </p:style>
+        </p:cxnSp>
+        <p:cxnSp>
+          <p:nvCxnSpPr>
+            <p:cNvPr id="136" name="Connecteur droit 135"/>
+            <p:cNvCxnSpPr/>
+            <p:nvPr/>
+          </p:nvCxnSpPr>
+          <p:spPr>
+            <a:xfrm flipV="1">
+              <a:off x="2700032" y="2336861"/>
+              <a:ext cx="87671" cy="225950"/>
+            </a:xfrm>
+            <a:prstGeom prst="line">
+              <a:avLst/>
+            </a:prstGeom>
+            <a:ln w="28575">
+              <a:solidFill>
+                <a:srgbClr val="002060"/>
+              </a:solidFill>
+            </a:ln>
+          </p:spPr>
+          <p:style>
+            <a:lnRef idx="1">
+              <a:schemeClr val="accent1"/>
+            </a:lnRef>
+            <a:fillRef idx="0">
+              <a:schemeClr val="accent1"/>
+            </a:fillRef>
+            <a:effectRef idx="0">
+              <a:schemeClr val="accent1"/>
+            </a:effectRef>
+            <a:fontRef idx="minor">
+              <a:schemeClr val="tx1"/>
+            </a:fontRef>
+          </p:style>
+        </p:cxnSp>
+        <p:cxnSp>
+          <p:nvCxnSpPr>
+            <p:cNvPr id="137" name="Connecteur droit 136"/>
+            <p:cNvCxnSpPr/>
+            <p:nvPr/>
+          </p:nvCxnSpPr>
+          <p:spPr>
+            <a:xfrm flipH="1" flipV="1">
+              <a:off x="2780857" y="2336860"/>
+              <a:ext cx="87671" cy="225950"/>
+            </a:xfrm>
+            <a:prstGeom prst="line">
+              <a:avLst/>
+            </a:prstGeom>
+            <a:ln w="28575">
+              <a:solidFill>
+                <a:srgbClr val="002060"/>
+              </a:solidFill>
+            </a:ln>
+          </p:spPr>
+          <p:style>
+            <a:lnRef idx="1">
+              <a:schemeClr val="accent1"/>
+            </a:lnRef>
+            <a:fillRef idx="0">
+              <a:schemeClr val="accent1"/>
+            </a:fillRef>
+            <a:effectRef idx="0">
+              <a:schemeClr val="accent1"/>
+            </a:effectRef>
+            <a:fontRef idx="minor">
+              <a:schemeClr val="tx1"/>
+            </a:fontRef>
+          </p:style>
+        </p:cxnSp>
+        <p:cxnSp>
+          <p:nvCxnSpPr>
+            <p:cNvPr id="138" name="Connecteur droit 137"/>
+            <p:cNvCxnSpPr/>
+            <p:nvPr/>
+          </p:nvCxnSpPr>
+          <p:spPr>
+            <a:xfrm flipV="1">
+              <a:off x="2859951" y="2336861"/>
+              <a:ext cx="87671" cy="225950"/>
+            </a:xfrm>
+            <a:prstGeom prst="line">
+              <a:avLst/>
+            </a:prstGeom>
+            <a:ln w="28575">
+              <a:solidFill>
+                <a:srgbClr val="002060"/>
+              </a:solidFill>
+            </a:ln>
+          </p:spPr>
+          <p:style>
+            <a:lnRef idx="1">
+              <a:schemeClr val="accent1"/>
+            </a:lnRef>
+            <a:fillRef idx="0">
+              <a:schemeClr val="accent1"/>
+            </a:fillRef>
+            <a:effectRef idx="0">
+              <a:schemeClr val="accent1"/>
+            </a:effectRef>
+            <a:fontRef idx="minor">
+              <a:schemeClr val="tx1"/>
+            </a:fontRef>
+          </p:style>
+        </p:cxnSp>
+        <p:cxnSp>
+          <p:nvCxnSpPr>
+            <p:cNvPr id="139" name="Connecteur droit 138"/>
+            <p:cNvCxnSpPr/>
+            <p:nvPr/>
+          </p:nvCxnSpPr>
+          <p:spPr>
+            <a:xfrm flipH="1" flipV="1">
+              <a:off x="2940777" y="2336860"/>
+              <a:ext cx="47047" cy="218581"/>
+            </a:xfrm>
+            <a:prstGeom prst="line">
+              <a:avLst/>
+            </a:prstGeom>
+            <a:ln w="28575">
+              <a:solidFill>
+                <a:srgbClr val="002060"/>
+              </a:solidFill>
+            </a:ln>
+          </p:spPr>
+          <p:style>
+            <a:lnRef idx="1">
+              <a:schemeClr val="accent1"/>
+            </a:lnRef>
+            <a:fillRef idx="0">
+              <a:schemeClr val="accent1"/>
+            </a:fillRef>
+            <a:effectRef idx="0">
+              <a:schemeClr val="accent1"/>
+            </a:effectRef>
+            <a:fontRef idx="minor">
+              <a:schemeClr val="tx1"/>
+            </a:fontRef>
+          </p:style>
+        </p:cxnSp>
+      </p:grpSp>
+      <p:grpSp>
+        <p:nvGrpSpPr>
+          <p:cNvPr id="143" name="Groupe 142"/>
+          <p:cNvGrpSpPr/>
+          <p:nvPr/>
+        </p:nvGrpSpPr>
+        <p:grpSpPr>
+          <a:xfrm>
+            <a:off x="2462654" y="3553772"/>
+            <a:ext cx="549697" cy="265314"/>
+            <a:chOff x="2459286" y="2310618"/>
+            <a:chExt cx="549697" cy="265314"/>
+          </a:xfrm>
+        </p:grpSpPr>
+        <p:cxnSp>
+          <p:nvCxnSpPr>
+            <p:cNvPr id="144" name="Connecteur droit 143"/>
+            <p:cNvCxnSpPr/>
+            <p:nvPr/>
+          </p:nvCxnSpPr>
+          <p:spPr>
+            <a:xfrm flipV="1">
+              <a:off x="3008983" y="2310618"/>
+              <a:ext cx="0" cy="252193"/>
+            </a:xfrm>
+            <a:prstGeom prst="line">
+              <a:avLst/>
+            </a:prstGeom>
+            <a:ln w="28575">
+              <a:solidFill>
+                <a:srgbClr val="002060"/>
+              </a:solidFill>
+            </a:ln>
+          </p:spPr>
+          <p:style>
+            <a:lnRef idx="1">
+              <a:schemeClr val="accent1"/>
+            </a:lnRef>
+            <a:fillRef idx="0">
+              <a:schemeClr val="accent1"/>
+            </a:fillRef>
+            <a:effectRef idx="0">
+              <a:schemeClr val="accent1"/>
+            </a:effectRef>
+            <a:fontRef idx="minor">
+              <a:schemeClr val="tx1"/>
+            </a:fontRef>
+          </p:style>
+        </p:cxnSp>
+        <p:cxnSp>
+          <p:nvCxnSpPr>
+            <p:cNvPr id="145" name="Connecteur droit 144"/>
+            <p:cNvCxnSpPr/>
+            <p:nvPr/>
+          </p:nvCxnSpPr>
+          <p:spPr>
+            <a:xfrm flipV="1">
+              <a:off x="2459286" y="2323739"/>
+              <a:ext cx="0" cy="252193"/>
+            </a:xfrm>
+            <a:prstGeom prst="line">
+              <a:avLst/>
+            </a:prstGeom>
+            <a:ln w="28575">
+              <a:solidFill>
+                <a:srgbClr val="002060"/>
+              </a:solidFill>
+            </a:ln>
+          </p:spPr>
+          <p:style>
+            <a:lnRef idx="1">
+              <a:schemeClr val="accent1"/>
+            </a:lnRef>
+            <a:fillRef idx="0">
+              <a:schemeClr val="accent1"/>
+            </a:fillRef>
+            <a:effectRef idx="0">
+              <a:schemeClr val="accent1"/>
+            </a:effectRef>
+            <a:fontRef idx="minor">
+              <a:schemeClr val="tx1"/>
+            </a:fontRef>
+          </p:style>
+        </p:cxnSp>
+        <p:cxnSp>
+          <p:nvCxnSpPr>
+            <p:cNvPr id="146" name="Connecteur droit 145"/>
+            <p:cNvCxnSpPr/>
+            <p:nvPr/>
+          </p:nvCxnSpPr>
+          <p:spPr>
+            <a:xfrm flipH="1" flipV="1">
+              <a:off x="2459288" y="2336862"/>
+              <a:ext cx="80825" cy="225949"/>
+            </a:xfrm>
+            <a:prstGeom prst="line">
+              <a:avLst/>
+            </a:prstGeom>
+            <a:ln w="28575">
+              <a:solidFill>
+                <a:srgbClr val="002060"/>
+              </a:solidFill>
+            </a:ln>
+          </p:spPr>
+          <p:style>
+            <a:lnRef idx="1">
+              <a:schemeClr val="accent1"/>
+            </a:lnRef>
+            <a:fillRef idx="0">
+              <a:schemeClr val="accent1"/>
+            </a:fillRef>
+            <a:effectRef idx="0">
+              <a:schemeClr val="accent1"/>
+            </a:effectRef>
+            <a:fontRef idx="minor">
+              <a:schemeClr val="tx1"/>
+            </a:fontRef>
+          </p:style>
+        </p:cxnSp>
+        <p:cxnSp>
+          <p:nvCxnSpPr>
+            <p:cNvPr id="147" name="Connecteur droit 146"/>
+            <p:cNvCxnSpPr/>
+            <p:nvPr/>
+          </p:nvCxnSpPr>
+          <p:spPr>
+            <a:xfrm flipV="1">
+              <a:off x="2540113" y="2336861"/>
+              <a:ext cx="87671" cy="225950"/>
+            </a:xfrm>
+            <a:prstGeom prst="line">
+              <a:avLst/>
+            </a:prstGeom>
+            <a:ln w="28575">
+              <a:solidFill>
+                <a:srgbClr val="002060"/>
+              </a:solidFill>
+            </a:ln>
+          </p:spPr>
+          <p:style>
+            <a:lnRef idx="1">
+              <a:schemeClr val="accent1"/>
+            </a:lnRef>
+            <a:fillRef idx="0">
+              <a:schemeClr val="accent1"/>
+            </a:fillRef>
+            <a:effectRef idx="0">
+              <a:schemeClr val="accent1"/>
+            </a:effectRef>
+            <a:fontRef idx="minor">
+              <a:schemeClr val="tx1"/>
+            </a:fontRef>
+          </p:style>
+        </p:cxnSp>
+        <p:cxnSp>
+          <p:nvCxnSpPr>
+            <p:cNvPr id="148" name="Connecteur droit 147"/>
+            <p:cNvCxnSpPr/>
+            <p:nvPr/>
+          </p:nvCxnSpPr>
+          <p:spPr>
+            <a:xfrm flipH="1" flipV="1">
+              <a:off x="2620938" y="2336860"/>
+              <a:ext cx="87671" cy="225950"/>
+            </a:xfrm>
+            <a:prstGeom prst="line">
+              <a:avLst/>
+            </a:prstGeom>
+            <a:ln w="28575">
+              <a:solidFill>
+                <a:srgbClr val="002060"/>
+              </a:solidFill>
+            </a:ln>
+          </p:spPr>
+          <p:style>
+            <a:lnRef idx="1">
+              <a:schemeClr val="accent1"/>
+            </a:lnRef>
+            <a:fillRef idx="0">
+              <a:schemeClr val="accent1"/>
+            </a:fillRef>
+            <a:effectRef idx="0">
+              <a:schemeClr val="accent1"/>
+            </a:effectRef>
+            <a:fontRef idx="minor">
+              <a:schemeClr val="tx1"/>
+            </a:fontRef>
+          </p:style>
+        </p:cxnSp>
+        <p:cxnSp>
+          <p:nvCxnSpPr>
+            <p:cNvPr id="149" name="Connecteur droit 148"/>
+            <p:cNvCxnSpPr/>
+            <p:nvPr/>
+          </p:nvCxnSpPr>
+          <p:spPr>
+            <a:xfrm flipV="1">
+              <a:off x="2700032" y="2336861"/>
+              <a:ext cx="87671" cy="225950"/>
+            </a:xfrm>
+            <a:prstGeom prst="line">
+              <a:avLst/>
+            </a:prstGeom>
+            <a:ln w="28575">
+              <a:solidFill>
+                <a:srgbClr val="002060"/>
+              </a:solidFill>
+            </a:ln>
+          </p:spPr>
+          <p:style>
+            <a:lnRef idx="1">
+              <a:schemeClr val="accent1"/>
+            </a:lnRef>
+            <a:fillRef idx="0">
+              <a:schemeClr val="accent1"/>
+            </a:fillRef>
+            <a:effectRef idx="0">
+              <a:schemeClr val="accent1"/>
+            </a:effectRef>
+            <a:fontRef idx="minor">
+              <a:schemeClr val="tx1"/>
+            </a:fontRef>
+          </p:style>
+        </p:cxnSp>
+        <p:cxnSp>
+          <p:nvCxnSpPr>
+            <p:cNvPr id="150" name="Connecteur droit 149"/>
+            <p:cNvCxnSpPr/>
+            <p:nvPr/>
+          </p:nvCxnSpPr>
+          <p:spPr>
+            <a:xfrm flipH="1" flipV="1">
+              <a:off x="2780857" y="2336860"/>
+              <a:ext cx="87671" cy="225950"/>
+            </a:xfrm>
+            <a:prstGeom prst="line">
+              <a:avLst/>
+            </a:prstGeom>
+            <a:ln w="28575">
+              <a:solidFill>
+                <a:srgbClr val="002060"/>
+              </a:solidFill>
+            </a:ln>
+          </p:spPr>
+          <p:style>
+            <a:lnRef idx="1">
+              <a:schemeClr val="accent1"/>
+            </a:lnRef>
+            <a:fillRef idx="0">
+              <a:schemeClr val="accent1"/>
+            </a:fillRef>
+            <a:effectRef idx="0">
+              <a:schemeClr val="accent1"/>
+            </a:effectRef>
+            <a:fontRef idx="minor">
+              <a:schemeClr val="tx1"/>
+            </a:fontRef>
+          </p:style>
+        </p:cxnSp>
+        <p:cxnSp>
+          <p:nvCxnSpPr>
+            <p:cNvPr id="151" name="Connecteur droit 150"/>
+            <p:cNvCxnSpPr/>
+            <p:nvPr/>
+          </p:nvCxnSpPr>
+          <p:spPr>
+            <a:xfrm flipV="1">
+              <a:off x="2859951" y="2336861"/>
+              <a:ext cx="87671" cy="225950"/>
+            </a:xfrm>
+            <a:prstGeom prst="line">
+              <a:avLst/>
+            </a:prstGeom>
+            <a:ln w="28575">
+              <a:solidFill>
+                <a:srgbClr val="002060"/>
+              </a:solidFill>
+            </a:ln>
+          </p:spPr>
+          <p:style>
+            <a:lnRef idx="1">
+              <a:schemeClr val="accent1"/>
+            </a:lnRef>
+            <a:fillRef idx="0">
+              <a:schemeClr val="accent1"/>
+            </a:fillRef>
+            <a:effectRef idx="0">
+              <a:schemeClr val="accent1"/>
+            </a:effectRef>
+            <a:fontRef idx="minor">
+              <a:schemeClr val="tx1"/>
+            </a:fontRef>
+          </p:style>
+        </p:cxnSp>
+        <p:cxnSp>
+          <p:nvCxnSpPr>
+            <p:cNvPr id="152" name="Connecteur droit 151"/>
+            <p:cNvCxnSpPr/>
+            <p:nvPr/>
+          </p:nvCxnSpPr>
+          <p:spPr>
+            <a:xfrm flipH="1" flipV="1">
+              <a:off x="2940777" y="2336860"/>
+              <a:ext cx="47047" cy="218581"/>
+            </a:xfrm>
+            <a:prstGeom prst="line">
+              <a:avLst/>
+            </a:prstGeom>
+            <a:ln w="28575">
+              <a:solidFill>
+                <a:srgbClr val="002060"/>
+              </a:solidFill>
+            </a:ln>
+          </p:spPr>
+          <p:style>
+            <a:lnRef idx="1">
+              <a:schemeClr val="accent1"/>
+            </a:lnRef>
+            <a:fillRef idx="0">
+              <a:schemeClr val="accent1"/>
+            </a:fillRef>
+            <a:effectRef idx="0">
+              <a:schemeClr val="accent1"/>
+            </a:effectRef>
+            <a:fontRef idx="minor">
+              <a:schemeClr val="tx1"/>
+            </a:fontRef>
+          </p:style>
+        </p:cxnSp>
+      </p:grpSp>
+      <p:cxnSp>
+        <p:nvCxnSpPr>
+          <p:cNvPr id="153" name="Connecteur droit 152"/>
+          <p:cNvCxnSpPr/>
+          <p:nvPr/>
+        </p:nvCxnSpPr>
+        <p:spPr>
+          <a:xfrm flipH="1">
+            <a:off x="2771800" y="1686853"/>
+            <a:ext cx="168496" cy="396045"/>
+          </a:xfrm>
+          <a:prstGeom prst="line">
+            <a:avLst/>
+          </a:prstGeom>
+          <a:ln w="19050">
+            <a:solidFill>
+              <a:srgbClr val="002060"/>
+            </a:solidFill>
+          </a:ln>
+        </p:spPr>
+        <p:style>
+          <a:lnRef idx="1">
+            <a:schemeClr val="accent1"/>
+          </a:lnRef>
+          <a:fillRef idx="0">
+            <a:schemeClr val="accent1"/>
+          </a:fillRef>
+          <a:effectRef idx="0">
+            <a:schemeClr val="accent1"/>
+          </a:effectRef>
+          <a:fontRef idx="minor">
+            <a:schemeClr val="tx1"/>
+          </a:fontRef>
+        </p:style>
+      </p:cxnSp>
+      <p:cxnSp>
+        <p:nvCxnSpPr>
+          <p:cNvPr id="156" name="Connecteur droit 155"/>
+          <p:cNvCxnSpPr/>
+          <p:nvPr/>
+        </p:nvCxnSpPr>
+        <p:spPr>
+          <a:xfrm flipH="1">
+            <a:off x="3030876" y="1686852"/>
+            <a:ext cx="168496" cy="396045"/>
+          </a:xfrm>
+          <a:prstGeom prst="line">
+            <a:avLst/>
+          </a:prstGeom>
+          <a:ln w="19050">
+            <a:solidFill>
+              <a:srgbClr val="002060"/>
+            </a:solidFill>
+          </a:ln>
+        </p:spPr>
+        <p:style>
+          <a:lnRef idx="1">
+            <a:schemeClr val="accent1"/>
+          </a:lnRef>
+          <a:fillRef idx="0">
+            <a:schemeClr val="accent1"/>
+          </a:fillRef>
+          <a:effectRef idx="0">
+            <a:schemeClr val="accent1"/>
+          </a:effectRef>
+          <a:fontRef idx="minor">
+            <a:schemeClr val="tx1"/>
+          </a:fontRef>
+        </p:style>
+      </p:cxnSp>
+      <p:cxnSp>
+        <p:nvCxnSpPr>
+          <p:cNvPr id="157" name="Connecteur droit 156"/>
+          <p:cNvCxnSpPr/>
+          <p:nvPr/>
+        </p:nvCxnSpPr>
+        <p:spPr>
+          <a:xfrm flipH="1">
+            <a:off x="3289952" y="1686851"/>
+            <a:ext cx="168496" cy="396045"/>
+          </a:xfrm>
+          <a:prstGeom prst="line">
+            <a:avLst/>
+          </a:prstGeom>
+          <a:ln w="19050">
+            <a:solidFill>
+              <a:srgbClr val="002060"/>
+            </a:solidFill>
+          </a:ln>
+        </p:spPr>
+        <p:style>
+          <a:lnRef idx="1">
+            <a:schemeClr val="accent1"/>
+          </a:lnRef>
+          <a:fillRef idx="0">
+            <a:schemeClr val="accent1"/>
+          </a:fillRef>
+          <a:effectRef idx="0">
+            <a:schemeClr val="accent1"/>
+          </a:effectRef>
+          <a:fontRef idx="minor">
+            <a:schemeClr val="tx1"/>
+          </a:fontRef>
+        </p:style>
+      </p:cxnSp>
+      <p:cxnSp>
+        <p:nvCxnSpPr>
+          <p:cNvPr id="158" name="Connecteur droit 157"/>
+          <p:cNvCxnSpPr/>
+          <p:nvPr/>
+        </p:nvCxnSpPr>
+        <p:spPr>
+          <a:xfrm flipH="1">
+            <a:off x="3549028" y="1686850"/>
+            <a:ext cx="168496" cy="396045"/>
+          </a:xfrm>
+          <a:prstGeom prst="line">
+            <a:avLst/>
+          </a:prstGeom>
+          <a:ln w="19050">
+            <a:solidFill>
+              <a:srgbClr val="002060"/>
+            </a:solidFill>
+          </a:ln>
+        </p:spPr>
+        <p:style>
+          <a:lnRef idx="1">
+            <a:schemeClr val="accent1"/>
+          </a:lnRef>
+          <a:fillRef idx="0">
+            <a:schemeClr val="accent1"/>
+          </a:fillRef>
+          <a:effectRef idx="0">
+            <a:schemeClr val="accent1"/>
+          </a:effectRef>
+          <a:fontRef idx="minor">
+            <a:schemeClr val="tx1"/>
+          </a:fontRef>
+        </p:style>
+      </p:cxnSp>
+      <p:cxnSp>
+        <p:nvCxnSpPr>
+          <p:cNvPr id="159" name="Connecteur droit 158"/>
+          <p:cNvCxnSpPr/>
+          <p:nvPr/>
+        </p:nvCxnSpPr>
+        <p:spPr>
+          <a:xfrm flipH="1">
+            <a:off x="3808104" y="1686849"/>
+            <a:ext cx="168496" cy="396045"/>
+          </a:xfrm>
+          <a:prstGeom prst="line">
+            <a:avLst/>
+          </a:prstGeom>
+          <a:ln w="19050">
+            <a:solidFill>
+              <a:srgbClr val="002060"/>
+            </a:solidFill>
+          </a:ln>
+        </p:spPr>
+        <p:style>
+          <a:lnRef idx="1">
+            <a:schemeClr val="accent1"/>
+          </a:lnRef>
+          <a:fillRef idx="0">
+            <a:schemeClr val="accent1"/>
+          </a:fillRef>
+          <a:effectRef idx="0">
+            <a:schemeClr val="accent1"/>
+          </a:effectRef>
+          <a:fontRef idx="minor">
+            <a:schemeClr val="tx1"/>
+          </a:fontRef>
+        </p:style>
+      </p:cxnSp>
+      <p:cxnSp>
+        <p:nvCxnSpPr>
+          <p:cNvPr id="160" name="Connecteur droit 159"/>
+          <p:cNvCxnSpPr/>
+          <p:nvPr/>
+        </p:nvCxnSpPr>
+        <p:spPr>
+          <a:xfrm flipH="1">
+            <a:off x="4067180" y="1686848"/>
+            <a:ext cx="168496" cy="396045"/>
+          </a:xfrm>
+          <a:prstGeom prst="line">
+            <a:avLst/>
+          </a:prstGeom>
+          <a:ln w="19050">
+            <a:solidFill>
+              <a:srgbClr val="002060"/>
+            </a:solidFill>
+          </a:ln>
+        </p:spPr>
+        <p:style>
+          <a:lnRef idx="1">
+            <a:schemeClr val="accent1"/>
+          </a:lnRef>
+          <a:fillRef idx="0">
+            <a:schemeClr val="accent1"/>
+          </a:fillRef>
+          <a:effectRef idx="0">
+            <a:schemeClr val="accent1"/>
+          </a:effectRef>
+          <a:fontRef idx="minor">
+            <a:schemeClr val="tx1"/>
+          </a:fontRef>
+        </p:style>
+      </p:cxnSp>
+      <p:cxnSp>
+        <p:nvCxnSpPr>
+          <p:cNvPr id="161" name="Connecteur droit 160"/>
+          <p:cNvCxnSpPr/>
+          <p:nvPr/>
+        </p:nvCxnSpPr>
+        <p:spPr>
+          <a:xfrm flipH="1">
+            <a:off x="4315397" y="1686847"/>
+            <a:ext cx="168496" cy="396045"/>
+          </a:xfrm>
+          <a:prstGeom prst="line">
+            <a:avLst/>
+          </a:prstGeom>
+          <a:ln w="19050">
+            <a:solidFill>
+              <a:srgbClr val="002060"/>
+            </a:solidFill>
+          </a:ln>
+        </p:spPr>
+        <p:style>
+          <a:lnRef idx="1">
+            <a:schemeClr val="accent1"/>
+          </a:lnRef>
+          <a:fillRef idx="0">
+            <a:schemeClr val="accent1"/>
+          </a:fillRef>
+          <a:effectRef idx="0">
+            <a:schemeClr val="accent1"/>
+          </a:effectRef>
+          <a:fontRef idx="minor">
+            <a:schemeClr val="tx1"/>
+          </a:fontRef>
+        </p:style>
+      </p:cxnSp>
+      <p:cxnSp>
+        <p:nvCxnSpPr>
+          <p:cNvPr id="162" name="Connecteur droit 161"/>
+          <p:cNvCxnSpPr/>
+          <p:nvPr/>
+        </p:nvCxnSpPr>
+        <p:spPr>
+          <a:xfrm flipH="1">
+            <a:off x="4574473" y="1686846"/>
+            <a:ext cx="168496" cy="396045"/>
+          </a:xfrm>
+          <a:prstGeom prst="line">
+            <a:avLst/>
+          </a:prstGeom>
+          <a:ln w="19050">
+            <a:solidFill>
+              <a:srgbClr val="002060"/>
+            </a:solidFill>
+          </a:ln>
+        </p:spPr>
+        <p:style>
+          <a:lnRef idx="1">
+            <a:schemeClr val="accent1"/>
+          </a:lnRef>
+          <a:fillRef idx="0">
+            <a:schemeClr val="accent1"/>
+          </a:fillRef>
+          <a:effectRef idx="0">
+            <a:schemeClr val="accent1"/>
+          </a:effectRef>
+          <a:fontRef idx="minor">
+            <a:schemeClr val="tx1"/>
+          </a:fontRef>
+        </p:style>
+      </p:cxnSp>
+      <p:cxnSp>
+        <p:nvCxnSpPr>
+          <p:cNvPr id="168" name="Connecteur droit 167"/>
+          <p:cNvCxnSpPr/>
+          <p:nvPr/>
+        </p:nvCxnSpPr>
+        <p:spPr>
+          <a:xfrm flipH="1">
+            <a:off x="2771800" y="4044348"/>
+            <a:ext cx="168496" cy="396045"/>
+          </a:xfrm>
+          <a:prstGeom prst="line">
+            <a:avLst/>
+          </a:prstGeom>
+          <a:ln w="19050">
+            <a:solidFill>
+              <a:srgbClr val="002060"/>
+            </a:solidFill>
+          </a:ln>
+        </p:spPr>
+        <p:style>
+          <a:lnRef idx="1">
+            <a:schemeClr val="accent1"/>
+          </a:lnRef>
+          <a:fillRef idx="0">
+            <a:schemeClr val="accent1"/>
+          </a:fillRef>
+          <a:effectRef idx="0">
+            <a:schemeClr val="accent1"/>
+          </a:effectRef>
+          <a:fontRef idx="minor">
+            <a:schemeClr val="tx1"/>
+          </a:fontRef>
+        </p:style>
+      </p:cxnSp>
+      <p:cxnSp>
+        <p:nvCxnSpPr>
+          <p:cNvPr id="169" name="Connecteur droit 168"/>
+          <p:cNvCxnSpPr/>
+          <p:nvPr/>
+        </p:nvCxnSpPr>
+        <p:spPr>
+          <a:xfrm flipH="1">
+            <a:off x="3030876" y="4044347"/>
+            <a:ext cx="168496" cy="396045"/>
+          </a:xfrm>
+          <a:prstGeom prst="line">
+            <a:avLst/>
+          </a:prstGeom>
+          <a:ln w="19050">
+            <a:solidFill>
+              <a:srgbClr val="002060"/>
+            </a:solidFill>
+          </a:ln>
+        </p:spPr>
+        <p:style>
+          <a:lnRef idx="1">
+            <a:schemeClr val="accent1"/>
+          </a:lnRef>
+          <a:fillRef idx="0">
+            <a:schemeClr val="accent1"/>
+          </a:fillRef>
+          <a:effectRef idx="0">
+            <a:schemeClr val="accent1"/>
+          </a:effectRef>
+          <a:fontRef idx="minor">
+            <a:schemeClr val="tx1"/>
+          </a:fontRef>
+        </p:style>
+      </p:cxnSp>
+      <p:cxnSp>
+        <p:nvCxnSpPr>
+          <p:cNvPr id="170" name="Connecteur droit 169"/>
+          <p:cNvCxnSpPr/>
+          <p:nvPr/>
+        </p:nvCxnSpPr>
+        <p:spPr>
+          <a:xfrm flipH="1">
+            <a:off x="3289952" y="4044346"/>
+            <a:ext cx="168496" cy="396045"/>
+          </a:xfrm>
+          <a:prstGeom prst="line">
+            <a:avLst/>
+          </a:prstGeom>
+          <a:ln w="19050">
+            <a:solidFill>
+              <a:srgbClr val="002060"/>
+            </a:solidFill>
+          </a:ln>
+        </p:spPr>
+        <p:style>
+          <a:lnRef idx="1">
+            <a:schemeClr val="accent1"/>
+          </a:lnRef>
+          <a:fillRef idx="0">
+            <a:schemeClr val="accent1"/>
+          </a:fillRef>
+          <a:effectRef idx="0">
+            <a:schemeClr val="accent1"/>
+          </a:effectRef>
+          <a:fontRef idx="minor">
+            <a:schemeClr val="tx1"/>
+          </a:fontRef>
+        </p:style>
+      </p:cxnSp>
+      <p:cxnSp>
+        <p:nvCxnSpPr>
+          <p:cNvPr id="171" name="Connecteur droit 170"/>
+          <p:cNvCxnSpPr/>
+          <p:nvPr/>
+        </p:nvCxnSpPr>
+        <p:spPr>
+          <a:xfrm flipH="1">
+            <a:off x="3549028" y="4044345"/>
+            <a:ext cx="168496" cy="396045"/>
+          </a:xfrm>
+          <a:prstGeom prst="line">
+            <a:avLst/>
+          </a:prstGeom>
+          <a:ln w="19050">
+            <a:solidFill>
+              <a:srgbClr val="002060"/>
+            </a:solidFill>
+          </a:ln>
+        </p:spPr>
+        <p:style>
+          <a:lnRef idx="1">
+            <a:schemeClr val="accent1"/>
+          </a:lnRef>
+          <a:fillRef idx="0">
+            <a:schemeClr val="accent1"/>
+          </a:fillRef>
+          <a:effectRef idx="0">
+            <a:schemeClr val="accent1"/>
+          </a:effectRef>
+          <a:fontRef idx="minor">
+            <a:schemeClr val="tx1"/>
+          </a:fontRef>
+        </p:style>
+      </p:cxnSp>
+      <p:cxnSp>
+        <p:nvCxnSpPr>
+          <p:cNvPr id="172" name="Connecteur droit 171"/>
+          <p:cNvCxnSpPr/>
+          <p:nvPr/>
+        </p:nvCxnSpPr>
+        <p:spPr>
+          <a:xfrm flipH="1">
+            <a:off x="3808104" y="4044344"/>
+            <a:ext cx="168496" cy="396045"/>
+          </a:xfrm>
+          <a:prstGeom prst="line">
+            <a:avLst/>
+          </a:prstGeom>
+          <a:ln w="19050">
+            <a:solidFill>
+              <a:srgbClr val="002060"/>
+            </a:solidFill>
+          </a:ln>
+        </p:spPr>
+        <p:style>
+          <a:lnRef idx="1">
+            <a:schemeClr val="accent1"/>
+          </a:lnRef>
+          <a:fillRef idx="0">
+            <a:schemeClr val="accent1"/>
+          </a:fillRef>
+          <a:effectRef idx="0">
+            <a:schemeClr val="accent1"/>
+          </a:effectRef>
+          <a:fontRef idx="minor">
+            <a:schemeClr val="tx1"/>
+          </a:fontRef>
+        </p:style>
+      </p:cxnSp>
+      <p:cxnSp>
+        <p:nvCxnSpPr>
+          <p:cNvPr id="173" name="Connecteur droit 172"/>
+          <p:cNvCxnSpPr/>
+          <p:nvPr/>
+        </p:nvCxnSpPr>
+        <p:spPr>
+          <a:xfrm flipH="1">
+            <a:off x="4067180" y="4044343"/>
+            <a:ext cx="168496" cy="396045"/>
+          </a:xfrm>
+          <a:prstGeom prst="line">
+            <a:avLst/>
+          </a:prstGeom>
+          <a:ln w="19050">
+            <a:solidFill>
+              <a:srgbClr val="002060"/>
+            </a:solidFill>
+          </a:ln>
+        </p:spPr>
+        <p:style>
+          <a:lnRef idx="1">
+            <a:schemeClr val="accent1"/>
+          </a:lnRef>
+          <a:fillRef idx="0">
+            <a:schemeClr val="accent1"/>
+          </a:fillRef>
+          <a:effectRef idx="0">
+            <a:schemeClr val="accent1"/>
+          </a:effectRef>
+          <a:fontRef idx="minor">
+            <a:schemeClr val="tx1"/>
+          </a:fontRef>
+        </p:style>
+      </p:cxnSp>
+      <p:cxnSp>
+        <p:nvCxnSpPr>
+          <p:cNvPr id="174" name="Connecteur droit 173"/>
+          <p:cNvCxnSpPr/>
+          <p:nvPr/>
+        </p:nvCxnSpPr>
+        <p:spPr>
+          <a:xfrm flipH="1">
+            <a:off x="4315397" y="4044342"/>
+            <a:ext cx="168496" cy="396045"/>
+          </a:xfrm>
+          <a:prstGeom prst="line">
+            <a:avLst/>
+          </a:prstGeom>
+          <a:ln w="19050">
+            <a:solidFill>
+              <a:srgbClr val="002060"/>
+            </a:solidFill>
+          </a:ln>
+        </p:spPr>
+        <p:style>
+          <a:lnRef idx="1">
+            <a:schemeClr val="accent1"/>
+          </a:lnRef>
+          <a:fillRef idx="0">
+            <a:schemeClr val="accent1"/>
+          </a:fillRef>
+          <a:effectRef idx="0">
+            <a:schemeClr val="accent1"/>
+          </a:effectRef>
+          <a:fontRef idx="minor">
+            <a:schemeClr val="tx1"/>
+          </a:fontRef>
+        </p:style>
+      </p:cxnSp>
+      <p:cxnSp>
+        <p:nvCxnSpPr>
+          <p:cNvPr id="175" name="Connecteur droit 174"/>
+          <p:cNvCxnSpPr/>
+          <p:nvPr/>
+        </p:nvCxnSpPr>
+        <p:spPr>
+          <a:xfrm flipH="1">
+            <a:off x="4574473" y="4044341"/>
+            <a:ext cx="168496" cy="396045"/>
+          </a:xfrm>
+          <a:prstGeom prst="line">
+            <a:avLst/>
+          </a:prstGeom>
+          <a:ln w="19050">
+            <a:solidFill>
+              <a:srgbClr val="002060"/>
+            </a:solidFill>
+          </a:ln>
+        </p:spPr>
+        <p:style>
+          <a:lnRef idx="1">
+            <a:schemeClr val="accent1"/>
+          </a:lnRef>
+          <a:fillRef idx="0">
+            <a:schemeClr val="accent1"/>
+          </a:fillRef>
+          <a:effectRef idx="0">
+            <a:schemeClr val="accent1"/>
+          </a:effectRef>
+          <a:fontRef idx="minor">
+            <a:schemeClr val="tx1"/>
+          </a:fontRef>
+        </p:style>
+      </p:cxnSp>
+      <p:grpSp>
+        <p:nvGrpSpPr>
+          <p:cNvPr id="193" name="Groupe 192"/>
+          <p:cNvGrpSpPr/>
+          <p:nvPr/>
+        </p:nvGrpSpPr>
+        <p:grpSpPr>
+          <a:xfrm>
+            <a:off x="4819146" y="3715176"/>
+            <a:ext cx="256899" cy="706266"/>
+            <a:chOff x="4819146" y="3715176"/>
+            <a:chExt cx="256899" cy="706266"/>
+          </a:xfrm>
+        </p:grpSpPr>
+        <p:cxnSp>
+          <p:nvCxnSpPr>
+            <p:cNvPr id="176" name="Connecteur droit 175"/>
+            <p:cNvCxnSpPr/>
+            <p:nvPr/>
+          </p:nvCxnSpPr>
+          <p:spPr>
+            <a:xfrm flipV="1">
+              <a:off x="4932040" y="4341642"/>
+              <a:ext cx="128446" cy="79800"/>
+            </a:xfrm>
+            <a:prstGeom prst="line">
+              <a:avLst/>
+            </a:prstGeom>
+            <a:ln w="19050">
+              <a:solidFill>
+                <a:srgbClr val="002060"/>
+              </a:solidFill>
+            </a:ln>
+          </p:spPr>
+          <p:style>
+            <a:lnRef idx="1">
+              <a:schemeClr val="accent1"/>
+            </a:lnRef>
+            <a:fillRef idx="0">
+              <a:schemeClr val="accent1"/>
+            </a:fillRef>
+            <a:effectRef idx="0">
+              <a:schemeClr val="accent1"/>
+            </a:effectRef>
+            <a:fontRef idx="minor">
+              <a:schemeClr val="tx1"/>
+            </a:fontRef>
+          </p:style>
+        </p:cxnSp>
+        <p:cxnSp>
+          <p:nvCxnSpPr>
+            <p:cNvPr id="179" name="Connecteur droit 178"/>
+            <p:cNvCxnSpPr/>
+            <p:nvPr/>
+          </p:nvCxnSpPr>
+          <p:spPr>
+            <a:xfrm flipV="1">
+              <a:off x="4819152" y="4245048"/>
+              <a:ext cx="256893" cy="159600"/>
+            </a:xfrm>
+            <a:prstGeom prst="line">
+              <a:avLst/>
+            </a:prstGeom>
+            <a:ln w="19050">
+              <a:solidFill>
+                <a:srgbClr val="002060"/>
+              </a:solidFill>
+            </a:ln>
+          </p:spPr>
+          <p:style>
+            <a:lnRef idx="1">
+              <a:schemeClr val="accent1"/>
+            </a:lnRef>
+            <a:fillRef idx="0">
+              <a:schemeClr val="accent1"/>
+            </a:fillRef>
+            <a:effectRef idx="0">
+              <a:schemeClr val="accent1"/>
+            </a:effectRef>
+            <a:fontRef idx="minor">
+              <a:schemeClr val="tx1"/>
+            </a:fontRef>
+          </p:style>
+        </p:cxnSp>
+        <p:cxnSp>
+          <p:nvCxnSpPr>
+            <p:cNvPr id="180" name="Connecteur droit 179"/>
+            <p:cNvCxnSpPr/>
+            <p:nvPr/>
+          </p:nvCxnSpPr>
+          <p:spPr>
+            <a:xfrm flipV="1">
+              <a:off x="4819151" y="4162076"/>
+              <a:ext cx="256893" cy="159600"/>
+            </a:xfrm>
+            <a:prstGeom prst="line">
+              <a:avLst/>
+            </a:prstGeom>
+            <a:ln w="19050">
+              <a:solidFill>
+                <a:srgbClr val="002060"/>
+              </a:solidFill>
+            </a:ln>
+          </p:spPr>
+          <p:style>
+            <a:lnRef idx="1">
+              <a:schemeClr val="accent1"/>
+            </a:lnRef>
+            <a:fillRef idx="0">
+              <a:schemeClr val="accent1"/>
+            </a:fillRef>
+            <a:effectRef idx="0">
+              <a:schemeClr val="accent1"/>
+            </a:effectRef>
+            <a:fontRef idx="minor">
+              <a:schemeClr val="tx1"/>
+            </a:fontRef>
+          </p:style>
+        </p:cxnSp>
+        <p:cxnSp>
+          <p:nvCxnSpPr>
+            <p:cNvPr id="181" name="Connecteur droit 180"/>
+            <p:cNvCxnSpPr/>
+            <p:nvPr/>
+          </p:nvCxnSpPr>
+          <p:spPr>
+            <a:xfrm flipV="1">
+              <a:off x="4819150" y="4079104"/>
+              <a:ext cx="256893" cy="159600"/>
+            </a:xfrm>
+            <a:prstGeom prst="line">
+              <a:avLst/>
+            </a:prstGeom>
+            <a:ln w="19050">
+              <a:solidFill>
+                <a:srgbClr val="002060"/>
+              </a:solidFill>
+            </a:ln>
+          </p:spPr>
+          <p:style>
+            <a:lnRef idx="1">
+              <a:schemeClr val="accent1"/>
+            </a:lnRef>
+            <a:fillRef idx="0">
+              <a:schemeClr val="accent1"/>
+            </a:fillRef>
+            <a:effectRef idx="0">
+              <a:schemeClr val="accent1"/>
+            </a:effectRef>
+            <a:fontRef idx="minor">
+              <a:schemeClr val="tx1"/>
+            </a:fontRef>
+          </p:style>
+        </p:cxnSp>
+        <p:cxnSp>
+          <p:nvCxnSpPr>
+            <p:cNvPr id="182" name="Connecteur droit 181"/>
+            <p:cNvCxnSpPr/>
+            <p:nvPr/>
+          </p:nvCxnSpPr>
+          <p:spPr>
+            <a:xfrm flipV="1">
+              <a:off x="4819149" y="3996132"/>
+              <a:ext cx="256893" cy="159600"/>
+            </a:xfrm>
+            <a:prstGeom prst="line">
+              <a:avLst/>
+            </a:prstGeom>
+            <a:ln w="19050">
+              <a:solidFill>
+                <a:srgbClr val="002060"/>
+              </a:solidFill>
+            </a:ln>
+          </p:spPr>
+          <p:style>
+            <a:lnRef idx="1">
+              <a:schemeClr val="accent1"/>
+            </a:lnRef>
+            <a:fillRef idx="0">
+              <a:schemeClr val="accent1"/>
+            </a:fillRef>
+            <a:effectRef idx="0">
+              <a:schemeClr val="accent1"/>
+            </a:effectRef>
+            <a:fontRef idx="minor">
+              <a:schemeClr val="tx1"/>
+            </a:fontRef>
+          </p:style>
+        </p:cxnSp>
+        <p:cxnSp>
+          <p:nvCxnSpPr>
+            <p:cNvPr id="183" name="Connecteur droit 182"/>
+            <p:cNvCxnSpPr/>
+            <p:nvPr/>
+          </p:nvCxnSpPr>
+          <p:spPr>
+            <a:xfrm flipV="1">
+              <a:off x="4819148" y="3913160"/>
+              <a:ext cx="256893" cy="159600"/>
+            </a:xfrm>
+            <a:prstGeom prst="line">
+              <a:avLst/>
+            </a:prstGeom>
+            <a:ln w="19050">
+              <a:solidFill>
+                <a:srgbClr val="002060"/>
+              </a:solidFill>
+            </a:ln>
+          </p:spPr>
+          <p:style>
+            <a:lnRef idx="1">
+              <a:schemeClr val="accent1"/>
+            </a:lnRef>
+            <a:fillRef idx="0">
+              <a:schemeClr val="accent1"/>
+            </a:fillRef>
+            <a:effectRef idx="0">
+              <a:schemeClr val="accent1"/>
+            </a:effectRef>
+            <a:fontRef idx="minor">
+              <a:schemeClr val="tx1"/>
+            </a:fontRef>
+          </p:style>
+        </p:cxnSp>
+        <p:cxnSp>
+          <p:nvCxnSpPr>
+            <p:cNvPr id="184" name="Connecteur droit 183"/>
+            <p:cNvCxnSpPr/>
+            <p:nvPr/>
+          </p:nvCxnSpPr>
+          <p:spPr>
+            <a:xfrm flipV="1">
+              <a:off x="4819147" y="3830188"/>
+              <a:ext cx="256893" cy="159600"/>
+            </a:xfrm>
+            <a:prstGeom prst="line">
+              <a:avLst/>
+            </a:prstGeom>
+            <a:ln w="19050">
+              <a:solidFill>
+                <a:srgbClr val="002060"/>
+              </a:solidFill>
+            </a:ln>
+          </p:spPr>
+          <p:style>
+            <a:lnRef idx="1">
+              <a:schemeClr val="accent1"/>
+            </a:lnRef>
+            <a:fillRef idx="0">
+              <a:schemeClr val="accent1"/>
+            </a:fillRef>
+            <a:effectRef idx="0">
+              <a:schemeClr val="accent1"/>
+            </a:effectRef>
+            <a:fontRef idx="minor">
+              <a:schemeClr val="tx1"/>
+            </a:fontRef>
+          </p:style>
+        </p:cxnSp>
+        <p:cxnSp>
+          <p:nvCxnSpPr>
+            <p:cNvPr id="185" name="Connecteur droit 184"/>
+            <p:cNvCxnSpPr/>
+            <p:nvPr/>
+          </p:nvCxnSpPr>
+          <p:spPr>
+            <a:xfrm flipV="1">
+              <a:off x="4819146" y="3747216"/>
+              <a:ext cx="256893" cy="159600"/>
+            </a:xfrm>
+            <a:prstGeom prst="line">
+              <a:avLst/>
+            </a:prstGeom>
+            <a:ln w="19050">
+              <a:solidFill>
+                <a:srgbClr val="002060"/>
+              </a:solidFill>
+            </a:ln>
+          </p:spPr>
+          <p:style>
+            <a:lnRef idx="1">
+              <a:schemeClr val="accent1"/>
+            </a:lnRef>
+            <a:fillRef idx="0">
+              <a:schemeClr val="accent1"/>
+            </a:fillRef>
+            <a:effectRef idx="0">
+              <a:schemeClr val="accent1"/>
+            </a:effectRef>
+            <a:fontRef idx="minor">
+              <a:schemeClr val="tx1"/>
+            </a:fontRef>
+          </p:style>
+        </p:cxnSp>
+        <p:cxnSp>
+          <p:nvCxnSpPr>
+            <p:cNvPr id="186" name="Connecteur droit 185"/>
+            <p:cNvCxnSpPr/>
+            <p:nvPr/>
+          </p:nvCxnSpPr>
+          <p:spPr>
+            <a:xfrm flipV="1">
+              <a:off x="4819163" y="3715176"/>
+              <a:ext cx="177100" cy="110027"/>
+            </a:xfrm>
+            <a:prstGeom prst="line">
+              <a:avLst/>
+            </a:prstGeom>
+            <a:ln w="19050">
+              <a:solidFill>
+                <a:srgbClr val="002060"/>
+              </a:solidFill>
+            </a:ln>
+          </p:spPr>
+          <p:style>
+            <a:lnRef idx="1">
+              <a:schemeClr val="accent1"/>
+            </a:lnRef>
+            <a:fillRef idx="0">
+              <a:schemeClr val="accent1"/>
+            </a:fillRef>
+            <a:effectRef idx="0">
+              <a:schemeClr val="accent1"/>
+            </a:effectRef>
+            <a:fontRef idx="minor">
+              <a:schemeClr val="tx1"/>
+            </a:fontRef>
+          </p:style>
+        </p:cxnSp>
+      </p:grpSp>
+      <p:grpSp>
+        <p:nvGrpSpPr>
+          <p:cNvPr id="194" name="Groupe 193"/>
+          <p:cNvGrpSpPr/>
+          <p:nvPr/>
+        </p:nvGrpSpPr>
+        <p:grpSpPr>
+          <a:xfrm>
+            <a:off x="4825513" y="1679654"/>
+            <a:ext cx="256899" cy="706266"/>
+            <a:chOff x="4819146" y="3715176"/>
+            <a:chExt cx="256899" cy="706266"/>
+          </a:xfrm>
+        </p:grpSpPr>
+        <p:cxnSp>
+          <p:nvCxnSpPr>
+            <p:cNvPr id="195" name="Connecteur droit 194"/>
+            <p:cNvCxnSpPr/>
+            <p:nvPr/>
+          </p:nvCxnSpPr>
+          <p:spPr>
+            <a:xfrm flipV="1">
+              <a:off x="4932040" y="4341642"/>
+              <a:ext cx="128446" cy="79800"/>
+            </a:xfrm>
+            <a:prstGeom prst="line">
+              <a:avLst/>
+            </a:prstGeom>
+            <a:ln w="19050">
+              <a:solidFill>
+                <a:srgbClr val="002060"/>
+              </a:solidFill>
+            </a:ln>
+          </p:spPr>
+          <p:style>
+            <a:lnRef idx="1">
+              <a:schemeClr val="accent1"/>
+            </a:lnRef>
+            <a:fillRef idx="0">
+              <a:schemeClr val="accent1"/>
+            </a:fillRef>
+            <a:effectRef idx="0">
+              <a:schemeClr val="accent1"/>
+            </a:effectRef>
+            <a:fontRef idx="minor">
+              <a:schemeClr val="tx1"/>
+            </a:fontRef>
+          </p:style>
+        </p:cxnSp>
+        <p:cxnSp>
+          <p:nvCxnSpPr>
+            <p:cNvPr id="196" name="Connecteur droit 195"/>
+            <p:cNvCxnSpPr/>
+            <p:nvPr/>
+          </p:nvCxnSpPr>
+          <p:spPr>
+            <a:xfrm flipV="1">
+              <a:off x="4819152" y="4245048"/>
+              <a:ext cx="256893" cy="159600"/>
+            </a:xfrm>
+            <a:prstGeom prst="line">
+              <a:avLst/>
+            </a:prstGeom>
+            <a:ln w="19050">
+              <a:solidFill>
+                <a:srgbClr val="002060"/>
+              </a:solidFill>
+            </a:ln>
+          </p:spPr>
+          <p:style>
+            <a:lnRef idx="1">
+              <a:schemeClr val="accent1"/>
+            </a:lnRef>
+            <a:fillRef idx="0">
+              <a:schemeClr val="accent1"/>
+            </a:fillRef>
+            <a:effectRef idx="0">
+              <a:schemeClr val="accent1"/>
+            </a:effectRef>
+            <a:fontRef idx="minor">
+              <a:schemeClr val="tx1"/>
+            </a:fontRef>
+          </p:style>
+        </p:cxnSp>
+        <p:cxnSp>
+          <p:nvCxnSpPr>
+            <p:cNvPr id="197" name="Connecteur droit 196"/>
+            <p:cNvCxnSpPr/>
+            <p:nvPr/>
+          </p:nvCxnSpPr>
+          <p:spPr>
+            <a:xfrm flipV="1">
+              <a:off x="4819151" y="4162076"/>
+              <a:ext cx="256893" cy="159600"/>
+            </a:xfrm>
+            <a:prstGeom prst="line">
+              <a:avLst/>
+            </a:prstGeom>
+            <a:ln w="19050">
+              <a:solidFill>
+                <a:srgbClr val="002060"/>
+              </a:solidFill>
+            </a:ln>
+          </p:spPr>
+          <p:style>
+            <a:lnRef idx="1">
+              <a:schemeClr val="accent1"/>
+            </a:lnRef>
+            <a:fillRef idx="0">
+              <a:schemeClr val="accent1"/>
+            </a:fillRef>
+            <a:effectRef idx="0">
+              <a:schemeClr val="accent1"/>
+            </a:effectRef>
+            <a:fontRef idx="minor">
+              <a:schemeClr val="tx1"/>
+            </a:fontRef>
+          </p:style>
+        </p:cxnSp>
+        <p:cxnSp>
+          <p:nvCxnSpPr>
+            <p:cNvPr id="198" name="Connecteur droit 197"/>
+            <p:cNvCxnSpPr/>
+            <p:nvPr/>
+          </p:nvCxnSpPr>
+          <p:spPr>
+            <a:xfrm flipV="1">
+              <a:off x="4819150" y="4079104"/>
+              <a:ext cx="256893" cy="159600"/>
+            </a:xfrm>
+            <a:prstGeom prst="line">
+              <a:avLst/>
+            </a:prstGeom>
+            <a:ln w="19050">
+              <a:solidFill>
+                <a:srgbClr val="002060"/>
+              </a:solidFill>
+            </a:ln>
+          </p:spPr>
+          <p:style>
+            <a:lnRef idx="1">
+              <a:schemeClr val="accent1"/>
+            </a:lnRef>
+            <a:fillRef idx="0">
+              <a:schemeClr val="accent1"/>
+            </a:fillRef>
+            <a:effectRef idx="0">
+              <a:schemeClr val="accent1"/>
+            </a:effectRef>
+            <a:fontRef idx="minor">
+              <a:schemeClr val="tx1"/>
+            </a:fontRef>
+          </p:style>
+        </p:cxnSp>
+        <p:cxnSp>
+          <p:nvCxnSpPr>
+            <p:cNvPr id="199" name="Connecteur droit 198"/>
+            <p:cNvCxnSpPr/>
+            <p:nvPr/>
+          </p:nvCxnSpPr>
+          <p:spPr>
+            <a:xfrm flipV="1">
+              <a:off x="4819149" y="3996132"/>
+              <a:ext cx="256893" cy="159600"/>
+            </a:xfrm>
+            <a:prstGeom prst="line">
+              <a:avLst/>
+            </a:prstGeom>
+            <a:ln w="19050">
+              <a:solidFill>
+                <a:srgbClr val="002060"/>
+              </a:solidFill>
+            </a:ln>
+          </p:spPr>
+          <p:style>
+            <a:lnRef idx="1">
+              <a:schemeClr val="accent1"/>
+            </a:lnRef>
+            <a:fillRef idx="0">
+              <a:schemeClr val="accent1"/>
+            </a:fillRef>
+            <a:effectRef idx="0">
+              <a:schemeClr val="accent1"/>
+            </a:effectRef>
+            <a:fontRef idx="minor">
+              <a:schemeClr val="tx1"/>
+            </a:fontRef>
+          </p:style>
+        </p:cxnSp>
+        <p:cxnSp>
+          <p:nvCxnSpPr>
+            <p:cNvPr id="200" name="Connecteur droit 199"/>
+            <p:cNvCxnSpPr/>
+            <p:nvPr/>
+          </p:nvCxnSpPr>
+          <p:spPr>
+            <a:xfrm flipV="1">
+              <a:off x="4819148" y="3913160"/>
+              <a:ext cx="256893" cy="159600"/>
+            </a:xfrm>
+            <a:prstGeom prst="line">
+              <a:avLst/>
+            </a:prstGeom>
+            <a:ln w="19050">
+              <a:solidFill>
+                <a:srgbClr val="002060"/>
+              </a:solidFill>
+            </a:ln>
+          </p:spPr>
+          <p:style>
+            <a:lnRef idx="1">
+              <a:schemeClr val="accent1"/>
+            </a:lnRef>
+            <a:fillRef idx="0">
+              <a:schemeClr val="accent1"/>
+            </a:fillRef>
+            <a:effectRef idx="0">
+              <a:schemeClr val="accent1"/>
+            </a:effectRef>
+            <a:fontRef idx="minor">
+              <a:schemeClr val="tx1"/>
+            </a:fontRef>
+          </p:style>
+        </p:cxnSp>
+        <p:cxnSp>
+          <p:nvCxnSpPr>
+            <p:cNvPr id="201" name="Connecteur droit 200"/>
+            <p:cNvCxnSpPr/>
+            <p:nvPr/>
+          </p:nvCxnSpPr>
+          <p:spPr>
+            <a:xfrm flipV="1">
+              <a:off x="4819147" y="3830188"/>
+              <a:ext cx="256893" cy="159600"/>
+            </a:xfrm>
+            <a:prstGeom prst="line">
+              <a:avLst/>
+            </a:prstGeom>
+            <a:ln w="19050">
+              <a:solidFill>
+                <a:srgbClr val="002060"/>
+              </a:solidFill>
+            </a:ln>
+          </p:spPr>
+          <p:style>
+            <a:lnRef idx="1">
+              <a:schemeClr val="accent1"/>
+            </a:lnRef>
+            <a:fillRef idx="0">
+              <a:schemeClr val="accent1"/>
+            </a:fillRef>
+            <a:effectRef idx="0">
+              <a:schemeClr val="accent1"/>
+            </a:effectRef>
+            <a:fontRef idx="minor">
+              <a:schemeClr val="tx1"/>
+            </a:fontRef>
+          </p:style>
+        </p:cxnSp>
+        <p:cxnSp>
+          <p:nvCxnSpPr>
+            <p:cNvPr id="202" name="Connecteur droit 201"/>
+            <p:cNvCxnSpPr/>
+            <p:nvPr/>
+          </p:nvCxnSpPr>
+          <p:spPr>
+            <a:xfrm flipV="1">
+              <a:off x="4819146" y="3747216"/>
+              <a:ext cx="256893" cy="159600"/>
+            </a:xfrm>
+            <a:prstGeom prst="line">
+              <a:avLst/>
+            </a:prstGeom>
+            <a:ln w="19050">
+              <a:solidFill>
+                <a:srgbClr val="002060"/>
+              </a:solidFill>
+            </a:ln>
+          </p:spPr>
+          <p:style>
+            <a:lnRef idx="1">
+              <a:schemeClr val="accent1"/>
+            </a:lnRef>
+            <a:fillRef idx="0">
+              <a:schemeClr val="accent1"/>
+            </a:fillRef>
+            <a:effectRef idx="0">
+              <a:schemeClr val="accent1"/>
+            </a:effectRef>
+            <a:fontRef idx="minor">
+              <a:schemeClr val="tx1"/>
+            </a:fontRef>
+          </p:style>
+        </p:cxnSp>
+        <p:cxnSp>
+          <p:nvCxnSpPr>
+            <p:cNvPr id="203" name="Connecteur droit 202"/>
+            <p:cNvCxnSpPr/>
+            <p:nvPr/>
+          </p:nvCxnSpPr>
+          <p:spPr>
+            <a:xfrm flipV="1">
+              <a:off x="4819163" y="3715176"/>
+              <a:ext cx="177100" cy="110027"/>
+            </a:xfrm>
+            <a:prstGeom prst="line">
+              <a:avLst/>
+            </a:prstGeom>
+            <a:ln w="19050">
+              <a:solidFill>
+                <a:srgbClr val="002060"/>
+              </a:solidFill>
+            </a:ln>
+          </p:spPr>
+          <p:style>
+            <a:lnRef idx="1">
+              <a:schemeClr val="accent1"/>
+            </a:lnRef>
+            <a:fillRef idx="0">
+              <a:schemeClr val="accent1"/>
+            </a:fillRef>
+            <a:effectRef idx="0">
+              <a:schemeClr val="accent1"/>
+            </a:effectRef>
+            <a:fontRef idx="minor">
+              <a:schemeClr val="tx1"/>
+            </a:fontRef>
+          </p:style>
+        </p:cxnSp>
+      </p:grpSp>
+      <p:cxnSp>
+        <p:nvCxnSpPr>
+          <p:cNvPr id="204" name="Connecteur droit 203"/>
+          <p:cNvCxnSpPr>
+            <a:endCxn id="51" idx="1"/>
+          </p:cNvCxnSpPr>
+          <p:nvPr/>
+        </p:nvCxnSpPr>
+        <p:spPr>
+          <a:xfrm>
+            <a:off x="2405387" y="1686846"/>
+            <a:ext cx="294405" cy="198030"/>
+          </a:xfrm>
+          <a:prstGeom prst="line">
+            <a:avLst/>
+          </a:prstGeom>
+          <a:ln w="19050">
+            <a:solidFill>
+              <a:srgbClr val="002060"/>
+            </a:solidFill>
+          </a:ln>
+        </p:spPr>
+        <p:style>
+          <a:lnRef idx="1">
+            <a:schemeClr val="accent1"/>
+          </a:lnRef>
+          <a:fillRef idx="0">
+            <a:schemeClr val="accent1"/>
+          </a:fillRef>
+          <a:effectRef idx="0">
+            <a:schemeClr val="accent1"/>
+          </a:effectRef>
+          <a:fontRef idx="minor">
+            <a:schemeClr val="tx1"/>
+          </a:fontRef>
+        </p:style>
+      </p:cxnSp>
+      <p:cxnSp>
+        <p:nvCxnSpPr>
+          <p:cNvPr id="207" name="Connecteur droit 206"/>
+          <p:cNvCxnSpPr/>
+          <p:nvPr/>
+        </p:nvCxnSpPr>
+        <p:spPr>
+          <a:xfrm>
+            <a:off x="2168513" y="1676436"/>
+            <a:ext cx="531279" cy="357362"/>
+          </a:xfrm>
+          <a:prstGeom prst="line">
+            <a:avLst/>
+          </a:prstGeom>
+          <a:ln w="19050">
+            <a:solidFill>
+              <a:srgbClr val="002060"/>
+            </a:solidFill>
+          </a:ln>
+        </p:spPr>
+        <p:style>
+          <a:lnRef idx="1">
+            <a:schemeClr val="accent1"/>
+          </a:lnRef>
+          <a:fillRef idx="0">
+            <a:schemeClr val="accent1"/>
+          </a:fillRef>
+          <a:effectRef idx="0">
+            <a:schemeClr val="accent1"/>
+          </a:effectRef>
+          <a:fontRef idx="minor">
+            <a:schemeClr val="tx1"/>
+          </a:fontRef>
+        </p:style>
+      </p:cxnSp>
+      <p:cxnSp>
+        <p:nvCxnSpPr>
+          <p:cNvPr id="209" name="Connecteur droit 208"/>
+          <p:cNvCxnSpPr/>
+          <p:nvPr/>
+        </p:nvCxnSpPr>
+        <p:spPr>
+          <a:xfrm>
+            <a:off x="2168513" y="1825358"/>
+            <a:ext cx="371600" cy="249955"/>
+          </a:xfrm>
+          <a:prstGeom prst="line">
+            <a:avLst/>
+          </a:prstGeom>
+          <a:ln w="19050">
+            <a:solidFill>
+              <a:srgbClr val="002060"/>
+            </a:solidFill>
+          </a:ln>
+        </p:spPr>
+        <p:style>
+          <a:lnRef idx="1">
+            <a:schemeClr val="accent1"/>
+          </a:lnRef>
+          <a:fillRef idx="0">
+            <a:schemeClr val="accent1"/>
+          </a:fillRef>
+          <a:effectRef idx="0">
+            <a:schemeClr val="accent1"/>
+          </a:effectRef>
+          <a:fontRef idx="minor">
+            <a:schemeClr val="tx1"/>
+          </a:fontRef>
+        </p:style>
+      </p:cxnSp>
+      <p:cxnSp>
+        <p:nvCxnSpPr>
+          <p:cNvPr id="210" name="Connecteur droit 209"/>
+          <p:cNvCxnSpPr/>
+          <p:nvPr/>
+        </p:nvCxnSpPr>
+        <p:spPr>
+          <a:xfrm>
+            <a:off x="2163924" y="1971193"/>
+            <a:ext cx="217326" cy="146183"/>
+          </a:xfrm>
+          <a:prstGeom prst="line">
+            <a:avLst/>
+          </a:prstGeom>
+          <a:ln w="19050">
+            <a:solidFill>
+              <a:srgbClr val="002060"/>
+            </a:solidFill>
+          </a:ln>
+        </p:spPr>
+        <p:style>
+          <a:lnRef idx="1">
+            <a:schemeClr val="accent1"/>
+          </a:lnRef>
+          <a:fillRef idx="0">
+            <a:schemeClr val="accent1"/>
+          </a:fillRef>
+          <a:effectRef idx="0">
+            <a:schemeClr val="accent1"/>
+          </a:effectRef>
+          <a:fontRef idx="minor">
+            <a:schemeClr val="tx1"/>
+          </a:fontRef>
+        </p:style>
+      </p:cxnSp>
+      <p:cxnSp>
+        <p:nvCxnSpPr>
+          <p:cNvPr id="211" name="Connecteur droit 210"/>
+          <p:cNvCxnSpPr/>
+          <p:nvPr/>
+        </p:nvCxnSpPr>
+        <p:spPr>
+          <a:xfrm>
+            <a:off x="2168513" y="2123202"/>
+            <a:ext cx="212737" cy="143097"/>
+          </a:xfrm>
+          <a:prstGeom prst="line">
+            <a:avLst/>
+          </a:prstGeom>
+          <a:ln w="19050">
+            <a:solidFill>
+              <a:srgbClr val="002060"/>
+            </a:solidFill>
+          </a:ln>
+        </p:spPr>
+        <p:style>
+          <a:lnRef idx="1">
+            <a:schemeClr val="accent1"/>
+          </a:lnRef>
+          <a:fillRef idx="0">
+            <a:schemeClr val="accent1"/>
+          </a:fillRef>
+          <a:effectRef idx="0">
+            <a:schemeClr val="accent1"/>
+          </a:effectRef>
+          <a:fontRef idx="minor">
+            <a:schemeClr val="tx1"/>
+          </a:fontRef>
+        </p:style>
+      </p:cxnSp>
+      <p:cxnSp>
+        <p:nvCxnSpPr>
+          <p:cNvPr id="212" name="Connecteur droit 211"/>
+          <p:cNvCxnSpPr/>
+          <p:nvPr/>
+        </p:nvCxnSpPr>
+        <p:spPr>
+          <a:xfrm>
+            <a:off x="2163316" y="2268629"/>
+            <a:ext cx="217934" cy="146592"/>
+          </a:xfrm>
+          <a:prstGeom prst="line">
+            <a:avLst/>
+          </a:prstGeom>
+          <a:ln w="19050">
+            <a:solidFill>
+              <a:srgbClr val="002060"/>
+            </a:solidFill>
+          </a:ln>
+        </p:spPr>
+        <p:style>
+          <a:lnRef idx="1">
+            <a:schemeClr val="accent1"/>
+          </a:lnRef>
+          <a:fillRef idx="0">
+            <a:schemeClr val="accent1"/>
+          </a:fillRef>
+          <a:effectRef idx="0">
+            <a:schemeClr val="accent1"/>
+          </a:effectRef>
+          <a:fontRef idx="minor">
+            <a:schemeClr val="tx1"/>
+          </a:fontRef>
+        </p:style>
+      </p:cxnSp>
+      <p:cxnSp>
+        <p:nvCxnSpPr>
+          <p:cNvPr id="213" name="Connecteur droit 212"/>
+          <p:cNvCxnSpPr/>
+          <p:nvPr/>
+        </p:nvCxnSpPr>
+        <p:spPr>
+          <a:xfrm>
+            <a:off x="1943015" y="2269366"/>
+            <a:ext cx="329572" cy="221685"/>
+          </a:xfrm>
+          <a:prstGeom prst="line">
+            <a:avLst/>
+          </a:prstGeom>
+          <a:ln w="19050">
+            <a:solidFill>
+              <a:srgbClr val="002060"/>
+            </a:solidFill>
+          </a:ln>
+        </p:spPr>
+        <p:style>
+          <a:lnRef idx="1">
+            <a:schemeClr val="accent1"/>
+          </a:lnRef>
+          <a:fillRef idx="0">
+            <a:schemeClr val="accent1"/>
+          </a:fillRef>
+          <a:effectRef idx="0">
+            <a:schemeClr val="accent1"/>
+          </a:effectRef>
+          <a:fontRef idx="minor">
+            <a:schemeClr val="tx1"/>
+          </a:fontRef>
+        </p:style>
+      </p:cxnSp>
+      <p:cxnSp>
+        <p:nvCxnSpPr>
+          <p:cNvPr id="214" name="Connecteur droit 213"/>
+          <p:cNvCxnSpPr/>
+          <p:nvPr/>
+        </p:nvCxnSpPr>
+        <p:spPr>
+          <a:xfrm>
+            <a:off x="1869927" y="2369126"/>
+            <a:ext cx="231133" cy="155470"/>
+          </a:xfrm>
+          <a:prstGeom prst="line">
+            <a:avLst/>
+          </a:prstGeom>
+          <a:ln w="19050">
+            <a:solidFill>
+              <a:srgbClr val="002060"/>
+            </a:solidFill>
+          </a:ln>
+        </p:spPr>
+        <p:style>
+          <a:lnRef idx="1">
+            <a:schemeClr val="accent1"/>
+          </a:lnRef>
+          <a:fillRef idx="0">
+            <a:schemeClr val="accent1"/>
+          </a:fillRef>
+          <a:effectRef idx="0">
+            <a:schemeClr val="accent1"/>
+          </a:effectRef>
+          <a:fontRef idx="minor">
+            <a:schemeClr val="tx1"/>
+          </a:fontRef>
+        </p:style>
+      </p:cxnSp>
+      <p:cxnSp>
+        <p:nvCxnSpPr>
+          <p:cNvPr id="215" name="Connecteur droit 214"/>
+          <p:cNvCxnSpPr/>
+          <p:nvPr/>
+        </p:nvCxnSpPr>
+        <p:spPr>
+          <a:xfrm>
+            <a:off x="1803400" y="2473299"/>
+            <a:ext cx="217910" cy="146576"/>
+          </a:xfrm>
+          <a:prstGeom prst="line">
+            <a:avLst/>
+          </a:prstGeom>
+          <a:ln w="19050">
+            <a:solidFill>
+              <a:srgbClr val="002060"/>
+            </a:solidFill>
+          </a:ln>
+        </p:spPr>
+        <p:style>
+          <a:lnRef idx="1">
+            <a:schemeClr val="accent1"/>
+          </a:lnRef>
+          <a:fillRef idx="0">
+            <a:schemeClr val="accent1"/>
+          </a:fillRef>
+          <a:effectRef idx="0">
+            <a:schemeClr val="accent1"/>
+          </a:effectRef>
+          <a:fontRef idx="minor">
+            <a:schemeClr val="tx1"/>
+          </a:fontRef>
+        </p:style>
+      </p:cxnSp>
+      <p:cxnSp>
+        <p:nvCxnSpPr>
+          <p:cNvPr id="216" name="Connecteur droit 215"/>
+          <p:cNvCxnSpPr/>
+          <p:nvPr/>
+        </p:nvCxnSpPr>
+        <p:spPr>
+          <a:xfrm>
+            <a:off x="1578931" y="2414923"/>
+            <a:ext cx="119854" cy="80619"/>
+          </a:xfrm>
+          <a:prstGeom prst="line">
+            <a:avLst/>
+          </a:prstGeom>
+          <a:ln w="19050">
+            <a:solidFill>
+              <a:srgbClr val="002060"/>
+            </a:solidFill>
+          </a:ln>
+        </p:spPr>
+        <p:style>
+          <a:lnRef idx="1">
+            <a:schemeClr val="accent1"/>
+          </a:lnRef>
+          <a:fillRef idx="0">
+            <a:schemeClr val="accent1"/>
+          </a:fillRef>
+          <a:effectRef idx="0">
+            <a:schemeClr val="accent1"/>
+          </a:effectRef>
+          <a:fontRef idx="minor">
+            <a:schemeClr val="tx1"/>
+          </a:fontRef>
+        </p:style>
+      </p:cxnSp>
+      <p:cxnSp>
+        <p:nvCxnSpPr>
+          <p:cNvPr id="217" name="Connecteur droit 216"/>
+          <p:cNvCxnSpPr/>
+          <p:nvPr/>
+        </p:nvCxnSpPr>
+        <p:spPr>
+          <a:xfrm>
+            <a:off x="1353068" y="2418332"/>
+            <a:ext cx="285790" cy="192235"/>
+          </a:xfrm>
+          <a:prstGeom prst="line">
+            <a:avLst/>
+          </a:prstGeom>
+          <a:ln w="19050">
+            <a:solidFill>
+              <a:srgbClr val="002060"/>
+            </a:solidFill>
+          </a:ln>
+        </p:spPr>
+        <p:style>
+          <a:lnRef idx="1">
+            <a:schemeClr val="accent1"/>
+          </a:lnRef>
+          <a:fillRef idx="0">
+            <a:schemeClr val="accent1"/>
+          </a:fillRef>
+          <a:effectRef idx="0">
+            <a:schemeClr val="accent1"/>
+          </a:effectRef>
+          <a:fontRef idx="minor">
+            <a:schemeClr val="tx1"/>
+          </a:fontRef>
+        </p:style>
+      </p:cxnSp>
+      <p:cxnSp>
+        <p:nvCxnSpPr>
+          <p:cNvPr id="218" name="Connecteur droit 217"/>
+          <p:cNvCxnSpPr/>
+          <p:nvPr/>
+        </p:nvCxnSpPr>
+        <p:spPr>
+          <a:xfrm>
+            <a:off x="1115616" y="2407534"/>
+            <a:ext cx="346295" cy="232933"/>
+          </a:xfrm>
+          <a:prstGeom prst="line">
+            <a:avLst/>
+          </a:prstGeom>
+          <a:ln w="19050">
+            <a:solidFill>
+              <a:srgbClr val="002060"/>
+            </a:solidFill>
+          </a:ln>
+        </p:spPr>
+        <p:style>
+          <a:lnRef idx="1">
+            <a:schemeClr val="accent1"/>
+          </a:lnRef>
+          <a:fillRef idx="0">
+            <a:schemeClr val="accent1"/>
+          </a:fillRef>
+          <a:effectRef idx="0">
+            <a:schemeClr val="accent1"/>
+          </a:effectRef>
+          <a:fontRef idx="minor">
+            <a:schemeClr val="tx1"/>
+          </a:fontRef>
+        </p:style>
+      </p:cxnSp>
+      <p:cxnSp>
+        <p:nvCxnSpPr>
+          <p:cNvPr id="219" name="Connecteur droit 218"/>
+          <p:cNvCxnSpPr/>
+          <p:nvPr/>
+        </p:nvCxnSpPr>
+        <p:spPr>
+          <a:xfrm>
+            <a:off x="910272" y="2418332"/>
+            <a:ext cx="314765" cy="211725"/>
+          </a:xfrm>
+          <a:prstGeom prst="line">
+            <a:avLst/>
+          </a:prstGeom>
+          <a:ln w="19050">
+            <a:solidFill>
+              <a:srgbClr val="002060"/>
+            </a:solidFill>
+          </a:ln>
+        </p:spPr>
+        <p:style>
+          <a:lnRef idx="1">
+            <a:schemeClr val="accent1"/>
+          </a:lnRef>
+          <a:fillRef idx="0">
+            <a:schemeClr val="accent1"/>
+          </a:fillRef>
+          <a:effectRef idx="0">
+            <a:schemeClr val="accent1"/>
+          </a:effectRef>
+          <a:fontRef idx="minor">
+            <a:schemeClr val="tx1"/>
+          </a:fontRef>
+        </p:style>
+      </p:cxnSp>
+      <p:cxnSp>
+        <p:nvCxnSpPr>
+          <p:cNvPr id="243" name="Connecteur droit 242"/>
+          <p:cNvCxnSpPr/>
+          <p:nvPr/>
+        </p:nvCxnSpPr>
+        <p:spPr>
+          <a:xfrm>
+            <a:off x="774361" y="2472196"/>
+            <a:ext cx="230839" cy="155272"/>
+          </a:xfrm>
+          <a:prstGeom prst="line">
+            <a:avLst/>
+          </a:prstGeom>
+          <a:ln w="19050">
+            <a:solidFill>
+              <a:srgbClr val="002060"/>
+            </a:solidFill>
+          </a:ln>
+        </p:spPr>
+        <p:style>
+          <a:lnRef idx="1">
+            <a:schemeClr val="accent1"/>
+          </a:lnRef>
+          <a:fillRef idx="0">
+            <a:schemeClr val="accent1"/>
+          </a:fillRef>
+          <a:effectRef idx="0">
+            <a:schemeClr val="accent1"/>
+          </a:effectRef>
+          <a:fontRef idx="minor">
+            <a:schemeClr val="tx1"/>
+          </a:fontRef>
+        </p:style>
+      </p:cxnSp>
+      <p:cxnSp>
+        <p:nvCxnSpPr>
+          <p:cNvPr id="244" name="Connecteur droit 243"/>
+          <p:cNvCxnSpPr/>
+          <p:nvPr/>
+        </p:nvCxnSpPr>
+        <p:spPr>
+          <a:xfrm>
+            <a:off x="772514" y="2619875"/>
+            <a:ext cx="199086" cy="133914"/>
+          </a:xfrm>
+          <a:prstGeom prst="line">
+            <a:avLst/>
+          </a:prstGeom>
+          <a:ln w="19050">
+            <a:solidFill>
+              <a:srgbClr val="002060"/>
+            </a:solidFill>
+          </a:ln>
+        </p:spPr>
+        <p:style>
+          <a:lnRef idx="1">
+            <a:schemeClr val="accent1"/>
+          </a:lnRef>
+          <a:fillRef idx="0">
+            <a:schemeClr val="accent1"/>
+          </a:fillRef>
+          <a:effectRef idx="0">
+            <a:schemeClr val="accent1"/>
+          </a:effectRef>
+          <a:fontRef idx="minor">
+            <a:schemeClr val="tx1"/>
+          </a:fontRef>
+        </p:style>
+      </p:cxnSp>
+      <p:cxnSp>
+        <p:nvCxnSpPr>
+          <p:cNvPr id="251" name="Connecteur droit 250"/>
+          <p:cNvCxnSpPr/>
+          <p:nvPr/>
+        </p:nvCxnSpPr>
+        <p:spPr>
+          <a:xfrm>
+            <a:off x="762706" y="2759028"/>
+            <a:ext cx="199086" cy="133914"/>
+          </a:xfrm>
+          <a:prstGeom prst="line">
+            <a:avLst/>
+          </a:prstGeom>
+          <a:ln w="19050">
+            <a:solidFill>
+              <a:srgbClr val="002060"/>
+            </a:solidFill>
+          </a:ln>
+        </p:spPr>
+        <p:style>
+          <a:lnRef idx="1">
+            <a:schemeClr val="accent1"/>
+          </a:lnRef>
+          <a:fillRef idx="0">
+            <a:schemeClr val="accent1"/>
+          </a:fillRef>
+          <a:effectRef idx="0">
+            <a:schemeClr val="accent1"/>
+          </a:effectRef>
+          <a:fontRef idx="minor">
+            <a:schemeClr val="tx1"/>
+          </a:fontRef>
+        </p:style>
+      </p:cxnSp>
+      <p:cxnSp>
+        <p:nvCxnSpPr>
+          <p:cNvPr id="255" name="Connecteur droit 254"/>
+          <p:cNvCxnSpPr/>
+          <p:nvPr/>
+        </p:nvCxnSpPr>
+        <p:spPr>
+          <a:xfrm>
+            <a:off x="755576" y="2906189"/>
+            <a:ext cx="199086" cy="133914"/>
+          </a:xfrm>
+          <a:prstGeom prst="line">
+            <a:avLst/>
+          </a:prstGeom>
+          <a:ln w="19050">
+            <a:solidFill>
+              <a:srgbClr val="002060"/>
+            </a:solidFill>
+          </a:ln>
+        </p:spPr>
+        <p:style>
+          <a:lnRef idx="1">
+            <a:schemeClr val="accent1"/>
+          </a:lnRef>
+          <a:fillRef idx="0">
+            <a:schemeClr val="accent1"/>
+          </a:fillRef>
+          <a:effectRef idx="0">
+            <a:schemeClr val="accent1"/>
+          </a:effectRef>
+          <a:fontRef idx="minor">
+            <a:schemeClr val="tx1"/>
+          </a:fontRef>
+        </p:style>
+      </p:cxnSp>
+      <p:cxnSp>
+        <p:nvCxnSpPr>
+          <p:cNvPr id="257" name="Connecteur droit 256"/>
+          <p:cNvCxnSpPr/>
+          <p:nvPr/>
+        </p:nvCxnSpPr>
+        <p:spPr>
+          <a:xfrm>
+            <a:off x="758463" y="3052743"/>
+            <a:ext cx="199086" cy="133914"/>
+          </a:xfrm>
+          <a:prstGeom prst="line">
+            <a:avLst/>
+          </a:prstGeom>
+          <a:ln w="19050">
+            <a:solidFill>
+              <a:srgbClr val="002060"/>
+            </a:solidFill>
+          </a:ln>
+        </p:spPr>
+        <p:style>
+          <a:lnRef idx="1">
+            <a:schemeClr val="accent1"/>
+          </a:lnRef>
+          <a:fillRef idx="0">
+            <a:schemeClr val="accent1"/>
+          </a:fillRef>
+          <a:effectRef idx="0">
+            <a:schemeClr val="accent1"/>
+          </a:effectRef>
+          <a:fontRef idx="minor">
+            <a:schemeClr val="tx1"/>
+          </a:fontRef>
+        </p:style>
+      </p:cxnSp>
+      <p:cxnSp>
+        <p:nvCxnSpPr>
+          <p:cNvPr id="258" name="Connecteur droit 257"/>
+          <p:cNvCxnSpPr/>
+          <p:nvPr/>
+        </p:nvCxnSpPr>
+        <p:spPr>
+          <a:xfrm>
+            <a:off x="751333" y="3199904"/>
+            <a:ext cx="199086" cy="133914"/>
+          </a:xfrm>
+          <a:prstGeom prst="line">
+            <a:avLst/>
+          </a:prstGeom>
+          <a:ln w="19050">
+            <a:solidFill>
+              <a:srgbClr val="002060"/>
+            </a:solidFill>
+          </a:ln>
+        </p:spPr>
+        <p:style>
+          <a:lnRef idx="1">
+            <a:schemeClr val="accent1"/>
+          </a:lnRef>
+          <a:fillRef idx="0">
+            <a:schemeClr val="accent1"/>
+          </a:fillRef>
+          <a:effectRef idx="0">
+            <a:schemeClr val="accent1"/>
+          </a:effectRef>
+          <a:fontRef idx="minor">
+            <a:schemeClr val="tx1"/>
+          </a:fontRef>
+        </p:style>
+      </p:cxnSp>
+      <p:cxnSp>
+        <p:nvCxnSpPr>
+          <p:cNvPr id="261" name="Connecteur droit 260"/>
+          <p:cNvCxnSpPr/>
+          <p:nvPr/>
+        </p:nvCxnSpPr>
+        <p:spPr>
+          <a:xfrm>
+            <a:off x="772545" y="3364021"/>
+            <a:ext cx="516218" cy="347231"/>
+          </a:xfrm>
+          <a:prstGeom prst="line">
+            <a:avLst/>
+          </a:prstGeom>
+          <a:ln w="19050">
+            <a:solidFill>
+              <a:srgbClr val="002060"/>
+            </a:solidFill>
+          </a:ln>
+        </p:spPr>
+        <p:style>
+          <a:lnRef idx="1">
+            <a:schemeClr val="accent1"/>
+          </a:lnRef>
+          <a:fillRef idx="0">
+            <a:schemeClr val="accent1"/>
+          </a:fillRef>
+          <a:effectRef idx="0">
+            <a:schemeClr val="accent1"/>
+          </a:effectRef>
+          <a:fontRef idx="minor">
+            <a:schemeClr val="tx1"/>
+          </a:fontRef>
+        </p:style>
+      </p:cxnSp>
+      <p:cxnSp>
+        <p:nvCxnSpPr>
+          <p:cNvPr id="262" name="Connecteur droit 261"/>
+          <p:cNvCxnSpPr/>
+          <p:nvPr/>
+        </p:nvCxnSpPr>
+        <p:spPr>
+          <a:xfrm>
+            <a:off x="775432" y="3510575"/>
+            <a:ext cx="294856" cy="198333"/>
+          </a:xfrm>
+          <a:prstGeom prst="line">
+            <a:avLst/>
+          </a:prstGeom>
+          <a:ln w="19050">
+            <a:solidFill>
+              <a:srgbClr val="002060"/>
+            </a:solidFill>
+          </a:ln>
+        </p:spPr>
+        <p:style>
+          <a:lnRef idx="1">
+            <a:schemeClr val="accent1"/>
+          </a:lnRef>
+          <a:fillRef idx="0">
+            <a:schemeClr val="accent1"/>
+          </a:fillRef>
+          <a:effectRef idx="0">
+            <a:schemeClr val="accent1"/>
+          </a:effectRef>
+          <a:fontRef idx="minor">
+            <a:schemeClr val="tx1"/>
+          </a:fontRef>
+        </p:style>
+      </p:cxnSp>
+      <p:cxnSp>
+        <p:nvCxnSpPr>
+          <p:cNvPr id="263" name="Connecteur droit 262"/>
+          <p:cNvCxnSpPr/>
+          <p:nvPr/>
+        </p:nvCxnSpPr>
+        <p:spPr>
+          <a:xfrm>
+            <a:off x="768302" y="3657736"/>
+            <a:ext cx="82574" cy="55543"/>
+          </a:xfrm>
+          <a:prstGeom prst="line">
+            <a:avLst/>
+          </a:prstGeom>
+          <a:ln w="19050">
+            <a:solidFill>
+              <a:srgbClr val="002060"/>
+            </a:solidFill>
+          </a:ln>
+        </p:spPr>
+        <p:style>
+          <a:lnRef idx="1">
+            <a:schemeClr val="accent1"/>
+          </a:lnRef>
+          <a:fillRef idx="0">
+            <a:schemeClr val="accent1"/>
+          </a:fillRef>
+          <a:effectRef idx="0">
+            <a:schemeClr val="accent1"/>
+          </a:effectRef>
+          <a:fontRef idx="minor">
+            <a:schemeClr val="tx1"/>
+          </a:fontRef>
+        </p:style>
+      </p:cxnSp>
+      <p:cxnSp>
+        <p:nvCxnSpPr>
+          <p:cNvPr id="267" name="Connecteur droit 266"/>
+          <p:cNvCxnSpPr/>
+          <p:nvPr/>
+        </p:nvCxnSpPr>
+        <p:spPr>
+          <a:xfrm>
+            <a:off x="1609361" y="3483854"/>
+            <a:ext cx="1078563" cy="725488"/>
+          </a:xfrm>
+          <a:prstGeom prst="line">
+            <a:avLst/>
+          </a:prstGeom>
+          <a:ln w="19050">
+            <a:solidFill>
+              <a:srgbClr val="002060"/>
+            </a:solidFill>
+          </a:ln>
+        </p:spPr>
+        <p:style>
+          <a:lnRef idx="1">
+            <a:schemeClr val="accent1"/>
+          </a:lnRef>
+          <a:fillRef idx="0">
+            <a:schemeClr val="accent1"/>
+          </a:fillRef>
+          <a:effectRef idx="0">
+            <a:schemeClr val="accent1"/>
+          </a:effectRef>
+          <a:fontRef idx="minor">
+            <a:schemeClr val="tx1"/>
+          </a:fontRef>
+        </p:style>
+      </p:cxnSp>
+      <p:cxnSp>
+        <p:nvCxnSpPr>
+          <p:cNvPr id="268" name="Connecteur droit 267"/>
+          <p:cNvCxnSpPr/>
+          <p:nvPr/>
+        </p:nvCxnSpPr>
+        <p:spPr>
+          <a:xfrm>
+            <a:off x="1371909" y="3473056"/>
+            <a:ext cx="346295" cy="232933"/>
+          </a:xfrm>
+          <a:prstGeom prst="line">
+            <a:avLst/>
+          </a:prstGeom>
+          <a:ln w="19050">
+            <a:solidFill>
+              <a:srgbClr val="002060"/>
+            </a:solidFill>
+          </a:ln>
+        </p:spPr>
+        <p:style>
+          <a:lnRef idx="1">
+            <a:schemeClr val="accent1"/>
+          </a:lnRef>
+          <a:fillRef idx="0">
+            <a:schemeClr val="accent1"/>
+          </a:fillRef>
+          <a:effectRef idx="0">
+            <a:schemeClr val="accent1"/>
+          </a:effectRef>
+          <a:fontRef idx="minor">
+            <a:schemeClr val="tx1"/>
+          </a:fontRef>
+        </p:style>
+      </p:cxnSp>
+      <p:cxnSp>
+        <p:nvCxnSpPr>
+          <p:cNvPr id="269" name="Connecteur droit 268"/>
+          <p:cNvCxnSpPr/>
+          <p:nvPr/>
+        </p:nvCxnSpPr>
+        <p:spPr>
+          <a:xfrm>
+            <a:off x="1166565" y="3483854"/>
+            <a:ext cx="314765" cy="211725"/>
+          </a:xfrm>
+          <a:prstGeom prst="line">
+            <a:avLst/>
+          </a:prstGeom>
+          <a:ln w="19050">
+            <a:solidFill>
+              <a:srgbClr val="002060"/>
+            </a:solidFill>
+          </a:ln>
+        </p:spPr>
+        <p:style>
+          <a:lnRef idx="1">
+            <a:schemeClr val="accent1"/>
+          </a:lnRef>
+          <a:fillRef idx="0">
+            <a:schemeClr val="accent1"/>
+          </a:fillRef>
+          <a:effectRef idx="0">
+            <a:schemeClr val="accent1"/>
+          </a:effectRef>
+          <a:fontRef idx="minor">
+            <a:schemeClr val="tx1"/>
+          </a:fontRef>
+        </p:style>
+      </p:cxnSp>
+      <p:cxnSp>
+        <p:nvCxnSpPr>
+          <p:cNvPr id="273" name="Connecteur droit 272"/>
+          <p:cNvCxnSpPr/>
+          <p:nvPr/>
+        </p:nvCxnSpPr>
+        <p:spPr>
+          <a:xfrm>
+            <a:off x="1874107" y="3802078"/>
+            <a:ext cx="112807" cy="75879"/>
+          </a:xfrm>
+          <a:prstGeom prst="line">
+            <a:avLst/>
+          </a:prstGeom>
+          <a:ln w="19050">
+            <a:solidFill>
+              <a:srgbClr val="002060"/>
+            </a:solidFill>
+          </a:ln>
+        </p:spPr>
+        <p:style>
+          <a:lnRef idx="1">
+            <a:schemeClr val="accent1"/>
+          </a:lnRef>
+          <a:fillRef idx="0">
+            <a:schemeClr val="accent1"/>
+          </a:fillRef>
+          <a:effectRef idx="0">
+            <a:schemeClr val="accent1"/>
+          </a:effectRef>
+          <a:fontRef idx="minor">
+            <a:schemeClr val="tx1"/>
+          </a:fontRef>
+        </p:style>
+      </p:cxnSp>
+      <p:cxnSp>
+        <p:nvCxnSpPr>
+          <p:cNvPr id="278" name="Connecteur droit 277"/>
+          <p:cNvCxnSpPr/>
+          <p:nvPr/>
+        </p:nvCxnSpPr>
+        <p:spPr>
+          <a:xfrm>
+            <a:off x="1876310" y="3507772"/>
+            <a:ext cx="519156" cy="349207"/>
+          </a:xfrm>
+          <a:prstGeom prst="line">
+            <a:avLst/>
+          </a:prstGeom>
+          <a:ln w="19050">
+            <a:solidFill>
+              <a:srgbClr val="002060"/>
+            </a:solidFill>
+          </a:ln>
+        </p:spPr>
+        <p:style>
+          <a:lnRef idx="1">
+            <a:schemeClr val="accent1"/>
+          </a:lnRef>
+          <a:fillRef idx="0">
+            <a:schemeClr val="accent1"/>
+          </a:fillRef>
+          <a:effectRef idx="0">
+            <a:schemeClr val="accent1"/>
+          </a:effectRef>
+          <a:fontRef idx="minor">
+            <a:schemeClr val="tx1"/>
+          </a:fontRef>
+        </p:style>
+      </p:cxnSp>
+      <p:cxnSp>
+        <p:nvCxnSpPr>
+          <p:cNvPr id="281" name="Connecteur droit 280"/>
+          <p:cNvCxnSpPr/>
+          <p:nvPr/>
+        </p:nvCxnSpPr>
+        <p:spPr>
+          <a:xfrm>
+            <a:off x="2163924" y="4019074"/>
+            <a:ext cx="524000" cy="352466"/>
+          </a:xfrm>
+          <a:prstGeom prst="line">
+            <a:avLst/>
+          </a:prstGeom>
+          <a:ln w="19050">
+            <a:solidFill>
+              <a:srgbClr val="002060"/>
+            </a:solidFill>
+          </a:ln>
+        </p:spPr>
+        <p:style>
+          <a:lnRef idx="1">
+            <a:schemeClr val="accent1"/>
+          </a:lnRef>
+          <a:fillRef idx="0">
+            <a:schemeClr val="accent1"/>
+          </a:fillRef>
+          <a:effectRef idx="0">
+            <a:schemeClr val="accent1"/>
+          </a:effectRef>
+          <a:fontRef idx="minor">
+            <a:schemeClr val="tx1"/>
+          </a:fontRef>
+        </p:style>
+      </p:cxnSp>
+      <p:cxnSp>
+        <p:nvCxnSpPr>
+          <p:cNvPr id="284" name="Connecteur droit 283"/>
+          <p:cNvCxnSpPr/>
+          <p:nvPr/>
+        </p:nvCxnSpPr>
+        <p:spPr>
+          <a:xfrm>
+            <a:off x="2168513" y="4174930"/>
+            <a:ext cx="371600" cy="249954"/>
+          </a:xfrm>
+          <a:prstGeom prst="line">
+            <a:avLst/>
+          </a:prstGeom>
+          <a:ln w="19050">
+            <a:solidFill>
+              <a:srgbClr val="002060"/>
+            </a:solidFill>
+          </a:ln>
+        </p:spPr>
+        <p:style>
+          <a:lnRef idx="1">
+            <a:schemeClr val="accent1"/>
+          </a:lnRef>
+          <a:fillRef idx="0">
+            <a:schemeClr val="accent1"/>
+          </a:fillRef>
+          <a:effectRef idx="0">
+            <a:schemeClr val="accent1"/>
+          </a:effectRef>
+          <a:fontRef idx="minor">
+            <a:schemeClr val="tx1"/>
+          </a:fontRef>
+        </p:style>
+      </p:cxnSp>
+      <p:cxnSp>
+        <p:nvCxnSpPr>
+          <p:cNvPr id="286" name="Connecteur droit 285"/>
+          <p:cNvCxnSpPr/>
+          <p:nvPr/>
+        </p:nvCxnSpPr>
+        <p:spPr>
+          <a:xfrm>
+            <a:off x="2168513" y="4327699"/>
+            <a:ext cx="167538" cy="112694"/>
+          </a:xfrm>
+          <a:prstGeom prst="line">
+            <a:avLst/>
+          </a:prstGeom>
+          <a:ln w="19050">
+            <a:solidFill>
+              <a:srgbClr val="002060"/>
+            </a:solidFill>
+          </a:ln>
+        </p:spPr>
+        <p:style>
+          <a:lnRef idx="1">
+            <a:schemeClr val="accent1"/>
+          </a:lnRef>
+          <a:fillRef idx="0">
+            <a:schemeClr val="accent1"/>
+          </a:fillRef>
+          <a:effectRef idx="0">
+            <a:schemeClr val="accent1"/>
+          </a:effectRef>
+          <a:fontRef idx="minor">
+            <a:schemeClr val="tx1"/>
+          </a:fontRef>
+        </p:style>
+      </p:cxnSp>
+      <p:sp>
+        <p:nvSpPr>
+          <p:cNvPr id="295" name="Rectangle 294"/>
+          <p:cNvSpPr/>
+          <p:nvPr/>
+        </p:nvSpPr>
+        <p:spPr>
+          <a:xfrm>
+            <a:off x="3137489" y="1307104"/>
+            <a:ext cx="1119409" cy="369332"/>
+          </a:xfrm>
+          <a:prstGeom prst="rect">
+            <a:avLst/>
+          </a:prstGeom>
+        </p:spPr>
+        <p:txBody>
+          <a:bodyPr wrap="none">
+            <a:spAutoFit/>
+          </a:bodyPr>
+          <a:lstStyle/>
+          <a:p>
+            <a:pPr algn="ctr"/>
+            <a:r>
+              <a:rPr lang="fr-FR" dirty="0" smtClean="0"/>
+              <a:t>Partie fixe</a:t>
+            </a:r>
+            <a:endParaRPr lang="fr-FR" dirty="0"/>
+          </a:p>
+        </p:txBody>
+      </p:sp>
+      <p:sp>
+        <p:nvSpPr>
+          <p:cNvPr id="296" name="Rectangle 295"/>
+          <p:cNvSpPr/>
+          <p:nvPr/>
+        </p:nvSpPr>
+        <p:spPr>
+          <a:xfrm>
+            <a:off x="334675" y="1769600"/>
+            <a:ext cx="1594604" cy="369332"/>
+          </a:xfrm>
+          <a:prstGeom prst="rect">
+            <a:avLst/>
+          </a:prstGeom>
+        </p:spPr>
+        <p:txBody>
+          <a:bodyPr wrap="none">
+            <a:spAutoFit/>
+          </a:bodyPr>
+          <a:lstStyle/>
+          <a:p>
+            <a:pPr algn="ctr"/>
+            <a:r>
+              <a:rPr lang="fr-FR" dirty="0" smtClean="0"/>
+              <a:t>Haute pression</a:t>
+            </a:r>
+            <a:endParaRPr lang="fr-FR" dirty="0"/>
+          </a:p>
+        </p:txBody>
+      </p:sp>
+      <p:cxnSp>
+        <p:nvCxnSpPr>
+          <p:cNvPr id="298" name="Connecteur droit avec flèche 297"/>
+          <p:cNvCxnSpPr/>
+          <p:nvPr/>
+        </p:nvCxnSpPr>
+        <p:spPr>
+          <a:xfrm>
+            <a:off x="1737254" y="2120210"/>
+            <a:ext cx="0" cy="705775"/>
+          </a:xfrm>
+          <a:prstGeom prst="straightConnector1">
+            <a:avLst/>
+          </a:prstGeom>
+          <a:ln w="12700">
+            <a:solidFill>
+              <a:srgbClr val="002060"/>
+            </a:solidFill>
+            <a:tailEnd type="stealth" w="med" len="lg"/>
+          </a:ln>
+        </p:spPr>
+        <p:style>
+          <a:lnRef idx="1">
+            <a:schemeClr val="accent1"/>
+          </a:lnRef>
+          <a:fillRef idx="0">
+            <a:schemeClr val="accent1"/>
+          </a:fillRef>
+          <a:effectRef idx="0">
+            <a:schemeClr val="accent1"/>
+          </a:effectRef>
+          <a:fontRef idx="minor">
+            <a:schemeClr val="tx1"/>
+          </a:fontRef>
+        </p:style>
+      </p:cxnSp>
+    </p:spTree>
+    <p:extLst>
+      <p:ext uri="{BB962C8B-B14F-4D97-AF65-F5344CB8AC3E}">
+        <p14:creationId xmlns:p14="http://schemas.microsoft.com/office/powerpoint/2010/main" val="3594514108"/>
+      </p:ext>
+    </p:extLst>
+  </p:cSld>
+  <p:clrMapOvr>
+    <a:masterClrMapping/>
+  </p:clrMapOvr>
+</p:sld>
+</file>
+
+<file path=ppt/slides/slide4.xml><?xml version="1.0" encoding="utf-8"?>
+<p:sld xmlns:a="http://schemas.openxmlformats.org/drawingml/2006/main" xmlns:r="http://schemas.openxmlformats.org/officeDocument/2006/relationships" xmlns:p="http://schemas.openxmlformats.org/presentationml/2006/main">
+  <p:cSld>
+    <p:spTree>
+      <p:nvGrpSpPr>
+        <p:cNvPr id="1" name=""/>
+        <p:cNvGrpSpPr/>
+        <p:nvPr/>
+      </p:nvGrpSpPr>
+      <p:grpSpPr>
+        <a:xfrm>
+          <a:off x="0" y="0"/>
+          <a:ext cx="0" cy="0"/>
+          <a:chOff x="0" y="0"/>
+          <a:chExt cx="0" cy="0"/>
+        </a:xfrm>
+      </p:grpSpPr>
+      <p:pic>
+        <p:nvPicPr>
+          <p:cNvPr id="1026" name="Picture 2"/>
+          <p:cNvPicPr>
+            <a:picLocks noChangeAspect="1" noChangeArrowheads="1"/>
+          </p:cNvPicPr>
+          <p:nvPr/>
+        </p:nvPicPr>
+        <p:blipFill>
+          <a:blip r:embed="rId2" cstate="print">
+            <a:extLst>
+              <a:ext uri="{28A0092B-C50C-407E-A947-70E740481C1C}">
+                <a14:useLocalDpi xmlns:a14="http://schemas.microsoft.com/office/drawing/2010/main" val="0"/>
+              </a:ext>
+            </a:extLst>
+          </a:blip>
+          <a:srcRect/>
+          <a:stretch>
+            <a:fillRect/>
+          </a:stretch>
+        </p:blipFill>
+        <p:spPr bwMode="auto">
+          <a:xfrm>
+            <a:off x="0" y="0"/>
+            <a:ext cx="2239919" cy="1800000"/>
+          </a:xfrm>
+          <a:prstGeom prst="rect">
+            <a:avLst/>
+          </a:prstGeom>
+          <a:noFill/>
+          <a:ln>
+            <a:noFill/>
+          </a:ln>
+          <a:extLst>
+            <a:ext uri="{909E8E84-426E-40DD-AFC4-6F175D3DCCD1}">
+              <a14:hiddenFill xmlns:a14="http://schemas.microsoft.com/office/drawing/2010/main">
+                <a:solidFill>
+                  <a:schemeClr val="accent1"/>
+                </a:solidFill>
+              </a14:hiddenFill>
+            </a:ext>
+            <a:ext uri="{91240B29-F687-4F45-9708-019B960494DF}">
+              <a14:hiddenLine xmlns:a14="http://schemas.microsoft.com/office/drawing/2010/main" w="9525">
+                <a:solidFill>
+                  <a:schemeClr val="tx1"/>
+                </a:solidFill>
+                <a:miter lim="800000"/>
+                <a:headEnd/>
+                <a:tailEnd/>
+              </a14:hiddenLine>
+            </a:ext>
+          </a:extLst>
+        </p:spPr>
+      </p:pic>
+      <p:sp>
+        <p:nvSpPr>
+          <p:cNvPr id="5" name="Ellipse 4"/>
+          <p:cNvSpPr/>
+          <p:nvPr/>
+        </p:nvSpPr>
+        <p:spPr>
+          <a:xfrm>
+            <a:off x="3131840" y="188640"/>
+            <a:ext cx="2160240" cy="2160240"/>
+          </a:xfrm>
+          <a:prstGeom prst="ellipse">
+            <a:avLst/>
+          </a:prstGeom>
+          <a:noFill/>
+          <a:ln w="28575">
+            <a:solidFill>
+              <a:srgbClr val="002060"/>
+            </a:solidFill>
+          </a:ln>
+        </p:spPr>
+        <p:style>
+          <a:lnRef idx="2">
+            <a:schemeClr val="accent1">
+              <a:shade val="50000"/>
+            </a:schemeClr>
+          </a:lnRef>
+          <a:fillRef idx="1">
+            <a:schemeClr val="accent1"/>
+          </a:fillRef>
+          <a:effectRef idx="0">
+            <a:schemeClr val="accent1"/>
+          </a:effectRef>
+          <a:fontRef idx="minor">
+            <a:schemeClr val="lt1"/>
+          </a:fontRef>
+        </p:style>
+        <p:txBody>
+          <a:bodyPr rtlCol="0" anchor="ctr"/>
+          <a:lstStyle/>
+          <a:p>
+            <a:pPr algn="ctr"/>
+            <a:endParaRPr lang="fr-FR">
+              <a:noFill/>
+            </a:endParaRPr>
+          </a:p>
+        </p:txBody>
+      </p:sp>
+      <p:sp>
+        <p:nvSpPr>
+          <p:cNvPr id="6" name="Ellipse 5"/>
+          <p:cNvSpPr/>
+          <p:nvPr/>
+        </p:nvSpPr>
+        <p:spPr>
+          <a:xfrm>
+            <a:off x="3284240" y="341040"/>
+            <a:ext cx="1855440" cy="1855440"/>
+          </a:xfrm>
+          <a:prstGeom prst="ellipse">
+            <a:avLst/>
+          </a:prstGeom>
+          <a:noFill/>
+          <a:ln w="28575">
+            <a:solidFill>
+              <a:srgbClr val="002060"/>
+            </a:solidFill>
+          </a:ln>
+        </p:spPr>
+        <p:style>
+          <a:lnRef idx="2">
+            <a:schemeClr val="accent1">
+              <a:shade val="50000"/>
+            </a:schemeClr>
+          </a:lnRef>
+          <a:fillRef idx="1">
+            <a:schemeClr val="accent1"/>
+          </a:fillRef>
+          <a:effectRef idx="0">
+            <a:schemeClr val="accent1"/>
+          </a:effectRef>
+          <a:fontRef idx="minor">
+            <a:schemeClr val="lt1"/>
+          </a:fontRef>
+        </p:style>
+        <p:txBody>
+          <a:bodyPr rtlCol="0" anchor="ctr"/>
+          <a:lstStyle/>
+          <a:p>
+            <a:pPr algn="ctr"/>
+            <a:endParaRPr lang="fr-FR">
+              <a:noFill/>
+            </a:endParaRPr>
+          </a:p>
+        </p:txBody>
+      </p:sp>
+      <p:sp>
+        <p:nvSpPr>
+          <p:cNvPr id="7" name="Ellipse 6"/>
+          <p:cNvSpPr/>
+          <p:nvPr/>
+        </p:nvSpPr>
+        <p:spPr>
+          <a:xfrm>
+            <a:off x="3779912" y="404664"/>
+            <a:ext cx="288032" cy="288032"/>
+          </a:xfrm>
+          <a:prstGeom prst="ellipse">
+            <a:avLst/>
+          </a:prstGeom>
+          <a:noFill/>
+          <a:ln w="28575">
+            <a:solidFill>
+              <a:srgbClr val="002060"/>
+            </a:solidFill>
+          </a:ln>
+        </p:spPr>
+        <p:style>
+          <a:lnRef idx="2">
+            <a:schemeClr val="accent1">
+              <a:shade val="50000"/>
+            </a:schemeClr>
+          </a:lnRef>
+          <a:fillRef idx="1">
+            <a:schemeClr val="accent1"/>
+          </a:fillRef>
+          <a:effectRef idx="0">
+            <a:schemeClr val="accent1"/>
+          </a:effectRef>
+          <a:fontRef idx="minor">
+            <a:schemeClr val="lt1"/>
+          </a:fontRef>
+        </p:style>
+        <p:txBody>
+          <a:bodyPr rtlCol="0" anchor="ctr"/>
+          <a:lstStyle/>
+          <a:p>
+            <a:pPr algn="ctr"/>
+            <a:endParaRPr lang="fr-FR">
+              <a:noFill/>
+            </a:endParaRPr>
+          </a:p>
+        </p:txBody>
+      </p:sp>
+      <p:cxnSp>
+        <p:nvCxnSpPr>
+          <p:cNvPr id="8" name="Connecteur droit 7"/>
+          <p:cNvCxnSpPr/>
+          <p:nvPr/>
+        </p:nvCxnSpPr>
+        <p:spPr>
+          <a:xfrm flipV="1">
+            <a:off x="4224660" y="404664"/>
+            <a:ext cx="0" cy="316867"/>
+          </a:xfrm>
+          <a:prstGeom prst="line">
+            <a:avLst/>
+          </a:prstGeom>
+          <a:ln w="38100">
+            <a:solidFill>
+              <a:srgbClr val="002060"/>
+            </a:solidFill>
+          </a:ln>
+        </p:spPr>
+        <p:style>
+          <a:lnRef idx="1">
+            <a:schemeClr val="accent1"/>
+          </a:lnRef>
+          <a:fillRef idx="0">
+            <a:schemeClr val="accent1"/>
+          </a:fillRef>
+          <a:effectRef idx="0">
+            <a:schemeClr val="accent1"/>
+          </a:effectRef>
+          <a:fontRef idx="minor">
+            <a:schemeClr val="tx1"/>
+          </a:fontRef>
+        </p:style>
+      </p:cxnSp>
+      <p:cxnSp>
+        <p:nvCxnSpPr>
+          <p:cNvPr id="9" name="Connecteur droit 8"/>
+          <p:cNvCxnSpPr>
+            <a:stCxn id="11" idx="2"/>
+          </p:cNvCxnSpPr>
+          <p:nvPr/>
+        </p:nvCxnSpPr>
+        <p:spPr>
+          <a:xfrm>
+            <a:off x="3572421" y="721531"/>
+            <a:ext cx="652239" cy="0"/>
+          </a:xfrm>
+          <a:prstGeom prst="line">
+            <a:avLst/>
+          </a:prstGeom>
+          <a:ln w="38100">
+            <a:solidFill>
+              <a:srgbClr val="002060"/>
+            </a:solidFill>
+          </a:ln>
+        </p:spPr>
+        <p:style>
+          <a:lnRef idx="1">
+            <a:schemeClr val="accent1"/>
+          </a:lnRef>
+          <a:fillRef idx="0">
+            <a:schemeClr val="accent1"/>
+          </a:fillRef>
+          <a:effectRef idx="0">
+            <a:schemeClr val="accent1"/>
+          </a:effectRef>
+          <a:fontRef idx="minor">
+            <a:schemeClr val="tx1"/>
+          </a:fontRef>
+        </p:style>
+      </p:cxnSp>
+      <p:sp>
+        <p:nvSpPr>
+          <p:cNvPr id="11" name="Arc 10"/>
+          <p:cNvSpPr/>
+          <p:nvPr/>
+        </p:nvSpPr>
+        <p:spPr>
+          <a:xfrm>
+            <a:off x="3373264" y="417364"/>
+            <a:ext cx="1702792" cy="1702792"/>
+          </a:xfrm>
+          <a:prstGeom prst="arc">
+            <a:avLst>
+              <a:gd name="adj1" fmla="val 16200000"/>
+              <a:gd name="adj2" fmla="val 13199799"/>
+            </a:avLst>
+          </a:prstGeom>
+          <a:noFill/>
+          <a:ln w="28575">
+            <a:solidFill>
+              <a:srgbClr val="002060"/>
+            </a:solidFill>
+          </a:ln>
+        </p:spPr>
+        <p:style>
+          <a:lnRef idx="2">
+            <a:schemeClr val="accent1">
+              <a:shade val="50000"/>
+            </a:schemeClr>
+          </a:lnRef>
+          <a:fillRef idx="1">
+            <a:schemeClr val="accent1"/>
+          </a:fillRef>
+          <a:effectRef idx="0">
+            <a:schemeClr val="accent1"/>
+          </a:effectRef>
+          <a:fontRef idx="minor">
+            <a:schemeClr val="lt1"/>
+          </a:fontRef>
+        </p:style>
+        <p:txBody>
+          <a:bodyPr rtlCol="0" anchor="ctr"/>
+          <a:lstStyle/>
+          <a:p>
+            <a:pPr algn="ctr"/>
+            <a:endParaRPr lang="fr-FR">
+              <a:noFill/>
+            </a:endParaRPr>
+          </a:p>
+        </p:txBody>
+      </p:sp>
+      <p:sp>
+        <p:nvSpPr>
+          <p:cNvPr id="22" name="Arc 21"/>
+          <p:cNvSpPr/>
+          <p:nvPr/>
+        </p:nvSpPr>
+        <p:spPr>
+          <a:xfrm>
+            <a:off x="4021336" y="1065436"/>
+            <a:ext cx="406648" cy="406648"/>
+          </a:xfrm>
+          <a:prstGeom prst="arc">
+            <a:avLst>
+              <a:gd name="adj1" fmla="val 11907927"/>
+              <a:gd name="adj2" fmla="val 9454921"/>
+            </a:avLst>
+          </a:prstGeom>
+          <a:noFill/>
+          <a:ln w="28575">
+            <a:solidFill>
+              <a:srgbClr val="002060"/>
+            </a:solidFill>
+          </a:ln>
+        </p:spPr>
+        <p:style>
+          <a:lnRef idx="2">
+            <a:schemeClr val="accent1">
+              <a:shade val="50000"/>
+            </a:schemeClr>
+          </a:lnRef>
+          <a:fillRef idx="1">
+            <a:schemeClr val="accent1"/>
+          </a:fillRef>
+          <a:effectRef idx="0">
+            <a:schemeClr val="accent1"/>
+          </a:effectRef>
+          <a:fontRef idx="minor">
+            <a:schemeClr val="lt1"/>
+          </a:fontRef>
+        </p:style>
+        <p:txBody>
+          <a:bodyPr rtlCol="0" anchor="ctr"/>
+          <a:lstStyle/>
+          <a:p>
+            <a:pPr algn="ctr"/>
+            <a:endParaRPr lang="fr-FR">
+              <a:noFill/>
+            </a:endParaRPr>
+          </a:p>
+        </p:txBody>
+      </p:sp>
+      <p:cxnSp>
+        <p:nvCxnSpPr>
+          <p:cNvPr id="23" name="Connecteur droit 22"/>
+          <p:cNvCxnSpPr>
+            <a:stCxn id="22" idx="0"/>
+          </p:cNvCxnSpPr>
+          <p:nvPr/>
+        </p:nvCxnSpPr>
+        <p:spPr>
+          <a:xfrm flipH="1">
+            <a:off x="3923928" y="1204361"/>
+            <a:ext cx="107876" cy="0"/>
+          </a:xfrm>
+          <a:prstGeom prst="line">
+            <a:avLst/>
+          </a:prstGeom>
+          <a:ln w="38100">
+            <a:solidFill>
+              <a:srgbClr val="002060"/>
+            </a:solidFill>
+          </a:ln>
+        </p:spPr>
+        <p:style>
+          <a:lnRef idx="1">
+            <a:schemeClr val="accent1"/>
+          </a:lnRef>
+          <a:fillRef idx="0">
+            <a:schemeClr val="accent1"/>
+          </a:fillRef>
+          <a:effectRef idx="0">
+            <a:schemeClr val="accent1"/>
+          </a:effectRef>
+          <a:fontRef idx="minor">
+            <a:schemeClr val="tx1"/>
+          </a:fontRef>
+        </p:style>
+      </p:cxnSp>
+      <p:cxnSp>
+        <p:nvCxnSpPr>
+          <p:cNvPr id="26" name="Connecteur droit 25"/>
+          <p:cNvCxnSpPr/>
+          <p:nvPr/>
+        </p:nvCxnSpPr>
+        <p:spPr>
+          <a:xfrm flipH="1">
+            <a:off x="3943462" y="1340768"/>
+            <a:ext cx="107876" cy="0"/>
+          </a:xfrm>
+          <a:prstGeom prst="line">
+            <a:avLst/>
+          </a:prstGeom>
+          <a:ln w="38100">
+            <a:solidFill>
+              <a:srgbClr val="002060"/>
+            </a:solidFill>
+          </a:ln>
+        </p:spPr>
+        <p:style>
+          <a:lnRef idx="1">
+            <a:schemeClr val="accent1"/>
+          </a:lnRef>
+          <a:fillRef idx="0">
+            <a:schemeClr val="accent1"/>
+          </a:fillRef>
+          <a:effectRef idx="0">
+            <a:schemeClr val="accent1"/>
+          </a:effectRef>
+          <a:fontRef idx="minor">
+            <a:schemeClr val="tx1"/>
+          </a:fontRef>
+        </p:style>
+      </p:cxnSp>
+      <p:cxnSp>
+        <p:nvCxnSpPr>
+          <p:cNvPr id="27" name="Connecteur droit 26"/>
+          <p:cNvCxnSpPr/>
+          <p:nvPr/>
+        </p:nvCxnSpPr>
+        <p:spPr>
+          <a:xfrm>
+            <a:off x="3943462" y="1204361"/>
+            <a:ext cx="0" cy="136407"/>
+          </a:xfrm>
+          <a:prstGeom prst="line">
+            <a:avLst/>
+          </a:prstGeom>
+          <a:ln w="38100">
+            <a:solidFill>
+              <a:srgbClr val="002060"/>
+            </a:solidFill>
+          </a:ln>
+        </p:spPr>
+        <p:style>
+          <a:lnRef idx="1">
+            <a:schemeClr val="accent1"/>
+          </a:lnRef>
+          <a:fillRef idx="0">
+            <a:schemeClr val="accent1"/>
+          </a:fillRef>
+          <a:effectRef idx="0">
+            <a:schemeClr val="accent1"/>
+          </a:effectRef>
+          <a:fontRef idx="minor">
+            <a:schemeClr val="tx1"/>
+          </a:fontRef>
+        </p:style>
+      </p:cxnSp>
+      <p:cxnSp>
+        <p:nvCxnSpPr>
+          <p:cNvPr id="30" name="Connecteur droit 29"/>
+          <p:cNvCxnSpPr>
+            <a:stCxn id="7" idx="4"/>
+            <a:endCxn id="7" idx="0"/>
+          </p:cNvCxnSpPr>
+          <p:nvPr/>
+        </p:nvCxnSpPr>
+        <p:spPr>
+          <a:xfrm flipV="1">
+            <a:off x="3923928" y="404664"/>
+            <a:ext cx="0" cy="288032"/>
+          </a:xfrm>
+          <a:prstGeom prst="line">
+            <a:avLst/>
+          </a:prstGeom>
+          <a:ln w="12700">
+            <a:solidFill>
+              <a:srgbClr val="002060"/>
+            </a:solidFill>
+            <a:prstDash val="lgDashDot"/>
+          </a:ln>
+        </p:spPr>
+        <p:style>
+          <a:lnRef idx="1">
+            <a:schemeClr val="accent1"/>
+          </a:lnRef>
+          <a:fillRef idx="0">
+            <a:schemeClr val="accent1"/>
+          </a:fillRef>
+          <a:effectRef idx="0">
+            <a:schemeClr val="accent1"/>
+          </a:effectRef>
+          <a:fontRef idx="minor">
+            <a:schemeClr val="tx1"/>
+          </a:fontRef>
+        </p:style>
+      </p:cxnSp>
+      <p:cxnSp>
+        <p:nvCxnSpPr>
+          <p:cNvPr id="32" name="Connecteur droit 31"/>
+          <p:cNvCxnSpPr>
+            <a:stCxn id="7" idx="6"/>
+            <a:endCxn id="7" idx="2"/>
+          </p:cNvCxnSpPr>
+          <p:nvPr/>
+        </p:nvCxnSpPr>
+        <p:spPr>
+          <a:xfrm flipH="1">
+            <a:off x="3779912" y="548680"/>
+            <a:ext cx="288032" cy="0"/>
+          </a:xfrm>
+          <a:prstGeom prst="line">
+            <a:avLst/>
+          </a:prstGeom>
+          <a:ln w="12700">
+            <a:solidFill>
+              <a:srgbClr val="002060"/>
+            </a:solidFill>
+            <a:prstDash val="lgDashDot"/>
+          </a:ln>
+        </p:spPr>
+        <p:style>
+          <a:lnRef idx="1">
+            <a:schemeClr val="accent1"/>
+          </a:lnRef>
+          <a:fillRef idx="0">
+            <a:schemeClr val="accent1"/>
+          </a:fillRef>
+          <a:effectRef idx="0">
+            <a:schemeClr val="accent1"/>
+          </a:effectRef>
+          <a:fontRef idx="minor">
+            <a:schemeClr val="tx1"/>
+          </a:fontRef>
+        </p:style>
+      </p:cxnSp>
+      <p:cxnSp>
+        <p:nvCxnSpPr>
+          <p:cNvPr id="37" name="Connecteur droit 36"/>
+          <p:cNvCxnSpPr/>
+          <p:nvPr/>
+        </p:nvCxnSpPr>
+        <p:spPr>
+          <a:xfrm flipV="1">
+            <a:off x="4224288" y="1128548"/>
+            <a:ext cx="0" cy="288032"/>
+          </a:xfrm>
+          <a:prstGeom prst="line">
+            <a:avLst/>
+          </a:prstGeom>
+          <a:ln w="12700">
+            <a:solidFill>
+              <a:srgbClr val="002060"/>
+            </a:solidFill>
+            <a:prstDash val="lgDashDot"/>
+          </a:ln>
+        </p:spPr>
+        <p:style>
+          <a:lnRef idx="1">
+            <a:schemeClr val="accent1"/>
+          </a:lnRef>
+          <a:fillRef idx="0">
+            <a:schemeClr val="accent1"/>
+          </a:fillRef>
+          <a:effectRef idx="0">
+            <a:schemeClr val="accent1"/>
+          </a:effectRef>
+          <a:fontRef idx="minor">
+            <a:schemeClr val="tx1"/>
+          </a:fontRef>
+        </p:style>
+      </p:cxnSp>
+      <p:cxnSp>
+        <p:nvCxnSpPr>
+          <p:cNvPr id="38" name="Connecteur droit 37"/>
+          <p:cNvCxnSpPr/>
+          <p:nvPr/>
+        </p:nvCxnSpPr>
+        <p:spPr>
+          <a:xfrm flipH="1">
+            <a:off x="4080272" y="1272564"/>
+            <a:ext cx="288032" cy="0"/>
+          </a:xfrm>
+          <a:prstGeom prst="line">
+            <a:avLst/>
+          </a:prstGeom>
+          <a:ln w="12700">
+            <a:solidFill>
+              <a:srgbClr val="002060"/>
+            </a:solidFill>
+            <a:prstDash val="lgDashDot"/>
+          </a:ln>
+        </p:spPr>
+        <p:style>
+          <a:lnRef idx="1">
+            <a:schemeClr val="accent1"/>
+          </a:lnRef>
+          <a:fillRef idx="0">
+            <a:schemeClr val="accent1"/>
+          </a:fillRef>
+          <a:effectRef idx="0">
+            <a:schemeClr val="accent1"/>
+          </a:effectRef>
+          <a:fontRef idx="minor">
+            <a:schemeClr val="tx1"/>
+          </a:fontRef>
+        </p:style>
+      </p:cxnSp>
+      <p:cxnSp>
+        <p:nvCxnSpPr>
+          <p:cNvPr id="40" name="Connecteur droit 39"/>
+          <p:cNvCxnSpPr/>
+          <p:nvPr/>
+        </p:nvCxnSpPr>
+        <p:spPr>
+          <a:xfrm flipH="1">
+            <a:off x="4427984" y="1272564"/>
+            <a:ext cx="1224136" cy="0"/>
+          </a:xfrm>
+          <a:prstGeom prst="line">
+            <a:avLst/>
+          </a:prstGeom>
+          <a:ln w="12700">
+            <a:solidFill>
+              <a:srgbClr val="002060"/>
+            </a:solidFill>
+            <a:prstDash val="solid"/>
+          </a:ln>
+        </p:spPr>
+        <p:style>
+          <a:lnRef idx="1">
+            <a:schemeClr val="accent1"/>
+          </a:lnRef>
+          <a:fillRef idx="0">
+            <a:schemeClr val="accent1"/>
+          </a:fillRef>
+          <a:effectRef idx="0">
+            <a:schemeClr val="accent1"/>
+          </a:effectRef>
+          <a:fontRef idx="minor">
+            <a:schemeClr val="tx1"/>
+          </a:fontRef>
+        </p:style>
+      </p:cxnSp>
+      <p:cxnSp>
+        <p:nvCxnSpPr>
+          <p:cNvPr id="42" name="Connecteur droit 41"/>
+          <p:cNvCxnSpPr/>
+          <p:nvPr/>
+        </p:nvCxnSpPr>
+        <p:spPr>
+          <a:xfrm flipH="1">
+            <a:off x="3898540" y="721531"/>
+            <a:ext cx="673460" cy="0"/>
+          </a:xfrm>
+          <a:prstGeom prst="line">
+            <a:avLst/>
+          </a:prstGeom>
+          <a:ln w="12700">
+            <a:solidFill>
+              <a:srgbClr val="002060"/>
+            </a:solidFill>
+            <a:prstDash val="solid"/>
+          </a:ln>
+        </p:spPr>
+        <p:style>
+          <a:lnRef idx="1">
+            <a:schemeClr val="accent1"/>
+          </a:lnRef>
+          <a:fillRef idx="0">
+            <a:schemeClr val="accent1"/>
+          </a:fillRef>
+          <a:effectRef idx="0">
+            <a:schemeClr val="accent1"/>
+          </a:effectRef>
+          <a:fontRef idx="minor">
+            <a:schemeClr val="tx1"/>
+          </a:fontRef>
+        </p:style>
+      </p:cxnSp>
+      <p:cxnSp>
+        <p:nvCxnSpPr>
+          <p:cNvPr id="44" name="Connecteur droit 43"/>
+          <p:cNvCxnSpPr/>
+          <p:nvPr/>
+        </p:nvCxnSpPr>
+        <p:spPr>
+          <a:xfrm flipH="1">
+            <a:off x="4224660" y="341040"/>
+            <a:ext cx="1427460" cy="0"/>
+          </a:xfrm>
+          <a:prstGeom prst="line">
+            <a:avLst/>
+          </a:prstGeom>
+          <a:ln w="12700">
+            <a:solidFill>
+              <a:srgbClr val="002060"/>
+            </a:solidFill>
+            <a:prstDash val="solid"/>
+          </a:ln>
+        </p:spPr>
+        <p:style>
+          <a:lnRef idx="1">
+            <a:schemeClr val="accent1"/>
+          </a:lnRef>
+          <a:fillRef idx="0">
+            <a:schemeClr val="accent1"/>
+          </a:fillRef>
+          <a:effectRef idx="0">
+            <a:schemeClr val="accent1"/>
+          </a:effectRef>
+          <a:fontRef idx="minor">
+            <a:schemeClr val="tx1"/>
+          </a:fontRef>
+        </p:style>
+      </p:cxnSp>
+      <p:cxnSp>
+        <p:nvCxnSpPr>
+          <p:cNvPr id="46" name="Connecteur droit 45"/>
+          <p:cNvCxnSpPr>
+            <a:endCxn id="7" idx="6"/>
+          </p:cNvCxnSpPr>
+          <p:nvPr/>
+        </p:nvCxnSpPr>
+        <p:spPr>
+          <a:xfrm flipH="1">
+            <a:off x="4067944" y="548680"/>
+            <a:ext cx="504056" cy="0"/>
+          </a:xfrm>
+          <a:prstGeom prst="line">
+            <a:avLst/>
+          </a:prstGeom>
+          <a:ln w="12700">
+            <a:solidFill>
+              <a:srgbClr val="002060"/>
+            </a:solidFill>
+            <a:prstDash val="solid"/>
+          </a:ln>
+        </p:spPr>
+        <p:style>
+          <a:lnRef idx="1">
+            <a:schemeClr val="accent1"/>
+          </a:lnRef>
+          <a:fillRef idx="0">
+            <a:schemeClr val="accent1"/>
+          </a:fillRef>
+          <a:effectRef idx="0">
+            <a:schemeClr val="accent1"/>
+          </a:effectRef>
+          <a:fontRef idx="minor">
+            <a:schemeClr val="tx1"/>
+          </a:fontRef>
+        </p:style>
+      </p:cxnSp>
+      <p:cxnSp>
+        <p:nvCxnSpPr>
+          <p:cNvPr id="48" name="Connecteur droit 47"/>
+          <p:cNvCxnSpPr/>
+          <p:nvPr/>
+        </p:nvCxnSpPr>
+        <p:spPr>
+          <a:xfrm>
+            <a:off x="4489376" y="548681"/>
+            <a:ext cx="0" cy="172850"/>
+          </a:xfrm>
+          <a:prstGeom prst="line">
+            <a:avLst/>
+          </a:prstGeom>
+          <a:ln w="12700">
+            <a:solidFill>
+              <a:srgbClr val="002060"/>
+            </a:solidFill>
+            <a:prstDash val="solid"/>
+            <a:headEnd type="stealth" w="sm" len="med"/>
+            <a:tailEnd type="stealth" w="sm" len="med"/>
+          </a:ln>
+        </p:spPr>
+        <p:style>
+          <a:lnRef idx="1">
+            <a:schemeClr val="accent1"/>
+          </a:lnRef>
+          <a:fillRef idx="0">
+            <a:schemeClr val="accent1"/>
+          </a:fillRef>
+          <a:effectRef idx="0">
+            <a:schemeClr val="accent1"/>
+          </a:effectRef>
+          <a:fontRef idx="minor">
+            <a:schemeClr val="tx1"/>
+          </a:fontRef>
+        </p:style>
+      </p:cxnSp>
+      <p:cxnSp>
+        <p:nvCxnSpPr>
+          <p:cNvPr id="51" name="Connecteur droit 50"/>
+          <p:cNvCxnSpPr/>
+          <p:nvPr/>
+        </p:nvCxnSpPr>
+        <p:spPr>
+          <a:xfrm>
+            <a:off x="4489376" y="713887"/>
+            <a:ext cx="0" cy="558677"/>
+          </a:xfrm>
+          <a:prstGeom prst="line">
+            <a:avLst/>
+          </a:prstGeom>
+          <a:ln w="12700">
+            <a:solidFill>
+              <a:srgbClr val="002060"/>
+            </a:solidFill>
+            <a:prstDash val="solid"/>
+            <a:headEnd type="stealth" w="sm" len="med"/>
+            <a:tailEnd type="stealth" w="sm" len="med"/>
+          </a:ln>
+        </p:spPr>
+        <p:style>
+          <a:lnRef idx="1">
+            <a:schemeClr val="accent1"/>
+          </a:lnRef>
+          <a:fillRef idx="0">
+            <a:schemeClr val="accent1"/>
+          </a:fillRef>
+          <a:effectRef idx="0">
+            <a:schemeClr val="accent1"/>
+          </a:effectRef>
+          <a:fontRef idx="minor">
+            <a:schemeClr val="tx1"/>
+          </a:fontRef>
+        </p:style>
+      </p:cxnSp>
+      <p:cxnSp>
+        <p:nvCxnSpPr>
+          <p:cNvPr id="53" name="Connecteur droit 52"/>
+          <p:cNvCxnSpPr/>
+          <p:nvPr/>
+        </p:nvCxnSpPr>
+        <p:spPr>
+          <a:xfrm>
+            <a:off x="5508104" y="341040"/>
+            <a:ext cx="0" cy="931524"/>
+          </a:xfrm>
+          <a:prstGeom prst="line">
+            <a:avLst/>
+          </a:prstGeom>
+          <a:ln w="12700">
+            <a:solidFill>
+              <a:srgbClr val="002060"/>
+            </a:solidFill>
+            <a:prstDash val="solid"/>
+            <a:headEnd type="stealth" w="sm" len="med"/>
+            <a:tailEnd type="stealth" w="sm" len="med"/>
+          </a:ln>
+        </p:spPr>
+        <p:style>
+          <a:lnRef idx="1">
+            <a:schemeClr val="accent1"/>
+          </a:lnRef>
+          <a:fillRef idx="0">
+            <a:schemeClr val="accent1"/>
+          </a:fillRef>
+          <a:effectRef idx="0">
+            <a:schemeClr val="accent1"/>
+          </a:effectRef>
+          <a:fontRef idx="minor">
+            <a:schemeClr val="tx1"/>
+          </a:fontRef>
+        </p:style>
+      </p:cxnSp>
+      <p:sp>
+        <p:nvSpPr>
+          <p:cNvPr id="2" name="ZoneTexte 1"/>
+          <p:cNvSpPr txBox="1"/>
+          <p:nvPr/>
+        </p:nvSpPr>
+        <p:spPr>
+          <a:xfrm>
+            <a:off x="5444886" y="688081"/>
+            <a:ext cx="324036" cy="246221"/>
+          </a:xfrm>
+          <a:prstGeom prst="rect">
+            <a:avLst/>
+          </a:prstGeom>
+          <a:noFill/>
+        </p:spPr>
+        <p:txBody>
+          <a:bodyPr wrap="square" rtlCol="0">
+            <a:spAutoFit/>
+          </a:bodyPr>
+          <a:lstStyle/>
+          <a:p>
+            <a:r>
+              <a:rPr lang="fr-FR" sz="1000" dirty="0" smtClean="0"/>
+              <a:t>R</a:t>
+            </a:r>
+            <a:endParaRPr lang="fr-FR" sz="1000" dirty="0"/>
+          </a:p>
+        </p:txBody>
+      </p:sp>
+      <p:sp>
+        <p:nvSpPr>
+          <p:cNvPr id="28" name="ZoneTexte 27"/>
+          <p:cNvSpPr txBox="1"/>
+          <p:nvPr/>
+        </p:nvSpPr>
+        <p:spPr>
+          <a:xfrm>
+            <a:off x="4409982" y="839419"/>
+            <a:ext cx="450050" cy="246221"/>
+          </a:xfrm>
+          <a:prstGeom prst="rect">
+            <a:avLst/>
+          </a:prstGeom>
+          <a:noFill/>
+        </p:spPr>
+        <p:txBody>
+          <a:bodyPr wrap="square" rtlCol="0">
+            <a:spAutoFit/>
+          </a:bodyPr>
+          <a:lstStyle/>
+          <a:p>
+            <a:r>
+              <a:rPr lang="fr-FR" sz="1000" dirty="0" err="1" smtClean="0"/>
+              <a:t>H</a:t>
+            </a:r>
+            <a:r>
+              <a:rPr lang="fr-FR" sz="1000" baseline="-25000" dirty="0" err="1" smtClean="0"/>
+              <a:t>mini</a:t>
+            </a:r>
+            <a:endParaRPr lang="fr-FR" sz="1000" baseline="-25000" dirty="0"/>
+          </a:p>
+        </p:txBody>
+      </p:sp>
+      <p:sp>
+        <p:nvSpPr>
+          <p:cNvPr id="29" name="ZoneTexte 28"/>
+          <p:cNvSpPr txBox="1"/>
+          <p:nvPr/>
+        </p:nvSpPr>
+        <p:spPr>
+          <a:xfrm>
+            <a:off x="4451276" y="499295"/>
+            <a:ext cx="450050" cy="246221"/>
+          </a:xfrm>
+          <a:prstGeom prst="rect">
+            <a:avLst/>
+          </a:prstGeom>
+          <a:noFill/>
+        </p:spPr>
+        <p:txBody>
+          <a:bodyPr wrap="square" rtlCol="0">
+            <a:spAutoFit/>
+          </a:bodyPr>
+          <a:lstStyle/>
+          <a:p>
+            <a:r>
+              <a:rPr lang="fr-FR" sz="1000" dirty="0" smtClean="0"/>
+              <a:t>r</a:t>
+            </a:r>
+            <a:endParaRPr lang="fr-FR" sz="1000" baseline="-25000" dirty="0"/>
+          </a:p>
+        </p:txBody>
+      </p:sp>
+      <p:sp>
+        <p:nvSpPr>
+          <p:cNvPr id="31" name="ZoneTexte 30"/>
+          <p:cNvSpPr txBox="1"/>
+          <p:nvPr/>
+        </p:nvSpPr>
+        <p:spPr>
+          <a:xfrm>
+            <a:off x="3817495" y="1676889"/>
+            <a:ext cx="817512" cy="400110"/>
+          </a:xfrm>
+          <a:prstGeom prst="rect">
+            <a:avLst/>
+          </a:prstGeom>
+          <a:noFill/>
+        </p:spPr>
+        <p:txBody>
+          <a:bodyPr wrap="square" rtlCol="0">
+            <a:spAutoFit/>
+          </a:bodyPr>
+          <a:lstStyle/>
+          <a:p>
+            <a:pPr algn="ctr"/>
+            <a:r>
+              <a:rPr lang="fr-FR" sz="1000" dirty="0" smtClean="0"/>
+              <a:t>Bague interne</a:t>
+            </a:r>
+            <a:endParaRPr lang="fr-FR" sz="1000" baseline="-25000" dirty="0"/>
+          </a:p>
+        </p:txBody>
+      </p:sp>
+      <p:sp>
+        <p:nvSpPr>
+          <p:cNvPr id="33" name="ZoneTexte 32"/>
+          <p:cNvSpPr txBox="1"/>
+          <p:nvPr/>
+        </p:nvSpPr>
+        <p:spPr>
+          <a:xfrm>
+            <a:off x="3106416" y="2020778"/>
+            <a:ext cx="817512" cy="400110"/>
+          </a:xfrm>
+          <a:prstGeom prst="rect">
+            <a:avLst/>
+          </a:prstGeom>
+          <a:noFill/>
+        </p:spPr>
+        <p:txBody>
+          <a:bodyPr wrap="square" rtlCol="0">
+            <a:spAutoFit/>
+          </a:bodyPr>
+          <a:lstStyle/>
+          <a:p>
+            <a:r>
+              <a:rPr lang="fr-FR" sz="1000" dirty="0" smtClean="0"/>
+              <a:t>Bague externe</a:t>
+            </a:r>
+            <a:endParaRPr lang="fr-FR" sz="1000" baseline="-25000" dirty="0"/>
+          </a:p>
+        </p:txBody>
+      </p:sp>
+      <p:sp>
+        <p:nvSpPr>
+          <p:cNvPr id="34" name="ZoneTexte 33"/>
+          <p:cNvSpPr txBox="1"/>
+          <p:nvPr/>
+        </p:nvSpPr>
+        <p:spPr>
+          <a:xfrm>
+            <a:off x="3424681" y="747004"/>
+            <a:ext cx="817512" cy="246221"/>
+          </a:xfrm>
+          <a:prstGeom prst="rect">
+            <a:avLst/>
+          </a:prstGeom>
+          <a:noFill/>
+        </p:spPr>
+        <p:txBody>
+          <a:bodyPr wrap="square" rtlCol="0">
+            <a:spAutoFit/>
+          </a:bodyPr>
+          <a:lstStyle/>
+          <a:p>
+            <a:r>
+              <a:rPr lang="fr-FR" sz="1000" dirty="0" smtClean="0"/>
+              <a:t>Rouleau</a:t>
+            </a:r>
+            <a:endParaRPr lang="fr-FR" sz="1000" baseline="-25000" dirty="0"/>
+          </a:p>
+        </p:txBody>
+      </p:sp>
+      <p:cxnSp>
+        <p:nvCxnSpPr>
+          <p:cNvPr id="35" name="Connecteur droit 34"/>
+          <p:cNvCxnSpPr/>
+          <p:nvPr/>
+        </p:nvCxnSpPr>
+        <p:spPr>
+          <a:xfrm>
+            <a:off x="3967256" y="607333"/>
+            <a:ext cx="0" cy="247709"/>
+          </a:xfrm>
+          <a:prstGeom prst="line">
+            <a:avLst/>
+          </a:prstGeom>
+          <a:ln w="12700">
+            <a:solidFill>
+              <a:srgbClr val="002060"/>
+            </a:solidFill>
+            <a:prstDash val="solid"/>
+            <a:headEnd type="stealth" w="sm" len="med"/>
+            <a:tailEnd type="none" w="sm" len="med"/>
+          </a:ln>
+        </p:spPr>
+        <p:style>
+          <a:lnRef idx="1">
+            <a:schemeClr val="accent1"/>
+          </a:lnRef>
+          <a:fillRef idx="0">
+            <a:schemeClr val="accent1"/>
+          </a:fillRef>
+          <a:effectRef idx="0">
+            <a:schemeClr val="accent1"/>
+          </a:effectRef>
+          <a:fontRef idx="minor">
+            <a:schemeClr val="tx1"/>
+          </a:fontRef>
+        </p:style>
+      </p:cxnSp>
+    </p:spTree>
+    <p:extLst>
+      <p:ext uri="{BB962C8B-B14F-4D97-AF65-F5344CB8AC3E}">
+        <p14:creationId xmlns:p14="http://schemas.microsoft.com/office/powerpoint/2010/main" val="1496084018"/>
       </p:ext>
     </p:extLst>
   </p:cSld>

--- a/Concevoir/06_ConceptionsDiverses/TD_09_GrueHydraulique/images/Figures.pptx
+++ b/Concevoir/06_ConceptionsDiverses/TD_09_GrueHydraulique/images/Figures.pptx
@@ -4,11 +4,16 @@
   <p:sldMasterIdLst>
     <p:sldMasterId id="2147483648" r:id="rId1"/>
   </p:sldMasterIdLst>
+  <p:notesMasterIdLst>
+    <p:notesMasterId r:id="rId8"/>
+  </p:notesMasterIdLst>
   <p:sldIdLst>
     <p:sldId id="256" r:id="rId2"/>
     <p:sldId id="257" r:id="rId3"/>
     <p:sldId id="258" r:id="rId4"/>
     <p:sldId id="259" r:id="rId5"/>
+    <p:sldId id="260" r:id="rId6"/>
+    <p:sldId id="261" r:id="rId7"/>
   </p:sldIdLst>
   <p:sldSz cx="9144000" cy="6858000" type="screen4x3"/>
   <p:notesSz cx="6858000" cy="9144000"/>
@@ -108,6 +113,440 @@
     </a:lvl9pPr>
   </p:defaultTextStyle>
 </p:presentation>
+</file>
+
+<file path=ppt/notesMasters/notesMaster1.xml><?xml version="1.0" encoding="utf-8"?>
+<p:notesMaster xmlns:a="http://schemas.openxmlformats.org/drawingml/2006/main" xmlns:r="http://schemas.openxmlformats.org/officeDocument/2006/relationships" xmlns:p="http://schemas.openxmlformats.org/presentationml/2006/main">
+  <p:cSld>
+    <p:bg>
+      <p:bgRef idx="1001">
+        <a:schemeClr val="bg1"/>
+      </p:bgRef>
+    </p:bg>
+    <p:spTree>
+      <p:nvGrpSpPr>
+        <p:cNvPr id="1" name=""/>
+        <p:cNvGrpSpPr/>
+        <p:nvPr/>
+      </p:nvGrpSpPr>
+      <p:grpSpPr>
+        <a:xfrm>
+          <a:off x="0" y="0"/>
+          <a:ext cx="0" cy="0"/>
+          <a:chOff x="0" y="0"/>
+          <a:chExt cx="0" cy="0"/>
+        </a:xfrm>
+      </p:grpSpPr>
+      <p:sp>
+        <p:nvSpPr>
+          <p:cNvPr id="2" name="Espace réservé de l'en-tête 1"/>
+          <p:cNvSpPr>
+            <a:spLocks noGrp="1"/>
+          </p:cNvSpPr>
+          <p:nvPr>
+            <p:ph type="hdr" sz="quarter"/>
+          </p:nvPr>
+        </p:nvSpPr>
+        <p:spPr>
+          <a:xfrm>
+            <a:off x="0" y="0"/>
+            <a:ext cx="2971800" cy="457200"/>
+          </a:xfrm>
+          <a:prstGeom prst="rect">
+            <a:avLst/>
+          </a:prstGeom>
+        </p:spPr>
+        <p:txBody>
+          <a:bodyPr vert="horz" lIns="91440" tIns="45720" rIns="91440" bIns="45720" rtlCol="0"/>
+          <a:lstStyle>
+            <a:lvl1pPr algn="l">
+              <a:defRPr sz="1200"/>
+            </a:lvl1pPr>
+          </a:lstStyle>
+          <a:p>
+            <a:endParaRPr lang="fr-FR"/>
+          </a:p>
+        </p:txBody>
+      </p:sp>
+      <p:sp>
+        <p:nvSpPr>
+          <p:cNvPr id="3" name="Espace réservé de la date 2"/>
+          <p:cNvSpPr>
+            <a:spLocks noGrp="1"/>
+          </p:cNvSpPr>
+          <p:nvPr>
+            <p:ph type="dt" idx="1"/>
+          </p:nvPr>
+        </p:nvSpPr>
+        <p:spPr>
+          <a:xfrm>
+            <a:off x="3884613" y="0"/>
+            <a:ext cx="2971800" cy="457200"/>
+          </a:xfrm>
+          <a:prstGeom prst="rect">
+            <a:avLst/>
+          </a:prstGeom>
+        </p:spPr>
+        <p:txBody>
+          <a:bodyPr vert="horz" lIns="91440" tIns="45720" rIns="91440" bIns="45720" rtlCol="0"/>
+          <a:lstStyle>
+            <a:lvl1pPr algn="r">
+              <a:defRPr sz="1200"/>
+            </a:lvl1pPr>
+          </a:lstStyle>
+          <a:p>
+            <a:fld id="{518467BD-37C6-41F2-8B9C-2C37A7806138}" type="datetimeFigureOut">
+              <a:rPr lang="fr-FR" smtClean="0"/>
+              <a:t>18/04/2015</a:t>
+            </a:fld>
+            <a:endParaRPr lang="fr-FR"/>
+          </a:p>
+        </p:txBody>
+      </p:sp>
+      <p:sp>
+        <p:nvSpPr>
+          <p:cNvPr id="4" name="Espace réservé de l'image des diapositives 3"/>
+          <p:cNvSpPr>
+            <a:spLocks noGrp="1" noRot="1" noChangeAspect="1"/>
+          </p:cNvSpPr>
+          <p:nvPr>
+            <p:ph type="sldImg" idx="2"/>
+          </p:nvPr>
+        </p:nvSpPr>
+        <p:spPr>
+          <a:xfrm>
+            <a:off x="1143000" y="685800"/>
+            <a:ext cx="4572000" cy="3429000"/>
+          </a:xfrm>
+          <a:prstGeom prst="rect">
+            <a:avLst/>
+          </a:prstGeom>
+          <a:noFill/>
+          <a:ln w="12700">
+            <a:solidFill>
+              <a:prstClr val="black"/>
+            </a:solidFill>
+          </a:ln>
+        </p:spPr>
+        <p:txBody>
+          <a:bodyPr vert="horz" lIns="91440" tIns="45720" rIns="91440" bIns="45720" rtlCol="0" anchor="ctr"/>
+          <a:lstStyle/>
+          <a:p>
+            <a:endParaRPr lang="fr-FR"/>
+          </a:p>
+        </p:txBody>
+      </p:sp>
+      <p:sp>
+        <p:nvSpPr>
+          <p:cNvPr id="5" name="Espace réservé des commentaires 4"/>
+          <p:cNvSpPr>
+            <a:spLocks noGrp="1"/>
+          </p:cNvSpPr>
+          <p:nvPr>
+            <p:ph type="body" sz="quarter" idx="3"/>
+          </p:nvPr>
+        </p:nvSpPr>
+        <p:spPr>
+          <a:xfrm>
+            <a:off x="685800" y="4343400"/>
+            <a:ext cx="5486400" cy="4114800"/>
+          </a:xfrm>
+          <a:prstGeom prst="rect">
+            <a:avLst/>
+          </a:prstGeom>
+        </p:spPr>
+        <p:txBody>
+          <a:bodyPr vert="horz" lIns="91440" tIns="45720" rIns="91440" bIns="45720" rtlCol="0"/>
+          <a:lstStyle/>
+          <a:p>
+            <a:pPr lvl="0"/>
+            <a:r>
+              <a:rPr lang="fr-FR" smtClean="0"/>
+              <a:t>Modifiez les styles du texte du masque</a:t>
+            </a:r>
+          </a:p>
+          <a:p>
+            <a:pPr lvl="1"/>
+            <a:r>
+              <a:rPr lang="fr-FR" smtClean="0"/>
+              <a:t>Deuxième niveau</a:t>
+            </a:r>
+          </a:p>
+          <a:p>
+            <a:pPr lvl="2"/>
+            <a:r>
+              <a:rPr lang="fr-FR" smtClean="0"/>
+              <a:t>Troisième niveau</a:t>
+            </a:r>
+          </a:p>
+          <a:p>
+            <a:pPr lvl="3"/>
+            <a:r>
+              <a:rPr lang="fr-FR" smtClean="0"/>
+              <a:t>Quatrième niveau</a:t>
+            </a:r>
+          </a:p>
+          <a:p>
+            <a:pPr lvl="4"/>
+            <a:r>
+              <a:rPr lang="fr-FR" smtClean="0"/>
+              <a:t>Cinquième niveau</a:t>
+            </a:r>
+            <a:endParaRPr lang="fr-FR"/>
+          </a:p>
+        </p:txBody>
+      </p:sp>
+      <p:sp>
+        <p:nvSpPr>
+          <p:cNvPr id="6" name="Espace réservé du pied de page 5"/>
+          <p:cNvSpPr>
+            <a:spLocks noGrp="1"/>
+          </p:cNvSpPr>
+          <p:nvPr>
+            <p:ph type="ftr" sz="quarter" idx="4"/>
+          </p:nvPr>
+        </p:nvSpPr>
+        <p:spPr>
+          <a:xfrm>
+            <a:off x="0" y="8685213"/>
+            <a:ext cx="2971800" cy="457200"/>
+          </a:xfrm>
+          <a:prstGeom prst="rect">
+            <a:avLst/>
+          </a:prstGeom>
+        </p:spPr>
+        <p:txBody>
+          <a:bodyPr vert="horz" lIns="91440" tIns="45720" rIns="91440" bIns="45720" rtlCol="0" anchor="b"/>
+          <a:lstStyle>
+            <a:lvl1pPr algn="l">
+              <a:defRPr sz="1200"/>
+            </a:lvl1pPr>
+          </a:lstStyle>
+          <a:p>
+            <a:endParaRPr lang="fr-FR"/>
+          </a:p>
+        </p:txBody>
+      </p:sp>
+      <p:sp>
+        <p:nvSpPr>
+          <p:cNvPr id="7" name="Espace réservé du numéro de diapositive 6"/>
+          <p:cNvSpPr>
+            <a:spLocks noGrp="1"/>
+          </p:cNvSpPr>
+          <p:nvPr>
+            <p:ph type="sldNum" sz="quarter" idx="5"/>
+          </p:nvPr>
+        </p:nvSpPr>
+        <p:spPr>
+          <a:xfrm>
+            <a:off x="3884613" y="8685213"/>
+            <a:ext cx="2971800" cy="457200"/>
+          </a:xfrm>
+          <a:prstGeom prst="rect">
+            <a:avLst/>
+          </a:prstGeom>
+        </p:spPr>
+        <p:txBody>
+          <a:bodyPr vert="horz" lIns="91440" tIns="45720" rIns="91440" bIns="45720" rtlCol="0" anchor="b"/>
+          <a:lstStyle>
+            <a:lvl1pPr algn="r">
+              <a:defRPr sz="1200"/>
+            </a:lvl1pPr>
+          </a:lstStyle>
+          <a:p>
+            <a:fld id="{7ACC9CF2-9674-4C53-ACCB-99F1BC7E3D12}" type="slidenum">
+              <a:rPr lang="fr-FR" smtClean="0"/>
+              <a:t>‹N°›</a:t>
+            </a:fld>
+            <a:endParaRPr lang="fr-FR"/>
+          </a:p>
+        </p:txBody>
+      </p:sp>
+    </p:spTree>
+    <p:extLst>
+      <p:ext uri="{BB962C8B-B14F-4D97-AF65-F5344CB8AC3E}">
+        <p14:creationId xmlns:p14="http://schemas.microsoft.com/office/powerpoint/2010/main" val="1933716658"/>
+      </p:ext>
+    </p:extLst>
+  </p:cSld>
+  <p:clrMap bg1="lt1" tx1="dk1" bg2="lt2" tx2="dk2" accent1="accent1" accent2="accent2" accent3="accent3" accent4="accent4" accent5="accent5" accent6="accent6" hlink="hlink" folHlink="folHlink"/>
+  <p:notesStyle>
+    <a:lvl1pPr marL="0" algn="l" defTabSz="914400" rtl="0" eaLnBrk="1" latinLnBrk="0" hangingPunct="1">
+      <a:defRPr sz="1200" kern="1200">
+        <a:solidFill>
+          <a:schemeClr val="tx1"/>
+        </a:solidFill>
+        <a:latin typeface="+mn-lt"/>
+        <a:ea typeface="+mn-ea"/>
+        <a:cs typeface="+mn-cs"/>
+      </a:defRPr>
+    </a:lvl1pPr>
+    <a:lvl2pPr marL="457200" algn="l" defTabSz="914400" rtl="0" eaLnBrk="1" latinLnBrk="0" hangingPunct="1">
+      <a:defRPr sz="1200" kern="1200">
+        <a:solidFill>
+          <a:schemeClr val="tx1"/>
+        </a:solidFill>
+        <a:latin typeface="+mn-lt"/>
+        <a:ea typeface="+mn-ea"/>
+        <a:cs typeface="+mn-cs"/>
+      </a:defRPr>
+    </a:lvl2pPr>
+    <a:lvl3pPr marL="914400" algn="l" defTabSz="914400" rtl="0" eaLnBrk="1" latinLnBrk="0" hangingPunct="1">
+      <a:defRPr sz="1200" kern="1200">
+        <a:solidFill>
+          <a:schemeClr val="tx1"/>
+        </a:solidFill>
+        <a:latin typeface="+mn-lt"/>
+        <a:ea typeface="+mn-ea"/>
+        <a:cs typeface="+mn-cs"/>
+      </a:defRPr>
+    </a:lvl3pPr>
+    <a:lvl4pPr marL="1371600" algn="l" defTabSz="914400" rtl="0" eaLnBrk="1" latinLnBrk="0" hangingPunct="1">
+      <a:defRPr sz="1200" kern="1200">
+        <a:solidFill>
+          <a:schemeClr val="tx1"/>
+        </a:solidFill>
+        <a:latin typeface="+mn-lt"/>
+        <a:ea typeface="+mn-ea"/>
+        <a:cs typeface="+mn-cs"/>
+      </a:defRPr>
+    </a:lvl4pPr>
+    <a:lvl5pPr marL="1828800" algn="l" defTabSz="914400" rtl="0" eaLnBrk="1" latinLnBrk="0" hangingPunct="1">
+      <a:defRPr sz="1200" kern="1200">
+        <a:solidFill>
+          <a:schemeClr val="tx1"/>
+        </a:solidFill>
+        <a:latin typeface="+mn-lt"/>
+        <a:ea typeface="+mn-ea"/>
+        <a:cs typeface="+mn-cs"/>
+      </a:defRPr>
+    </a:lvl5pPr>
+    <a:lvl6pPr marL="2286000" algn="l" defTabSz="914400" rtl="0" eaLnBrk="1" latinLnBrk="0" hangingPunct="1">
+      <a:defRPr sz="1200" kern="1200">
+        <a:solidFill>
+          <a:schemeClr val="tx1"/>
+        </a:solidFill>
+        <a:latin typeface="+mn-lt"/>
+        <a:ea typeface="+mn-ea"/>
+        <a:cs typeface="+mn-cs"/>
+      </a:defRPr>
+    </a:lvl6pPr>
+    <a:lvl7pPr marL="2743200" algn="l" defTabSz="914400" rtl="0" eaLnBrk="1" latinLnBrk="0" hangingPunct="1">
+      <a:defRPr sz="1200" kern="1200">
+        <a:solidFill>
+          <a:schemeClr val="tx1"/>
+        </a:solidFill>
+        <a:latin typeface="+mn-lt"/>
+        <a:ea typeface="+mn-ea"/>
+        <a:cs typeface="+mn-cs"/>
+      </a:defRPr>
+    </a:lvl7pPr>
+    <a:lvl8pPr marL="3200400" algn="l" defTabSz="914400" rtl="0" eaLnBrk="1" latinLnBrk="0" hangingPunct="1">
+      <a:defRPr sz="1200" kern="1200">
+        <a:solidFill>
+          <a:schemeClr val="tx1"/>
+        </a:solidFill>
+        <a:latin typeface="+mn-lt"/>
+        <a:ea typeface="+mn-ea"/>
+        <a:cs typeface="+mn-cs"/>
+      </a:defRPr>
+    </a:lvl8pPr>
+    <a:lvl9pPr marL="3657600" algn="l" defTabSz="914400" rtl="0" eaLnBrk="1" latinLnBrk="0" hangingPunct="1">
+      <a:defRPr sz="1200" kern="1200">
+        <a:solidFill>
+          <a:schemeClr val="tx1"/>
+        </a:solidFill>
+        <a:latin typeface="+mn-lt"/>
+        <a:ea typeface="+mn-ea"/>
+        <a:cs typeface="+mn-cs"/>
+      </a:defRPr>
+    </a:lvl9pPr>
+  </p:notesStyle>
+</p:notesMaster>
+</file>
+
+<file path=ppt/notesSlides/notesSlide1.xml><?xml version="1.0" encoding="utf-8"?>
+<p:notes xmlns:a="http://schemas.openxmlformats.org/drawingml/2006/main" xmlns:r="http://schemas.openxmlformats.org/officeDocument/2006/relationships" xmlns:p="http://schemas.openxmlformats.org/presentationml/2006/main">
+  <p:cSld>
+    <p:spTree>
+      <p:nvGrpSpPr>
+        <p:cNvPr id="1" name=""/>
+        <p:cNvGrpSpPr/>
+        <p:nvPr/>
+      </p:nvGrpSpPr>
+      <p:grpSpPr>
+        <a:xfrm>
+          <a:off x="0" y="0"/>
+          <a:ext cx="0" cy="0"/>
+          <a:chOff x="0" y="0"/>
+          <a:chExt cx="0" cy="0"/>
+        </a:xfrm>
+      </p:grpSpPr>
+      <p:sp>
+        <p:nvSpPr>
+          <p:cNvPr id="2" name="Espace réservé de l'image des diapositives 1"/>
+          <p:cNvSpPr>
+            <a:spLocks noGrp="1" noRot="1" noChangeAspect="1"/>
+          </p:cNvSpPr>
+          <p:nvPr>
+            <p:ph type="sldImg"/>
+          </p:nvPr>
+        </p:nvSpPr>
+        <p:spPr/>
+      </p:sp>
+      <p:sp>
+        <p:nvSpPr>
+          <p:cNvPr id="3" name="Espace réservé des commentaires 2"/>
+          <p:cNvSpPr>
+            <a:spLocks noGrp="1"/>
+          </p:cNvSpPr>
+          <p:nvPr>
+            <p:ph type="body" idx="1"/>
+          </p:nvPr>
+        </p:nvSpPr>
+        <p:spPr/>
+        <p:txBody>
+          <a:bodyPr/>
+          <a:lstStyle/>
+          <a:p>
+            <a:endParaRPr lang="fr-FR" dirty="0"/>
+          </a:p>
+        </p:txBody>
+      </p:sp>
+      <p:sp>
+        <p:nvSpPr>
+          <p:cNvPr id="4" name="Espace réservé du numéro de diapositive 3"/>
+          <p:cNvSpPr>
+            <a:spLocks noGrp="1"/>
+          </p:cNvSpPr>
+          <p:nvPr>
+            <p:ph type="sldNum" sz="quarter" idx="10"/>
+          </p:nvPr>
+        </p:nvSpPr>
+        <p:spPr/>
+        <p:txBody>
+          <a:bodyPr/>
+          <a:lstStyle/>
+          <a:p>
+            <a:fld id="{7ACC9CF2-9674-4C53-ACCB-99F1BC7E3D12}" type="slidenum">
+              <a:rPr lang="fr-FR" smtClean="0"/>
+              <a:t>5</a:t>
+            </a:fld>
+            <a:endParaRPr lang="fr-FR"/>
+          </a:p>
+        </p:txBody>
+      </p:sp>
+    </p:spTree>
+    <p:extLst>
+      <p:ext uri="{BB962C8B-B14F-4D97-AF65-F5344CB8AC3E}">
+        <p14:creationId xmlns:p14="http://schemas.microsoft.com/office/powerpoint/2010/main" val="2788808722"/>
+      </p:ext>
+    </p:extLst>
+  </p:cSld>
+  <p:clrMapOvr>
+    <a:masterClrMapping/>
+  </p:clrMapOvr>
+</p:notes>
 </file>
 
 <file path=ppt/slideLayouts/slideLayout1.xml><?xml version="1.0" encoding="utf-8"?>
@@ -291,7 +730,7 @@
           <a:p>
             <a:fld id="{AA309A6D-C09C-4548-B29A-6CF363A7E532}" type="datetimeFigureOut">
               <a:rPr lang="fr-FR" smtClean="0"/>
-              <a:t>17/04/2015</a:t>
+              <a:t>18/04/2015</a:t>
             </a:fld>
             <a:endParaRPr lang="fr-BE"/>
           </a:p>
@@ -456,7 +895,7 @@
           <a:p>
             <a:fld id="{AA309A6D-C09C-4548-B29A-6CF363A7E532}" type="datetimeFigureOut">
               <a:rPr lang="fr-FR" smtClean="0"/>
-              <a:t>17/04/2015</a:t>
+              <a:t>18/04/2015</a:t>
             </a:fld>
             <a:endParaRPr lang="fr-BE"/>
           </a:p>
@@ -631,7 +1070,7 @@
           <a:p>
             <a:fld id="{AA309A6D-C09C-4548-B29A-6CF363A7E532}" type="datetimeFigureOut">
               <a:rPr lang="fr-FR" smtClean="0"/>
-              <a:t>17/04/2015</a:t>
+              <a:t>18/04/2015</a:t>
             </a:fld>
             <a:endParaRPr lang="fr-BE"/>
           </a:p>
@@ -796,7 +1235,7 @@
           <a:p>
             <a:fld id="{AA309A6D-C09C-4548-B29A-6CF363A7E532}" type="datetimeFigureOut">
               <a:rPr lang="fr-FR" smtClean="0"/>
-              <a:t>17/04/2015</a:t>
+              <a:t>18/04/2015</a:t>
             </a:fld>
             <a:endParaRPr lang="fr-BE"/>
           </a:p>
@@ -1037,7 +1476,7 @@
           <a:p>
             <a:fld id="{AA309A6D-C09C-4548-B29A-6CF363A7E532}" type="datetimeFigureOut">
               <a:rPr lang="fr-FR" smtClean="0"/>
-              <a:t>17/04/2015</a:t>
+              <a:t>18/04/2015</a:t>
             </a:fld>
             <a:endParaRPr lang="fr-BE"/>
           </a:p>
@@ -1320,7 +1759,7 @@
           <a:p>
             <a:fld id="{AA309A6D-C09C-4548-B29A-6CF363A7E532}" type="datetimeFigureOut">
               <a:rPr lang="fr-FR" smtClean="0"/>
-              <a:t>17/04/2015</a:t>
+              <a:t>18/04/2015</a:t>
             </a:fld>
             <a:endParaRPr lang="fr-BE"/>
           </a:p>
@@ -1737,7 +2176,7 @@
           <a:p>
             <a:fld id="{AA309A6D-C09C-4548-B29A-6CF363A7E532}" type="datetimeFigureOut">
               <a:rPr lang="fr-FR" smtClean="0"/>
-              <a:t>17/04/2015</a:t>
+              <a:t>18/04/2015</a:t>
             </a:fld>
             <a:endParaRPr lang="fr-BE"/>
           </a:p>
@@ -1850,7 +2289,7 @@
           <a:p>
             <a:fld id="{AA309A6D-C09C-4548-B29A-6CF363A7E532}" type="datetimeFigureOut">
               <a:rPr lang="fr-FR" smtClean="0"/>
-              <a:t>17/04/2015</a:t>
+              <a:t>18/04/2015</a:t>
             </a:fld>
             <a:endParaRPr lang="fr-BE"/>
           </a:p>
@@ -1940,7 +2379,7 @@
           <a:p>
             <a:fld id="{AA309A6D-C09C-4548-B29A-6CF363A7E532}" type="datetimeFigureOut">
               <a:rPr lang="fr-FR" smtClean="0"/>
-              <a:t>17/04/2015</a:t>
+              <a:t>18/04/2015</a:t>
             </a:fld>
             <a:endParaRPr lang="fr-BE"/>
           </a:p>
@@ -2212,7 +2651,7 @@
           <a:p>
             <a:fld id="{AA309A6D-C09C-4548-B29A-6CF363A7E532}" type="datetimeFigureOut">
               <a:rPr lang="fr-FR" smtClean="0"/>
-              <a:t>17/04/2015</a:t>
+              <a:t>18/04/2015</a:t>
             </a:fld>
             <a:endParaRPr lang="fr-BE"/>
           </a:p>
@@ -2460,7 +2899,7 @@
           <a:p>
             <a:fld id="{AA309A6D-C09C-4548-B29A-6CF363A7E532}" type="datetimeFigureOut">
               <a:rPr lang="fr-FR" smtClean="0"/>
-              <a:t>17/04/2015</a:t>
+              <a:t>18/04/2015</a:t>
             </a:fld>
             <a:endParaRPr lang="fr-BE"/>
           </a:p>
@@ -2668,7 +3107,7 @@
           <a:p>
             <a:fld id="{AA309A6D-C09C-4548-B29A-6CF363A7E532}" type="datetimeFigureOut">
               <a:rPr lang="fr-FR" smtClean="0"/>
-              <a:t>17/04/2015</a:t>
+              <a:t>18/04/2015</a:t>
             </a:fld>
             <a:endParaRPr lang="fr-BE"/>
           </a:p>
@@ -15483,60 +15922,6 @@
           <a:chExt cx="0" cy="0"/>
         </a:xfrm>
       </p:grpSpPr>
-      <p:pic>
-        <p:nvPicPr>
-          <p:cNvPr id="1026" name="Picture 2"/>
-          <p:cNvPicPr>
-            <a:picLocks noChangeAspect="1" noChangeArrowheads="1"/>
-          </p:cNvPicPr>
-          <p:nvPr/>
-        </p:nvPicPr>
-        <p:blipFill>
-          <a:blip r:embed="rId2" cstate="print">
-            <a:extLst>
-              <a:ext uri="{28A0092B-C50C-407E-A947-70E740481C1C}">
-                <a14:useLocalDpi xmlns:a14="http://schemas.microsoft.com/office/drawing/2010/main" val="0"/>
-              </a:ext>
-            </a:extLst>
-          </a:blip>
-          <a:srcRect/>
-          <a:stretch>
-            <a:fillRect/>
-          </a:stretch>
-        </p:blipFill>
-        <p:spPr bwMode="auto">
-          <a:xfrm>
-            <a:off x="0" y="0"/>
-            <a:ext cx="2239919" cy="1800000"/>
-          </a:xfrm>
-          <a:prstGeom prst="rect">
-            <a:avLst/>
-          </a:prstGeom>
-          <a:noFill/>
-          <a:ln>
-            <a:noFill/>
-          </a:ln>
-          <a:extLst>
-            <a:ext uri="{909E8E84-426E-40DD-AFC4-6F175D3DCCD1}">
-              <a14:hiddenFill xmlns:a14="http://schemas.microsoft.com/office/drawing/2010/main">
-                <a:solidFill>
-                  <a:schemeClr val="accent1"/>
-                </a:solidFill>
-              </a14:hiddenFill>
-            </a:ext>
-            <a:ext uri="{91240B29-F687-4F45-9708-019B960494DF}">
-              <a14:hiddenLine xmlns:a14="http://schemas.microsoft.com/office/drawing/2010/main" w="9525">
-                <a:solidFill>
-                  <a:schemeClr val="tx1"/>
-                </a:solidFill>
-                <a:miter lim="800000"/>
-                <a:headEnd/>
-                <a:tailEnd/>
-              </a14:hiddenLine>
-            </a:ext>
-          </a:extLst>
-        </p:spPr>
-      </p:pic>
       <p:sp>
         <p:nvSpPr>
           <p:cNvPr id="5" name="Ellipse 4"/>
@@ -16599,6 +16984,3667 @@
     <p:extLst>
       <p:ext uri="{BB962C8B-B14F-4D97-AF65-F5344CB8AC3E}">
         <p14:creationId xmlns:p14="http://schemas.microsoft.com/office/powerpoint/2010/main" val="1496084018"/>
+      </p:ext>
+    </p:extLst>
+  </p:cSld>
+  <p:clrMapOvr>
+    <a:masterClrMapping/>
+  </p:clrMapOvr>
+</p:sld>
+</file>
+
+<file path=ppt/slides/slide5.xml><?xml version="1.0" encoding="utf-8"?>
+<p:sld xmlns:a="http://schemas.openxmlformats.org/drawingml/2006/main" xmlns:r="http://schemas.openxmlformats.org/officeDocument/2006/relationships" xmlns:p="http://schemas.openxmlformats.org/presentationml/2006/main">
+  <p:cSld>
+    <p:spTree>
+      <p:nvGrpSpPr>
+        <p:cNvPr id="1" name=""/>
+        <p:cNvGrpSpPr/>
+        <p:nvPr/>
+      </p:nvGrpSpPr>
+      <p:grpSpPr>
+        <a:xfrm>
+          <a:off x="0" y="0"/>
+          <a:ext cx="0" cy="0"/>
+          <a:chOff x="0" y="0"/>
+          <a:chExt cx="0" cy="0"/>
+        </a:xfrm>
+      </p:grpSpPr>
+      <p:cxnSp>
+        <p:nvCxnSpPr>
+          <p:cNvPr id="5" name="Connecteur droit 4"/>
+          <p:cNvCxnSpPr/>
+          <p:nvPr/>
+        </p:nvCxnSpPr>
+        <p:spPr>
+          <a:xfrm>
+            <a:off x="7452320" y="2149331"/>
+            <a:ext cx="0" cy="3727941"/>
+          </a:xfrm>
+          <a:prstGeom prst="line">
+            <a:avLst/>
+          </a:prstGeom>
+          <a:ln w="28575">
+            <a:solidFill>
+              <a:schemeClr val="tx2"/>
+            </a:solidFill>
+          </a:ln>
+        </p:spPr>
+        <p:style>
+          <a:lnRef idx="1">
+            <a:schemeClr val="accent1"/>
+          </a:lnRef>
+          <a:fillRef idx="0">
+            <a:schemeClr val="accent1"/>
+          </a:fillRef>
+          <a:effectRef idx="0">
+            <a:schemeClr val="accent1"/>
+          </a:effectRef>
+          <a:fontRef idx="minor">
+            <a:schemeClr val="tx1"/>
+          </a:fontRef>
+        </p:style>
+      </p:cxnSp>
+      <p:cxnSp>
+        <p:nvCxnSpPr>
+          <p:cNvPr id="7" name="Connecteur droit 6"/>
+          <p:cNvCxnSpPr/>
+          <p:nvPr/>
+        </p:nvCxnSpPr>
+        <p:spPr>
+          <a:xfrm flipH="1">
+            <a:off x="7884368" y="548680"/>
+            <a:ext cx="288032" cy="0"/>
+          </a:xfrm>
+          <a:prstGeom prst="line">
+            <a:avLst/>
+          </a:prstGeom>
+          <a:ln w="28575">
+            <a:solidFill>
+              <a:schemeClr val="tx2"/>
+            </a:solidFill>
+          </a:ln>
+        </p:spPr>
+        <p:style>
+          <a:lnRef idx="1">
+            <a:schemeClr val="accent1"/>
+          </a:lnRef>
+          <a:fillRef idx="0">
+            <a:schemeClr val="accent1"/>
+          </a:fillRef>
+          <a:effectRef idx="0">
+            <a:schemeClr val="accent1"/>
+          </a:effectRef>
+          <a:fontRef idx="minor">
+            <a:schemeClr val="tx1"/>
+          </a:fontRef>
+        </p:style>
+      </p:cxnSp>
+      <p:sp>
+        <p:nvSpPr>
+          <p:cNvPr id="10" name="Arc 9"/>
+          <p:cNvSpPr/>
+          <p:nvPr/>
+        </p:nvSpPr>
+        <p:spPr>
+          <a:xfrm rot="16200000">
+            <a:off x="7452368" y="548680"/>
+            <a:ext cx="864000" cy="864000"/>
+          </a:xfrm>
+          <a:prstGeom prst="arc">
+            <a:avLst/>
+          </a:prstGeom>
+          <a:ln w="28575">
+            <a:solidFill>
+              <a:schemeClr val="tx2"/>
+            </a:solidFill>
+          </a:ln>
+        </p:spPr>
+        <p:style>
+          <a:lnRef idx="1">
+            <a:schemeClr val="accent1"/>
+          </a:lnRef>
+          <a:fillRef idx="0">
+            <a:schemeClr val="accent1"/>
+          </a:fillRef>
+          <a:effectRef idx="0">
+            <a:schemeClr val="accent1"/>
+          </a:effectRef>
+          <a:fontRef idx="minor">
+            <a:schemeClr val="tx1"/>
+          </a:fontRef>
+        </p:style>
+        <p:txBody>
+          <a:bodyPr rtlCol="0" anchor="ctr"/>
+          <a:lstStyle/>
+          <a:p>
+            <a:pPr algn="ctr"/>
+            <a:endParaRPr lang="fr-FR"/>
+          </a:p>
+        </p:txBody>
+      </p:sp>
+      <p:cxnSp>
+        <p:nvCxnSpPr>
+          <p:cNvPr id="12" name="Connecteur droit 11"/>
+          <p:cNvCxnSpPr/>
+          <p:nvPr/>
+        </p:nvCxnSpPr>
+        <p:spPr>
+          <a:xfrm>
+            <a:off x="5652120" y="3416505"/>
+            <a:ext cx="3240360" cy="0"/>
+          </a:xfrm>
+          <a:prstGeom prst="line">
+            <a:avLst/>
+          </a:prstGeom>
+          <a:ln w="12700">
+            <a:solidFill>
+              <a:schemeClr val="tx2"/>
+            </a:solidFill>
+            <a:prstDash val="lgDashDot"/>
+          </a:ln>
+        </p:spPr>
+        <p:style>
+          <a:lnRef idx="1">
+            <a:schemeClr val="accent1"/>
+          </a:lnRef>
+          <a:fillRef idx="0">
+            <a:schemeClr val="accent1"/>
+          </a:fillRef>
+          <a:effectRef idx="0">
+            <a:schemeClr val="accent1"/>
+          </a:effectRef>
+          <a:fontRef idx="minor">
+            <a:schemeClr val="tx1"/>
+          </a:fontRef>
+        </p:style>
+      </p:cxnSp>
+      <p:sp>
+        <p:nvSpPr>
+          <p:cNvPr id="15" name="Arc 14"/>
+          <p:cNvSpPr/>
+          <p:nvPr/>
+        </p:nvSpPr>
+        <p:spPr>
+          <a:xfrm rot="10800000">
+            <a:off x="7452320" y="5445272"/>
+            <a:ext cx="864000" cy="864000"/>
+          </a:xfrm>
+          <a:prstGeom prst="arc">
+            <a:avLst/>
+          </a:prstGeom>
+          <a:ln w="28575">
+            <a:solidFill>
+              <a:schemeClr val="tx2"/>
+            </a:solidFill>
+          </a:ln>
+        </p:spPr>
+        <p:style>
+          <a:lnRef idx="1">
+            <a:schemeClr val="accent1"/>
+          </a:lnRef>
+          <a:fillRef idx="0">
+            <a:schemeClr val="accent1"/>
+          </a:fillRef>
+          <a:effectRef idx="0">
+            <a:schemeClr val="accent1"/>
+          </a:effectRef>
+          <a:fontRef idx="minor">
+            <a:schemeClr val="tx1"/>
+          </a:fontRef>
+        </p:style>
+        <p:txBody>
+          <a:bodyPr rtlCol="0" anchor="ctr"/>
+          <a:lstStyle/>
+          <a:p>
+            <a:pPr algn="ctr"/>
+            <a:endParaRPr lang="fr-FR"/>
+          </a:p>
+        </p:txBody>
+      </p:sp>
+      <p:cxnSp>
+        <p:nvCxnSpPr>
+          <p:cNvPr id="17" name="Connecteur droit 16"/>
+          <p:cNvCxnSpPr/>
+          <p:nvPr/>
+        </p:nvCxnSpPr>
+        <p:spPr>
+          <a:xfrm flipH="1">
+            <a:off x="7884368" y="6309273"/>
+            <a:ext cx="288032" cy="0"/>
+          </a:xfrm>
+          <a:prstGeom prst="line">
+            <a:avLst/>
+          </a:prstGeom>
+          <a:ln w="28575">
+            <a:solidFill>
+              <a:schemeClr val="tx2"/>
+            </a:solidFill>
+          </a:ln>
+        </p:spPr>
+        <p:style>
+          <a:lnRef idx="1">
+            <a:schemeClr val="accent1"/>
+          </a:lnRef>
+          <a:fillRef idx="0">
+            <a:schemeClr val="accent1"/>
+          </a:fillRef>
+          <a:effectRef idx="0">
+            <a:schemeClr val="accent1"/>
+          </a:effectRef>
+          <a:fontRef idx="minor">
+            <a:schemeClr val="tx1"/>
+          </a:fontRef>
+        </p:style>
+      </p:cxnSp>
+      <p:cxnSp>
+        <p:nvCxnSpPr>
+          <p:cNvPr id="19" name="Connecteur droit 18"/>
+          <p:cNvCxnSpPr/>
+          <p:nvPr/>
+        </p:nvCxnSpPr>
+        <p:spPr>
+          <a:xfrm flipH="1">
+            <a:off x="7019273" y="1459569"/>
+            <a:ext cx="1427655" cy="0"/>
+          </a:xfrm>
+          <a:prstGeom prst="line">
+            <a:avLst/>
+          </a:prstGeom>
+          <a:ln w="28575">
+            <a:solidFill>
+              <a:schemeClr val="tx2"/>
+            </a:solidFill>
+          </a:ln>
+        </p:spPr>
+        <p:style>
+          <a:lnRef idx="1">
+            <a:schemeClr val="accent1"/>
+          </a:lnRef>
+          <a:fillRef idx="0">
+            <a:schemeClr val="accent1"/>
+          </a:fillRef>
+          <a:effectRef idx="0">
+            <a:schemeClr val="accent1"/>
+          </a:effectRef>
+          <a:fontRef idx="minor">
+            <a:schemeClr val="tx1"/>
+          </a:fontRef>
+        </p:style>
+      </p:cxnSp>
+      <p:cxnSp>
+        <p:nvCxnSpPr>
+          <p:cNvPr id="20" name="Connecteur droit 19"/>
+          <p:cNvCxnSpPr/>
+          <p:nvPr/>
+        </p:nvCxnSpPr>
+        <p:spPr>
+          <a:xfrm>
+            <a:off x="6827904" y="1675641"/>
+            <a:ext cx="2136584" cy="0"/>
+          </a:xfrm>
+          <a:prstGeom prst="line">
+            <a:avLst/>
+          </a:prstGeom>
+          <a:ln w="12700">
+            <a:solidFill>
+              <a:schemeClr val="tx2"/>
+            </a:solidFill>
+            <a:prstDash val="lgDashDot"/>
+          </a:ln>
+        </p:spPr>
+        <p:style>
+          <a:lnRef idx="1">
+            <a:schemeClr val="accent1"/>
+          </a:lnRef>
+          <a:fillRef idx="0">
+            <a:schemeClr val="accent1"/>
+          </a:fillRef>
+          <a:effectRef idx="0">
+            <a:schemeClr val="accent1"/>
+          </a:effectRef>
+          <a:fontRef idx="minor">
+            <a:schemeClr val="tx1"/>
+          </a:fontRef>
+        </p:style>
+      </p:cxnSp>
+      <p:cxnSp>
+        <p:nvCxnSpPr>
+          <p:cNvPr id="24" name="Connecteur droit 23"/>
+          <p:cNvCxnSpPr/>
+          <p:nvPr/>
+        </p:nvCxnSpPr>
+        <p:spPr>
+          <a:xfrm flipH="1">
+            <a:off x="7013142" y="1891713"/>
+            <a:ext cx="1433786" cy="0"/>
+          </a:xfrm>
+          <a:prstGeom prst="line">
+            <a:avLst/>
+          </a:prstGeom>
+          <a:ln w="28575">
+            <a:solidFill>
+              <a:schemeClr val="tx2"/>
+            </a:solidFill>
+          </a:ln>
+        </p:spPr>
+        <p:style>
+          <a:lnRef idx="1">
+            <a:schemeClr val="accent1"/>
+          </a:lnRef>
+          <a:fillRef idx="0">
+            <a:schemeClr val="accent1"/>
+          </a:fillRef>
+          <a:effectRef idx="0">
+            <a:schemeClr val="accent1"/>
+          </a:effectRef>
+          <a:fontRef idx="minor">
+            <a:schemeClr val="tx1"/>
+          </a:fontRef>
+        </p:style>
+      </p:cxnSp>
+      <p:cxnSp>
+        <p:nvCxnSpPr>
+          <p:cNvPr id="25" name="Connecteur droit 24"/>
+          <p:cNvCxnSpPr/>
+          <p:nvPr/>
+        </p:nvCxnSpPr>
+        <p:spPr>
+          <a:xfrm>
+            <a:off x="8446928" y="1459569"/>
+            <a:ext cx="0" cy="432144"/>
+          </a:xfrm>
+          <a:prstGeom prst="line">
+            <a:avLst/>
+          </a:prstGeom>
+          <a:ln w="28575">
+            <a:solidFill>
+              <a:schemeClr val="tx2"/>
+            </a:solidFill>
+          </a:ln>
+        </p:spPr>
+        <p:style>
+          <a:lnRef idx="1">
+            <a:schemeClr val="accent1"/>
+          </a:lnRef>
+          <a:fillRef idx="0">
+            <a:schemeClr val="accent1"/>
+          </a:fillRef>
+          <a:effectRef idx="0">
+            <a:schemeClr val="accent1"/>
+          </a:effectRef>
+          <a:fontRef idx="minor">
+            <a:schemeClr val="tx1"/>
+          </a:fontRef>
+        </p:style>
+      </p:cxnSp>
+      <p:cxnSp>
+        <p:nvCxnSpPr>
+          <p:cNvPr id="28" name="Connecteur droit 27"/>
+          <p:cNvCxnSpPr/>
+          <p:nvPr/>
+        </p:nvCxnSpPr>
+        <p:spPr>
+          <a:xfrm>
+            <a:off x="8446928" y="1459569"/>
+            <a:ext cx="84465" cy="216120"/>
+          </a:xfrm>
+          <a:prstGeom prst="line">
+            <a:avLst/>
+          </a:prstGeom>
+          <a:ln w="28575">
+            <a:solidFill>
+              <a:schemeClr val="tx2"/>
+            </a:solidFill>
+          </a:ln>
+        </p:spPr>
+        <p:style>
+          <a:lnRef idx="1">
+            <a:schemeClr val="accent1"/>
+          </a:lnRef>
+          <a:fillRef idx="0">
+            <a:schemeClr val="accent1"/>
+          </a:fillRef>
+          <a:effectRef idx="0">
+            <a:schemeClr val="accent1"/>
+          </a:effectRef>
+          <a:fontRef idx="minor">
+            <a:schemeClr val="tx1"/>
+          </a:fontRef>
+        </p:style>
+      </p:cxnSp>
+      <p:cxnSp>
+        <p:nvCxnSpPr>
+          <p:cNvPr id="31" name="Connecteur droit 30"/>
+          <p:cNvCxnSpPr/>
+          <p:nvPr/>
+        </p:nvCxnSpPr>
+        <p:spPr>
+          <a:xfrm flipH="1">
+            <a:off x="8446928" y="1675641"/>
+            <a:ext cx="84465" cy="216072"/>
+          </a:xfrm>
+          <a:prstGeom prst="line">
+            <a:avLst/>
+          </a:prstGeom>
+          <a:ln w="28575">
+            <a:solidFill>
+              <a:schemeClr val="tx2"/>
+            </a:solidFill>
+          </a:ln>
+        </p:spPr>
+        <p:style>
+          <a:lnRef idx="1">
+            <a:schemeClr val="accent1"/>
+          </a:lnRef>
+          <a:fillRef idx="0">
+            <a:schemeClr val="accent1"/>
+          </a:fillRef>
+          <a:effectRef idx="0">
+            <a:schemeClr val="accent1"/>
+          </a:effectRef>
+          <a:fontRef idx="minor">
+            <a:schemeClr val="tx1"/>
+          </a:fontRef>
+        </p:style>
+      </p:cxnSp>
+      <p:cxnSp>
+        <p:nvCxnSpPr>
+          <p:cNvPr id="37" name="Connecteur droit 36"/>
+          <p:cNvCxnSpPr/>
+          <p:nvPr/>
+        </p:nvCxnSpPr>
+        <p:spPr>
+          <a:xfrm flipH="1">
+            <a:off x="7019225" y="1387609"/>
+            <a:ext cx="1224136" cy="48"/>
+          </a:xfrm>
+          <a:prstGeom prst="line">
+            <a:avLst/>
+          </a:prstGeom>
+          <a:ln w="12700">
+            <a:solidFill>
+              <a:schemeClr val="tx2"/>
+            </a:solidFill>
+          </a:ln>
+        </p:spPr>
+        <p:style>
+          <a:lnRef idx="1">
+            <a:schemeClr val="accent1"/>
+          </a:lnRef>
+          <a:fillRef idx="0">
+            <a:schemeClr val="accent1"/>
+          </a:fillRef>
+          <a:effectRef idx="0">
+            <a:schemeClr val="accent1"/>
+          </a:effectRef>
+          <a:fontRef idx="minor">
+            <a:schemeClr val="tx1"/>
+          </a:fontRef>
+        </p:style>
+      </p:cxnSp>
+      <p:cxnSp>
+        <p:nvCxnSpPr>
+          <p:cNvPr id="39" name="Connecteur droit 38"/>
+          <p:cNvCxnSpPr/>
+          <p:nvPr/>
+        </p:nvCxnSpPr>
+        <p:spPr>
+          <a:xfrm flipH="1">
+            <a:off x="7019177" y="1963673"/>
+            <a:ext cx="1224184" cy="48"/>
+          </a:xfrm>
+          <a:prstGeom prst="line">
+            <a:avLst/>
+          </a:prstGeom>
+          <a:ln w="12700">
+            <a:solidFill>
+              <a:schemeClr val="tx2"/>
+            </a:solidFill>
+          </a:ln>
+        </p:spPr>
+        <p:style>
+          <a:lnRef idx="1">
+            <a:schemeClr val="accent1"/>
+          </a:lnRef>
+          <a:fillRef idx="0">
+            <a:schemeClr val="accent1"/>
+          </a:fillRef>
+          <a:effectRef idx="0">
+            <a:schemeClr val="accent1"/>
+          </a:effectRef>
+          <a:fontRef idx="minor">
+            <a:schemeClr val="tx1"/>
+          </a:fontRef>
+        </p:style>
+      </p:cxnSp>
+      <p:cxnSp>
+        <p:nvCxnSpPr>
+          <p:cNvPr id="40" name="Connecteur droit 39"/>
+          <p:cNvCxnSpPr/>
+          <p:nvPr/>
+        </p:nvCxnSpPr>
+        <p:spPr>
+          <a:xfrm flipV="1">
+            <a:off x="8243361" y="1387609"/>
+            <a:ext cx="0" cy="576064"/>
+          </a:xfrm>
+          <a:prstGeom prst="line">
+            <a:avLst/>
+          </a:prstGeom>
+          <a:ln w="12700">
+            <a:solidFill>
+              <a:schemeClr val="tx2"/>
+            </a:solidFill>
+          </a:ln>
+        </p:spPr>
+        <p:style>
+          <a:lnRef idx="1">
+            <a:schemeClr val="accent1"/>
+          </a:lnRef>
+          <a:fillRef idx="0">
+            <a:schemeClr val="accent1"/>
+          </a:fillRef>
+          <a:effectRef idx="0">
+            <a:schemeClr val="accent1"/>
+          </a:effectRef>
+          <a:fontRef idx="minor">
+            <a:schemeClr val="tx1"/>
+          </a:fontRef>
+        </p:style>
+      </p:cxnSp>
+      <p:cxnSp>
+        <p:nvCxnSpPr>
+          <p:cNvPr id="45" name="Connecteur droit 44"/>
+          <p:cNvCxnSpPr/>
+          <p:nvPr/>
+        </p:nvCxnSpPr>
+        <p:spPr>
+          <a:xfrm flipH="1">
+            <a:off x="7128284" y="1052736"/>
+            <a:ext cx="324036" cy="0"/>
+          </a:xfrm>
+          <a:prstGeom prst="line">
+            <a:avLst/>
+          </a:prstGeom>
+          <a:ln w="28575">
+            <a:solidFill>
+              <a:schemeClr val="tx2"/>
+            </a:solidFill>
+          </a:ln>
+        </p:spPr>
+        <p:style>
+          <a:lnRef idx="1">
+            <a:schemeClr val="accent1"/>
+          </a:lnRef>
+          <a:fillRef idx="0">
+            <a:schemeClr val="accent1"/>
+          </a:fillRef>
+          <a:effectRef idx="0">
+            <a:schemeClr val="accent1"/>
+          </a:effectRef>
+          <a:fontRef idx="minor">
+            <a:schemeClr val="tx1"/>
+          </a:fontRef>
+        </p:style>
+      </p:cxnSp>
+      <p:cxnSp>
+        <p:nvCxnSpPr>
+          <p:cNvPr id="47" name="Connecteur droit 46"/>
+          <p:cNvCxnSpPr/>
+          <p:nvPr/>
+        </p:nvCxnSpPr>
+        <p:spPr>
+          <a:xfrm flipH="1">
+            <a:off x="7020272" y="1052736"/>
+            <a:ext cx="108013" cy="144016"/>
+          </a:xfrm>
+          <a:prstGeom prst="line">
+            <a:avLst/>
+          </a:prstGeom>
+          <a:ln w="28575">
+            <a:solidFill>
+              <a:schemeClr val="tx2"/>
+            </a:solidFill>
+          </a:ln>
+        </p:spPr>
+        <p:style>
+          <a:lnRef idx="1">
+            <a:schemeClr val="accent1"/>
+          </a:lnRef>
+          <a:fillRef idx="0">
+            <a:schemeClr val="accent1"/>
+          </a:fillRef>
+          <a:effectRef idx="0">
+            <a:schemeClr val="accent1"/>
+          </a:effectRef>
+          <a:fontRef idx="minor">
+            <a:schemeClr val="tx1"/>
+          </a:fontRef>
+        </p:style>
+      </p:cxnSp>
+      <p:cxnSp>
+        <p:nvCxnSpPr>
+          <p:cNvPr id="50" name="Connecteur droit 49"/>
+          <p:cNvCxnSpPr/>
+          <p:nvPr/>
+        </p:nvCxnSpPr>
+        <p:spPr>
+          <a:xfrm flipH="1">
+            <a:off x="7114617" y="5776885"/>
+            <a:ext cx="324036" cy="0"/>
+          </a:xfrm>
+          <a:prstGeom prst="line">
+            <a:avLst/>
+          </a:prstGeom>
+          <a:ln w="28575">
+            <a:solidFill>
+              <a:schemeClr val="tx2"/>
+            </a:solidFill>
+          </a:ln>
+        </p:spPr>
+        <p:style>
+          <a:lnRef idx="1">
+            <a:schemeClr val="accent1"/>
+          </a:lnRef>
+          <a:fillRef idx="0">
+            <a:schemeClr val="accent1"/>
+          </a:fillRef>
+          <a:effectRef idx="0">
+            <a:schemeClr val="accent1"/>
+          </a:effectRef>
+          <a:fontRef idx="minor">
+            <a:schemeClr val="tx1"/>
+          </a:fontRef>
+        </p:style>
+      </p:cxnSp>
+      <p:cxnSp>
+        <p:nvCxnSpPr>
+          <p:cNvPr id="51" name="Connecteur droit 50"/>
+          <p:cNvCxnSpPr/>
+          <p:nvPr/>
+        </p:nvCxnSpPr>
+        <p:spPr>
+          <a:xfrm flipH="1" flipV="1">
+            <a:off x="7006603" y="5651788"/>
+            <a:ext cx="108014" cy="125097"/>
+          </a:xfrm>
+          <a:prstGeom prst="line">
+            <a:avLst/>
+          </a:prstGeom>
+          <a:ln w="28575">
+            <a:solidFill>
+              <a:schemeClr val="tx2"/>
+            </a:solidFill>
+          </a:ln>
+        </p:spPr>
+        <p:style>
+          <a:lnRef idx="1">
+            <a:schemeClr val="accent1"/>
+          </a:lnRef>
+          <a:fillRef idx="0">
+            <a:schemeClr val="accent1"/>
+          </a:fillRef>
+          <a:effectRef idx="0">
+            <a:schemeClr val="accent1"/>
+          </a:effectRef>
+          <a:fontRef idx="minor">
+            <a:schemeClr val="tx1"/>
+          </a:fontRef>
+        </p:style>
+      </p:cxnSp>
+      <p:cxnSp>
+        <p:nvCxnSpPr>
+          <p:cNvPr id="53" name="Connecteur droit 52"/>
+          <p:cNvCxnSpPr/>
+          <p:nvPr/>
+        </p:nvCxnSpPr>
+        <p:spPr>
+          <a:xfrm flipH="1">
+            <a:off x="7010654" y="1196752"/>
+            <a:ext cx="0" cy="4455036"/>
+          </a:xfrm>
+          <a:prstGeom prst="line">
+            <a:avLst/>
+          </a:prstGeom>
+          <a:ln w="28575">
+            <a:solidFill>
+              <a:schemeClr val="tx2"/>
+            </a:solidFill>
+          </a:ln>
+        </p:spPr>
+        <p:style>
+          <a:lnRef idx="1">
+            <a:schemeClr val="accent1"/>
+          </a:lnRef>
+          <a:fillRef idx="0">
+            <a:schemeClr val="accent1"/>
+          </a:fillRef>
+          <a:effectRef idx="0">
+            <a:schemeClr val="accent1"/>
+          </a:effectRef>
+          <a:fontRef idx="minor">
+            <a:schemeClr val="tx1"/>
+          </a:fontRef>
+        </p:style>
+      </p:cxnSp>
+      <p:cxnSp>
+        <p:nvCxnSpPr>
+          <p:cNvPr id="57" name="Connecteur droit 56"/>
+          <p:cNvCxnSpPr/>
+          <p:nvPr/>
+        </p:nvCxnSpPr>
+        <p:spPr>
+          <a:xfrm>
+            <a:off x="7128285" y="1052736"/>
+            <a:ext cx="0" cy="211521"/>
+          </a:xfrm>
+          <a:prstGeom prst="line">
+            <a:avLst/>
+          </a:prstGeom>
+          <a:ln w="28575">
+            <a:solidFill>
+              <a:schemeClr val="tx2"/>
+            </a:solidFill>
+          </a:ln>
+        </p:spPr>
+        <p:style>
+          <a:lnRef idx="1">
+            <a:schemeClr val="accent1"/>
+          </a:lnRef>
+          <a:fillRef idx="0">
+            <a:schemeClr val="accent1"/>
+          </a:fillRef>
+          <a:effectRef idx="0">
+            <a:schemeClr val="accent1"/>
+          </a:effectRef>
+          <a:fontRef idx="minor">
+            <a:schemeClr val="tx1"/>
+          </a:fontRef>
+        </p:style>
+      </p:cxnSp>
+      <p:cxnSp>
+        <p:nvCxnSpPr>
+          <p:cNvPr id="61" name="Connecteur droit 60"/>
+          <p:cNvCxnSpPr/>
+          <p:nvPr/>
+        </p:nvCxnSpPr>
+        <p:spPr>
+          <a:xfrm>
+            <a:off x="7128285" y="2104477"/>
+            <a:ext cx="0" cy="3672408"/>
+          </a:xfrm>
+          <a:prstGeom prst="line">
+            <a:avLst/>
+          </a:prstGeom>
+          <a:ln w="28575">
+            <a:solidFill>
+              <a:schemeClr val="tx2"/>
+            </a:solidFill>
+          </a:ln>
+        </p:spPr>
+        <p:style>
+          <a:lnRef idx="1">
+            <a:schemeClr val="accent1"/>
+          </a:lnRef>
+          <a:fillRef idx="0">
+            <a:schemeClr val="accent1"/>
+          </a:fillRef>
+          <a:effectRef idx="0">
+            <a:schemeClr val="accent1"/>
+          </a:effectRef>
+          <a:fontRef idx="minor">
+            <a:schemeClr val="tx1"/>
+          </a:fontRef>
+        </p:style>
+      </p:cxnSp>
+      <p:sp>
+        <p:nvSpPr>
+          <p:cNvPr id="1044" name="Forme libre 1043"/>
+          <p:cNvSpPr/>
+          <p:nvPr/>
+        </p:nvSpPr>
+        <p:spPr>
+          <a:xfrm>
+            <a:off x="7021002" y="1190548"/>
+            <a:ext cx="1795108" cy="958783"/>
+          </a:xfrm>
+          <a:custGeom>
+            <a:avLst/>
+            <a:gdLst>
+              <a:gd name="connsiteX0" fmla="*/ 0 w 1795108"/>
+              <a:gd name="connsiteY0" fmla="*/ 89612 h 958783"/>
+              <a:gd name="connsiteX1" fmla="*/ 826935 w 1795108"/>
+              <a:gd name="connsiteY1" fmla="*/ 2148 h 958783"/>
+              <a:gd name="connsiteX2" fmla="*/ 1645920 w 1795108"/>
+              <a:gd name="connsiteY2" fmla="*/ 169125 h 958783"/>
+              <a:gd name="connsiteX3" fmla="*/ 1749287 w 1795108"/>
+              <a:gd name="connsiteY3" fmla="*/ 765473 h 958783"/>
+              <a:gd name="connsiteX4" fmla="*/ 1129085 w 1795108"/>
+              <a:gd name="connsiteY4" fmla="*/ 948353 h 958783"/>
+              <a:gd name="connsiteX5" fmla="*/ 238539 w 1795108"/>
+              <a:gd name="connsiteY5" fmla="*/ 932450 h 958783"/>
+              <a:gd name="connsiteX6" fmla="*/ 7951 w 1795108"/>
+              <a:gd name="connsiteY6" fmla="*/ 900645 h 958783"/>
+            </a:gdLst>
+            <a:ahLst/>
+            <a:cxnLst>
+              <a:cxn ang="0">
+                <a:pos x="connsiteX0" y="connsiteY0"/>
+              </a:cxn>
+              <a:cxn ang="0">
+                <a:pos x="connsiteX1" y="connsiteY1"/>
+              </a:cxn>
+              <a:cxn ang="0">
+                <a:pos x="connsiteX2" y="connsiteY2"/>
+              </a:cxn>
+              <a:cxn ang="0">
+                <a:pos x="connsiteX3" y="connsiteY3"/>
+              </a:cxn>
+              <a:cxn ang="0">
+                <a:pos x="connsiteX4" y="connsiteY4"/>
+              </a:cxn>
+              <a:cxn ang="0">
+                <a:pos x="connsiteX5" y="connsiteY5"/>
+              </a:cxn>
+              <a:cxn ang="0">
+                <a:pos x="connsiteX6" y="connsiteY6"/>
+              </a:cxn>
+            </a:cxnLst>
+            <a:rect l="l" t="t" r="r" b="b"/>
+            <a:pathLst>
+              <a:path w="1795108" h="958783">
+                <a:moveTo>
+                  <a:pt x="0" y="89612"/>
+                </a:moveTo>
+                <a:cubicBezTo>
+                  <a:pt x="276307" y="39254"/>
+                  <a:pt x="552615" y="-11104"/>
+                  <a:pt x="826935" y="2148"/>
+                </a:cubicBezTo>
+                <a:cubicBezTo>
+                  <a:pt x="1101255" y="15400"/>
+                  <a:pt x="1492195" y="41904"/>
+                  <a:pt x="1645920" y="169125"/>
+                </a:cubicBezTo>
+                <a:cubicBezTo>
+                  <a:pt x="1799645" y="296346"/>
+                  <a:pt x="1835426" y="635602"/>
+                  <a:pt x="1749287" y="765473"/>
+                </a:cubicBezTo>
+                <a:cubicBezTo>
+                  <a:pt x="1663148" y="895344"/>
+                  <a:pt x="1380876" y="920524"/>
+                  <a:pt x="1129085" y="948353"/>
+                </a:cubicBezTo>
+                <a:cubicBezTo>
+                  <a:pt x="877294" y="976182"/>
+                  <a:pt x="425395" y="940401"/>
+                  <a:pt x="238539" y="932450"/>
+                </a:cubicBezTo>
+                <a:cubicBezTo>
+                  <a:pt x="51683" y="924499"/>
+                  <a:pt x="29817" y="912572"/>
+                  <a:pt x="7951" y="900645"/>
+                </a:cubicBezTo>
+              </a:path>
+            </a:pathLst>
+          </a:custGeom>
+          <a:ln w="12700">
+            <a:solidFill>
+              <a:schemeClr val="tx2"/>
+            </a:solidFill>
+          </a:ln>
+        </p:spPr>
+        <p:style>
+          <a:lnRef idx="1">
+            <a:schemeClr val="accent1"/>
+          </a:lnRef>
+          <a:fillRef idx="0">
+            <a:schemeClr val="accent1"/>
+          </a:fillRef>
+          <a:effectRef idx="0">
+            <a:schemeClr val="accent1"/>
+          </a:effectRef>
+          <a:fontRef idx="minor">
+            <a:schemeClr val="tx1"/>
+          </a:fontRef>
+        </p:style>
+        <p:txBody>
+          <a:bodyPr rtlCol="0" anchor="ctr"/>
+          <a:lstStyle/>
+          <a:p>
+            <a:pPr algn="ctr"/>
+            <a:endParaRPr lang="fr-FR"/>
+          </a:p>
+        </p:txBody>
+      </p:sp>
+      <p:cxnSp>
+        <p:nvCxnSpPr>
+          <p:cNvPr id="65" name="Connecteur droit 64"/>
+          <p:cNvCxnSpPr>
+            <a:stCxn id="10" idx="0"/>
+          </p:cNvCxnSpPr>
+          <p:nvPr/>
+        </p:nvCxnSpPr>
+        <p:spPr>
+          <a:xfrm>
+            <a:off x="7452368" y="980680"/>
+            <a:ext cx="0" cy="249824"/>
+          </a:xfrm>
+          <a:prstGeom prst="line">
+            <a:avLst/>
+          </a:prstGeom>
+          <a:ln w="28575">
+            <a:solidFill>
+              <a:schemeClr val="tx2"/>
+            </a:solidFill>
+          </a:ln>
+        </p:spPr>
+        <p:style>
+          <a:lnRef idx="1">
+            <a:schemeClr val="accent1"/>
+          </a:lnRef>
+          <a:fillRef idx="0">
+            <a:schemeClr val="accent1"/>
+          </a:fillRef>
+          <a:effectRef idx="0">
+            <a:schemeClr val="accent1"/>
+          </a:effectRef>
+          <a:fontRef idx="minor">
+            <a:schemeClr val="tx1"/>
+          </a:fontRef>
+        </p:style>
+      </p:cxnSp>
+      <p:cxnSp>
+        <p:nvCxnSpPr>
+          <p:cNvPr id="68" name="Connecteur droit 67"/>
+          <p:cNvCxnSpPr/>
+          <p:nvPr/>
+        </p:nvCxnSpPr>
+        <p:spPr>
+          <a:xfrm flipH="1">
+            <a:off x="5724128" y="2996952"/>
+            <a:ext cx="1296874" cy="0"/>
+          </a:xfrm>
+          <a:prstGeom prst="line">
+            <a:avLst/>
+          </a:prstGeom>
+          <a:ln w="28575">
+            <a:solidFill>
+              <a:schemeClr val="tx2"/>
+            </a:solidFill>
+          </a:ln>
+        </p:spPr>
+        <p:style>
+          <a:lnRef idx="1">
+            <a:schemeClr val="accent1"/>
+          </a:lnRef>
+          <a:fillRef idx="0">
+            <a:schemeClr val="accent1"/>
+          </a:fillRef>
+          <a:effectRef idx="0">
+            <a:schemeClr val="accent1"/>
+          </a:effectRef>
+          <a:fontRef idx="minor">
+            <a:schemeClr val="tx1"/>
+          </a:fontRef>
+        </p:style>
+      </p:cxnSp>
+      <p:cxnSp>
+        <p:nvCxnSpPr>
+          <p:cNvPr id="70" name="Connecteur droit 69"/>
+          <p:cNvCxnSpPr/>
+          <p:nvPr/>
+        </p:nvCxnSpPr>
+        <p:spPr>
+          <a:xfrm flipH="1">
+            <a:off x="5709729" y="3861048"/>
+            <a:ext cx="1296874" cy="0"/>
+          </a:xfrm>
+          <a:prstGeom prst="line">
+            <a:avLst/>
+          </a:prstGeom>
+          <a:ln w="28575">
+            <a:solidFill>
+              <a:schemeClr val="tx2"/>
+            </a:solidFill>
+          </a:ln>
+        </p:spPr>
+        <p:style>
+          <a:lnRef idx="1">
+            <a:schemeClr val="accent1"/>
+          </a:lnRef>
+          <a:fillRef idx="0">
+            <a:schemeClr val="accent1"/>
+          </a:fillRef>
+          <a:effectRef idx="0">
+            <a:schemeClr val="accent1"/>
+          </a:effectRef>
+          <a:fontRef idx="minor">
+            <a:schemeClr val="tx1"/>
+          </a:fontRef>
+        </p:style>
+      </p:cxnSp>
+      <p:cxnSp>
+        <p:nvCxnSpPr>
+          <p:cNvPr id="71" name="Connecteur droit 70"/>
+          <p:cNvCxnSpPr/>
+          <p:nvPr/>
+        </p:nvCxnSpPr>
+        <p:spPr>
+          <a:xfrm flipV="1">
+            <a:off x="5709729" y="2924944"/>
+            <a:ext cx="0" cy="1015737"/>
+          </a:xfrm>
+          <a:prstGeom prst="line">
+            <a:avLst/>
+          </a:prstGeom>
+          <a:ln w="28575">
+            <a:solidFill>
+              <a:schemeClr val="tx2"/>
+            </a:solidFill>
+          </a:ln>
+        </p:spPr>
+        <p:style>
+          <a:lnRef idx="1">
+            <a:schemeClr val="accent1"/>
+          </a:lnRef>
+          <a:fillRef idx="0">
+            <a:schemeClr val="accent1"/>
+          </a:fillRef>
+          <a:effectRef idx="0">
+            <a:schemeClr val="accent1"/>
+          </a:effectRef>
+          <a:fontRef idx="minor">
+            <a:schemeClr val="tx1"/>
+          </a:fontRef>
+        </p:style>
+      </p:cxnSp>
+      <p:cxnSp>
+        <p:nvCxnSpPr>
+          <p:cNvPr id="74" name="Connecteur droit 73"/>
+          <p:cNvCxnSpPr/>
+          <p:nvPr/>
+        </p:nvCxnSpPr>
+        <p:spPr>
+          <a:xfrm flipV="1">
+            <a:off x="5709729" y="2852936"/>
+            <a:ext cx="72000" cy="72008"/>
+          </a:xfrm>
+          <a:prstGeom prst="line">
+            <a:avLst/>
+          </a:prstGeom>
+          <a:ln w="28575">
+            <a:solidFill>
+              <a:schemeClr val="tx2"/>
+            </a:solidFill>
+          </a:ln>
+        </p:spPr>
+        <p:style>
+          <a:lnRef idx="1">
+            <a:schemeClr val="accent1"/>
+          </a:lnRef>
+          <a:fillRef idx="0">
+            <a:schemeClr val="accent1"/>
+          </a:fillRef>
+          <a:effectRef idx="0">
+            <a:schemeClr val="accent1"/>
+          </a:effectRef>
+          <a:fontRef idx="minor">
+            <a:schemeClr val="tx1"/>
+          </a:fontRef>
+        </p:style>
+      </p:cxnSp>
+      <p:cxnSp>
+        <p:nvCxnSpPr>
+          <p:cNvPr id="78" name="Connecteur droit 77"/>
+          <p:cNvCxnSpPr/>
+          <p:nvPr/>
+        </p:nvCxnSpPr>
+        <p:spPr>
+          <a:xfrm>
+            <a:off x="5709729" y="3933056"/>
+            <a:ext cx="72000" cy="72008"/>
+          </a:xfrm>
+          <a:prstGeom prst="line">
+            <a:avLst/>
+          </a:prstGeom>
+          <a:ln w="28575">
+            <a:solidFill>
+              <a:schemeClr val="tx2"/>
+            </a:solidFill>
+          </a:ln>
+        </p:spPr>
+        <p:style>
+          <a:lnRef idx="1">
+            <a:schemeClr val="accent1"/>
+          </a:lnRef>
+          <a:fillRef idx="0">
+            <a:schemeClr val="accent1"/>
+          </a:fillRef>
+          <a:effectRef idx="0">
+            <a:schemeClr val="accent1"/>
+          </a:effectRef>
+          <a:fontRef idx="minor">
+            <a:schemeClr val="tx1"/>
+          </a:fontRef>
+        </p:style>
+      </p:cxnSp>
+      <p:cxnSp>
+        <p:nvCxnSpPr>
+          <p:cNvPr id="79" name="Connecteur droit 78"/>
+          <p:cNvCxnSpPr/>
+          <p:nvPr/>
+        </p:nvCxnSpPr>
+        <p:spPr>
+          <a:xfrm flipH="1">
+            <a:off x="5777404" y="2852936"/>
+            <a:ext cx="1050500" cy="0"/>
+          </a:xfrm>
+          <a:prstGeom prst="line">
+            <a:avLst/>
+          </a:prstGeom>
+          <a:ln w="28575">
+            <a:solidFill>
+              <a:schemeClr val="tx2"/>
+            </a:solidFill>
+          </a:ln>
+        </p:spPr>
+        <p:style>
+          <a:lnRef idx="1">
+            <a:schemeClr val="accent1"/>
+          </a:lnRef>
+          <a:fillRef idx="0">
+            <a:schemeClr val="accent1"/>
+          </a:fillRef>
+          <a:effectRef idx="0">
+            <a:schemeClr val="accent1"/>
+          </a:effectRef>
+          <a:fontRef idx="minor">
+            <a:schemeClr val="tx1"/>
+          </a:fontRef>
+        </p:style>
+      </p:cxnSp>
+      <p:cxnSp>
+        <p:nvCxnSpPr>
+          <p:cNvPr id="81" name="Connecteur droit 80"/>
+          <p:cNvCxnSpPr/>
+          <p:nvPr/>
+        </p:nvCxnSpPr>
+        <p:spPr>
+          <a:xfrm flipH="1">
+            <a:off x="5777404" y="4013301"/>
+            <a:ext cx="1050500" cy="0"/>
+          </a:xfrm>
+          <a:prstGeom prst="line">
+            <a:avLst/>
+          </a:prstGeom>
+          <a:ln w="28575">
+            <a:solidFill>
+              <a:schemeClr val="tx2"/>
+            </a:solidFill>
+          </a:ln>
+        </p:spPr>
+        <p:style>
+          <a:lnRef idx="1">
+            <a:schemeClr val="accent1"/>
+          </a:lnRef>
+          <a:fillRef idx="0">
+            <a:schemeClr val="accent1"/>
+          </a:fillRef>
+          <a:effectRef idx="0">
+            <a:schemeClr val="accent1"/>
+          </a:effectRef>
+          <a:fontRef idx="minor">
+            <a:schemeClr val="tx1"/>
+          </a:fontRef>
+        </p:style>
+      </p:cxnSp>
+      <p:cxnSp>
+        <p:nvCxnSpPr>
+          <p:cNvPr id="82" name="Connecteur droit 81"/>
+          <p:cNvCxnSpPr/>
+          <p:nvPr/>
+        </p:nvCxnSpPr>
+        <p:spPr>
+          <a:xfrm flipV="1">
+            <a:off x="6827904" y="2845312"/>
+            <a:ext cx="0" cy="151640"/>
+          </a:xfrm>
+          <a:prstGeom prst="line">
+            <a:avLst/>
+          </a:prstGeom>
+          <a:ln w="28575">
+            <a:solidFill>
+              <a:schemeClr val="tx2"/>
+            </a:solidFill>
+          </a:ln>
+        </p:spPr>
+        <p:style>
+          <a:lnRef idx="1">
+            <a:schemeClr val="accent1"/>
+          </a:lnRef>
+          <a:fillRef idx="0">
+            <a:schemeClr val="accent1"/>
+          </a:fillRef>
+          <a:effectRef idx="0">
+            <a:schemeClr val="accent1"/>
+          </a:effectRef>
+          <a:fontRef idx="minor">
+            <a:schemeClr val="tx1"/>
+          </a:fontRef>
+        </p:style>
+      </p:cxnSp>
+      <p:cxnSp>
+        <p:nvCxnSpPr>
+          <p:cNvPr id="84" name="Connecteur droit 83"/>
+          <p:cNvCxnSpPr/>
+          <p:nvPr/>
+        </p:nvCxnSpPr>
+        <p:spPr>
+          <a:xfrm flipV="1">
+            <a:off x="6827904" y="3861661"/>
+            <a:ext cx="0" cy="151640"/>
+          </a:xfrm>
+          <a:prstGeom prst="line">
+            <a:avLst/>
+          </a:prstGeom>
+          <a:ln w="28575">
+            <a:solidFill>
+              <a:schemeClr val="tx2"/>
+            </a:solidFill>
+          </a:ln>
+        </p:spPr>
+        <p:style>
+          <a:lnRef idx="1">
+            <a:schemeClr val="accent1"/>
+          </a:lnRef>
+          <a:fillRef idx="0">
+            <a:schemeClr val="accent1"/>
+          </a:fillRef>
+          <a:effectRef idx="0">
+            <a:schemeClr val="accent1"/>
+          </a:effectRef>
+          <a:fontRef idx="minor">
+            <a:schemeClr val="tx1"/>
+          </a:fontRef>
+        </p:style>
+      </p:cxnSp>
+      <p:cxnSp>
+        <p:nvCxnSpPr>
+          <p:cNvPr id="85" name="Connecteur droit 84"/>
+          <p:cNvCxnSpPr/>
+          <p:nvPr/>
+        </p:nvCxnSpPr>
+        <p:spPr>
+          <a:xfrm flipH="1">
+            <a:off x="5709728" y="3068960"/>
+            <a:ext cx="1118175" cy="0"/>
+          </a:xfrm>
+          <a:prstGeom prst="line">
+            <a:avLst/>
+          </a:prstGeom>
+          <a:ln w="28575">
+            <a:solidFill>
+              <a:schemeClr val="tx2"/>
+            </a:solidFill>
+          </a:ln>
+        </p:spPr>
+        <p:style>
+          <a:lnRef idx="1">
+            <a:schemeClr val="accent1"/>
+          </a:lnRef>
+          <a:fillRef idx="0">
+            <a:schemeClr val="accent1"/>
+          </a:fillRef>
+          <a:effectRef idx="0">
+            <a:schemeClr val="accent1"/>
+          </a:effectRef>
+          <a:fontRef idx="minor">
+            <a:schemeClr val="tx1"/>
+          </a:fontRef>
+        </p:style>
+      </p:cxnSp>
+      <p:cxnSp>
+        <p:nvCxnSpPr>
+          <p:cNvPr id="87" name="Connecteur droit 86"/>
+          <p:cNvCxnSpPr/>
+          <p:nvPr/>
+        </p:nvCxnSpPr>
+        <p:spPr>
+          <a:xfrm flipH="1">
+            <a:off x="5709727" y="3284984"/>
+            <a:ext cx="1118175" cy="0"/>
+          </a:xfrm>
+          <a:prstGeom prst="line">
+            <a:avLst/>
+          </a:prstGeom>
+          <a:ln w="28575">
+            <a:solidFill>
+              <a:schemeClr val="tx2"/>
+            </a:solidFill>
+          </a:ln>
+        </p:spPr>
+        <p:style>
+          <a:lnRef idx="1">
+            <a:schemeClr val="accent1"/>
+          </a:lnRef>
+          <a:fillRef idx="0">
+            <a:schemeClr val="accent1"/>
+          </a:fillRef>
+          <a:effectRef idx="0">
+            <a:schemeClr val="accent1"/>
+          </a:effectRef>
+          <a:fontRef idx="minor">
+            <a:schemeClr val="tx1"/>
+          </a:fontRef>
+        </p:style>
+      </p:cxnSp>
+      <p:cxnSp>
+        <p:nvCxnSpPr>
+          <p:cNvPr id="88" name="Connecteur droit 87"/>
+          <p:cNvCxnSpPr/>
+          <p:nvPr/>
+        </p:nvCxnSpPr>
+        <p:spPr>
+          <a:xfrm flipH="1">
+            <a:off x="5709725" y="3226669"/>
+            <a:ext cx="1118175" cy="0"/>
+          </a:xfrm>
+          <a:prstGeom prst="line">
+            <a:avLst/>
+          </a:prstGeom>
+          <a:ln w="28575">
+            <a:solidFill>
+              <a:schemeClr val="tx2"/>
+            </a:solidFill>
+          </a:ln>
+        </p:spPr>
+        <p:style>
+          <a:lnRef idx="1">
+            <a:schemeClr val="accent1"/>
+          </a:lnRef>
+          <a:fillRef idx="0">
+            <a:schemeClr val="accent1"/>
+          </a:fillRef>
+          <a:effectRef idx="0">
+            <a:schemeClr val="accent1"/>
+          </a:effectRef>
+          <a:fontRef idx="minor">
+            <a:schemeClr val="tx1"/>
+          </a:fontRef>
+        </p:style>
+      </p:cxnSp>
+      <p:cxnSp>
+        <p:nvCxnSpPr>
+          <p:cNvPr id="89" name="Connecteur droit 88"/>
+          <p:cNvCxnSpPr/>
+          <p:nvPr/>
+        </p:nvCxnSpPr>
+        <p:spPr>
+          <a:xfrm flipH="1">
+            <a:off x="5704954" y="3573016"/>
+            <a:ext cx="1118175" cy="0"/>
+          </a:xfrm>
+          <a:prstGeom prst="line">
+            <a:avLst/>
+          </a:prstGeom>
+          <a:ln w="28575">
+            <a:solidFill>
+              <a:schemeClr val="tx2"/>
+            </a:solidFill>
+          </a:ln>
+        </p:spPr>
+        <p:style>
+          <a:lnRef idx="1">
+            <a:schemeClr val="accent1"/>
+          </a:lnRef>
+          <a:fillRef idx="0">
+            <a:schemeClr val="accent1"/>
+          </a:fillRef>
+          <a:effectRef idx="0">
+            <a:schemeClr val="accent1"/>
+          </a:effectRef>
+          <a:fontRef idx="minor">
+            <a:schemeClr val="tx1"/>
+          </a:fontRef>
+        </p:style>
+      </p:cxnSp>
+      <p:cxnSp>
+        <p:nvCxnSpPr>
+          <p:cNvPr id="90" name="Connecteur droit 89"/>
+          <p:cNvCxnSpPr/>
+          <p:nvPr/>
+        </p:nvCxnSpPr>
+        <p:spPr>
+          <a:xfrm flipH="1">
+            <a:off x="5700182" y="3645024"/>
+            <a:ext cx="1118175" cy="0"/>
+          </a:xfrm>
+          <a:prstGeom prst="line">
+            <a:avLst/>
+          </a:prstGeom>
+          <a:ln w="28575">
+            <a:solidFill>
+              <a:schemeClr val="tx2"/>
+            </a:solidFill>
+          </a:ln>
+        </p:spPr>
+        <p:style>
+          <a:lnRef idx="1">
+            <a:schemeClr val="accent1"/>
+          </a:lnRef>
+          <a:fillRef idx="0">
+            <a:schemeClr val="accent1"/>
+          </a:fillRef>
+          <a:effectRef idx="0">
+            <a:schemeClr val="accent1"/>
+          </a:effectRef>
+          <a:fontRef idx="minor">
+            <a:schemeClr val="tx1"/>
+          </a:fontRef>
+        </p:style>
+      </p:cxnSp>
+      <p:cxnSp>
+        <p:nvCxnSpPr>
+          <p:cNvPr id="91" name="Connecteur droit 90"/>
+          <p:cNvCxnSpPr/>
+          <p:nvPr/>
+        </p:nvCxnSpPr>
+        <p:spPr>
+          <a:xfrm flipH="1">
+            <a:off x="5695409" y="3789040"/>
+            <a:ext cx="1118175" cy="0"/>
+          </a:xfrm>
+          <a:prstGeom prst="line">
+            <a:avLst/>
+          </a:prstGeom>
+          <a:ln w="28575">
+            <a:solidFill>
+              <a:schemeClr val="tx2"/>
+            </a:solidFill>
+          </a:ln>
+        </p:spPr>
+        <p:style>
+          <a:lnRef idx="1">
+            <a:schemeClr val="accent1"/>
+          </a:lnRef>
+          <a:fillRef idx="0">
+            <a:schemeClr val="accent1"/>
+          </a:fillRef>
+          <a:effectRef idx="0">
+            <a:schemeClr val="accent1"/>
+          </a:effectRef>
+          <a:fontRef idx="minor">
+            <a:schemeClr val="tx1"/>
+          </a:fontRef>
+        </p:style>
+      </p:cxnSp>
+      <p:cxnSp>
+        <p:nvCxnSpPr>
+          <p:cNvPr id="92" name="Connecteur droit 91"/>
+          <p:cNvCxnSpPr/>
+          <p:nvPr/>
+        </p:nvCxnSpPr>
+        <p:spPr>
+          <a:xfrm flipV="1">
+            <a:off x="6827904" y="3573017"/>
+            <a:ext cx="0" cy="216023"/>
+          </a:xfrm>
+          <a:prstGeom prst="line">
+            <a:avLst/>
+          </a:prstGeom>
+          <a:ln w="28575">
+            <a:solidFill>
+              <a:schemeClr val="tx2"/>
+            </a:solidFill>
+          </a:ln>
+        </p:spPr>
+        <p:style>
+          <a:lnRef idx="1">
+            <a:schemeClr val="accent1"/>
+          </a:lnRef>
+          <a:fillRef idx="0">
+            <a:schemeClr val="accent1"/>
+          </a:fillRef>
+          <a:effectRef idx="0">
+            <a:schemeClr val="accent1"/>
+          </a:effectRef>
+          <a:fontRef idx="minor">
+            <a:schemeClr val="tx1"/>
+          </a:fontRef>
+        </p:style>
+      </p:cxnSp>
+      <p:cxnSp>
+        <p:nvCxnSpPr>
+          <p:cNvPr id="95" name="Connecteur droit 94"/>
+          <p:cNvCxnSpPr/>
+          <p:nvPr/>
+        </p:nvCxnSpPr>
+        <p:spPr>
+          <a:xfrm flipV="1">
+            <a:off x="6819269" y="3076079"/>
+            <a:ext cx="0" cy="216023"/>
+          </a:xfrm>
+          <a:prstGeom prst="line">
+            <a:avLst/>
+          </a:prstGeom>
+          <a:ln w="28575">
+            <a:solidFill>
+              <a:schemeClr val="tx2"/>
+            </a:solidFill>
+          </a:ln>
+        </p:spPr>
+        <p:style>
+          <a:lnRef idx="1">
+            <a:schemeClr val="accent1"/>
+          </a:lnRef>
+          <a:fillRef idx="0">
+            <a:schemeClr val="accent1"/>
+          </a:fillRef>
+          <a:effectRef idx="0">
+            <a:schemeClr val="accent1"/>
+          </a:effectRef>
+          <a:fontRef idx="minor">
+            <a:schemeClr val="tx1"/>
+          </a:fontRef>
+        </p:style>
+      </p:cxnSp>
+      <p:cxnSp>
+        <p:nvCxnSpPr>
+          <p:cNvPr id="98" name="Connecteur droit 97"/>
+          <p:cNvCxnSpPr/>
+          <p:nvPr/>
+        </p:nvCxnSpPr>
+        <p:spPr>
+          <a:xfrm flipV="1">
+            <a:off x="5781729" y="3068961"/>
+            <a:ext cx="0" cy="157708"/>
+          </a:xfrm>
+          <a:prstGeom prst="line">
+            <a:avLst/>
+          </a:prstGeom>
+          <a:ln w="28575">
+            <a:solidFill>
+              <a:schemeClr val="tx2"/>
+            </a:solidFill>
+          </a:ln>
+        </p:spPr>
+        <p:style>
+          <a:lnRef idx="1">
+            <a:schemeClr val="accent1"/>
+          </a:lnRef>
+          <a:fillRef idx="0">
+            <a:schemeClr val="accent1"/>
+          </a:fillRef>
+          <a:effectRef idx="0">
+            <a:schemeClr val="accent1"/>
+          </a:effectRef>
+          <a:fontRef idx="minor">
+            <a:schemeClr val="tx1"/>
+          </a:fontRef>
+        </p:style>
+      </p:cxnSp>
+      <p:cxnSp>
+        <p:nvCxnSpPr>
+          <p:cNvPr id="100" name="Connecteur droit 99"/>
+          <p:cNvCxnSpPr/>
+          <p:nvPr/>
+        </p:nvCxnSpPr>
+        <p:spPr>
+          <a:xfrm flipV="1">
+            <a:off x="5781729" y="3631332"/>
+            <a:ext cx="0" cy="157708"/>
+          </a:xfrm>
+          <a:prstGeom prst="line">
+            <a:avLst/>
+          </a:prstGeom>
+          <a:ln w="28575">
+            <a:solidFill>
+              <a:schemeClr val="tx2"/>
+            </a:solidFill>
+          </a:ln>
+        </p:spPr>
+        <p:style>
+          <a:lnRef idx="1">
+            <a:schemeClr val="accent1"/>
+          </a:lnRef>
+          <a:fillRef idx="0">
+            <a:schemeClr val="accent1"/>
+          </a:fillRef>
+          <a:effectRef idx="0">
+            <a:schemeClr val="accent1"/>
+          </a:effectRef>
+          <a:fontRef idx="minor">
+            <a:schemeClr val="tx1"/>
+          </a:fontRef>
+        </p:style>
+      </p:cxnSp>
+      <p:cxnSp>
+        <p:nvCxnSpPr>
+          <p:cNvPr id="141" name="Connecteur droit 140"/>
+          <p:cNvCxnSpPr/>
+          <p:nvPr/>
+        </p:nvCxnSpPr>
+        <p:spPr>
+          <a:xfrm flipV="1">
+            <a:off x="6233092" y="2869905"/>
+            <a:ext cx="0" cy="143244"/>
+          </a:xfrm>
+          <a:prstGeom prst="line">
+            <a:avLst/>
+          </a:prstGeom>
+          <a:ln w="12700">
+            <a:solidFill>
+              <a:schemeClr val="tx2"/>
+            </a:solidFill>
+            <a:prstDash val="dash"/>
+          </a:ln>
+        </p:spPr>
+        <p:style>
+          <a:lnRef idx="1">
+            <a:schemeClr val="accent1"/>
+          </a:lnRef>
+          <a:fillRef idx="0">
+            <a:schemeClr val="accent1"/>
+          </a:fillRef>
+          <a:effectRef idx="0">
+            <a:schemeClr val="accent1"/>
+          </a:effectRef>
+          <a:fontRef idx="minor">
+            <a:schemeClr val="tx1"/>
+          </a:fontRef>
+        </p:style>
+      </p:cxnSp>
+      <p:cxnSp>
+        <p:nvCxnSpPr>
+          <p:cNvPr id="145" name="Connecteur droit 144"/>
+          <p:cNvCxnSpPr/>
+          <p:nvPr/>
+        </p:nvCxnSpPr>
+        <p:spPr>
+          <a:xfrm flipV="1">
+            <a:off x="6400478" y="2867373"/>
+            <a:ext cx="0" cy="143244"/>
+          </a:xfrm>
+          <a:prstGeom prst="line">
+            <a:avLst/>
+          </a:prstGeom>
+          <a:ln w="12700">
+            <a:solidFill>
+              <a:schemeClr val="tx2"/>
+            </a:solidFill>
+            <a:prstDash val="dash"/>
+          </a:ln>
+        </p:spPr>
+        <p:style>
+          <a:lnRef idx="1">
+            <a:schemeClr val="accent1"/>
+          </a:lnRef>
+          <a:fillRef idx="0">
+            <a:schemeClr val="accent1"/>
+          </a:fillRef>
+          <a:effectRef idx="0">
+            <a:schemeClr val="accent1"/>
+          </a:effectRef>
+          <a:fontRef idx="minor">
+            <a:schemeClr val="tx1"/>
+          </a:fontRef>
+        </p:style>
+      </p:cxnSp>
+      <p:cxnSp>
+        <p:nvCxnSpPr>
+          <p:cNvPr id="174" name="Connecteur droit 173"/>
+          <p:cNvCxnSpPr/>
+          <p:nvPr/>
+        </p:nvCxnSpPr>
+        <p:spPr>
+          <a:xfrm flipV="1">
+            <a:off x="6233264" y="3872402"/>
+            <a:ext cx="0" cy="143244"/>
+          </a:xfrm>
+          <a:prstGeom prst="line">
+            <a:avLst/>
+          </a:prstGeom>
+          <a:ln w="12700">
+            <a:solidFill>
+              <a:schemeClr val="tx2"/>
+            </a:solidFill>
+            <a:prstDash val="dash"/>
+          </a:ln>
+        </p:spPr>
+        <p:style>
+          <a:lnRef idx="1">
+            <a:schemeClr val="accent1"/>
+          </a:lnRef>
+          <a:fillRef idx="0">
+            <a:schemeClr val="accent1"/>
+          </a:fillRef>
+          <a:effectRef idx="0">
+            <a:schemeClr val="accent1"/>
+          </a:effectRef>
+          <a:fontRef idx="minor">
+            <a:schemeClr val="tx1"/>
+          </a:fontRef>
+        </p:style>
+      </p:cxnSp>
+      <p:cxnSp>
+        <p:nvCxnSpPr>
+          <p:cNvPr id="175" name="Connecteur droit 174"/>
+          <p:cNvCxnSpPr/>
+          <p:nvPr/>
+        </p:nvCxnSpPr>
+        <p:spPr>
+          <a:xfrm flipV="1">
+            <a:off x="6400650" y="3869870"/>
+            <a:ext cx="0" cy="143244"/>
+          </a:xfrm>
+          <a:prstGeom prst="line">
+            <a:avLst/>
+          </a:prstGeom>
+          <a:ln w="12700">
+            <a:solidFill>
+              <a:schemeClr val="tx2"/>
+            </a:solidFill>
+            <a:prstDash val="dash"/>
+          </a:ln>
+        </p:spPr>
+        <p:style>
+          <a:lnRef idx="1">
+            <a:schemeClr val="accent1"/>
+          </a:lnRef>
+          <a:fillRef idx="0">
+            <a:schemeClr val="accent1"/>
+          </a:fillRef>
+          <a:effectRef idx="0">
+            <a:schemeClr val="accent1"/>
+          </a:effectRef>
+          <a:fontRef idx="minor">
+            <a:schemeClr val="tx1"/>
+          </a:fontRef>
+        </p:style>
+      </p:cxnSp>
+      <p:cxnSp>
+        <p:nvCxnSpPr>
+          <p:cNvPr id="176" name="Connecteur droit 175"/>
+          <p:cNvCxnSpPr>
+            <a:endCxn id="195" idx="2"/>
+          </p:cNvCxnSpPr>
+          <p:nvPr/>
+        </p:nvCxnSpPr>
+        <p:spPr>
+          <a:xfrm flipH="1" flipV="1">
+            <a:off x="6726436" y="3582339"/>
+            <a:ext cx="129598" cy="70736"/>
+          </a:xfrm>
+          <a:prstGeom prst="line">
+            <a:avLst/>
+          </a:prstGeom>
+          <a:ln w="12700">
+            <a:solidFill>
+              <a:schemeClr val="tx2"/>
+            </a:solidFill>
+            <a:prstDash val="dash"/>
+          </a:ln>
+        </p:spPr>
+        <p:style>
+          <a:lnRef idx="1">
+            <a:schemeClr val="accent1"/>
+          </a:lnRef>
+          <a:fillRef idx="0">
+            <a:schemeClr val="accent1"/>
+          </a:fillRef>
+          <a:effectRef idx="0">
+            <a:schemeClr val="accent1"/>
+          </a:effectRef>
+          <a:fontRef idx="minor">
+            <a:schemeClr val="tx1"/>
+          </a:fontRef>
+        </p:style>
+      </p:cxnSp>
+      <p:cxnSp>
+        <p:nvCxnSpPr>
+          <p:cNvPr id="179" name="Connecteur droit 178"/>
+          <p:cNvCxnSpPr>
+            <a:endCxn id="191" idx="0"/>
+          </p:cNvCxnSpPr>
+          <p:nvPr/>
+        </p:nvCxnSpPr>
+        <p:spPr>
+          <a:xfrm flipH="1" flipV="1">
+            <a:off x="6651613" y="3715610"/>
+            <a:ext cx="126887" cy="82816"/>
+          </a:xfrm>
+          <a:prstGeom prst="line">
+            <a:avLst/>
+          </a:prstGeom>
+          <a:ln w="12700">
+            <a:solidFill>
+              <a:schemeClr val="tx2"/>
+            </a:solidFill>
+            <a:prstDash val="dash"/>
+          </a:ln>
+        </p:spPr>
+        <p:style>
+          <a:lnRef idx="1">
+            <a:schemeClr val="accent1"/>
+          </a:lnRef>
+          <a:fillRef idx="0">
+            <a:schemeClr val="accent1"/>
+          </a:fillRef>
+          <a:effectRef idx="0">
+            <a:schemeClr val="accent1"/>
+          </a:effectRef>
+          <a:fontRef idx="minor">
+            <a:schemeClr val="tx1"/>
+          </a:fontRef>
+        </p:style>
+      </p:cxnSp>
+      <p:cxnSp>
+        <p:nvCxnSpPr>
+          <p:cNvPr id="180" name="Connecteur droit 179"/>
+          <p:cNvCxnSpPr/>
+          <p:nvPr/>
+        </p:nvCxnSpPr>
+        <p:spPr>
+          <a:xfrm flipH="1" flipV="1">
+            <a:off x="5867449" y="3078346"/>
+            <a:ext cx="117344" cy="75402"/>
+          </a:xfrm>
+          <a:prstGeom prst="line">
+            <a:avLst/>
+          </a:prstGeom>
+          <a:ln w="12700">
+            <a:solidFill>
+              <a:schemeClr val="tx2"/>
+            </a:solidFill>
+            <a:prstDash val="dash"/>
+          </a:ln>
+        </p:spPr>
+        <p:style>
+          <a:lnRef idx="1">
+            <a:schemeClr val="accent1"/>
+          </a:lnRef>
+          <a:fillRef idx="0">
+            <a:schemeClr val="accent1"/>
+          </a:fillRef>
+          <a:effectRef idx="0">
+            <a:schemeClr val="accent1"/>
+          </a:effectRef>
+          <a:fontRef idx="minor">
+            <a:schemeClr val="tx1"/>
+          </a:fontRef>
+        </p:style>
+      </p:cxnSp>
+      <p:cxnSp>
+        <p:nvCxnSpPr>
+          <p:cNvPr id="181" name="Connecteur droit 180"/>
+          <p:cNvCxnSpPr>
+            <a:endCxn id="201" idx="0"/>
+          </p:cNvCxnSpPr>
+          <p:nvPr/>
+        </p:nvCxnSpPr>
+        <p:spPr>
+          <a:xfrm flipH="1" flipV="1">
+            <a:off x="5776728" y="3226041"/>
+            <a:ext cx="130531" cy="73058"/>
+          </a:xfrm>
+          <a:prstGeom prst="line">
+            <a:avLst/>
+          </a:prstGeom>
+          <a:ln w="12700">
+            <a:solidFill>
+              <a:schemeClr val="tx2"/>
+            </a:solidFill>
+            <a:prstDash val="dash"/>
+          </a:ln>
+        </p:spPr>
+        <p:style>
+          <a:lnRef idx="1">
+            <a:schemeClr val="accent1"/>
+          </a:lnRef>
+          <a:fillRef idx="0">
+            <a:schemeClr val="accent1"/>
+          </a:fillRef>
+          <a:effectRef idx="0">
+            <a:schemeClr val="accent1"/>
+          </a:effectRef>
+          <a:fontRef idx="minor">
+            <a:schemeClr val="tx1"/>
+          </a:fontRef>
+        </p:style>
+      </p:cxnSp>
+      <p:cxnSp>
+        <p:nvCxnSpPr>
+          <p:cNvPr id="183" name="Connecteur droit 182"/>
+          <p:cNvCxnSpPr>
+            <a:endCxn id="195" idx="0"/>
+          </p:cNvCxnSpPr>
+          <p:nvPr/>
+        </p:nvCxnSpPr>
+        <p:spPr>
+          <a:xfrm flipH="1">
+            <a:off x="6731361" y="3230522"/>
+            <a:ext cx="127054" cy="80212"/>
+          </a:xfrm>
+          <a:prstGeom prst="line">
+            <a:avLst/>
+          </a:prstGeom>
+          <a:ln w="12700">
+            <a:solidFill>
+              <a:schemeClr val="tx2"/>
+            </a:solidFill>
+            <a:prstDash val="dash"/>
+          </a:ln>
+        </p:spPr>
+        <p:style>
+          <a:lnRef idx="1">
+            <a:schemeClr val="accent1"/>
+          </a:lnRef>
+          <a:fillRef idx="0">
+            <a:schemeClr val="accent1"/>
+          </a:fillRef>
+          <a:effectRef idx="0">
+            <a:schemeClr val="accent1"/>
+          </a:effectRef>
+          <a:fontRef idx="minor">
+            <a:schemeClr val="tx1"/>
+          </a:fontRef>
+        </p:style>
+      </p:cxnSp>
+      <p:cxnSp>
+        <p:nvCxnSpPr>
+          <p:cNvPr id="187" name="Connecteur droit 186"/>
+          <p:cNvCxnSpPr>
+            <a:endCxn id="75" idx="2"/>
+          </p:cNvCxnSpPr>
+          <p:nvPr/>
+        </p:nvCxnSpPr>
+        <p:spPr>
+          <a:xfrm flipH="1">
+            <a:off x="6650887" y="3077260"/>
+            <a:ext cx="125232" cy="84313"/>
+          </a:xfrm>
+          <a:prstGeom prst="line">
+            <a:avLst/>
+          </a:prstGeom>
+          <a:ln w="12700">
+            <a:solidFill>
+              <a:schemeClr val="tx2"/>
+            </a:solidFill>
+            <a:prstDash val="dash"/>
+          </a:ln>
+        </p:spPr>
+        <p:style>
+          <a:lnRef idx="1">
+            <a:schemeClr val="accent1"/>
+          </a:lnRef>
+          <a:fillRef idx="0">
+            <a:schemeClr val="accent1"/>
+          </a:fillRef>
+          <a:effectRef idx="0">
+            <a:schemeClr val="accent1"/>
+          </a:effectRef>
+          <a:fontRef idx="minor">
+            <a:schemeClr val="tx1"/>
+          </a:fontRef>
+        </p:style>
+      </p:cxnSp>
+      <p:cxnSp>
+        <p:nvCxnSpPr>
+          <p:cNvPr id="188" name="Connecteur droit 187"/>
+          <p:cNvCxnSpPr/>
+          <p:nvPr/>
+        </p:nvCxnSpPr>
+        <p:spPr>
+          <a:xfrm flipH="1">
+            <a:off x="5871869" y="3730902"/>
+            <a:ext cx="117344" cy="69348"/>
+          </a:xfrm>
+          <a:prstGeom prst="line">
+            <a:avLst/>
+          </a:prstGeom>
+          <a:ln w="12700">
+            <a:solidFill>
+              <a:schemeClr val="tx2"/>
+            </a:solidFill>
+            <a:prstDash val="dash"/>
+          </a:ln>
+        </p:spPr>
+        <p:style>
+          <a:lnRef idx="1">
+            <a:schemeClr val="accent1"/>
+          </a:lnRef>
+          <a:fillRef idx="0">
+            <a:schemeClr val="accent1"/>
+          </a:fillRef>
+          <a:effectRef idx="0">
+            <a:schemeClr val="accent1"/>
+          </a:effectRef>
+          <a:fontRef idx="minor">
+            <a:schemeClr val="tx1"/>
+          </a:fontRef>
+        </p:style>
+      </p:cxnSp>
+      <p:cxnSp>
+        <p:nvCxnSpPr>
+          <p:cNvPr id="189" name="Connecteur droit 188"/>
+          <p:cNvCxnSpPr>
+            <a:endCxn id="202" idx="2"/>
+          </p:cNvCxnSpPr>
+          <p:nvPr/>
+        </p:nvCxnSpPr>
+        <p:spPr>
+          <a:xfrm flipH="1">
+            <a:off x="5783381" y="3584783"/>
+            <a:ext cx="123536" cy="79374"/>
+          </a:xfrm>
+          <a:prstGeom prst="line">
+            <a:avLst/>
+          </a:prstGeom>
+          <a:ln w="12700">
+            <a:solidFill>
+              <a:schemeClr val="tx2"/>
+            </a:solidFill>
+            <a:prstDash val="dash"/>
+          </a:ln>
+        </p:spPr>
+        <p:style>
+          <a:lnRef idx="1">
+            <a:schemeClr val="accent1"/>
+          </a:lnRef>
+          <a:fillRef idx="0">
+            <a:schemeClr val="accent1"/>
+          </a:fillRef>
+          <a:effectRef idx="0">
+            <a:schemeClr val="accent1"/>
+          </a:effectRef>
+          <a:fontRef idx="minor">
+            <a:schemeClr val="tx1"/>
+          </a:fontRef>
+        </p:style>
+      </p:cxnSp>
+      <p:sp>
+        <p:nvSpPr>
+          <p:cNvPr id="75" name="Arc 74"/>
+          <p:cNvSpPr/>
+          <p:nvPr/>
+        </p:nvSpPr>
+        <p:spPr>
+          <a:xfrm>
+            <a:off x="5879484" y="3003432"/>
+            <a:ext cx="871200" cy="871200"/>
+          </a:xfrm>
+          <a:prstGeom prst="arc">
+            <a:avLst>
+              <a:gd name="adj1" fmla="val 16853412"/>
+              <a:gd name="adj2" fmla="val 19226073"/>
+            </a:avLst>
+          </a:prstGeom>
+          <a:ln w="12700">
+            <a:solidFill>
+              <a:schemeClr val="tx2"/>
+            </a:solidFill>
+            <a:prstDash val="dash"/>
+          </a:ln>
+        </p:spPr>
+        <p:style>
+          <a:lnRef idx="1">
+            <a:schemeClr val="accent1"/>
+          </a:lnRef>
+          <a:fillRef idx="0">
+            <a:schemeClr val="accent1"/>
+          </a:fillRef>
+          <a:effectRef idx="0">
+            <a:schemeClr val="accent1"/>
+          </a:effectRef>
+          <a:fontRef idx="minor">
+            <a:schemeClr val="tx1"/>
+          </a:fontRef>
+        </p:style>
+        <p:txBody>
+          <a:bodyPr rtlCol="0" anchor="ctr"/>
+          <a:lstStyle/>
+          <a:p>
+            <a:pPr algn="ctr"/>
+            <a:endParaRPr lang="fr-FR"/>
+          </a:p>
+        </p:txBody>
+      </p:sp>
+      <p:sp>
+        <p:nvSpPr>
+          <p:cNvPr id="191" name="Arc 190"/>
+          <p:cNvSpPr/>
+          <p:nvPr/>
+        </p:nvSpPr>
+        <p:spPr>
+          <a:xfrm>
+            <a:off x="5879484" y="3003432"/>
+            <a:ext cx="871200" cy="871200"/>
+          </a:xfrm>
+          <a:prstGeom prst="arc">
+            <a:avLst>
+              <a:gd name="adj1" fmla="val 2364916"/>
+              <a:gd name="adj2" fmla="val 4775215"/>
+            </a:avLst>
+          </a:prstGeom>
+          <a:ln w="12700">
+            <a:solidFill>
+              <a:schemeClr val="tx2"/>
+            </a:solidFill>
+            <a:prstDash val="dash"/>
+          </a:ln>
+        </p:spPr>
+        <p:style>
+          <a:lnRef idx="1">
+            <a:schemeClr val="accent1"/>
+          </a:lnRef>
+          <a:fillRef idx="0">
+            <a:schemeClr val="accent1"/>
+          </a:fillRef>
+          <a:effectRef idx="0">
+            <a:schemeClr val="accent1"/>
+          </a:effectRef>
+          <a:fontRef idx="minor">
+            <a:schemeClr val="tx1"/>
+          </a:fontRef>
+        </p:style>
+        <p:txBody>
+          <a:bodyPr rtlCol="0" anchor="ctr"/>
+          <a:lstStyle/>
+          <a:p>
+            <a:pPr algn="ctr"/>
+            <a:endParaRPr lang="fr-FR"/>
+          </a:p>
+        </p:txBody>
+      </p:sp>
+      <p:sp>
+        <p:nvSpPr>
+          <p:cNvPr id="192" name="Arc 191"/>
+          <p:cNvSpPr/>
+          <p:nvPr/>
+        </p:nvSpPr>
+        <p:spPr>
+          <a:xfrm>
+            <a:off x="5879484" y="3003432"/>
+            <a:ext cx="871200" cy="871200"/>
+          </a:xfrm>
+          <a:prstGeom prst="arc">
+            <a:avLst>
+              <a:gd name="adj1" fmla="val 6009363"/>
+              <a:gd name="adj2" fmla="val 8367990"/>
+            </a:avLst>
+          </a:prstGeom>
+          <a:ln w="12700">
+            <a:solidFill>
+              <a:schemeClr val="tx2"/>
+            </a:solidFill>
+            <a:prstDash val="dash"/>
+          </a:ln>
+        </p:spPr>
+        <p:style>
+          <a:lnRef idx="1">
+            <a:schemeClr val="accent1"/>
+          </a:lnRef>
+          <a:fillRef idx="0">
+            <a:schemeClr val="accent1"/>
+          </a:fillRef>
+          <a:effectRef idx="0">
+            <a:schemeClr val="accent1"/>
+          </a:effectRef>
+          <a:fontRef idx="minor">
+            <a:schemeClr val="tx1"/>
+          </a:fontRef>
+        </p:style>
+        <p:txBody>
+          <a:bodyPr rtlCol="0" anchor="ctr"/>
+          <a:lstStyle/>
+          <a:p>
+            <a:pPr algn="ctr"/>
+            <a:endParaRPr lang="fr-FR"/>
+          </a:p>
+        </p:txBody>
+      </p:sp>
+      <p:sp>
+        <p:nvSpPr>
+          <p:cNvPr id="193" name="Arc 192"/>
+          <p:cNvSpPr/>
+          <p:nvPr/>
+        </p:nvSpPr>
+        <p:spPr>
+          <a:xfrm>
+            <a:off x="5879484" y="3003432"/>
+            <a:ext cx="871200" cy="871200"/>
+          </a:xfrm>
+          <a:prstGeom prst="arc">
+            <a:avLst>
+              <a:gd name="adj1" fmla="val 9592507"/>
+              <a:gd name="adj2" fmla="val 11931260"/>
+            </a:avLst>
+          </a:prstGeom>
+          <a:ln w="12700">
+            <a:solidFill>
+              <a:schemeClr val="tx2"/>
+            </a:solidFill>
+            <a:prstDash val="dash"/>
+          </a:ln>
+        </p:spPr>
+        <p:style>
+          <a:lnRef idx="1">
+            <a:schemeClr val="accent1"/>
+          </a:lnRef>
+          <a:fillRef idx="0">
+            <a:schemeClr val="accent1"/>
+          </a:fillRef>
+          <a:effectRef idx="0">
+            <a:schemeClr val="accent1"/>
+          </a:effectRef>
+          <a:fontRef idx="minor">
+            <a:schemeClr val="tx1"/>
+          </a:fontRef>
+        </p:style>
+        <p:txBody>
+          <a:bodyPr rtlCol="0" anchor="ctr"/>
+          <a:lstStyle/>
+          <a:p>
+            <a:pPr algn="ctr"/>
+            <a:endParaRPr lang="fr-FR"/>
+          </a:p>
+        </p:txBody>
+      </p:sp>
+      <p:sp>
+        <p:nvSpPr>
+          <p:cNvPr id="194" name="Arc 193"/>
+          <p:cNvSpPr/>
+          <p:nvPr/>
+        </p:nvSpPr>
+        <p:spPr>
+          <a:xfrm>
+            <a:off x="5879484" y="3003432"/>
+            <a:ext cx="871200" cy="871200"/>
+          </a:xfrm>
+          <a:prstGeom prst="arc">
+            <a:avLst>
+              <a:gd name="adj1" fmla="val 13202566"/>
+              <a:gd name="adj2" fmla="val 15523177"/>
+            </a:avLst>
+          </a:prstGeom>
+          <a:ln w="12700">
+            <a:solidFill>
+              <a:schemeClr val="tx2"/>
+            </a:solidFill>
+            <a:prstDash val="dash"/>
+          </a:ln>
+        </p:spPr>
+        <p:style>
+          <a:lnRef idx="1">
+            <a:schemeClr val="accent1"/>
+          </a:lnRef>
+          <a:fillRef idx="0">
+            <a:schemeClr val="accent1"/>
+          </a:fillRef>
+          <a:effectRef idx="0">
+            <a:schemeClr val="accent1"/>
+          </a:effectRef>
+          <a:fontRef idx="minor">
+            <a:schemeClr val="tx1"/>
+          </a:fontRef>
+        </p:style>
+        <p:txBody>
+          <a:bodyPr rtlCol="0" anchor="ctr"/>
+          <a:lstStyle/>
+          <a:p>
+            <a:pPr algn="ctr"/>
+            <a:endParaRPr lang="fr-FR"/>
+          </a:p>
+        </p:txBody>
+      </p:sp>
+      <p:sp>
+        <p:nvSpPr>
+          <p:cNvPr id="195" name="Arc 194"/>
+          <p:cNvSpPr/>
+          <p:nvPr/>
+        </p:nvSpPr>
+        <p:spPr>
+          <a:xfrm>
+            <a:off x="5879484" y="3003432"/>
+            <a:ext cx="871200" cy="871200"/>
+          </a:xfrm>
+          <a:prstGeom prst="arc">
+            <a:avLst>
+              <a:gd name="adj1" fmla="val 20572231"/>
+              <a:gd name="adj2" fmla="val 1152442"/>
+            </a:avLst>
+          </a:prstGeom>
+          <a:ln w="12700">
+            <a:solidFill>
+              <a:schemeClr val="tx2"/>
+            </a:solidFill>
+            <a:prstDash val="dash"/>
+          </a:ln>
+        </p:spPr>
+        <p:style>
+          <a:lnRef idx="1">
+            <a:schemeClr val="accent1"/>
+          </a:lnRef>
+          <a:fillRef idx="0">
+            <a:schemeClr val="accent1"/>
+          </a:fillRef>
+          <a:effectRef idx="0">
+            <a:schemeClr val="accent1"/>
+          </a:effectRef>
+          <a:fontRef idx="minor">
+            <a:schemeClr val="tx1"/>
+          </a:fontRef>
+        </p:style>
+        <p:txBody>
+          <a:bodyPr rtlCol="0" anchor="ctr"/>
+          <a:lstStyle/>
+          <a:p>
+            <a:pPr algn="ctr"/>
+            <a:endParaRPr lang="fr-FR"/>
+          </a:p>
+        </p:txBody>
+      </p:sp>
+      <p:sp>
+        <p:nvSpPr>
+          <p:cNvPr id="200" name="Arc 199"/>
+          <p:cNvSpPr/>
+          <p:nvPr/>
+        </p:nvSpPr>
+        <p:spPr>
+          <a:xfrm>
+            <a:off x="5736505" y="2858593"/>
+            <a:ext cx="1159200" cy="1159200"/>
+          </a:xfrm>
+          <a:prstGeom prst="arc">
+            <a:avLst>
+              <a:gd name="adj1" fmla="val 15685663"/>
+              <a:gd name="adj2" fmla="val 16708780"/>
+            </a:avLst>
+          </a:prstGeom>
+          <a:ln w="12700">
+            <a:solidFill>
+              <a:schemeClr val="tx2"/>
+            </a:solidFill>
+            <a:prstDash val="dash"/>
+          </a:ln>
+        </p:spPr>
+        <p:style>
+          <a:lnRef idx="1">
+            <a:schemeClr val="accent1"/>
+          </a:lnRef>
+          <a:fillRef idx="0">
+            <a:schemeClr val="accent1"/>
+          </a:fillRef>
+          <a:effectRef idx="0">
+            <a:schemeClr val="accent1"/>
+          </a:effectRef>
+          <a:fontRef idx="minor">
+            <a:schemeClr val="tx1"/>
+          </a:fontRef>
+        </p:style>
+        <p:txBody>
+          <a:bodyPr rtlCol="0" anchor="ctr"/>
+          <a:lstStyle/>
+          <a:p>
+            <a:pPr algn="ctr"/>
+            <a:endParaRPr lang="fr-FR"/>
+          </a:p>
+        </p:txBody>
+      </p:sp>
+      <p:sp>
+        <p:nvSpPr>
+          <p:cNvPr id="201" name="Arc 200"/>
+          <p:cNvSpPr/>
+          <p:nvPr/>
+        </p:nvSpPr>
+        <p:spPr>
+          <a:xfrm>
+            <a:off x="5736505" y="2858593"/>
+            <a:ext cx="1159200" cy="1159200"/>
+          </a:xfrm>
+          <a:prstGeom prst="arc">
+            <a:avLst>
+              <a:gd name="adj1" fmla="val 12088267"/>
+              <a:gd name="adj2" fmla="val 13156517"/>
+            </a:avLst>
+          </a:prstGeom>
+          <a:ln w="12700">
+            <a:solidFill>
+              <a:schemeClr val="tx2"/>
+            </a:solidFill>
+            <a:prstDash val="dash"/>
+          </a:ln>
+        </p:spPr>
+        <p:style>
+          <a:lnRef idx="1">
+            <a:schemeClr val="accent1"/>
+          </a:lnRef>
+          <a:fillRef idx="0">
+            <a:schemeClr val="accent1"/>
+          </a:fillRef>
+          <a:effectRef idx="0">
+            <a:schemeClr val="accent1"/>
+          </a:effectRef>
+          <a:fontRef idx="minor">
+            <a:schemeClr val="tx1"/>
+          </a:fontRef>
+        </p:style>
+        <p:txBody>
+          <a:bodyPr rtlCol="0" anchor="ctr"/>
+          <a:lstStyle/>
+          <a:p>
+            <a:pPr algn="ctr"/>
+            <a:endParaRPr lang="fr-FR"/>
+          </a:p>
+        </p:txBody>
+      </p:sp>
+      <p:sp>
+        <p:nvSpPr>
+          <p:cNvPr id="202" name="Arc 201"/>
+          <p:cNvSpPr/>
+          <p:nvPr/>
+        </p:nvSpPr>
+        <p:spPr>
+          <a:xfrm>
+            <a:off x="5736505" y="2856212"/>
+            <a:ext cx="1159200" cy="1159200"/>
+          </a:xfrm>
+          <a:prstGeom prst="arc">
+            <a:avLst>
+              <a:gd name="adj1" fmla="val 8427968"/>
+              <a:gd name="adj2" fmla="val 9407897"/>
+            </a:avLst>
+          </a:prstGeom>
+          <a:ln w="12700">
+            <a:solidFill>
+              <a:schemeClr val="tx2"/>
+            </a:solidFill>
+            <a:prstDash val="dash"/>
+          </a:ln>
+        </p:spPr>
+        <p:style>
+          <a:lnRef idx="1">
+            <a:schemeClr val="accent1"/>
+          </a:lnRef>
+          <a:fillRef idx="0">
+            <a:schemeClr val="accent1"/>
+          </a:fillRef>
+          <a:effectRef idx="0">
+            <a:schemeClr val="accent1"/>
+          </a:effectRef>
+          <a:fontRef idx="minor">
+            <a:schemeClr val="tx1"/>
+          </a:fontRef>
+        </p:style>
+        <p:txBody>
+          <a:bodyPr rtlCol="0" anchor="ctr"/>
+          <a:lstStyle/>
+          <a:p>
+            <a:pPr algn="ctr"/>
+            <a:endParaRPr lang="fr-FR"/>
+          </a:p>
+        </p:txBody>
+      </p:sp>
+      <p:sp>
+        <p:nvSpPr>
+          <p:cNvPr id="203" name="Arc 202"/>
+          <p:cNvSpPr/>
+          <p:nvPr/>
+        </p:nvSpPr>
+        <p:spPr>
+          <a:xfrm>
+            <a:off x="5736505" y="2858593"/>
+            <a:ext cx="1159200" cy="1159200"/>
+          </a:xfrm>
+          <a:prstGeom prst="arc">
+            <a:avLst>
+              <a:gd name="adj1" fmla="val 4890414"/>
+              <a:gd name="adj2" fmla="val 5892540"/>
+            </a:avLst>
+          </a:prstGeom>
+          <a:ln w="12700">
+            <a:solidFill>
+              <a:schemeClr val="tx2"/>
+            </a:solidFill>
+            <a:prstDash val="dash"/>
+          </a:ln>
+        </p:spPr>
+        <p:style>
+          <a:lnRef idx="1">
+            <a:schemeClr val="accent1"/>
+          </a:lnRef>
+          <a:fillRef idx="0">
+            <a:schemeClr val="accent1"/>
+          </a:fillRef>
+          <a:effectRef idx="0">
+            <a:schemeClr val="accent1"/>
+          </a:effectRef>
+          <a:fontRef idx="minor">
+            <a:schemeClr val="tx1"/>
+          </a:fontRef>
+        </p:style>
+        <p:txBody>
+          <a:bodyPr rtlCol="0" anchor="ctr"/>
+          <a:lstStyle/>
+          <a:p>
+            <a:pPr algn="ctr"/>
+            <a:endParaRPr lang="fr-FR"/>
+          </a:p>
+        </p:txBody>
+      </p:sp>
+      <p:sp>
+        <p:nvSpPr>
+          <p:cNvPr id="204" name="Arc 203"/>
+          <p:cNvSpPr/>
+          <p:nvPr/>
+        </p:nvSpPr>
+        <p:spPr>
+          <a:xfrm>
+            <a:off x="5736505" y="2858593"/>
+            <a:ext cx="1159200" cy="1159200"/>
+          </a:xfrm>
+          <a:prstGeom prst="arc">
+            <a:avLst>
+              <a:gd name="adj1" fmla="val 1300151"/>
+              <a:gd name="adj2" fmla="val 2289750"/>
+            </a:avLst>
+          </a:prstGeom>
+          <a:ln w="12700">
+            <a:solidFill>
+              <a:schemeClr val="tx2"/>
+            </a:solidFill>
+            <a:prstDash val="dash"/>
+          </a:ln>
+        </p:spPr>
+        <p:style>
+          <a:lnRef idx="1">
+            <a:schemeClr val="accent1"/>
+          </a:lnRef>
+          <a:fillRef idx="0">
+            <a:schemeClr val="accent1"/>
+          </a:fillRef>
+          <a:effectRef idx="0">
+            <a:schemeClr val="accent1"/>
+          </a:effectRef>
+          <a:fontRef idx="minor">
+            <a:schemeClr val="tx1"/>
+          </a:fontRef>
+        </p:style>
+        <p:txBody>
+          <a:bodyPr rtlCol="0" anchor="ctr"/>
+          <a:lstStyle/>
+          <a:p>
+            <a:pPr algn="ctr"/>
+            <a:endParaRPr lang="fr-FR"/>
+          </a:p>
+        </p:txBody>
+      </p:sp>
+      <p:sp>
+        <p:nvSpPr>
+          <p:cNvPr id="205" name="Arc 204"/>
+          <p:cNvSpPr/>
+          <p:nvPr/>
+        </p:nvSpPr>
+        <p:spPr>
+          <a:xfrm>
+            <a:off x="5736505" y="2858593"/>
+            <a:ext cx="1159200" cy="1159200"/>
+          </a:xfrm>
+          <a:prstGeom prst="arc">
+            <a:avLst>
+              <a:gd name="adj1" fmla="val 19328404"/>
+              <a:gd name="adj2" fmla="val 20354667"/>
+            </a:avLst>
+          </a:prstGeom>
+          <a:ln w="12700">
+            <a:solidFill>
+              <a:schemeClr val="tx2"/>
+            </a:solidFill>
+            <a:prstDash val="dash"/>
+          </a:ln>
+        </p:spPr>
+        <p:style>
+          <a:lnRef idx="1">
+            <a:schemeClr val="accent1"/>
+          </a:lnRef>
+          <a:fillRef idx="0">
+            <a:schemeClr val="accent1"/>
+          </a:fillRef>
+          <a:effectRef idx="0">
+            <a:schemeClr val="accent1"/>
+          </a:effectRef>
+          <a:fontRef idx="minor">
+            <a:schemeClr val="tx1"/>
+          </a:fontRef>
+        </p:style>
+        <p:txBody>
+          <a:bodyPr rtlCol="0" anchor="ctr"/>
+          <a:lstStyle/>
+          <a:p>
+            <a:pPr algn="ctr"/>
+            <a:endParaRPr lang="fr-FR"/>
+          </a:p>
+        </p:txBody>
+      </p:sp>
+      <p:sp>
+        <p:nvSpPr>
+          <p:cNvPr id="214" name="ZoneTexte 213"/>
+          <p:cNvSpPr txBox="1"/>
+          <p:nvPr/>
+        </p:nvSpPr>
+        <p:spPr>
+          <a:xfrm>
+            <a:off x="7386530" y="5767655"/>
+            <a:ext cx="1429580" cy="246221"/>
+          </a:xfrm>
+          <a:prstGeom prst="rect">
+            <a:avLst/>
+          </a:prstGeom>
+          <a:noFill/>
+        </p:spPr>
+        <p:txBody>
+          <a:bodyPr wrap="square" rtlCol="0">
+            <a:spAutoFit/>
+          </a:bodyPr>
+          <a:lstStyle/>
+          <a:p>
+            <a:pPr algn="ctr"/>
+            <a:r>
+              <a:rPr lang="fr-FR" sz="1000" dirty="0" smtClean="0"/>
+              <a:t>Moteur hydraulique</a:t>
+            </a:r>
+            <a:endParaRPr lang="fr-FR" sz="1000" baseline="-25000" dirty="0"/>
+          </a:p>
+        </p:txBody>
+      </p:sp>
+    </p:spTree>
+    <p:extLst>
+      <p:ext uri="{BB962C8B-B14F-4D97-AF65-F5344CB8AC3E}">
+        <p14:creationId xmlns:p14="http://schemas.microsoft.com/office/powerpoint/2010/main" val="555841581"/>
+      </p:ext>
+    </p:extLst>
+  </p:cSld>
+  <p:clrMapOvr>
+    <a:masterClrMapping/>
+  </p:clrMapOvr>
+</p:sld>
+</file>
+
+<file path=ppt/slides/slide6.xml><?xml version="1.0" encoding="utf-8"?>
+<p:sld xmlns:a="http://schemas.openxmlformats.org/drawingml/2006/main" xmlns:r="http://schemas.openxmlformats.org/officeDocument/2006/relationships" xmlns:p="http://schemas.openxmlformats.org/presentationml/2006/main">
+  <p:cSld>
+    <p:spTree>
+      <p:nvGrpSpPr>
+        <p:cNvPr id="1" name=""/>
+        <p:cNvGrpSpPr/>
+        <p:nvPr/>
+      </p:nvGrpSpPr>
+      <p:grpSpPr>
+        <a:xfrm>
+          <a:off x="0" y="0"/>
+          <a:ext cx="0" cy="0"/>
+          <a:chOff x="0" y="0"/>
+          <a:chExt cx="0" cy="0"/>
+        </a:xfrm>
+      </p:grpSpPr>
+      <p:cxnSp>
+        <p:nvCxnSpPr>
+          <p:cNvPr id="8" name="Connecteur droit 7"/>
+          <p:cNvCxnSpPr/>
+          <p:nvPr/>
+        </p:nvCxnSpPr>
+        <p:spPr>
+          <a:xfrm>
+            <a:off x="5652120" y="3425791"/>
+            <a:ext cx="3240360" cy="0"/>
+          </a:xfrm>
+          <a:prstGeom prst="line">
+            <a:avLst/>
+          </a:prstGeom>
+          <a:ln w="12700">
+            <a:solidFill>
+              <a:schemeClr val="tx2"/>
+            </a:solidFill>
+            <a:prstDash val="lgDashDot"/>
+          </a:ln>
+        </p:spPr>
+        <p:style>
+          <a:lnRef idx="1">
+            <a:schemeClr val="accent1"/>
+          </a:lnRef>
+          <a:fillRef idx="0">
+            <a:schemeClr val="accent1"/>
+          </a:fillRef>
+          <a:effectRef idx="0">
+            <a:schemeClr val="accent1"/>
+          </a:effectRef>
+          <a:fontRef idx="minor">
+            <a:schemeClr val="tx1"/>
+          </a:fontRef>
+        </p:style>
+      </p:cxnSp>
+      <p:cxnSp>
+        <p:nvCxnSpPr>
+          <p:cNvPr id="11" name="Connecteur droit 10"/>
+          <p:cNvCxnSpPr/>
+          <p:nvPr/>
+        </p:nvCxnSpPr>
+        <p:spPr>
+          <a:xfrm flipH="1">
+            <a:off x="7019273" y="1619703"/>
+            <a:ext cx="1427655" cy="0"/>
+          </a:xfrm>
+          <a:prstGeom prst="line">
+            <a:avLst/>
+          </a:prstGeom>
+          <a:ln w="28575">
+            <a:solidFill>
+              <a:schemeClr val="tx2"/>
+            </a:solidFill>
+          </a:ln>
+        </p:spPr>
+        <p:style>
+          <a:lnRef idx="1">
+            <a:schemeClr val="accent1"/>
+          </a:lnRef>
+          <a:fillRef idx="0">
+            <a:schemeClr val="accent1"/>
+          </a:fillRef>
+          <a:effectRef idx="0">
+            <a:schemeClr val="accent1"/>
+          </a:effectRef>
+          <a:fontRef idx="minor">
+            <a:schemeClr val="tx1"/>
+          </a:fontRef>
+        </p:style>
+      </p:cxnSp>
+      <p:cxnSp>
+        <p:nvCxnSpPr>
+          <p:cNvPr id="12" name="Connecteur droit 11"/>
+          <p:cNvCxnSpPr/>
+          <p:nvPr/>
+        </p:nvCxnSpPr>
+        <p:spPr>
+          <a:xfrm>
+            <a:off x="6827904" y="1835775"/>
+            <a:ext cx="2136584" cy="0"/>
+          </a:xfrm>
+          <a:prstGeom prst="line">
+            <a:avLst/>
+          </a:prstGeom>
+          <a:ln w="12700">
+            <a:solidFill>
+              <a:schemeClr val="tx2"/>
+            </a:solidFill>
+            <a:prstDash val="lgDashDot"/>
+          </a:ln>
+        </p:spPr>
+        <p:style>
+          <a:lnRef idx="1">
+            <a:schemeClr val="accent1"/>
+          </a:lnRef>
+          <a:fillRef idx="0">
+            <a:schemeClr val="accent1"/>
+          </a:fillRef>
+          <a:effectRef idx="0">
+            <a:schemeClr val="accent1"/>
+          </a:effectRef>
+          <a:fontRef idx="minor">
+            <a:schemeClr val="tx1"/>
+          </a:fontRef>
+        </p:style>
+      </p:cxnSp>
+      <p:cxnSp>
+        <p:nvCxnSpPr>
+          <p:cNvPr id="13" name="Connecteur droit 12"/>
+          <p:cNvCxnSpPr/>
+          <p:nvPr/>
+        </p:nvCxnSpPr>
+        <p:spPr>
+          <a:xfrm flipH="1">
+            <a:off x="7013142" y="2051847"/>
+            <a:ext cx="1433786" cy="0"/>
+          </a:xfrm>
+          <a:prstGeom prst="line">
+            <a:avLst/>
+          </a:prstGeom>
+          <a:ln w="28575">
+            <a:solidFill>
+              <a:schemeClr val="tx2"/>
+            </a:solidFill>
+          </a:ln>
+        </p:spPr>
+        <p:style>
+          <a:lnRef idx="1">
+            <a:schemeClr val="accent1"/>
+          </a:lnRef>
+          <a:fillRef idx="0">
+            <a:schemeClr val="accent1"/>
+          </a:fillRef>
+          <a:effectRef idx="0">
+            <a:schemeClr val="accent1"/>
+          </a:effectRef>
+          <a:fontRef idx="minor">
+            <a:schemeClr val="tx1"/>
+          </a:fontRef>
+        </p:style>
+      </p:cxnSp>
+      <p:cxnSp>
+        <p:nvCxnSpPr>
+          <p:cNvPr id="14" name="Connecteur droit 13"/>
+          <p:cNvCxnSpPr/>
+          <p:nvPr/>
+        </p:nvCxnSpPr>
+        <p:spPr>
+          <a:xfrm>
+            <a:off x="8446928" y="1619703"/>
+            <a:ext cx="0" cy="432144"/>
+          </a:xfrm>
+          <a:prstGeom prst="line">
+            <a:avLst/>
+          </a:prstGeom>
+          <a:ln w="28575">
+            <a:solidFill>
+              <a:schemeClr val="tx2"/>
+            </a:solidFill>
+          </a:ln>
+        </p:spPr>
+        <p:style>
+          <a:lnRef idx="1">
+            <a:schemeClr val="accent1"/>
+          </a:lnRef>
+          <a:fillRef idx="0">
+            <a:schemeClr val="accent1"/>
+          </a:fillRef>
+          <a:effectRef idx="0">
+            <a:schemeClr val="accent1"/>
+          </a:effectRef>
+          <a:fontRef idx="minor">
+            <a:schemeClr val="tx1"/>
+          </a:fontRef>
+        </p:style>
+      </p:cxnSp>
+      <p:cxnSp>
+        <p:nvCxnSpPr>
+          <p:cNvPr id="15" name="Connecteur droit 14"/>
+          <p:cNvCxnSpPr/>
+          <p:nvPr/>
+        </p:nvCxnSpPr>
+        <p:spPr>
+          <a:xfrm>
+            <a:off x="8446928" y="1619703"/>
+            <a:ext cx="84465" cy="216120"/>
+          </a:xfrm>
+          <a:prstGeom prst="line">
+            <a:avLst/>
+          </a:prstGeom>
+          <a:ln w="28575">
+            <a:solidFill>
+              <a:schemeClr val="tx2"/>
+            </a:solidFill>
+          </a:ln>
+        </p:spPr>
+        <p:style>
+          <a:lnRef idx="1">
+            <a:schemeClr val="accent1"/>
+          </a:lnRef>
+          <a:fillRef idx="0">
+            <a:schemeClr val="accent1"/>
+          </a:fillRef>
+          <a:effectRef idx="0">
+            <a:schemeClr val="accent1"/>
+          </a:effectRef>
+          <a:fontRef idx="minor">
+            <a:schemeClr val="tx1"/>
+          </a:fontRef>
+        </p:style>
+      </p:cxnSp>
+      <p:cxnSp>
+        <p:nvCxnSpPr>
+          <p:cNvPr id="16" name="Connecteur droit 15"/>
+          <p:cNvCxnSpPr/>
+          <p:nvPr/>
+        </p:nvCxnSpPr>
+        <p:spPr>
+          <a:xfrm flipH="1">
+            <a:off x="8446928" y="1835775"/>
+            <a:ext cx="84465" cy="216072"/>
+          </a:xfrm>
+          <a:prstGeom prst="line">
+            <a:avLst/>
+          </a:prstGeom>
+          <a:ln w="28575">
+            <a:solidFill>
+              <a:schemeClr val="tx2"/>
+            </a:solidFill>
+          </a:ln>
+        </p:spPr>
+        <p:style>
+          <a:lnRef idx="1">
+            <a:schemeClr val="accent1"/>
+          </a:lnRef>
+          <a:fillRef idx="0">
+            <a:schemeClr val="accent1"/>
+          </a:fillRef>
+          <a:effectRef idx="0">
+            <a:schemeClr val="accent1"/>
+          </a:effectRef>
+          <a:fontRef idx="minor">
+            <a:schemeClr val="tx1"/>
+          </a:fontRef>
+        </p:style>
+      </p:cxnSp>
+      <p:cxnSp>
+        <p:nvCxnSpPr>
+          <p:cNvPr id="17" name="Connecteur droit 16"/>
+          <p:cNvCxnSpPr/>
+          <p:nvPr/>
+        </p:nvCxnSpPr>
+        <p:spPr>
+          <a:xfrm flipH="1">
+            <a:off x="7019225" y="1547743"/>
+            <a:ext cx="1224136" cy="48"/>
+          </a:xfrm>
+          <a:prstGeom prst="line">
+            <a:avLst/>
+          </a:prstGeom>
+          <a:ln w="12700">
+            <a:solidFill>
+              <a:schemeClr val="tx2"/>
+            </a:solidFill>
+          </a:ln>
+        </p:spPr>
+        <p:style>
+          <a:lnRef idx="1">
+            <a:schemeClr val="accent1"/>
+          </a:lnRef>
+          <a:fillRef idx="0">
+            <a:schemeClr val="accent1"/>
+          </a:fillRef>
+          <a:effectRef idx="0">
+            <a:schemeClr val="accent1"/>
+          </a:effectRef>
+          <a:fontRef idx="minor">
+            <a:schemeClr val="tx1"/>
+          </a:fontRef>
+        </p:style>
+      </p:cxnSp>
+      <p:cxnSp>
+        <p:nvCxnSpPr>
+          <p:cNvPr id="18" name="Connecteur droit 17"/>
+          <p:cNvCxnSpPr/>
+          <p:nvPr/>
+        </p:nvCxnSpPr>
+        <p:spPr>
+          <a:xfrm flipH="1">
+            <a:off x="7019177" y="2123807"/>
+            <a:ext cx="1224184" cy="48"/>
+          </a:xfrm>
+          <a:prstGeom prst="line">
+            <a:avLst/>
+          </a:prstGeom>
+          <a:ln w="12700">
+            <a:solidFill>
+              <a:schemeClr val="tx2"/>
+            </a:solidFill>
+          </a:ln>
+        </p:spPr>
+        <p:style>
+          <a:lnRef idx="1">
+            <a:schemeClr val="accent1"/>
+          </a:lnRef>
+          <a:fillRef idx="0">
+            <a:schemeClr val="accent1"/>
+          </a:fillRef>
+          <a:effectRef idx="0">
+            <a:schemeClr val="accent1"/>
+          </a:effectRef>
+          <a:fontRef idx="minor">
+            <a:schemeClr val="tx1"/>
+          </a:fontRef>
+        </p:style>
+      </p:cxnSp>
+      <p:cxnSp>
+        <p:nvCxnSpPr>
+          <p:cNvPr id="19" name="Connecteur droit 18"/>
+          <p:cNvCxnSpPr/>
+          <p:nvPr/>
+        </p:nvCxnSpPr>
+        <p:spPr>
+          <a:xfrm flipV="1">
+            <a:off x="8243361" y="1547743"/>
+            <a:ext cx="0" cy="576064"/>
+          </a:xfrm>
+          <a:prstGeom prst="line">
+            <a:avLst/>
+          </a:prstGeom>
+          <a:ln w="12700">
+            <a:solidFill>
+              <a:schemeClr val="tx2"/>
+            </a:solidFill>
+          </a:ln>
+        </p:spPr>
+        <p:style>
+          <a:lnRef idx="1">
+            <a:schemeClr val="accent1"/>
+          </a:lnRef>
+          <a:fillRef idx="0">
+            <a:schemeClr val="accent1"/>
+          </a:fillRef>
+          <a:effectRef idx="0">
+            <a:schemeClr val="accent1"/>
+          </a:effectRef>
+          <a:fontRef idx="minor">
+            <a:schemeClr val="tx1"/>
+          </a:fontRef>
+        </p:style>
+      </p:cxnSp>
+      <p:cxnSp>
+        <p:nvCxnSpPr>
+          <p:cNvPr id="20" name="Connecteur droit 19"/>
+          <p:cNvCxnSpPr/>
+          <p:nvPr/>
+        </p:nvCxnSpPr>
+        <p:spPr>
+          <a:xfrm flipH="1">
+            <a:off x="7006603" y="1268760"/>
+            <a:ext cx="445717" cy="0"/>
+          </a:xfrm>
+          <a:prstGeom prst="line">
+            <a:avLst/>
+          </a:prstGeom>
+          <a:ln w="28575">
+            <a:solidFill>
+              <a:schemeClr val="tx2"/>
+            </a:solidFill>
+          </a:ln>
+        </p:spPr>
+        <p:style>
+          <a:lnRef idx="1">
+            <a:schemeClr val="accent1"/>
+          </a:lnRef>
+          <a:fillRef idx="0">
+            <a:schemeClr val="accent1"/>
+          </a:fillRef>
+          <a:effectRef idx="0">
+            <a:schemeClr val="accent1"/>
+          </a:effectRef>
+          <a:fontRef idx="minor">
+            <a:schemeClr val="tx1"/>
+          </a:fontRef>
+        </p:style>
+      </p:cxnSp>
+      <p:cxnSp>
+        <p:nvCxnSpPr>
+          <p:cNvPr id="24" name="Connecteur droit 23"/>
+          <p:cNvCxnSpPr/>
+          <p:nvPr/>
+        </p:nvCxnSpPr>
+        <p:spPr>
+          <a:xfrm>
+            <a:off x="7008628" y="1268760"/>
+            <a:ext cx="0" cy="4314062"/>
+          </a:xfrm>
+          <a:prstGeom prst="line">
+            <a:avLst/>
+          </a:prstGeom>
+          <a:ln w="28575">
+            <a:solidFill>
+              <a:schemeClr val="tx2"/>
+            </a:solidFill>
+          </a:ln>
+        </p:spPr>
+        <p:style>
+          <a:lnRef idx="1">
+            <a:schemeClr val="accent1"/>
+          </a:lnRef>
+          <a:fillRef idx="0">
+            <a:schemeClr val="accent1"/>
+          </a:fillRef>
+          <a:effectRef idx="0">
+            <a:schemeClr val="accent1"/>
+          </a:effectRef>
+          <a:fontRef idx="minor">
+            <a:schemeClr val="tx1"/>
+          </a:fontRef>
+        </p:style>
+      </p:cxnSp>
+      <p:cxnSp>
+        <p:nvCxnSpPr>
+          <p:cNvPr id="29" name="Connecteur droit 28"/>
+          <p:cNvCxnSpPr/>
+          <p:nvPr/>
+        </p:nvCxnSpPr>
+        <p:spPr>
+          <a:xfrm flipH="1">
+            <a:off x="6732288" y="2888928"/>
+            <a:ext cx="286985" cy="0"/>
+          </a:xfrm>
+          <a:prstGeom prst="line">
+            <a:avLst/>
+          </a:prstGeom>
+          <a:ln w="28575">
+            <a:solidFill>
+              <a:schemeClr val="tx2"/>
+            </a:solidFill>
+          </a:ln>
+        </p:spPr>
+        <p:style>
+          <a:lnRef idx="1">
+            <a:schemeClr val="accent1"/>
+          </a:lnRef>
+          <a:fillRef idx="0">
+            <a:schemeClr val="accent1"/>
+          </a:fillRef>
+          <a:effectRef idx="0">
+            <a:schemeClr val="accent1"/>
+          </a:effectRef>
+          <a:fontRef idx="minor">
+            <a:schemeClr val="tx1"/>
+          </a:fontRef>
+        </p:style>
+      </p:cxnSp>
+      <p:cxnSp>
+        <p:nvCxnSpPr>
+          <p:cNvPr id="30" name="Connecteur droit 29"/>
+          <p:cNvCxnSpPr/>
+          <p:nvPr/>
+        </p:nvCxnSpPr>
+        <p:spPr>
+          <a:xfrm flipH="1">
+            <a:off x="6732288" y="3969072"/>
+            <a:ext cx="286985" cy="0"/>
+          </a:xfrm>
+          <a:prstGeom prst="line">
+            <a:avLst/>
+          </a:prstGeom>
+          <a:ln w="28575">
+            <a:solidFill>
+              <a:schemeClr val="tx2"/>
+            </a:solidFill>
+          </a:ln>
+        </p:spPr>
+        <p:style>
+          <a:lnRef idx="1">
+            <a:schemeClr val="accent1"/>
+          </a:lnRef>
+          <a:fillRef idx="0">
+            <a:schemeClr val="accent1"/>
+          </a:fillRef>
+          <a:effectRef idx="0">
+            <a:schemeClr val="accent1"/>
+          </a:effectRef>
+          <a:fontRef idx="minor">
+            <a:schemeClr val="tx1"/>
+          </a:fontRef>
+        </p:style>
+      </p:cxnSp>
+      <p:cxnSp>
+        <p:nvCxnSpPr>
+          <p:cNvPr id="76" name="Connecteur droit 75"/>
+          <p:cNvCxnSpPr/>
+          <p:nvPr/>
+        </p:nvCxnSpPr>
+        <p:spPr>
+          <a:xfrm flipH="1">
+            <a:off x="6999060" y="5582822"/>
+            <a:ext cx="445717" cy="0"/>
+          </a:xfrm>
+          <a:prstGeom prst="line">
+            <a:avLst/>
+          </a:prstGeom>
+          <a:ln w="28575">
+            <a:solidFill>
+              <a:schemeClr val="tx2"/>
+            </a:solidFill>
+          </a:ln>
+        </p:spPr>
+        <p:style>
+          <a:lnRef idx="1">
+            <a:schemeClr val="accent1"/>
+          </a:lnRef>
+          <a:fillRef idx="0">
+            <a:schemeClr val="accent1"/>
+          </a:fillRef>
+          <a:effectRef idx="0">
+            <a:schemeClr val="accent1"/>
+          </a:effectRef>
+          <a:fontRef idx="minor">
+            <a:schemeClr val="tx1"/>
+          </a:fontRef>
+        </p:style>
+      </p:cxnSp>
+      <p:cxnSp>
+        <p:nvCxnSpPr>
+          <p:cNvPr id="80" name="Connecteur droit 79"/>
+          <p:cNvCxnSpPr/>
+          <p:nvPr/>
+        </p:nvCxnSpPr>
+        <p:spPr>
+          <a:xfrm>
+            <a:off x="6732288" y="2888928"/>
+            <a:ext cx="0" cy="1080144"/>
+          </a:xfrm>
+          <a:prstGeom prst="line">
+            <a:avLst/>
+          </a:prstGeom>
+          <a:ln w="28575">
+            <a:solidFill>
+              <a:schemeClr val="tx2"/>
+            </a:solidFill>
+          </a:ln>
+        </p:spPr>
+        <p:style>
+          <a:lnRef idx="1">
+            <a:schemeClr val="accent1"/>
+          </a:lnRef>
+          <a:fillRef idx="0">
+            <a:schemeClr val="accent1"/>
+          </a:fillRef>
+          <a:effectRef idx="0">
+            <a:schemeClr val="accent1"/>
+          </a:effectRef>
+          <a:fontRef idx="minor">
+            <a:schemeClr val="tx1"/>
+          </a:fontRef>
+        </p:style>
+      </p:cxnSp>
+      <p:cxnSp>
+        <p:nvCxnSpPr>
+          <p:cNvPr id="83" name="Connecteur droit 82"/>
+          <p:cNvCxnSpPr/>
+          <p:nvPr/>
+        </p:nvCxnSpPr>
+        <p:spPr>
+          <a:xfrm>
+            <a:off x="6642276" y="3726009"/>
+            <a:ext cx="90012" cy="0"/>
+          </a:xfrm>
+          <a:prstGeom prst="line">
+            <a:avLst/>
+          </a:prstGeom>
+          <a:ln w="28575">
+            <a:solidFill>
+              <a:schemeClr val="tx2"/>
+            </a:solidFill>
+          </a:ln>
+        </p:spPr>
+        <p:style>
+          <a:lnRef idx="1">
+            <a:schemeClr val="accent1"/>
+          </a:lnRef>
+          <a:fillRef idx="0">
+            <a:schemeClr val="accent1"/>
+          </a:fillRef>
+          <a:effectRef idx="0">
+            <a:schemeClr val="accent1"/>
+          </a:effectRef>
+          <a:fontRef idx="minor">
+            <a:schemeClr val="tx1"/>
+          </a:fontRef>
+        </p:style>
+      </p:cxnSp>
+      <p:cxnSp>
+        <p:nvCxnSpPr>
+          <p:cNvPr id="87" name="Connecteur droit 86"/>
+          <p:cNvCxnSpPr/>
+          <p:nvPr/>
+        </p:nvCxnSpPr>
+        <p:spPr>
+          <a:xfrm>
+            <a:off x="6642276" y="3158964"/>
+            <a:ext cx="90012" cy="0"/>
+          </a:xfrm>
+          <a:prstGeom prst="line">
+            <a:avLst/>
+          </a:prstGeom>
+          <a:ln w="28575">
+            <a:solidFill>
+              <a:schemeClr val="tx2"/>
+            </a:solidFill>
+          </a:ln>
+        </p:spPr>
+        <p:style>
+          <a:lnRef idx="1">
+            <a:schemeClr val="accent1"/>
+          </a:lnRef>
+          <a:fillRef idx="0">
+            <a:schemeClr val="accent1"/>
+          </a:fillRef>
+          <a:effectRef idx="0">
+            <a:schemeClr val="accent1"/>
+          </a:effectRef>
+          <a:fontRef idx="minor">
+            <a:schemeClr val="tx1"/>
+          </a:fontRef>
+        </p:style>
+      </p:cxnSp>
+      <p:cxnSp>
+        <p:nvCxnSpPr>
+          <p:cNvPr id="88" name="Connecteur droit 87"/>
+          <p:cNvCxnSpPr/>
+          <p:nvPr/>
+        </p:nvCxnSpPr>
+        <p:spPr>
+          <a:xfrm>
+            <a:off x="6642276" y="3158964"/>
+            <a:ext cx="0" cy="567045"/>
+          </a:xfrm>
+          <a:prstGeom prst="line">
+            <a:avLst/>
+          </a:prstGeom>
+          <a:ln w="28575">
+            <a:solidFill>
+              <a:schemeClr val="tx2"/>
+            </a:solidFill>
+          </a:ln>
+        </p:spPr>
+        <p:style>
+          <a:lnRef idx="1">
+            <a:schemeClr val="accent1"/>
+          </a:lnRef>
+          <a:fillRef idx="0">
+            <a:schemeClr val="accent1"/>
+          </a:fillRef>
+          <a:effectRef idx="0">
+            <a:schemeClr val="accent1"/>
+          </a:effectRef>
+          <a:fontRef idx="minor">
+            <a:schemeClr val="tx1"/>
+          </a:fontRef>
+        </p:style>
+      </p:cxnSp>
+      <p:cxnSp>
+        <p:nvCxnSpPr>
+          <p:cNvPr id="91" name="Connecteur droit 90"/>
+          <p:cNvCxnSpPr/>
+          <p:nvPr/>
+        </p:nvCxnSpPr>
+        <p:spPr>
+          <a:xfrm>
+            <a:off x="5922180" y="3262462"/>
+            <a:ext cx="720096" cy="0"/>
+          </a:xfrm>
+          <a:prstGeom prst="line">
+            <a:avLst/>
+          </a:prstGeom>
+          <a:ln w="28575">
+            <a:solidFill>
+              <a:schemeClr val="tx2"/>
+            </a:solidFill>
+          </a:ln>
+        </p:spPr>
+        <p:style>
+          <a:lnRef idx="1">
+            <a:schemeClr val="accent1"/>
+          </a:lnRef>
+          <a:fillRef idx="0">
+            <a:schemeClr val="accent1"/>
+          </a:fillRef>
+          <a:effectRef idx="0">
+            <a:schemeClr val="accent1"/>
+          </a:effectRef>
+          <a:fontRef idx="minor">
+            <a:schemeClr val="tx1"/>
+          </a:fontRef>
+        </p:style>
+      </p:cxnSp>
+      <p:cxnSp>
+        <p:nvCxnSpPr>
+          <p:cNvPr id="92" name="Connecteur droit 91"/>
+          <p:cNvCxnSpPr/>
+          <p:nvPr/>
+        </p:nvCxnSpPr>
+        <p:spPr>
+          <a:xfrm>
+            <a:off x="5922180" y="3248976"/>
+            <a:ext cx="0" cy="360048"/>
+          </a:xfrm>
+          <a:prstGeom prst="line">
+            <a:avLst/>
+          </a:prstGeom>
+          <a:ln w="28575">
+            <a:solidFill>
+              <a:schemeClr val="tx2"/>
+            </a:solidFill>
+          </a:ln>
+        </p:spPr>
+        <p:style>
+          <a:lnRef idx="1">
+            <a:schemeClr val="accent1"/>
+          </a:lnRef>
+          <a:fillRef idx="0">
+            <a:schemeClr val="accent1"/>
+          </a:fillRef>
+          <a:effectRef idx="0">
+            <a:schemeClr val="accent1"/>
+          </a:effectRef>
+          <a:fontRef idx="minor">
+            <a:schemeClr val="tx1"/>
+          </a:fontRef>
+        </p:style>
+      </p:cxnSp>
+      <p:cxnSp>
+        <p:nvCxnSpPr>
+          <p:cNvPr id="94" name="Connecteur droit 93"/>
+          <p:cNvCxnSpPr/>
+          <p:nvPr/>
+        </p:nvCxnSpPr>
+        <p:spPr>
+          <a:xfrm>
+            <a:off x="5922180" y="3609024"/>
+            <a:ext cx="720096" cy="0"/>
+          </a:xfrm>
+          <a:prstGeom prst="line">
+            <a:avLst/>
+          </a:prstGeom>
+          <a:ln w="28575">
+            <a:solidFill>
+              <a:schemeClr val="tx2"/>
+            </a:solidFill>
+          </a:ln>
+        </p:spPr>
+        <p:style>
+          <a:lnRef idx="1">
+            <a:schemeClr val="accent1"/>
+          </a:lnRef>
+          <a:fillRef idx="0">
+            <a:schemeClr val="accent1"/>
+          </a:fillRef>
+          <a:effectRef idx="0">
+            <a:schemeClr val="accent1"/>
+          </a:effectRef>
+          <a:fontRef idx="minor">
+            <a:schemeClr val="tx1"/>
+          </a:fontRef>
+        </p:style>
+      </p:cxnSp>
+      <p:cxnSp>
+        <p:nvCxnSpPr>
+          <p:cNvPr id="96" name="Connecteur droit 95"/>
+          <p:cNvCxnSpPr/>
+          <p:nvPr/>
+        </p:nvCxnSpPr>
+        <p:spPr>
+          <a:xfrm flipH="1">
+            <a:off x="5873643" y="3255400"/>
+            <a:ext cx="45006" cy="45006"/>
+          </a:xfrm>
+          <a:prstGeom prst="line">
+            <a:avLst/>
+          </a:prstGeom>
+          <a:ln w="28575">
+            <a:solidFill>
+              <a:schemeClr val="tx2"/>
+            </a:solidFill>
+          </a:ln>
+        </p:spPr>
+        <p:style>
+          <a:lnRef idx="1">
+            <a:schemeClr val="accent1"/>
+          </a:lnRef>
+          <a:fillRef idx="0">
+            <a:schemeClr val="accent1"/>
+          </a:fillRef>
+          <a:effectRef idx="0">
+            <a:schemeClr val="accent1"/>
+          </a:effectRef>
+          <a:fontRef idx="minor">
+            <a:schemeClr val="tx1"/>
+          </a:fontRef>
+        </p:style>
+      </p:cxnSp>
+      <p:cxnSp>
+        <p:nvCxnSpPr>
+          <p:cNvPr id="100" name="Connecteur droit 99"/>
+          <p:cNvCxnSpPr/>
+          <p:nvPr/>
+        </p:nvCxnSpPr>
+        <p:spPr>
+          <a:xfrm flipH="1" flipV="1">
+            <a:off x="5877970" y="3564018"/>
+            <a:ext cx="45006" cy="45006"/>
+          </a:xfrm>
+          <a:prstGeom prst="line">
+            <a:avLst/>
+          </a:prstGeom>
+          <a:ln w="28575">
+            <a:solidFill>
+              <a:schemeClr val="tx2"/>
+            </a:solidFill>
+          </a:ln>
+        </p:spPr>
+        <p:style>
+          <a:lnRef idx="1">
+            <a:schemeClr val="accent1"/>
+          </a:lnRef>
+          <a:fillRef idx="0">
+            <a:schemeClr val="accent1"/>
+          </a:fillRef>
+          <a:effectRef idx="0">
+            <a:schemeClr val="accent1"/>
+          </a:effectRef>
+          <a:fontRef idx="minor">
+            <a:schemeClr val="tx1"/>
+          </a:fontRef>
+        </p:style>
+      </p:cxnSp>
+      <p:cxnSp>
+        <p:nvCxnSpPr>
+          <p:cNvPr id="101" name="Connecteur droit 100"/>
+          <p:cNvCxnSpPr/>
+          <p:nvPr/>
+        </p:nvCxnSpPr>
+        <p:spPr>
+          <a:xfrm>
+            <a:off x="5877970" y="3300406"/>
+            <a:ext cx="0" cy="263612"/>
+          </a:xfrm>
+          <a:prstGeom prst="line">
+            <a:avLst/>
+          </a:prstGeom>
+          <a:ln w="28575">
+            <a:solidFill>
+              <a:schemeClr val="tx2"/>
+            </a:solidFill>
+          </a:ln>
+        </p:spPr>
+        <p:style>
+          <a:lnRef idx="1">
+            <a:schemeClr val="accent1"/>
+          </a:lnRef>
+          <a:fillRef idx="0">
+            <a:schemeClr val="accent1"/>
+          </a:fillRef>
+          <a:effectRef idx="0">
+            <a:schemeClr val="accent1"/>
+          </a:effectRef>
+          <a:fontRef idx="minor">
+            <a:schemeClr val="tx1"/>
+          </a:fontRef>
+        </p:style>
+      </p:cxnSp>
+      <p:sp>
+        <p:nvSpPr>
+          <p:cNvPr id="2067" name="Rectangle à coins arrondis 2066"/>
+          <p:cNvSpPr/>
+          <p:nvPr/>
+        </p:nvSpPr>
+        <p:spPr>
+          <a:xfrm>
+            <a:off x="6012192" y="3355071"/>
+            <a:ext cx="540072" cy="141439"/>
+          </a:xfrm>
+          <a:prstGeom prst="roundRect">
+            <a:avLst>
+              <a:gd name="adj" fmla="val 50000"/>
+            </a:avLst>
+          </a:prstGeom>
+          <a:ln w="28575">
+            <a:solidFill>
+              <a:schemeClr val="tx2"/>
+            </a:solidFill>
+          </a:ln>
+        </p:spPr>
+        <p:style>
+          <a:lnRef idx="1">
+            <a:schemeClr val="accent1"/>
+          </a:lnRef>
+          <a:fillRef idx="0">
+            <a:schemeClr val="accent1"/>
+          </a:fillRef>
+          <a:effectRef idx="0">
+            <a:schemeClr val="accent1"/>
+          </a:effectRef>
+          <a:fontRef idx="minor">
+            <a:schemeClr val="tx1"/>
+          </a:fontRef>
+        </p:style>
+        <p:txBody>
+          <a:bodyPr rtlCol="0" anchor="ctr"/>
+          <a:lstStyle/>
+          <a:p>
+            <a:pPr algn="ctr"/>
+            <a:endParaRPr lang="fr-FR"/>
+          </a:p>
+        </p:txBody>
+      </p:sp>
+      <p:sp>
+        <p:nvSpPr>
+          <p:cNvPr id="104" name="ZoneTexte 103"/>
+          <p:cNvSpPr txBox="1"/>
+          <p:nvPr/>
+        </p:nvSpPr>
+        <p:spPr>
+          <a:xfrm>
+            <a:off x="7008628" y="5319252"/>
+            <a:ext cx="1429580" cy="246221"/>
+          </a:xfrm>
+          <a:prstGeom prst="rect">
+            <a:avLst/>
+          </a:prstGeom>
+          <a:noFill/>
+        </p:spPr>
+        <p:txBody>
+          <a:bodyPr wrap="square" rtlCol="0">
+            <a:spAutoFit/>
+          </a:bodyPr>
+          <a:lstStyle/>
+          <a:p>
+            <a:r>
+              <a:rPr lang="fr-FR" sz="1000" dirty="0" smtClean="0"/>
+              <a:t>Compte tours</a:t>
+            </a:r>
+          </a:p>
+        </p:txBody>
+      </p:sp>
+    </p:spTree>
+    <p:extLst>
+      <p:ext uri="{BB962C8B-B14F-4D97-AF65-F5344CB8AC3E}">
+        <p14:creationId xmlns:p14="http://schemas.microsoft.com/office/powerpoint/2010/main" val="724858806"/>
       </p:ext>
     </p:extLst>
   </p:cSld>
@@ -16889,4 +20935,289 @@
   <a:objectDefaults/>
   <a:extraClrSchemeLst/>
 </a:theme>
+</file>
+
+<file path=ppt/theme/theme2.xml><?xml version="1.0" encoding="utf-8"?>
+<a:theme xmlns:a="http://schemas.openxmlformats.org/drawingml/2006/main" name="Thème Office">
+  <a:themeElements>
+    <a:clrScheme name="Office">
+      <a:dk1>
+        <a:sysClr val="windowText" lastClr="000000"/>
+      </a:dk1>
+      <a:lt1>
+        <a:sysClr val="window" lastClr="FFFFFF"/>
+      </a:lt1>
+      <a:dk2>
+        <a:srgbClr val="1F497D"/>
+      </a:dk2>
+      <a:lt2>
+        <a:srgbClr val="EEECE1"/>
+      </a:lt2>
+      <a:accent1>
+        <a:srgbClr val="4F81BD"/>
+      </a:accent1>
+      <a:accent2>
+        <a:srgbClr val="C0504D"/>
+      </a:accent2>
+      <a:accent3>
+        <a:srgbClr val="9BBB59"/>
+      </a:accent3>
+      <a:accent4>
+        <a:srgbClr val="8064A2"/>
+      </a:accent4>
+      <a:accent5>
+        <a:srgbClr val="4BACC6"/>
+      </a:accent5>
+      <a:accent6>
+        <a:srgbClr val="F79646"/>
+      </a:accent6>
+      <a:hlink>
+        <a:srgbClr val="0000FF"/>
+      </a:hlink>
+      <a:folHlink>
+        <a:srgbClr val="800080"/>
+      </a:folHlink>
+    </a:clrScheme>
+    <a:fontScheme name="Office">
+      <a:majorFont>
+        <a:latin typeface="Calibri"/>
+        <a:ea typeface=""/>
+        <a:cs typeface=""/>
+        <a:font script="Jpan" typeface="ＭＳ Ｐゴシック"/>
+        <a:font script="Hang" typeface="맑은 고딕"/>
+        <a:font script="Hans" typeface="宋体"/>
+        <a:font script="Hant" typeface="新細明體"/>
+        <a:font script="Arab" typeface="Times New Roman"/>
+        <a:font script="Hebr" typeface="Times New Roman"/>
+        <a:font script="Thai" typeface="Angsana New"/>
+        <a:font script="Ethi" typeface="Nyala"/>
+        <a:font script="Beng" typeface="Vrinda"/>
+        <a:font script="Gujr" typeface="Shruti"/>
+        <a:font script="Khmr" typeface="MoolBoran"/>
+        <a:font script="Knda" typeface="Tunga"/>
+        <a:font script="Guru" typeface="Raavi"/>
+        <a:font script="Cans" typeface="Euphemia"/>
+        <a:font script="Cher" typeface="Plantagenet Cherokee"/>
+        <a:font script="Yiii" typeface="Microsoft Yi Baiti"/>
+        <a:font script="Tibt" typeface="Microsoft Himalaya"/>
+        <a:font script="Thaa" typeface="MV Boli"/>
+        <a:font script="Deva" typeface="Mangal"/>
+        <a:font script="Telu" typeface="Gautami"/>
+        <a:font script="Taml" typeface="Latha"/>
+        <a:font script="Syrc" typeface="Estrangelo Edessa"/>
+        <a:font script="Orya" typeface="Kalinga"/>
+        <a:font script="Mlym" typeface="Kartika"/>
+        <a:font script="Laoo" typeface="DokChampa"/>
+        <a:font script="Sinh" typeface="Iskoola Pota"/>
+        <a:font script="Mong" typeface="Mongolian Baiti"/>
+        <a:font script="Viet" typeface="Times New Roman"/>
+        <a:font script="Uigh" typeface="Microsoft Uighur"/>
+        <a:font script="Geor" typeface="Sylfaen"/>
+      </a:majorFont>
+      <a:minorFont>
+        <a:latin typeface="Calibri"/>
+        <a:ea typeface=""/>
+        <a:cs typeface=""/>
+        <a:font script="Jpan" typeface="ＭＳ Ｐゴシック"/>
+        <a:font script="Hang" typeface="맑은 고딕"/>
+        <a:font script="Hans" typeface="宋体"/>
+        <a:font script="Hant" typeface="新細明體"/>
+        <a:font script="Arab" typeface="Arial"/>
+        <a:font script="Hebr" typeface="Arial"/>
+        <a:font script="Thai" typeface="Cordia New"/>
+        <a:font script="Ethi" typeface="Nyala"/>
+        <a:font script="Beng" typeface="Vrinda"/>
+        <a:font script="Gujr" typeface="Shruti"/>
+        <a:font script="Khmr" typeface="DaunPenh"/>
+        <a:font script="Knda" typeface="Tunga"/>
+        <a:font script="Guru" typeface="Raavi"/>
+        <a:font script="Cans" typeface="Euphemia"/>
+        <a:font script="Cher" typeface="Plantagenet Cherokee"/>
+        <a:font script="Yiii" typeface="Microsoft Yi Baiti"/>
+        <a:font script="Tibt" typeface="Microsoft Himalaya"/>
+        <a:font script="Thaa" typeface="MV Boli"/>
+        <a:font script="Deva" typeface="Mangal"/>
+        <a:font script="Telu" typeface="Gautami"/>
+        <a:font script="Taml" typeface="Latha"/>
+        <a:font script="Syrc" typeface="Estrangelo Edessa"/>
+        <a:font script="Orya" typeface="Kalinga"/>
+        <a:font script="Mlym" typeface="Kartika"/>
+        <a:font script="Laoo" typeface="DokChampa"/>
+        <a:font script="Sinh" typeface="Iskoola Pota"/>
+        <a:font script="Mong" typeface="Mongolian Baiti"/>
+        <a:font script="Viet" typeface="Arial"/>
+        <a:font script="Uigh" typeface="Microsoft Uighur"/>
+        <a:font script="Geor" typeface="Sylfaen"/>
+      </a:minorFont>
+    </a:fontScheme>
+    <a:fmtScheme name="Office">
+      <a:fillStyleLst>
+        <a:solidFill>
+          <a:schemeClr val="phClr"/>
+        </a:solidFill>
+        <a:gradFill rotWithShape="1">
+          <a:gsLst>
+            <a:gs pos="0">
+              <a:schemeClr val="phClr">
+                <a:tint val="50000"/>
+                <a:satMod val="300000"/>
+              </a:schemeClr>
+            </a:gs>
+            <a:gs pos="35000">
+              <a:schemeClr val="phClr">
+                <a:tint val="37000"/>
+                <a:satMod val="300000"/>
+              </a:schemeClr>
+            </a:gs>
+            <a:gs pos="100000">
+              <a:schemeClr val="phClr">
+                <a:tint val="15000"/>
+                <a:satMod val="350000"/>
+              </a:schemeClr>
+            </a:gs>
+          </a:gsLst>
+          <a:lin ang="16200000" scaled="1"/>
+        </a:gradFill>
+        <a:gradFill rotWithShape="1">
+          <a:gsLst>
+            <a:gs pos="0">
+              <a:schemeClr val="phClr">
+                <a:shade val="51000"/>
+                <a:satMod val="130000"/>
+              </a:schemeClr>
+            </a:gs>
+            <a:gs pos="80000">
+              <a:schemeClr val="phClr">
+                <a:shade val="93000"/>
+                <a:satMod val="130000"/>
+              </a:schemeClr>
+            </a:gs>
+            <a:gs pos="100000">
+              <a:schemeClr val="phClr">
+                <a:shade val="94000"/>
+                <a:satMod val="135000"/>
+              </a:schemeClr>
+            </a:gs>
+          </a:gsLst>
+          <a:lin ang="16200000" scaled="0"/>
+        </a:gradFill>
+      </a:fillStyleLst>
+      <a:lnStyleLst>
+        <a:ln w="9525" cap="flat" cmpd="sng" algn="ctr">
+          <a:solidFill>
+            <a:schemeClr val="phClr">
+              <a:shade val="95000"/>
+              <a:satMod val="105000"/>
+            </a:schemeClr>
+          </a:solidFill>
+          <a:prstDash val="solid"/>
+        </a:ln>
+        <a:ln w="25400" cap="flat" cmpd="sng" algn="ctr">
+          <a:solidFill>
+            <a:schemeClr val="phClr"/>
+          </a:solidFill>
+          <a:prstDash val="solid"/>
+        </a:ln>
+        <a:ln w="38100" cap="flat" cmpd="sng" algn="ctr">
+          <a:solidFill>
+            <a:schemeClr val="phClr"/>
+          </a:solidFill>
+          <a:prstDash val="solid"/>
+        </a:ln>
+      </a:lnStyleLst>
+      <a:effectStyleLst>
+        <a:effectStyle>
+          <a:effectLst>
+            <a:outerShdw blurRad="40000" dist="20000" dir="5400000" rotWithShape="0">
+              <a:srgbClr val="000000">
+                <a:alpha val="38000"/>
+              </a:srgbClr>
+            </a:outerShdw>
+          </a:effectLst>
+        </a:effectStyle>
+        <a:effectStyle>
+          <a:effectLst>
+            <a:outerShdw blurRad="40000" dist="23000" dir="5400000" rotWithShape="0">
+              <a:srgbClr val="000000">
+                <a:alpha val="35000"/>
+              </a:srgbClr>
+            </a:outerShdw>
+          </a:effectLst>
+        </a:effectStyle>
+        <a:effectStyle>
+          <a:effectLst>
+            <a:outerShdw blurRad="40000" dist="23000" dir="5400000" rotWithShape="0">
+              <a:srgbClr val="000000">
+                <a:alpha val="35000"/>
+              </a:srgbClr>
+            </a:outerShdw>
+          </a:effectLst>
+          <a:scene3d>
+            <a:camera prst="orthographicFront">
+              <a:rot lat="0" lon="0" rev="0"/>
+            </a:camera>
+            <a:lightRig rig="threePt" dir="t">
+              <a:rot lat="0" lon="0" rev="1200000"/>
+            </a:lightRig>
+          </a:scene3d>
+          <a:sp3d>
+            <a:bevelT w="63500" h="25400"/>
+          </a:sp3d>
+        </a:effectStyle>
+      </a:effectStyleLst>
+      <a:bgFillStyleLst>
+        <a:solidFill>
+          <a:schemeClr val="phClr"/>
+        </a:solidFill>
+        <a:gradFill rotWithShape="1">
+          <a:gsLst>
+            <a:gs pos="0">
+              <a:schemeClr val="phClr">
+                <a:tint val="40000"/>
+                <a:satMod val="350000"/>
+              </a:schemeClr>
+            </a:gs>
+            <a:gs pos="40000">
+              <a:schemeClr val="phClr">
+                <a:tint val="45000"/>
+                <a:shade val="99000"/>
+                <a:satMod val="350000"/>
+              </a:schemeClr>
+            </a:gs>
+            <a:gs pos="100000">
+              <a:schemeClr val="phClr">
+                <a:shade val="20000"/>
+                <a:satMod val="255000"/>
+              </a:schemeClr>
+            </a:gs>
+          </a:gsLst>
+          <a:path path="circle">
+            <a:fillToRect l="50000" t="-80000" r="50000" b="180000"/>
+          </a:path>
+        </a:gradFill>
+        <a:gradFill rotWithShape="1">
+          <a:gsLst>
+            <a:gs pos="0">
+              <a:schemeClr val="phClr">
+                <a:tint val="80000"/>
+                <a:satMod val="300000"/>
+              </a:schemeClr>
+            </a:gs>
+            <a:gs pos="100000">
+              <a:schemeClr val="phClr">
+                <a:shade val="30000"/>
+                <a:satMod val="200000"/>
+              </a:schemeClr>
+            </a:gs>
+          </a:gsLst>
+          <a:path path="circle">
+            <a:fillToRect l="50000" t="50000" r="50000" b="50000"/>
+          </a:path>
+        </a:gradFill>
+      </a:bgFillStyleLst>
+    </a:fmtScheme>
+  </a:themeElements>
+  <a:objectDefaults/>
+  <a:extraClrSchemeLst/>
+</a:theme>
 </file>
--- a/Concevoir/06_ConceptionsDiverses/TD_09_GrueHydraulique/images/Figures.pptx
+++ b/Concevoir/06_ConceptionsDiverses/TD_09_GrueHydraulique/images/Figures.pptx
@@ -19699,7 +19699,7 @@
         <p:spPr>
           <a:xfrm>
             <a:off x="5652120" y="3425791"/>
-            <a:ext cx="3240360" cy="0"/>
+            <a:ext cx="2520360" cy="0"/>
           </a:xfrm>
           <a:prstGeom prst="line">
             <a:avLst/>
@@ -19709,41 +19709,6 @@
               <a:schemeClr val="tx2"/>
             </a:solidFill>
             <a:prstDash val="lgDashDot"/>
-          </a:ln>
-        </p:spPr>
-        <p:style>
-          <a:lnRef idx="1">
-            <a:schemeClr val="accent1"/>
-          </a:lnRef>
-          <a:fillRef idx="0">
-            <a:schemeClr val="accent1"/>
-          </a:fillRef>
-          <a:effectRef idx="0">
-            <a:schemeClr val="accent1"/>
-          </a:effectRef>
-          <a:fontRef idx="minor">
-            <a:schemeClr val="tx1"/>
-          </a:fontRef>
-        </p:style>
-      </p:cxnSp>
-      <p:cxnSp>
-        <p:nvCxnSpPr>
-          <p:cNvPr id="11" name="Connecteur droit 10"/>
-          <p:cNvCxnSpPr/>
-          <p:nvPr/>
-        </p:nvCxnSpPr>
-        <p:spPr>
-          <a:xfrm flipH="1">
-            <a:off x="7019273" y="1619703"/>
-            <a:ext cx="1427655" cy="0"/>
-          </a:xfrm>
-          <a:prstGeom prst="line">
-            <a:avLst/>
-          </a:prstGeom>
-          <a:ln w="28575">
-            <a:solidFill>
-              <a:schemeClr val="tx2"/>
-            </a:solidFill>
           </a:ln>
         </p:spPr>
         <p:style>
@@ -19770,7 +19735,7 @@
         <p:spPr>
           <a:xfrm>
             <a:off x="6827904" y="1835775"/>
-            <a:ext cx="2136584" cy="0"/>
+            <a:ext cx="1344576" cy="0"/>
           </a:xfrm>
           <a:prstGeom prst="line">
             <a:avLst/>
@@ -19799,14 +19764,49 @@
       </p:cxnSp>
       <p:cxnSp>
         <p:nvCxnSpPr>
+          <p:cNvPr id="11" name="Connecteur droit 10"/>
+          <p:cNvCxnSpPr/>
+          <p:nvPr/>
+        </p:nvCxnSpPr>
+        <p:spPr>
+          <a:xfrm flipH="1">
+            <a:off x="7024846" y="1681417"/>
+            <a:ext cx="1005517" cy="0"/>
+          </a:xfrm>
+          <a:prstGeom prst="line">
+            <a:avLst/>
+          </a:prstGeom>
+          <a:ln w="28575">
+            <a:solidFill>
+              <a:schemeClr val="tx2"/>
+            </a:solidFill>
+          </a:ln>
+        </p:spPr>
+        <p:style>
+          <a:lnRef idx="1">
+            <a:schemeClr val="accent1"/>
+          </a:lnRef>
+          <a:fillRef idx="0">
+            <a:schemeClr val="accent1"/>
+          </a:fillRef>
+          <a:effectRef idx="0">
+            <a:schemeClr val="accent1"/>
+          </a:effectRef>
+          <a:fontRef idx="minor">
+            <a:schemeClr val="tx1"/>
+          </a:fontRef>
+        </p:style>
+      </p:cxnSp>
+      <p:cxnSp>
+        <p:nvCxnSpPr>
           <p:cNvPr id="13" name="Connecteur droit 12"/>
           <p:cNvCxnSpPr/>
           <p:nvPr/>
         </p:nvCxnSpPr>
         <p:spPr>
           <a:xfrm flipH="1">
-            <a:off x="7013142" y="2051847"/>
-            <a:ext cx="1433786" cy="0"/>
+            <a:off x="7020528" y="1985782"/>
+            <a:ext cx="1009835" cy="0"/>
           </a:xfrm>
           <a:prstGeom prst="line">
             <a:avLst/>
@@ -19840,8 +19840,8 @@
         </p:nvCxnSpPr>
         <p:spPr>
           <a:xfrm>
-            <a:off x="8446928" y="1619703"/>
-            <a:ext cx="0" cy="432144"/>
+            <a:off x="8030363" y="1681417"/>
+            <a:ext cx="0" cy="304365"/>
           </a:xfrm>
           <a:prstGeom prst="line">
             <a:avLst/>
@@ -19875,8 +19875,8 @@
         </p:nvCxnSpPr>
         <p:spPr>
           <a:xfrm>
-            <a:off x="8446928" y="1619703"/>
-            <a:ext cx="84465" cy="216120"/>
+            <a:off x="8030363" y="1681417"/>
+            <a:ext cx="59490" cy="152216"/>
           </a:xfrm>
           <a:prstGeom prst="line">
             <a:avLst/>
@@ -19910,8 +19910,8 @@
         </p:nvCxnSpPr>
         <p:spPr>
           <a:xfrm flipH="1">
-            <a:off x="8446928" y="1835775"/>
-            <a:ext cx="84465" cy="216072"/>
+            <a:off x="8030363" y="1833600"/>
+            <a:ext cx="59490" cy="152182"/>
           </a:xfrm>
           <a:prstGeom prst="line">
             <a:avLst/>
@@ -19945,8 +19945,8 @@
         </p:nvCxnSpPr>
         <p:spPr>
           <a:xfrm flipH="1">
-            <a:off x="7019225" y="1547743"/>
-            <a:ext cx="1224136" cy="48"/>
+            <a:off x="7024812" y="1630735"/>
+            <a:ext cx="862176" cy="34"/>
           </a:xfrm>
           <a:prstGeom prst="line">
             <a:avLst/>
@@ -19980,8 +19980,8 @@
         </p:nvCxnSpPr>
         <p:spPr>
           <a:xfrm flipH="1">
-            <a:off x="7019177" y="2123807"/>
-            <a:ext cx="1224184" cy="48"/>
+            <a:off x="7024779" y="2036464"/>
+            <a:ext cx="862210" cy="34"/>
           </a:xfrm>
           <a:prstGeom prst="line">
             <a:avLst/>
@@ -20015,8 +20015,8 @@
         </p:nvCxnSpPr>
         <p:spPr>
           <a:xfrm flipV="1">
-            <a:off x="8243361" y="1547743"/>
-            <a:ext cx="0" cy="576064"/>
+            <a:off x="7886988" y="1630735"/>
+            <a:ext cx="0" cy="405729"/>
           </a:xfrm>
           <a:prstGeom prst="line">
             <a:avLst/>

--- a/Concevoir/06_ConceptionsDiverses/TD_09_GrueHydraulique/images/Figures.pptx
+++ b/Concevoir/06_ConceptionsDiverses/TD_09_GrueHydraulique/images/Figures.pptx
@@ -197,7 +197,7 @@
           <a:p>
             <a:fld id="{518467BD-37C6-41F2-8B9C-2C37A7806138}" type="datetimeFigureOut">
               <a:rPr lang="fr-FR" smtClean="0"/>
-              <a:t>18/04/2015</a:t>
+              <a:t>20/04/2015</a:t>
             </a:fld>
             <a:endParaRPr lang="fr-FR"/>
           </a:p>
@@ -730,7 +730,7 @@
           <a:p>
             <a:fld id="{AA309A6D-C09C-4548-B29A-6CF363A7E532}" type="datetimeFigureOut">
               <a:rPr lang="fr-FR" smtClean="0"/>
-              <a:t>18/04/2015</a:t>
+              <a:t>20/04/2015</a:t>
             </a:fld>
             <a:endParaRPr lang="fr-BE"/>
           </a:p>
@@ -895,7 +895,7 @@
           <a:p>
             <a:fld id="{AA309A6D-C09C-4548-B29A-6CF363A7E532}" type="datetimeFigureOut">
               <a:rPr lang="fr-FR" smtClean="0"/>
-              <a:t>18/04/2015</a:t>
+              <a:t>20/04/2015</a:t>
             </a:fld>
             <a:endParaRPr lang="fr-BE"/>
           </a:p>
@@ -1070,7 +1070,7 @@
           <a:p>
             <a:fld id="{AA309A6D-C09C-4548-B29A-6CF363A7E532}" type="datetimeFigureOut">
               <a:rPr lang="fr-FR" smtClean="0"/>
-              <a:t>18/04/2015</a:t>
+              <a:t>20/04/2015</a:t>
             </a:fld>
             <a:endParaRPr lang="fr-BE"/>
           </a:p>
@@ -1235,7 +1235,7 @@
           <a:p>
             <a:fld id="{AA309A6D-C09C-4548-B29A-6CF363A7E532}" type="datetimeFigureOut">
               <a:rPr lang="fr-FR" smtClean="0"/>
-              <a:t>18/04/2015</a:t>
+              <a:t>20/04/2015</a:t>
             </a:fld>
             <a:endParaRPr lang="fr-BE"/>
           </a:p>
@@ -1476,7 +1476,7 @@
           <a:p>
             <a:fld id="{AA309A6D-C09C-4548-B29A-6CF363A7E532}" type="datetimeFigureOut">
               <a:rPr lang="fr-FR" smtClean="0"/>
-              <a:t>18/04/2015</a:t>
+              <a:t>20/04/2015</a:t>
             </a:fld>
             <a:endParaRPr lang="fr-BE"/>
           </a:p>
@@ -1759,7 +1759,7 @@
           <a:p>
             <a:fld id="{AA309A6D-C09C-4548-B29A-6CF363A7E532}" type="datetimeFigureOut">
               <a:rPr lang="fr-FR" smtClean="0"/>
-              <a:t>18/04/2015</a:t>
+              <a:t>20/04/2015</a:t>
             </a:fld>
             <a:endParaRPr lang="fr-BE"/>
           </a:p>
@@ -2176,7 +2176,7 @@
           <a:p>
             <a:fld id="{AA309A6D-C09C-4548-B29A-6CF363A7E532}" type="datetimeFigureOut">
               <a:rPr lang="fr-FR" smtClean="0"/>
-              <a:t>18/04/2015</a:t>
+              <a:t>20/04/2015</a:t>
             </a:fld>
             <a:endParaRPr lang="fr-BE"/>
           </a:p>
@@ -2289,7 +2289,7 @@
           <a:p>
             <a:fld id="{AA309A6D-C09C-4548-B29A-6CF363A7E532}" type="datetimeFigureOut">
               <a:rPr lang="fr-FR" smtClean="0"/>
-              <a:t>18/04/2015</a:t>
+              <a:t>20/04/2015</a:t>
             </a:fld>
             <a:endParaRPr lang="fr-BE"/>
           </a:p>
@@ -2379,7 +2379,7 @@
           <a:p>
             <a:fld id="{AA309A6D-C09C-4548-B29A-6CF363A7E532}" type="datetimeFigureOut">
               <a:rPr lang="fr-FR" smtClean="0"/>
-              <a:t>18/04/2015</a:t>
+              <a:t>20/04/2015</a:t>
             </a:fld>
             <a:endParaRPr lang="fr-BE"/>
           </a:p>
@@ -2651,7 +2651,7 @@
           <a:p>
             <a:fld id="{AA309A6D-C09C-4548-B29A-6CF363A7E532}" type="datetimeFigureOut">
               <a:rPr lang="fr-FR" smtClean="0"/>
-              <a:t>18/04/2015</a:t>
+              <a:t>20/04/2015</a:t>
             </a:fld>
             <a:endParaRPr lang="fr-BE"/>
           </a:p>
@@ -2899,7 +2899,7 @@
           <a:p>
             <a:fld id="{AA309A6D-C09C-4548-B29A-6CF363A7E532}" type="datetimeFigureOut">
               <a:rPr lang="fr-FR" smtClean="0"/>
-              <a:t>18/04/2015</a:t>
+              <a:t>20/04/2015</a:t>
             </a:fld>
             <a:endParaRPr lang="fr-BE"/>
           </a:p>
@@ -3107,7 +3107,7 @@
           <a:p>
             <a:fld id="{AA309A6D-C09C-4548-B29A-6CF363A7E532}" type="datetimeFigureOut">
               <a:rPr lang="fr-FR" smtClean="0"/>
-              <a:t>18/04/2015</a:t>
+              <a:t>20/04/2015</a:t>
             </a:fld>
             <a:endParaRPr lang="fr-BE"/>
           </a:p>
@@ -7080,6 +7080,414 @@
           </a:p>
         </p:txBody>
       </p:sp>
+      <mc:AlternateContent xmlns:mc="http://schemas.openxmlformats.org/markup-compatibility/2006">
+        <mc:Choice xmlns:a14="http://schemas.microsoft.com/office/drawing/2010/main" Requires="a14">
+          <p:sp>
+            <p:nvSpPr>
+              <p:cNvPr id="2" name="ZoneTexte 1"/>
+              <p:cNvSpPr txBox="1"/>
+              <p:nvPr/>
+            </p:nvSpPr>
+            <p:spPr>
+              <a:xfrm>
+                <a:off x="3671880" y="1306993"/>
+                <a:ext cx="1008112" cy="411779"/>
+              </a:xfrm>
+              <a:prstGeom prst="rect">
+                <a:avLst/>
+              </a:prstGeom>
+              <a:noFill/>
+            </p:spPr>
+            <p:txBody>
+              <a:bodyPr wrap="square" rtlCol="0">
+                <a:spAutoFit/>
+              </a:bodyPr>
+              <a:lstStyle/>
+              <a:p>
+                <a:pPr/>
+                <a14:m>
+                  <m:oMathPara xmlns:m="http://schemas.openxmlformats.org/officeDocument/2006/math">
+                    <m:oMathParaPr>
+                      <m:jc m:val="center"/>
+                    </m:oMathParaPr>
+                    <m:oMath xmlns:m="http://schemas.openxmlformats.org/officeDocument/2006/math">
+                      <m:r>
+                        <a:rPr lang="fr-FR" sz="1050" b="0" i="1" smtClean="0">
+                          <a:latin typeface="Cambria Math"/>
+                        </a:rPr>
+                        <m:t>𝑚</m:t>
+                      </m:r>
+                      <m:r>
+                        <a:rPr lang="fr-FR" sz="1050" b="0" i="1" smtClean="0">
+                          <a:latin typeface="Cambria Math"/>
+                        </a:rPr>
+                        <m:t>=3,  </m:t>
+                      </m:r>
+                      <m:r>
+                        <a:rPr lang="fr-FR" sz="1050" b="0" i="1" smtClean="0">
+                          <a:latin typeface="Cambria Math"/>
+                        </a:rPr>
+                        <m:t>𝑍</m:t>
+                      </m:r>
+                      <m:r>
+                        <a:rPr lang="fr-FR" sz="1050" b="0" i="1" smtClean="0">
+                          <a:latin typeface="Cambria Math"/>
+                        </a:rPr>
+                        <m:t>=20</m:t>
+                      </m:r>
+                    </m:oMath>
+                  </m:oMathPara>
+                </a14:m>
+                <a:endParaRPr lang="fr-FR" sz="1050" dirty="0"/>
+              </a:p>
+            </p:txBody>
+          </p:sp>
+        </mc:Choice>
+        <mc:Fallback>
+          <p:sp>
+            <p:nvSpPr>
+              <p:cNvPr id="2" name="ZoneTexte 1"/>
+              <p:cNvSpPr txBox="1">
+                <a:spLocks noRot="1" noChangeAspect="1" noMove="1" noResize="1" noEditPoints="1" noAdjustHandles="1" noChangeArrowheads="1" noChangeShapeType="1" noTextEdit="1"/>
+              </p:cNvSpPr>
+              <p:nvPr/>
+            </p:nvSpPr>
+            <p:spPr>
+              <a:xfrm>
+                <a:off x="3671880" y="1306993"/>
+                <a:ext cx="1008112" cy="411779"/>
+              </a:xfrm>
+              <a:prstGeom prst="rect">
+                <a:avLst/>
+              </a:prstGeom>
+              <a:blipFill rotWithShape="1">
+                <a:blip r:embed="rId2"/>
+                <a:stretch>
+                  <a:fillRect/>
+                </a:stretch>
+              </a:blipFill>
+            </p:spPr>
+            <p:txBody>
+              <a:bodyPr/>
+              <a:lstStyle/>
+              <a:p>
+                <a:r>
+                  <a:rPr lang="fr-FR">
+                    <a:noFill/>
+                  </a:rPr>
+                  <a:t> </a:t>
+                </a:r>
+              </a:p>
+            </p:txBody>
+          </p:sp>
+        </mc:Fallback>
+      </mc:AlternateContent>
+      <mc:AlternateContent xmlns:mc="http://schemas.openxmlformats.org/markup-compatibility/2006">
+        <mc:Choice xmlns:a14="http://schemas.microsoft.com/office/drawing/2010/main" Requires="a14">
+          <p:sp>
+            <p:nvSpPr>
+              <p:cNvPr id="101" name="ZoneTexte 100"/>
+              <p:cNvSpPr txBox="1"/>
+              <p:nvPr/>
+            </p:nvSpPr>
+            <p:spPr>
+              <a:xfrm>
+                <a:off x="4464008" y="2266840"/>
+                <a:ext cx="1008112" cy="411779"/>
+              </a:xfrm>
+              <a:prstGeom prst="rect">
+                <a:avLst/>
+              </a:prstGeom>
+              <a:noFill/>
+            </p:spPr>
+            <p:txBody>
+              <a:bodyPr wrap="square" rtlCol="0">
+                <a:spAutoFit/>
+              </a:bodyPr>
+              <a:lstStyle/>
+              <a:p>
+                <a:pPr/>
+                <a14:m>
+                  <m:oMathPara xmlns:m="http://schemas.openxmlformats.org/officeDocument/2006/math">
+                    <m:oMathParaPr>
+                      <m:jc m:val="center"/>
+                    </m:oMathParaPr>
+                    <m:oMath xmlns:m="http://schemas.openxmlformats.org/officeDocument/2006/math">
+                      <m:r>
+                        <a:rPr lang="fr-FR" sz="1050" b="0" i="1" smtClean="0">
+                          <a:latin typeface="Cambria Math"/>
+                        </a:rPr>
+                        <m:t>𝑚</m:t>
+                      </m:r>
+                      <m:r>
+                        <a:rPr lang="fr-FR" sz="1050" b="0" i="1" smtClean="0">
+                          <a:latin typeface="Cambria Math"/>
+                        </a:rPr>
+                        <m:t>=3,  </m:t>
+                      </m:r>
+                      <m:r>
+                        <a:rPr lang="fr-FR" sz="1050" b="0" i="1" smtClean="0">
+                          <a:latin typeface="Cambria Math"/>
+                        </a:rPr>
+                        <m:t>𝑍</m:t>
+                      </m:r>
+                      <m:r>
+                        <a:rPr lang="fr-FR" sz="1050" b="0" i="1" smtClean="0">
+                          <a:latin typeface="Cambria Math"/>
+                        </a:rPr>
+                        <m:t>=80</m:t>
+                      </m:r>
+                    </m:oMath>
+                  </m:oMathPara>
+                </a14:m>
+                <a:endParaRPr lang="fr-FR" sz="1050" dirty="0"/>
+              </a:p>
+            </p:txBody>
+          </p:sp>
+        </mc:Choice>
+        <mc:Fallback>
+          <p:sp>
+            <p:nvSpPr>
+              <p:cNvPr id="101" name="ZoneTexte 100"/>
+              <p:cNvSpPr txBox="1">
+                <a:spLocks noRot="1" noChangeAspect="1" noMove="1" noResize="1" noEditPoints="1" noAdjustHandles="1" noChangeArrowheads="1" noChangeShapeType="1" noTextEdit="1"/>
+              </p:cNvSpPr>
+              <p:nvPr/>
+            </p:nvSpPr>
+            <p:spPr>
+              <a:xfrm>
+                <a:off x="4464008" y="2266840"/>
+                <a:ext cx="1008112" cy="411779"/>
+              </a:xfrm>
+              <a:prstGeom prst="rect">
+                <a:avLst/>
+              </a:prstGeom>
+              <a:blipFill rotWithShape="1">
+                <a:blip r:embed="rId3"/>
+                <a:stretch>
+                  <a:fillRect/>
+                </a:stretch>
+              </a:blipFill>
+            </p:spPr>
+            <p:txBody>
+              <a:bodyPr/>
+              <a:lstStyle/>
+              <a:p>
+                <a:r>
+                  <a:rPr lang="fr-FR">
+                    <a:noFill/>
+                  </a:rPr>
+                  <a:t> </a:t>
+                </a:r>
+              </a:p>
+            </p:txBody>
+          </p:sp>
+        </mc:Fallback>
+      </mc:AlternateContent>
+      <mc:AlternateContent xmlns:mc="http://schemas.openxmlformats.org/markup-compatibility/2006">
+        <mc:Choice xmlns:a14="http://schemas.microsoft.com/office/drawing/2010/main" Requires="a14">
+          <p:sp>
+            <p:nvSpPr>
+              <p:cNvPr id="102" name="ZoneTexte 101"/>
+              <p:cNvSpPr txBox="1"/>
+              <p:nvPr/>
+            </p:nvSpPr>
+            <p:spPr>
+              <a:xfrm>
+                <a:off x="3347864" y="2658756"/>
+                <a:ext cx="1008112" cy="411779"/>
+              </a:xfrm>
+              <a:prstGeom prst="rect">
+                <a:avLst/>
+              </a:prstGeom>
+              <a:noFill/>
+            </p:spPr>
+            <p:txBody>
+              <a:bodyPr wrap="square" rtlCol="0">
+                <a:spAutoFit/>
+              </a:bodyPr>
+              <a:lstStyle/>
+              <a:p>
+                <a:pPr/>
+                <a14:m>
+                  <m:oMathPara xmlns:m="http://schemas.openxmlformats.org/officeDocument/2006/math">
+                    <m:oMathParaPr>
+                      <m:jc m:val="center"/>
+                    </m:oMathParaPr>
+                    <m:oMath xmlns:m="http://schemas.openxmlformats.org/officeDocument/2006/math">
+                      <m:r>
+                        <a:rPr lang="fr-FR" sz="1050" b="0" i="1" smtClean="0">
+                          <a:latin typeface="Cambria Math"/>
+                        </a:rPr>
+                        <m:t>𝑚</m:t>
+                      </m:r>
+                      <m:r>
+                        <a:rPr lang="fr-FR" sz="1050" b="0" i="1" smtClean="0">
+                          <a:latin typeface="Cambria Math"/>
+                        </a:rPr>
+                        <m:t>=5,  </m:t>
+                      </m:r>
+                      <m:r>
+                        <a:rPr lang="fr-FR" sz="1050" b="0" i="1" smtClean="0">
+                          <a:latin typeface="Cambria Math"/>
+                        </a:rPr>
+                        <m:t>𝑍</m:t>
+                      </m:r>
+                      <m:r>
+                        <a:rPr lang="fr-FR" sz="1050" b="0" i="1" smtClean="0">
+                          <a:latin typeface="Cambria Math"/>
+                        </a:rPr>
+                        <m:t>=15</m:t>
+                      </m:r>
+                    </m:oMath>
+                  </m:oMathPara>
+                </a14:m>
+                <a:endParaRPr lang="fr-FR" sz="1050" dirty="0"/>
+              </a:p>
+            </p:txBody>
+          </p:sp>
+        </mc:Choice>
+        <mc:Fallback>
+          <p:sp>
+            <p:nvSpPr>
+              <p:cNvPr id="102" name="ZoneTexte 101"/>
+              <p:cNvSpPr txBox="1">
+                <a:spLocks noRot="1" noChangeAspect="1" noMove="1" noResize="1" noEditPoints="1" noAdjustHandles="1" noChangeArrowheads="1" noChangeShapeType="1" noTextEdit="1"/>
+              </p:cNvSpPr>
+              <p:nvPr/>
+            </p:nvSpPr>
+            <p:spPr>
+              <a:xfrm>
+                <a:off x="3347864" y="2658756"/>
+                <a:ext cx="1008112" cy="411779"/>
+              </a:xfrm>
+              <a:prstGeom prst="rect">
+                <a:avLst/>
+              </a:prstGeom>
+              <a:blipFill rotWithShape="1">
+                <a:blip r:embed="rId4"/>
+                <a:stretch>
+                  <a:fillRect/>
+                </a:stretch>
+              </a:blipFill>
+            </p:spPr>
+            <p:txBody>
+              <a:bodyPr/>
+              <a:lstStyle/>
+              <a:p>
+                <a:r>
+                  <a:rPr lang="fr-FR">
+                    <a:noFill/>
+                  </a:rPr>
+                  <a:t> </a:t>
+                </a:r>
+              </a:p>
+            </p:txBody>
+          </p:sp>
+        </mc:Fallback>
+      </mc:AlternateContent>
+      <mc:AlternateContent xmlns:mc="http://schemas.openxmlformats.org/markup-compatibility/2006">
+        <mc:Choice xmlns:a14="http://schemas.microsoft.com/office/drawing/2010/main" Requires="a14">
+          <p:sp>
+            <p:nvSpPr>
+              <p:cNvPr id="104" name="ZoneTexte 103"/>
+              <p:cNvSpPr txBox="1"/>
+              <p:nvPr/>
+            </p:nvSpPr>
+            <p:spPr>
+              <a:xfrm>
+                <a:off x="3346326" y="5936817"/>
+                <a:ext cx="1008112" cy="411779"/>
+              </a:xfrm>
+              <a:prstGeom prst="rect">
+                <a:avLst/>
+              </a:prstGeom>
+              <a:noFill/>
+            </p:spPr>
+            <p:txBody>
+              <a:bodyPr wrap="square" rtlCol="0">
+                <a:spAutoFit/>
+              </a:bodyPr>
+              <a:lstStyle/>
+              <a:p>
+                <a:pPr/>
+                <a14:m>
+                  <m:oMathPara xmlns:m="http://schemas.openxmlformats.org/officeDocument/2006/math">
+                    <m:oMathParaPr>
+                      <m:jc m:val="center"/>
+                    </m:oMathParaPr>
+                    <m:oMath xmlns:m="http://schemas.openxmlformats.org/officeDocument/2006/math">
+                      <m:r>
+                        <a:rPr lang="fr-FR" sz="1050" b="0" i="1" smtClean="0">
+                          <a:latin typeface="Cambria Math"/>
+                        </a:rPr>
+                        <m:t>𝑚</m:t>
+                      </m:r>
+                      <m:r>
+                        <a:rPr lang="fr-FR" sz="1050" b="0" i="1" smtClean="0">
+                          <a:latin typeface="Cambria Math"/>
+                        </a:rPr>
+                        <m:t>=5,  </m:t>
+                      </m:r>
+                      <m:r>
+                        <a:rPr lang="fr-FR" sz="1050" b="0" i="1" smtClean="0">
+                          <a:latin typeface="Cambria Math"/>
+                        </a:rPr>
+                        <m:t>𝑍</m:t>
+                      </m:r>
+                      <m:r>
+                        <a:rPr lang="fr-FR" sz="1050" b="0" i="1" smtClean="0">
+                          <a:latin typeface="Cambria Math"/>
+                        </a:rPr>
+                        <m:t>=70</m:t>
+                      </m:r>
+                    </m:oMath>
+                  </m:oMathPara>
+                </a14:m>
+                <a:endParaRPr lang="fr-FR" sz="1050" dirty="0"/>
+              </a:p>
+            </p:txBody>
+          </p:sp>
+        </mc:Choice>
+        <mc:Fallback>
+          <p:sp>
+            <p:nvSpPr>
+              <p:cNvPr id="104" name="ZoneTexte 103"/>
+              <p:cNvSpPr txBox="1">
+                <a:spLocks noRot="1" noChangeAspect="1" noMove="1" noResize="1" noEditPoints="1" noAdjustHandles="1" noChangeArrowheads="1" noChangeShapeType="1" noTextEdit="1"/>
+              </p:cNvSpPr>
+              <p:nvPr/>
+            </p:nvSpPr>
+            <p:spPr>
+              <a:xfrm>
+                <a:off x="3346326" y="5936817"/>
+                <a:ext cx="1008112" cy="411779"/>
+              </a:xfrm>
+              <a:prstGeom prst="rect">
+                <a:avLst/>
+              </a:prstGeom>
+              <a:blipFill rotWithShape="1">
+                <a:blip r:embed="rId5"/>
+                <a:stretch>
+                  <a:fillRect/>
+                </a:stretch>
+              </a:blipFill>
+            </p:spPr>
+            <p:txBody>
+              <a:bodyPr/>
+              <a:lstStyle/>
+              <a:p>
+                <a:r>
+                  <a:rPr lang="fr-FR">
+                    <a:noFill/>
+                  </a:rPr>
+                  <a:t> </a:t>
+                </a:r>
+              </a:p>
+            </p:txBody>
+          </p:sp>
+        </mc:Fallback>
+      </mc:AlternateContent>
     </p:spTree>
     <p:extLst>
       <p:ext uri="{BB962C8B-B14F-4D97-AF65-F5344CB8AC3E}">
